--- a/presentations/2 - About R and RStudio.pptx
+++ b/presentations/2 - About R and RStudio.pptx
@@ -218,7 +218,7 @@
           <a:p>
             <a:fld id="{22668931-3B21-49FF-8F8C-71636D3B6246}" type="datetimeFigureOut">
               <a:rPr lang="en-US" smtClean="0"/>
-              <a:t>10/26/2023</a:t>
+              <a:t>11/10/2023</a:t>
             </a:fld>
             <a:endParaRPr lang="en-US"/>
           </a:p>
@@ -1698,7 +1698,7 @@
           <a:p>
             <a:fld id="{375DD456-C247-4442-A401-25876125ED1F}" type="datetimeFigureOut">
               <a:rPr lang="en-US" smtClean="0"/>
-              <a:t>10/26/2023</a:t>
+              <a:t>11/10/2023</a:t>
             </a:fld>
             <a:endParaRPr lang="en-US"/>
           </a:p>
@@ -1896,7 +1896,7 @@
           <a:p>
             <a:fld id="{375DD456-C247-4442-A401-25876125ED1F}" type="datetimeFigureOut">
               <a:rPr lang="en-US" smtClean="0"/>
-              <a:t>10/26/2023</a:t>
+              <a:t>11/10/2023</a:t>
             </a:fld>
             <a:endParaRPr lang="en-US"/>
           </a:p>
@@ -2104,7 +2104,7 @@
           <a:p>
             <a:fld id="{375DD456-C247-4442-A401-25876125ED1F}" type="datetimeFigureOut">
               <a:rPr lang="en-US" smtClean="0"/>
-              <a:t>10/26/2023</a:t>
+              <a:t>11/10/2023</a:t>
             </a:fld>
             <a:endParaRPr lang="en-US"/>
           </a:p>
@@ -2302,7 +2302,7 @@
           <a:p>
             <a:fld id="{375DD456-C247-4442-A401-25876125ED1F}" type="datetimeFigureOut">
               <a:rPr lang="en-US" smtClean="0"/>
-              <a:t>10/26/2023</a:t>
+              <a:t>11/10/2023</a:t>
             </a:fld>
             <a:endParaRPr lang="en-US"/>
           </a:p>
@@ -2577,7 +2577,7 @@
           <a:p>
             <a:fld id="{375DD456-C247-4442-A401-25876125ED1F}" type="datetimeFigureOut">
               <a:rPr lang="en-US" smtClean="0"/>
-              <a:t>10/26/2023</a:t>
+              <a:t>11/10/2023</a:t>
             </a:fld>
             <a:endParaRPr lang="en-US"/>
           </a:p>
@@ -2842,7 +2842,7 @@
           <a:p>
             <a:fld id="{375DD456-C247-4442-A401-25876125ED1F}" type="datetimeFigureOut">
               <a:rPr lang="en-US" smtClean="0"/>
-              <a:t>10/26/2023</a:t>
+              <a:t>11/10/2023</a:t>
             </a:fld>
             <a:endParaRPr lang="en-US"/>
           </a:p>
@@ -3254,7 +3254,7 @@
           <a:p>
             <a:fld id="{375DD456-C247-4442-A401-25876125ED1F}" type="datetimeFigureOut">
               <a:rPr lang="en-US" smtClean="0"/>
-              <a:t>10/26/2023</a:t>
+              <a:t>11/10/2023</a:t>
             </a:fld>
             <a:endParaRPr lang="en-US"/>
           </a:p>
@@ -3395,7 +3395,7 @@
           <a:p>
             <a:fld id="{375DD456-C247-4442-A401-25876125ED1F}" type="datetimeFigureOut">
               <a:rPr lang="en-US" smtClean="0"/>
-              <a:t>10/26/2023</a:t>
+              <a:t>11/10/2023</a:t>
             </a:fld>
             <a:endParaRPr lang="en-US"/>
           </a:p>
@@ -3508,7 +3508,7 @@
           <a:p>
             <a:fld id="{375DD456-C247-4442-A401-25876125ED1F}" type="datetimeFigureOut">
               <a:rPr lang="en-US" smtClean="0"/>
-              <a:t>10/26/2023</a:t>
+              <a:t>11/10/2023</a:t>
             </a:fld>
             <a:endParaRPr lang="en-US"/>
           </a:p>
@@ -3819,7 +3819,7 @@
           <a:p>
             <a:fld id="{375DD456-C247-4442-A401-25876125ED1F}" type="datetimeFigureOut">
               <a:rPr lang="en-US" smtClean="0"/>
-              <a:t>10/26/2023</a:t>
+              <a:t>11/10/2023</a:t>
             </a:fld>
             <a:endParaRPr lang="en-US"/>
           </a:p>
@@ -4107,7 +4107,7 @@
           <a:p>
             <a:fld id="{375DD456-C247-4442-A401-25876125ED1F}" type="datetimeFigureOut">
               <a:rPr lang="en-US" smtClean="0"/>
-              <a:t>10/26/2023</a:t>
+              <a:t>11/10/2023</a:t>
             </a:fld>
             <a:endParaRPr lang="en-US"/>
           </a:p>
@@ -4348,7 +4348,7 @@
           <a:p>
             <a:fld id="{375DD456-C247-4442-A401-25876125ED1F}" type="datetimeFigureOut">
               <a:rPr lang="en-US" smtClean="0"/>
-              <a:t>10/26/2023</a:t>
+              <a:t>11/10/2023</a:t>
             </a:fld>
             <a:endParaRPr lang="en-US"/>
           </a:p>
@@ -4868,7 +4868,7 @@
           <a:p>
             <a:r>
               <a:rPr lang="en-US" dirty="0"/>
-              <a:t>Quiz 1-1 ANSWERS</a:t>
+              <a:t>Quiz 2-1 ANSWERS</a:t>
             </a:r>
           </a:p>
         </p:txBody>
@@ -6356,7 +6356,7 @@
               <a:rPr lang="en-US" sz="2400" dirty="0">
                 <a:latin typeface="Consolas" panose="020B0609020204030204" pitchFamily="49" charset="0"/>
               </a:rPr>
-              <a:t>dataframename$col1</a:t>
+              <a:t>dataframename$column1</a:t>
             </a:r>
             <a:endParaRPr lang="en-US" dirty="0">
               <a:latin typeface="Consolas" panose="020B0609020204030204" pitchFamily="49" charset="0"/>
@@ -6577,14 +6577,6 @@
             <a:r>
               <a:rPr lang="en-US" dirty="0" err="1"/>
               <a:t>Ctrl+Enter</a:t>
-            </a:r>
-            <a:r>
-              <a:rPr lang="en-US" dirty="0"/>
-              <a:t>/</a:t>
-            </a:r>
-            <a:r>
-              <a:rPr lang="en-US" dirty="0" err="1"/>
-              <a:t>Cmd+Return</a:t>
             </a:r>
             <a:r>
               <a:rPr lang="en-US" dirty="0"/>
@@ -7183,7 +7175,7 @@
             </a:pPr>
             <a:r>
               <a:rPr lang="en-US" b="1" u="sng" dirty="0"/>
-              <a:t>What we just learned</a:t>
+              <a:t>What we have learned</a:t>
             </a:r>
           </a:p>
           <a:p>
@@ -8193,7 +8185,7 @@
           <a:p>
             <a:r>
               <a:rPr lang="en-US" dirty="0"/>
-              <a:t>Quiz 1-2</a:t>
+              <a:t>Quiz 2-2</a:t>
             </a:r>
           </a:p>
         </p:txBody>
@@ -8610,7 +8602,7 @@
             </a:pPr>
             <a:r>
               <a:rPr lang="en-US" dirty="0"/>
-              <a:t>b)  Ctrl + Enter (CMD + Return)</a:t>
+              <a:t>b)  Ctrl + Enter </a:t>
             </a:r>
           </a:p>
           <a:p>
@@ -8781,7 +8773,7 @@
           <a:p>
             <a:r>
               <a:rPr lang="en-US" dirty="0"/>
-              <a:t>Think of R as notepad and RStudio as MS Word. </a:t>
+              <a:t>Think of R as notepad and RStudio as MS Word </a:t>
             </a:r>
           </a:p>
           <a:p>
@@ -8850,76 +8842,97 @@
           </a:p>
         </p:txBody>
       </p:sp>
-      <p:pic>
-        <p:nvPicPr>
-          <p:cNvPr id="5" name="Picture 4" descr="A close up of a sign&#10;&#10;Description automatically generated">
-            <a:extLst>
-              <a:ext uri="{FF2B5EF4-FFF2-40B4-BE49-F238E27FC236}">
-                <a16:creationId xmlns:a16="http://schemas.microsoft.com/office/drawing/2014/main" id="{98EA43B1-CD32-4585-A5CE-BD55AE67BC35}"/>
-              </a:ext>
-            </a:extLst>
-          </p:cNvPr>
-          <p:cNvPicPr>
-            <a:picLocks noChangeAspect="1"/>
-          </p:cNvPicPr>
+      <p:grpSp>
+        <p:nvGrpSpPr>
+          <p:cNvPr id="11" name="Group 10">
+            <a:extLst>
+              <a:ext uri="{FF2B5EF4-FFF2-40B4-BE49-F238E27FC236}">
+                <a16:creationId xmlns:a16="http://schemas.microsoft.com/office/drawing/2014/main" id="{93033E89-A90F-EB7A-C030-1DD4DA42328F}"/>
+              </a:ext>
+            </a:extLst>
+          </p:cNvPr>
+          <p:cNvGrpSpPr/>
           <p:nvPr/>
-        </p:nvPicPr>
-        <p:blipFill rotWithShape="1">
-          <a:blip r:embed="rId3">
-            <a:extLst>
-              <a:ext uri="{28A0092B-C50C-407E-A947-70E740481C1C}">
-                <a14:useLocalDpi xmlns:a14="http://schemas.microsoft.com/office/drawing/2010/main" val="0"/>
-              </a:ext>
-            </a:extLst>
-          </a:blip>
-          <a:srcRect r="62987"/>
-          <a:stretch/>
-        </p:blipFill>
-        <p:spPr>
+        </p:nvGrpSpPr>
+        <p:grpSpPr>
           <a:xfrm>
-            <a:off x="9351635" y="2479218"/>
-            <a:ext cx="2002164" cy="1899564"/>
+            <a:off x="8610600" y="2090313"/>
+            <a:ext cx="3407229" cy="3071947"/>
+            <a:chOff x="8784771" y="2124105"/>
+            <a:chExt cx="3407229" cy="3071947"/>
           </a:xfrm>
-          <a:prstGeom prst="rect">
-            <a:avLst/>
-          </a:prstGeom>
-        </p:spPr>
-      </p:pic>
-      <p:pic>
-        <p:nvPicPr>
-          <p:cNvPr id="6" name="Picture 5" descr="A close up of a sign&#10;&#10;Description automatically generated">
-            <a:extLst>
-              <a:ext uri="{FF2B5EF4-FFF2-40B4-BE49-F238E27FC236}">
-                <a16:creationId xmlns:a16="http://schemas.microsoft.com/office/drawing/2014/main" id="{C0B31357-9FD6-4D54-9590-85EE4D3DBE21}"/>
-              </a:ext>
-            </a:extLst>
-          </p:cNvPr>
-          <p:cNvPicPr>
-            <a:picLocks noChangeAspect="1"/>
-          </p:cNvPicPr>
-          <p:nvPr/>
-        </p:nvPicPr>
-        <p:blipFill rotWithShape="1">
-          <a:blip r:embed="rId3">
-            <a:extLst>
-              <a:ext uri="{28A0092B-C50C-407E-A947-70E740481C1C}">
-                <a14:useLocalDpi xmlns:a14="http://schemas.microsoft.com/office/drawing/2010/main" val="0"/>
-              </a:ext>
-            </a:extLst>
-          </a:blip>
-          <a:srcRect l="37013"/>
-          <a:stretch/>
-        </p:blipFill>
-        <p:spPr>
-          <a:xfrm>
-            <a:off x="8610600" y="3861705"/>
-            <a:ext cx="3407229" cy="1899564"/>
-          </a:xfrm>
-          <a:prstGeom prst="rect">
-            <a:avLst/>
-          </a:prstGeom>
-        </p:spPr>
-      </p:pic>
+        </p:grpSpPr>
+        <p:pic>
+          <p:nvPicPr>
+            <p:cNvPr id="5" name="Picture 4" descr="A close up of a sign&#10;&#10;Description automatically generated">
+              <a:extLst>
+                <a:ext uri="{FF2B5EF4-FFF2-40B4-BE49-F238E27FC236}">
+                  <a16:creationId xmlns:a16="http://schemas.microsoft.com/office/drawing/2014/main" id="{98EA43B1-CD32-4585-A5CE-BD55AE67BC35}"/>
+                </a:ext>
+              </a:extLst>
+            </p:cNvPr>
+            <p:cNvPicPr>
+              <a:picLocks noChangeAspect="1"/>
+            </p:cNvPicPr>
+            <p:nvPr/>
+          </p:nvPicPr>
+          <p:blipFill rotWithShape="1">
+            <a:blip r:embed="rId3">
+              <a:extLst>
+                <a:ext uri="{28A0092B-C50C-407E-A947-70E740481C1C}">
+                  <a14:useLocalDpi xmlns:a14="http://schemas.microsoft.com/office/drawing/2010/main" val="0"/>
+                </a:ext>
+              </a:extLst>
+            </a:blip>
+            <a:srcRect r="62987"/>
+            <a:stretch/>
+          </p:blipFill>
+          <p:spPr>
+            <a:xfrm>
+              <a:off x="9351636" y="2124105"/>
+              <a:ext cx="2002164" cy="1899564"/>
+            </a:xfrm>
+            <a:prstGeom prst="rect">
+              <a:avLst/>
+            </a:prstGeom>
+          </p:spPr>
+        </p:pic>
+        <p:pic>
+          <p:nvPicPr>
+            <p:cNvPr id="6" name="Picture 5" descr="A close up of a sign&#10;&#10;Description automatically generated">
+              <a:extLst>
+                <a:ext uri="{FF2B5EF4-FFF2-40B4-BE49-F238E27FC236}">
+                  <a16:creationId xmlns:a16="http://schemas.microsoft.com/office/drawing/2014/main" id="{C0B31357-9FD6-4D54-9590-85EE4D3DBE21}"/>
+                </a:ext>
+              </a:extLst>
+            </p:cNvPr>
+            <p:cNvPicPr>
+              <a:picLocks noChangeAspect="1"/>
+            </p:cNvPicPr>
+            <p:nvPr/>
+          </p:nvPicPr>
+          <p:blipFill rotWithShape="1">
+            <a:blip r:embed="rId3">
+              <a:extLst>
+                <a:ext uri="{28A0092B-C50C-407E-A947-70E740481C1C}">
+                  <a14:useLocalDpi xmlns:a14="http://schemas.microsoft.com/office/drawing/2010/main" val="0"/>
+                </a:ext>
+              </a:extLst>
+            </a:blip>
+            <a:srcRect l="37013"/>
+            <a:stretch/>
+          </p:blipFill>
+          <p:spPr>
+            <a:xfrm>
+              <a:off x="8784771" y="3296488"/>
+              <a:ext cx="3407229" cy="1899564"/>
+            </a:xfrm>
+            <a:prstGeom prst="rect">
+              <a:avLst/>
+            </a:prstGeom>
+          </p:spPr>
+        </p:pic>
+      </p:grpSp>
       <p:cxnSp>
         <p:nvCxnSpPr>
           <p:cNvPr id="8" name="Straight Connector 7">
@@ -8982,8 +8995,8 @@
         </p:nvGrpSpPr>
         <p:grpSpPr>
           <a:xfrm>
-            <a:off x="7077076" y="4378781"/>
-            <a:ext cx="4940754" cy="1553023"/>
+            <a:off x="6599725" y="4946543"/>
+            <a:ext cx="5135075" cy="1338102"/>
             <a:chOff x="7077076" y="4378781"/>
             <a:chExt cx="4940754" cy="1553023"/>
           </a:xfrm>
@@ -9145,87 +9158,15 @@
                                   </p:childTnLst>
                                 </p:cTn>
                               </p:par>
-                            </p:childTnLst>
-                          </p:cTn>
-                        </p:par>
-                      </p:childTnLst>
-                    </p:cTn>
-                  </p:par>
-                  <p:par>
-                    <p:cTn id="7" fill="hold">
-                      <p:stCondLst>
-                        <p:cond delay="indefinite"/>
-                      </p:stCondLst>
-                      <p:childTnLst>
-                        <p:par>
-                          <p:cTn id="8" fill="hold">
-                            <p:stCondLst>
-                              <p:cond delay="0"/>
-                            </p:stCondLst>
-                            <p:childTnLst>
                               <p:par>
-                                <p:cTn id="9" presetID="1" presetClass="exit" presetSubtype="0" fill="hold" nodeType="clickEffect">
+                                <p:cTn id="7" presetID="1" presetClass="entr" presetSubtype="0" fill="hold" nodeType="withEffect">
                                   <p:stCondLst>
                                     <p:cond delay="0"/>
                                   </p:stCondLst>
                                   <p:childTnLst>
                                     <p:set>
                                       <p:cBhvr>
-                                        <p:cTn id="10" dur="1" fill="hold">
-                                          <p:stCondLst>
-                                            <p:cond delay="0"/>
-                                          </p:stCondLst>
-                                        </p:cTn>
-                                        <p:tgtEl>
-                                          <p:spTgt spid="6"/>
-                                        </p:tgtEl>
-                                        <p:attrNameLst>
-                                          <p:attrName>style.visibility</p:attrName>
-                                        </p:attrNameLst>
-                                      </p:cBhvr>
-                                      <p:to>
-                                        <p:strVal val="hidden"/>
-                                      </p:to>
-                                    </p:set>
-                                  </p:childTnLst>
-                                </p:cTn>
-                              </p:par>
-                              <p:par>
-                                <p:cTn id="11" presetID="1" presetClass="exit" presetSubtype="0" fill="hold" nodeType="withEffect">
-                                  <p:stCondLst>
-                                    <p:cond delay="0"/>
-                                  </p:stCondLst>
-                                  <p:childTnLst>
-                                    <p:set>
-                                      <p:cBhvr>
-                                        <p:cTn id="12" dur="1" fill="hold">
-                                          <p:stCondLst>
-                                            <p:cond delay="0"/>
-                                          </p:stCondLst>
-                                        </p:cTn>
-                                        <p:tgtEl>
-                                          <p:spTgt spid="5"/>
-                                        </p:tgtEl>
-                                        <p:attrNameLst>
-                                          <p:attrName>style.visibility</p:attrName>
-                                        </p:attrNameLst>
-                                      </p:cBhvr>
-                                      <p:to>
-                                        <p:strVal val="hidden"/>
-                                      </p:to>
-                                    </p:set>
-                                  </p:childTnLst>
-                                </p:cTn>
-                              </p:par>
-                              <p:par>
-                                <p:cTn id="13" presetID="1" presetClass="entr" presetSubtype="0" fill="hold" nodeType="withEffect">
-                                  <p:stCondLst>
-                                    <p:cond delay="0"/>
-                                  </p:stCondLst>
-                                  <p:childTnLst>
-                                    <p:set>
-                                      <p:cBhvr>
-                                        <p:cTn id="14" dur="1" fill="hold">
+                                        <p:cTn id="8" dur="1" fill="hold">
                                           <p:stCondLst>
                                             <p:cond delay="0"/>
                                           </p:stCondLst>
@@ -9315,7 +9256,7 @@
           <a:p>
             <a:r>
               <a:rPr lang="en-US" dirty="0"/>
-              <a:t>Quiz 1-2 ANSWERS</a:t>
+              <a:t>Quiz 2-2 ANSWERS</a:t>
             </a:r>
           </a:p>
         </p:txBody>
@@ -9732,7 +9673,7 @@
             </a:pPr>
             <a:r>
               <a:rPr lang="en-US" dirty="0"/>
-              <a:t>b)  Ctrl + Enter (CMD + Return)</a:t>
+              <a:t>b)  Ctrl + Enter </a:t>
             </a:r>
           </a:p>
           <a:p>
@@ -9860,7 +9801,7 @@
         </p:blipFill>
         <p:spPr>
           <a:xfrm>
-            <a:off x="10620374" y="3100939"/>
+            <a:off x="8610600" y="3182546"/>
             <a:ext cx="914400" cy="914400"/>
           </a:xfrm>
           <a:prstGeom prst="rect">
@@ -10433,7 +10374,7 @@
           <a:p>
             <a:r>
               <a:rPr lang="en-US" dirty="0"/>
-              <a:t>Quiz 1-3</a:t>
+              <a:t>Quiz 2-3</a:t>
             </a:r>
           </a:p>
         </p:txBody>
@@ -11324,7 +11265,7 @@
           <a:p>
             <a:r>
               <a:rPr lang="en-US" dirty="0"/>
-              <a:t>Quiz 1-3 ANSWERS</a:t>
+              <a:t>Quiz 2-3 ANSWERS</a:t>
             </a:r>
           </a:p>
         </p:txBody>
@@ -12344,7 +12285,7 @@
         <p:spPr>
           <a:xfrm>
             <a:off x="6676103" y="5624052"/>
-            <a:ext cx="5014452" cy="584775"/>
+            <a:ext cx="5014452" cy="523220"/>
           </a:xfrm>
           <a:prstGeom prst="rect">
             <a:avLst/>
@@ -12358,7 +12299,7 @@
           <a:lstStyle/>
           <a:p>
             <a:r>
-              <a:rPr lang="en-US" sz="1600" dirty="0"/>
+              <a:rPr lang="en-US" sz="1400" dirty="0"/>
               <a:t>gif: https://www.pipinghotdata.com/posts/2020-09-07-introducing-the-rstudio-ide-and-r-markdown/</a:t>
             </a:r>
           </a:p>
@@ -16460,7 +16401,7 @@
             </a:pPr>
             <a:r>
               <a:rPr lang="en-US" dirty="0"/>
-              <a:t>There are different “versions” of R, released to update software</a:t>
+              <a:t>There are different “versions” of R, update the software</a:t>
             </a:r>
           </a:p>
           <a:p>
@@ -16471,7 +16412,7 @@
             </a:pPr>
             <a:r>
               <a:rPr lang="en-US" dirty="0"/>
-              <a:t>Occasionally (~once a year) you may need to update R</a:t>
+              <a:t>Occasionally (~once a year) you may need to update R (or RStudio)</a:t>
             </a:r>
           </a:p>
           <a:p>
@@ -16482,7 +16423,7 @@
             </a:pPr>
             <a:r>
               <a:rPr lang="en-US" dirty="0"/>
-              <a:t>Do this by downloading from CRAN and/or running:</a:t>
+              <a:t>Do this by downloading from Software Center and/or running:</a:t>
             </a:r>
           </a:p>
           <a:p>
@@ -17072,7 +17013,7 @@
           <a:p>
             <a:r>
               <a:rPr lang="en-US" dirty="0"/>
-              <a:t>Quiz 1-1</a:t>
+              <a:t>Quiz 2-1</a:t>
             </a:r>
           </a:p>
         </p:txBody>

--- a/presentations/2 - About R and RStudio.pptx
+++ b/presentations/2 - About R and RStudio.pptx
@@ -218,7 +218,7 @@
           <a:p>
             <a:fld id="{22668931-3B21-49FF-8F8C-71636D3B6246}" type="datetimeFigureOut">
               <a:rPr lang="en-US" smtClean="0"/>
-              <a:t>11/10/2023</a:t>
+              <a:t>11/13/2023</a:t>
             </a:fld>
             <a:endParaRPr lang="en-US"/>
           </a:p>
@@ -1698,7 +1698,7 @@
           <a:p>
             <a:fld id="{375DD456-C247-4442-A401-25876125ED1F}" type="datetimeFigureOut">
               <a:rPr lang="en-US" smtClean="0"/>
-              <a:t>11/10/2023</a:t>
+              <a:t>11/13/2023</a:t>
             </a:fld>
             <a:endParaRPr lang="en-US"/>
           </a:p>
@@ -1896,7 +1896,7 @@
           <a:p>
             <a:fld id="{375DD456-C247-4442-A401-25876125ED1F}" type="datetimeFigureOut">
               <a:rPr lang="en-US" smtClean="0"/>
-              <a:t>11/10/2023</a:t>
+              <a:t>11/13/2023</a:t>
             </a:fld>
             <a:endParaRPr lang="en-US"/>
           </a:p>
@@ -2104,7 +2104,7 @@
           <a:p>
             <a:fld id="{375DD456-C247-4442-A401-25876125ED1F}" type="datetimeFigureOut">
               <a:rPr lang="en-US" smtClean="0"/>
-              <a:t>11/10/2023</a:t>
+              <a:t>11/13/2023</a:t>
             </a:fld>
             <a:endParaRPr lang="en-US"/>
           </a:p>
@@ -2302,7 +2302,7 @@
           <a:p>
             <a:fld id="{375DD456-C247-4442-A401-25876125ED1F}" type="datetimeFigureOut">
               <a:rPr lang="en-US" smtClean="0"/>
-              <a:t>11/10/2023</a:t>
+              <a:t>11/13/2023</a:t>
             </a:fld>
             <a:endParaRPr lang="en-US"/>
           </a:p>
@@ -2577,7 +2577,7 @@
           <a:p>
             <a:fld id="{375DD456-C247-4442-A401-25876125ED1F}" type="datetimeFigureOut">
               <a:rPr lang="en-US" smtClean="0"/>
-              <a:t>11/10/2023</a:t>
+              <a:t>11/13/2023</a:t>
             </a:fld>
             <a:endParaRPr lang="en-US"/>
           </a:p>
@@ -2842,7 +2842,7 @@
           <a:p>
             <a:fld id="{375DD456-C247-4442-A401-25876125ED1F}" type="datetimeFigureOut">
               <a:rPr lang="en-US" smtClean="0"/>
-              <a:t>11/10/2023</a:t>
+              <a:t>11/13/2023</a:t>
             </a:fld>
             <a:endParaRPr lang="en-US"/>
           </a:p>
@@ -3254,7 +3254,7 @@
           <a:p>
             <a:fld id="{375DD456-C247-4442-A401-25876125ED1F}" type="datetimeFigureOut">
               <a:rPr lang="en-US" smtClean="0"/>
-              <a:t>11/10/2023</a:t>
+              <a:t>11/13/2023</a:t>
             </a:fld>
             <a:endParaRPr lang="en-US"/>
           </a:p>
@@ -3395,7 +3395,7 @@
           <a:p>
             <a:fld id="{375DD456-C247-4442-A401-25876125ED1F}" type="datetimeFigureOut">
               <a:rPr lang="en-US" smtClean="0"/>
-              <a:t>11/10/2023</a:t>
+              <a:t>11/13/2023</a:t>
             </a:fld>
             <a:endParaRPr lang="en-US"/>
           </a:p>
@@ -3508,7 +3508,7 @@
           <a:p>
             <a:fld id="{375DD456-C247-4442-A401-25876125ED1F}" type="datetimeFigureOut">
               <a:rPr lang="en-US" smtClean="0"/>
-              <a:t>11/10/2023</a:t>
+              <a:t>11/13/2023</a:t>
             </a:fld>
             <a:endParaRPr lang="en-US"/>
           </a:p>
@@ -3819,7 +3819,7 @@
           <a:p>
             <a:fld id="{375DD456-C247-4442-A401-25876125ED1F}" type="datetimeFigureOut">
               <a:rPr lang="en-US" smtClean="0"/>
-              <a:t>11/10/2023</a:t>
+              <a:t>11/13/2023</a:t>
             </a:fld>
             <a:endParaRPr lang="en-US"/>
           </a:p>
@@ -4107,7 +4107,7 @@
           <a:p>
             <a:fld id="{375DD456-C247-4442-A401-25876125ED1F}" type="datetimeFigureOut">
               <a:rPr lang="en-US" smtClean="0"/>
-              <a:t>11/10/2023</a:t>
+              <a:t>11/13/2023</a:t>
             </a:fld>
             <a:endParaRPr lang="en-US"/>
           </a:p>
@@ -4348,7 +4348,7 @@
           <a:p>
             <a:fld id="{375DD456-C247-4442-A401-25876125ED1F}" type="datetimeFigureOut">
               <a:rPr lang="en-US" smtClean="0"/>
-              <a:t>11/10/2023</a:t>
+              <a:t>11/13/2023</a:t>
             </a:fld>
             <a:endParaRPr lang="en-US"/>
           </a:p>
@@ -6554,7 +6554,7 @@
             </a:pPr>
             <a:r>
               <a:rPr lang="en-US" dirty="0"/>
-              <a:t>We’ll put what we just learned to use in RStudio and review the basics of the program. You can watch my screen and/or run the lines yourselves. We’ll assess fisheries data that you use</a:t>
+              <a:t>We’ll put what we just learned to use in RStudio and review the basics of the program. You can watch my screen and write the code yourselves too. </a:t>
             </a:r>
           </a:p>
           <a:p>

--- a/presentations/2 - About R and RStudio.pptx
+++ b/presentations/2 - About R and RStudio.pptx
@@ -16219,27 +16219,6 @@
             </a:r>
           </a:p>
           <a:p>
-            <a:pPr lvl="1"/>
-            <a:r>
-              <a:rPr lang="en-US" dirty="0"/>
-              <a:t>Highlighting a word</a:t>
-            </a:r>
-          </a:p>
-          <a:p>
-            <a:pPr lvl="1"/>
-            <a:r>
-              <a:rPr lang="en-US" dirty="0"/>
-              <a:t>Changing the theme</a:t>
-            </a:r>
-          </a:p>
-          <a:p>
-            <a:pPr lvl="1"/>
-            <a:r>
-              <a:rPr lang="en-US" dirty="0"/>
-              <a:t>Using the help tab</a:t>
-            </a:r>
-          </a:p>
-          <a:p>
             <a:endParaRPr lang="en-US" dirty="0"/>
           </a:p>
         </p:txBody>

--- a/presentations/2 - About R and RStudio.pptx
+++ b/presentations/2 - About R and RStudio.pptx
@@ -16219,6 +16219,27 @@
             </a:r>
           </a:p>
           <a:p>
+            <a:pPr lvl="1"/>
+            <a:r>
+              <a:rPr lang="en-US" dirty="0"/>
+              <a:t>Highlighting a word</a:t>
+            </a:r>
+          </a:p>
+          <a:p>
+            <a:pPr lvl="1"/>
+            <a:r>
+              <a:rPr lang="en-US" dirty="0"/>
+              <a:t>Changing the theme</a:t>
+            </a:r>
+          </a:p>
+          <a:p>
+            <a:pPr lvl="1"/>
+            <a:r>
+              <a:rPr lang="en-US" dirty="0"/>
+              <a:t>Using the help tab</a:t>
+            </a:r>
+          </a:p>
+          <a:p>
             <a:endParaRPr lang="en-US" dirty="0"/>
           </a:p>
         </p:txBody>

--- a/presentations/2 - About R and RStudio.pptx
+++ b/presentations/2 - About R and RStudio.pptx
@@ -1043,8 +1043,13 @@
           <a:p>
             <a:r>
               <a:rPr lang="en-US" dirty="0"/>
-              <a:t>You’ve probably already used functions in Excel! These also had arguments</a:t>
-            </a:r>
+              <a:t>We’re going to throw some necessary jargon at you, and THESE TERMS WILL BE DEFINED LATER when we’re using them.  But this way, </a:t>
+            </a:r>
+            <a:r>
+              <a:rPr lang="en-US"/>
+              <a:t>hopefully you’re primed!</a:t>
+            </a:r>
+            <a:endParaRPr lang="en-US" dirty="0"/>
           </a:p>
         </p:txBody>
       </p:sp>
@@ -5768,25 +5773,13 @@
             </a:r>
             <a:r>
               <a:rPr lang="en-US" dirty="0"/>
-              <a:t>                    The “leftward arrow” sets the items to the right to be equal to the variable on the left. For example:   </a:t>
+              <a:t>                    The “leftward arrow” assigns the information on the right to the variable on the left. For example:   </a:t>
             </a:r>
             <a:r>
               <a:rPr lang="en-US" sz="2200" dirty="0">
                 <a:latin typeface="Consolas" panose="020B0609020204030204" pitchFamily="49" charset="0"/>
               </a:rPr>
-              <a:t>x1 &lt;- </a:t>
-            </a:r>
-            <a:r>
-              <a:rPr lang="en-US" sz="2200" dirty="0" err="1">
-                <a:latin typeface="Consolas" panose="020B0609020204030204" pitchFamily="49" charset="0"/>
-              </a:rPr>
-              <a:t>NewVariable</a:t>
-            </a:r>
-            <a:r>
-              <a:rPr lang="en-US" sz="2200" dirty="0">
-                <a:latin typeface="Consolas" panose="020B0609020204030204" pitchFamily="49" charset="0"/>
-              </a:rPr>
-              <a:t> </a:t>
+              <a:t>x1 &lt;- 42</a:t>
             </a:r>
             <a:endParaRPr lang="en-US" dirty="0">
               <a:latin typeface="Consolas" panose="020B0609020204030204" pitchFamily="49" charset="0"/>
@@ -5811,7 +5804,7 @@
               <a:rPr lang="en-US" sz="2200" dirty="0">
                 <a:latin typeface="Consolas" panose="020B0609020204030204" pitchFamily="49" charset="0"/>
               </a:rPr>
-              <a:t>x1 &lt;- c(“New Variable1”, “New Variable2”)</a:t>
+              <a:t>x1 &lt;- c(“duck”, “duck”, “duck”, “goose!”)</a:t>
             </a:r>
             <a:endParaRPr lang="en-US" dirty="0">
               <a:latin typeface="Consolas" panose="020B0609020204030204" pitchFamily="49" charset="0"/>

--- a/presentations/2 - About R and RStudio.pptx
+++ b/presentations/2 - About R and RStudio.pptx
@@ -4791,7 +4791,10 @@
           <a:bodyPr/>
           <a:lstStyle/>
           <a:p>
-            <a:endParaRPr lang="en-US"/>
+            <a:r>
+              <a:rPr lang="en-US" dirty="0"/>
+              <a:t>2 – About R &amp; RStudio</a:t>
+            </a:r>
           </a:p>
         </p:txBody>
       </p:sp>
@@ -4816,10 +4819,130 @@
           <a:bodyPr/>
           <a:lstStyle/>
           <a:p>
-            <a:endParaRPr lang="en-US"/>
-          </a:p>
-        </p:txBody>
-      </p:sp>
+            <a:r>
+              <a:rPr lang="en-US" dirty="0"/>
+              <a:t>they’re the same, right? Right?!</a:t>
+            </a:r>
+          </a:p>
+        </p:txBody>
+      </p:sp>
+      <p:pic>
+        <p:nvPicPr>
+          <p:cNvPr id="4" name="Picture 3" descr="A blue smoke on a white background&#10;&#10;Description automatically generated">
+            <a:extLst>
+              <a:ext uri="{FF2B5EF4-FFF2-40B4-BE49-F238E27FC236}">
+                <a16:creationId xmlns:a16="http://schemas.microsoft.com/office/drawing/2014/main" id="{E1537333-3925-8507-E9CF-535FCD47347A}"/>
+              </a:ext>
+            </a:extLst>
+          </p:cNvPr>
+          <p:cNvPicPr>
+            <a:picLocks noChangeAspect="1"/>
+          </p:cNvPicPr>
+          <p:nvPr/>
+        </p:nvPicPr>
+        <p:blipFill>
+          <a:blip r:embed="rId2">
+            <a:clrChange>
+              <a:clrFrom>
+                <a:srgbClr val="FAFAFA"/>
+              </a:clrFrom>
+              <a:clrTo>
+                <a:srgbClr val="FAFAFA">
+                  <a:alpha val="0"/>
+                </a:srgbClr>
+              </a:clrTo>
+            </a:clrChange>
+            <a:extLst>
+              <a:ext uri="{28A0092B-C50C-407E-A947-70E740481C1C}">
+                <a14:useLocalDpi xmlns:a14="http://schemas.microsoft.com/office/drawing/2010/main" val="0"/>
+              </a:ext>
+            </a:extLst>
+          </a:blip>
+          <a:stretch>
+            <a:fillRect/>
+          </a:stretch>
+        </p:blipFill>
+        <p:spPr>
+          <a:xfrm rot="21243389">
+            <a:off x="2492284" y="-271777"/>
+            <a:ext cx="10314939" cy="2719384"/>
+          </a:xfrm>
+          <a:prstGeom prst="rect">
+            <a:avLst/>
+          </a:prstGeom>
+        </p:spPr>
+      </p:pic>
+      <p:pic>
+        <p:nvPicPr>
+          <p:cNvPr id="5" name="Picture 4" descr="A close up of a sign&#10;&#10;Description automatically generated">
+            <a:extLst>
+              <a:ext uri="{FF2B5EF4-FFF2-40B4-BE49-F238E27FC236}">
+                <a16:creationId xmlns:a16="http://schemas.microsoft.com/office/drawing/2014/main" id="{C026A18F-3E34-DA9B-E077-5D3DD407805B}"/>
+              </a:ext>
+            </a:extLst>
+          </p:cNvPr>
+          <p:cNvPicPr>
+            <a:picLocks noChangeAspect="1"/>
+          </p:cNvPicPr>
+          <p:nvPr/>
+        </p:nvPicPr>
+        <p:blipFill rotWithShape="1">
+          <a:blip r:embed="rId3">
+            <a:extLst>
+              <a:ext uri="{28A0092B-C50C-407E-A947-70E740481C1C}">
+                <a14:useLocalDpi xmlns:a14="http://schemas.microsoft.com/office/drawing/2010/main" val="0"/>
+              </a:ext>
+            </a:extLst>
+          </a:blip>
+          <a:srcRect l="7087" t="11647" r="63578"/>
+          <a:stretch/>
+        </p:blipFill>
+        <p:spPr>
+          <a:xfrm>
+            <a:off x="0" y="0"/>
+            <a:ext cx="3180080" cy="3363439"/>
+          </a:xfrm>
+          <a:prstGeom prst="rect">
+            <a:avLst/>
+          </a:prstGeom>
+        </p:spPr>
+      </p:pic>
+      <p:pic>
+        <p:nvPicPr>
+          <p:cNvPr id="6" name="Content Placeholder 6" descr="A close up of a sign&#10;&#10;Description automatically generated">
+            <a:extLst>
+              <a:ext uri="{FF2B5EF4-FFF2-40B4-BE49-F238E27FC236}">
+                <a16:creationId xmlns:a16="http://schemas.microsoft.com/office/drawing/2014/main" id="{CE863A90-18AF-A72B-F4A9-10325100B4E1}"/>
+              </a:ext>
+            </a:extLst>
+          </p:cNvPr>
+          <p:cNvPicPr>
+            <a:picLocks noChangeAspect="1"/>
+          </p:cNvPicPr>
+          <p:nvPr/>
+        </p:nvPicPr>
+        <p:blipFill>
+          <a:blip r:embed="rId4">
+            <a:extLst>
+              <a:ext uri="{28A0092B-C50C-407E-A947-70E740481C1C}">
+                <a14:useLocalDpi xmlns:a14="http://schemas.microsoft.com/office/drawing/2010/main" val="0"/>
+              </a:ext>
+            </a:extLst>
+          </a:blip>
+          <a:stretch>
+            <a:fillRect/>
+          </a:stretch>
+        </p:blipFill>
+        <p:spPr>
+          <a:xfrm>
+            <a:off x="8479827" y="4162189"/>
+            <a:ext cx="4821743" cy="2781773"/>
+          </a:xfrm>
+          <a:prstGeom prst="rect">
+            <a:avLst/>
+          </a:prstGeom>
+        </p:spPr>
+      </p:pic>
     </p:spTree>
     <p:extLst>
       <p:ext uri="{BB962C8B-B14F-4D97-AF65-F5344CB8AC3E}">

--- a/presentations/2 - About R and RStudio.pptx
+++ b/presentations/2 - About R and RStudio.pptx
@@ -5,31 +5,32 @@
     <p:sldMasterId id="2147483648" r:id="rId1"/>
   </p:sldMasterIdLst>
   <p:notesMasterIdLst>
-    <p:notesMasterId r:id="rId24"/>
+    <p:notesMasterId r:id="rId25"/>
   </p:notesMasterIdLst>
   <p:sldIdLst>
     <p:sldId id="256" r:id="rId2"/>
     <p:sldId id="389" r:id="rId3"/>
-    <p:sldId id="299" r:id="rId4"/>
-    <p:sldId id="397" r:id="rId5"/>
-    <p:sldId id="417" r:id="rId6"/>
-    <p:sldId id="380" r:id="rId7"/>
-    <p:sldId id="418" r:id="rId8"/>
-    <p:sldId id="390" r:id="rId9"/>
-    <p:sldId id="409" r:id="rId10"/>
-    <p:sldId id="410" r:id="rId11"/>
-    <p:sldId id="262" r:id="rId12"/>
-    <p:sldId id="300" r:id="rId13"/>
-    <p:sldId id="301" r:id="rId14"/>
-    <p:sldId id="302" r:id="rId15"/>
-    <p:sldId id="330" r:id="rId16"/>
-    <p:sldId id="419" r:id="rId17"/>
-    <p:sldId id="332" r:id="rId18"/>
-    <p:sldId id="430" r:id="rId19"/>
-    <p:sldId id="406" r:id="rId20"/>
-    <p:sldId id="408" r:id="rId21"/>
-    <p:sldId id="432" r:id="rId22"/>
-    <p:sldId id="431" r:id="rId23"/>
+    <p:sldId id="433" r:id="rId4"/>
+    <p:sldId id="299" r:id="rId5"/>
+    <p:sldId id="397" r:id="rId6"/>
+    <p:sldId id="417" r:id="rId7"/>
+    <p:sldId id="380" r:id="rId8"/>
+    <p:sldId id="418" r:id="rId9"/>
+    <p:sldId id="390" r:id="rId10"/>
+    <p:sldId id="409" r:id="rId11"/>
+    <p:sldId id="410" r:id="rId12"/>
+    <p:sldId id="262" r:id="rId13"/>
+    <p:sldId id="300" r:id="rId14"/>
+    <p:sldId id="301" r:id="rId15"/>
+    <p:sldId id="302" r:id="rId16"/>
+    <p:sldId id="330" r:id="rId17"/>
+    <p:sldId id="419" r:id="rId18"/>
+    <p:sldId id="332" r:id="rId19"/>
+    <p:sldId id="430" r:id="rId20"/>
+    <p:sldId id="406" r:id="rId21"/>
+    <p:sldId id="408" r:id="rId22"/>
+    <p:sldId id="432" r:id="rId23"/>
+    <p:sldId id="431" r:id="rId24"/>
   </p:sldIdLst>
   <p:sldSz cx="12192000" cy="6858000"/>
   <p:notesSz cx="6858000" cy="9144000"/>
@@ -218,7 +219,7 @@
           <a:p>
             <a:fld id="{22668931-3B21-49FF-8F8C-71636D3B6246}" type="datetimeFigureOut">
               <a:rPr lang="en-US" smtClean="0"/>
-              <a:t>11/13/2023</a:t>
+              <a:t>12/10/2023</a:t>
             </a:fld>
             <a:endParaRPr lang="en-US"/>
           </a:p>
@@ -788,7 +789,7 @@
           <a:p>
             <a:fld id="{AD86E2D3-8F12-4CB7-B6F3-018CFC08298B}" type="slidenum">
               <a:rPr lang="en-US" smtClean="0"/>
-              <a:t>4</a:t>
+              <a:t>5</a:t>
             </a:fld>
             <a:endParaRPr lang="en-US"/>
           </a:p>
@@ -978,7 +979,7 @@
           <a:p>
             <a:fld id="{AD86E2D3-8F12-4CB7-B6F3-018CFC08298B}" type="slidenum">
               <a:rPr lang="en-US" smtClean="0"/>
-              <a:t>8</a:t>
+              <a:t>9</a:t>
             </a:fld>
             <a:endParaRPr lang="en-US"/>
           </a:p>
@@ -1070,7 +1071,7 @@
           <a:p>
             <a:fld id="{AD86E2D3-8F12-4CB7-B6F3-018CFC08298B}" type="slidenum">
               <a:rPr lang="en-US" smtClean="0"/>
-              <a:t>11</a:t>
+              <a:t>12</a:t>
             </a:fld>
             <a:endParaRPr lang="en-US"/>
           </a:p>
@@ -1157,7 +1158,7 @@
           <a:p>
             <a:fld id="{AD86E2D3-8F12-4CB7-B6F3-018CFC08298B}" type="slidenum">
               <a:rPr lang="en-US" smtClean="0"/>
-              <a:t>12</a:t>
+              <a:t>13</a:t>
             </a:fld>
             <a:endParaRPr lang="en-US"/>
           </a:p>
@@ -1285,7 +1286,7 @@
           <a:p>
             <a:fld id="{AD86E2D3-8F12-4CB7-B6F3-018CFC08298B}" type="slidenum">
               <a:rPr lang="en-US" smtClean="0"/>
-              <a:t>14</a:t>
+              <a:t>15</a:t>
             </a:fld>
             <a:endParaRPr lang="en-US"/>
           </a:p>
@@ -1369,7 +1370,7 @@
           <a:p>
             <a:fld id="{AD86E2D3-8F12-4CB7-B6F3-018CFC08298B}" type="slidenum">
               <a:rPr lang="en-US" smtClean="0"/>
-              <a:t>15</a:t>
+              <a:t>16</a:t>
             </a:fld>
             <a:endParaRPr lang="en-US"/>
           </a:p>
@@ -1453,7 +1454,7 @@
           <a:p>
             <a:fld id="{AD86E2D3-8F12-4CB7-B6F3-018CFC08298B}" type="slidenum">
               <a:rPr lang="en-US" smtClean="0"/>
-              <a:t>17</a:t>
+              <a:t>18</a:t>
             </a:fld>
             <a:endParaRPr lang="en-US"/>
           </a:p>
@@ -1537,7 +1538,7 @@
           <a:p>
             <a:fld id="{AD86E2D3-8F12-4CB7-B6F3-018CFC08298B}" type="slidenum">
               <a:rPr lang="en-US" smtClean="0"/>
-              <a:t>18</a:t>
+              <a:t>19</a:t>
             </a:fld>
             <a:endParaRPr lang="en-US"/>
           </a:p>
@@ -1703,7 +1704,7 @@
           <a:p>
             <a:fld id="{375DD456-C247-4442-A401-25876125ED1F}" type="datetimeFigureOut">
               <a:rPr lang="en-US" smtClean="0"/>
-              <a:t>11/13/2023</a:t>
+              <a:t>12/10/2023</a:t>
             </a:fld>
             <a:endParaRPr lang="en-US"/>
           </a:p>
@@ -1901,7 +1902,7 @@
           <a:p>
             <a:fld id="{375DD456-C247-4442-A401-25876125ED1F}" type="datetimeFigureOut">
               <a:rPr lang="en-US" smtClean="0"/>
-              <a:t>11/13/2023</a:t>
+              <a:t>12/10/2023</a:t>
             </a:fld>
             <a:endParaRPr lang="en-US"/>
           </a:p>
@@ -2109,7 +2110,7 @@
           <a:p>
             <a:fld id="{375DD456-C247-4442-A401-25876125ED1F}" type="datetimeFigureOut">
               <a:rPr lang="en-US" smtClean="0"/>
-              <a:t>11/13/2023</a:t>
+              <a:t>12/10/2023</a:t>
             </a:fld>
             <a:endParaRPr lang="en-US"/>
           </a:p>
@@ -2307,7 +2308,7 @@
           <a:p>
             <a:fld id="{375DD456-C247-4442-A401-25876125ED1F}" type="datetimeFigureOut">
               <a:rPr lang="en-US" smtClean="0"/>
-              <a:t>11/13/2023</a:t>
+              <a:t>12/10/2023</a:t>
             </a:fld>
             <a:endParaRPr lang="en-US"/>
           </a:p>
@@ -2582,7 +2583,7 @@
           <a:p>
             <a:fld id="{375DD456-C247-4442-A401-25876125ED1F}" type="datetimeFigureOut">
               <a:rPr lang="en-US" smtClean="0"/>
-              <a:t>11/13/2023</a:t>
+              <a:t>12/10/2023</a:t>
             </a:fld>
             <a:endParaRPr lang="en-US"/>
           </a:p>
@@ -2847,7 +2848,7 @@
           <a:p>
             <a:fld id="{375DD456-C247-4442-A401-25876125ED1F}" type="datetimeFigureOut">
               <a:rPr lang="en-US" smtClean="0"/>
-              <a:t>11/13/2023</a:t>
+              <a:t>12/10/2023</a:t>
             </a:fld>
             <a:endParaRPr lang="en-US"/>
           </a:p>
@@ -3259,7 +3260,7 @@
           <a:p>
             <a:fld id="{375DD456-C247-4442-A401-25876125ED1F}" type="datetimeFigureOut">
               <a:rPr lang="en-US" smtClean="0"/>
-              <a:t>11/13/2023</a:t>
+              <a:t>12/10/2023</a:t>
             </a:fld>
             <a:endParaRPr lang="en-US"/>
           </a:p>
@@ -3400,7 +3401,7 @@
           <a:p>
             <a:fld id="{375DD456-C247-4442-A401-25876125ED1F}" type="datetimeFigureOut">
               <a:rPr lang="en-US" smtClean="0"/>
-              <a:t>11/13/2023</a:t>
+              <a:t>12/10/2023</a:t>
             </a:fld>
             <a:endParaRPr lang="en-US"/>
           </a:p>
@@ -3513,7 +3514,7 @@
           <a:p>
             <a:fld id="{375DD456-C247-4442-A401-25876125ED1F}" type="datetimeFigureOut">
               <a:rPr lang="en-US" smtClean="0"/>
-              <a:t>11/13/2023</a:t>
+              <a:t>12/10/2023</a:t>
             </a:fld>
             <a:endParaRPr lang="en-US"/>
           </a:p>
@@ -3824,7 +3825,7 @@
           <a:p>
             <a:fld id="{375DD456-C247-4442-A401-25876125ED1F}" type="datetimeFigureOut">
               <a:rPr lang="en-US" smtClean="0"/>
-              <a:t>11/13/2023</a:t>
+              <a:t>12/10/2023</a:t>
             </a:fld>
             <a:endParaRPr lang="en-US"/>
           </a:p>
@@ -4112,7 +4113,7 @@
           <a:p>
             <a:fld id="{375DD456-C247-4442-A401-25876125ED1F}" type="datetimeFigureOut">
               <a:rPr lang="en-US" smtClean="0"/>
-              <a:t>11/13/2023</a:t>
+              <a:t>12/10/2023</a:t>
             </a:fld>
             <a:endParaRPr lang="en-US"/>
           </a:p>
@@ -4353,7 +4354,7 @@
           <a:p>
             <a:fld id="{375DD456-C247-4442-A401-25876125ED1F}" type="datetimeFigureOut">
               <a:rPr lang="en-US" smtClean="0"/>
-              <a:t>11/13/2023</a:t>
+              <a:t>12/10/2023</a:t>
             </a:fld>
             <a:endParaRPr lang="en-US"/>
           </a:p>
@@ -4996,7 +4997,7 @@
           <a:p>
             <a:r>
               <a:rPr lang="en-US" dirty="0"/>
-              <a:t>Quiz 2-1 ANSWERS</a:t>
+              <a:t>Quiz 2-1</a:t>
             </a:r>
           </a:p>
         </p:txBody>
@@ -5032,7 +5033,7 @@
             </a:pPr>
             <a:r>
               <a:rPr lang="en-US" dirty="0"/>
-              <a:t>When should you use “R Project” instead of RStudio?</a:t>
+              <a:t>When should you open the program “R” instead of RStudio?</a:t>
             </a:r>
           </a:p>
           <a:p>
@@ -5398,6 +5399,461 @@
           </a:p>
         </p:txBody>
       </p:sp>
+    </p:spTree>
+    <p:extLst>
+      <p:ext uri="{BB962C8B-B14F-4D97-AF65-F5344CB8AC3E}">
+        <p14:creationId xmlns:p14="http://schemas.microsoft.com/office/powerpoint/2010/main" val="4090013592"/>
+      </p:ext>
+    </p:extLst>
+  </p:cSld>
+  <p:clrMapOvr>
+    <a:masterClrMapping/>
+  </p:clrMapOvr>
+</p:sld>
+</file>
+
+<file path=ppt/slides/slide11.xml><?xml version="1.0" encoding="utf-8"?>
+<p:sld xmlns:a="http://schemas.openxmlformats.org/drawingml/2006/main" xmlns:r="http://schemas.openxmlformats.org/officeDocument/2006/relationships" xmlns:p="http://schemas.openxmlformats.org/presentationml/2006/main">
+  <p:cSld>
+    <p:spTree>
+      <p:nvGrpSpPr>
+        <p:cNvPr id="1" name=""/>
+        <p:cNvGrpSpPr/>
+        <p:nvPr/>
+      </p:nvGrpSpPr>
+      <p:grpSpPr>
+        <a:xfrm>
+          <a:off x="0" y="0"/>
+          <a:ext cx="0" cy="0"/>
+          <a:chOff x="0" y="0"/>
+          <a:chExt cx="0" cy="0"/>
+        </a:xfrm>
+      </p:grpSpPr>
+      <p:sp>
+        <p:nvSpPr>
+          <p:cNvPr id="2" name="Title 1">
+            <a:extLst>
+              <a:ext uri="{FF2B5EF4-FFF2-40B4-BE49-F238E27FC236}">
+                <a16:creationId xmlns:a16="http://schemas.microsoft.com/office/drawing/2014/main" id="{2DF9ACCF-96E6-41F8-B607-79BD9E31D127}"/>
+              </a:ext>
+            </a:extLst>
+          </p:cNvPr>
+          <p:cNvSpPr>
+            <a:spLocks noGrp="1"/>
+          </p:cNvSpPr>
+          <p:nvPr>
+            <p:ph type="title"/>
+          </p:nvPr>
+        </p:nvSpPr>
+        <p:spPr/>
+        <p:txBody>
+          <a:bodyPr/>
+          <a:lstStyle/>
+          <a:p>
+            <a:r>
+              <a:rPr lang="en-US" dirty="0"/>
+              <a:t>Quiz 2-1 ANSWERS</a:t>
+            </a:r>
+          </a:p>
+        </p:txBody>
+      </p:sp>
+      <p:sp>
+        <p:nvSpPr>
+          <p:cNvPr id="3" name="Content Placeholder 2">
+            <a:extLst>
+              <a:ext uri="{FF2B5EF4-FFF2-40B4-BE49-F238E27FC236}">
+                <a16:creationId xmlns:a16="http://schemas.microsoft.com/office/drawing/2014/main" id="{CDF55C37-DC1C-4A2A-A449-93B2EDA85153}"/>
+              </a:ext>
+            </a:extLst>
+          </p:cNvPr>
+          <p:cNvSpPr>
+            <a:spLocks noGrp="1"/>
+          </p:cNvSpPr>
+          <p:nvPr>
+            <p:ph idx="1"/>
+          </p:nvPr>
+        </p:nvSpPr>
+        <p:spPr>
+          <a:xfrm>
+            <a:off x="731520" y="1589651"/>
+            <a:ext cx="4989627" cy="4351338"/>
+          </a:xfrm>
+        </p:spPr>
+        <p:txBody>
+          <a:bodyPr/>
+          <a:lstStyle/>
+          <a:p>
+            <a:pPr marL="0" indent="0">
+              <a:buNone/>
+            </a:pPr>
+            <a:r>
+              <a:rPr lang="en-US" dirty="0"/>
+              <a:t>When should you open the program “R” instead of RStudio?</a:t>
+            </a:r>
+          </a:p>
+          <a:p>
+            <a:pPr marL="0" indent="0">
+              <a:buNone/>
+            </a:pPr>
+            <a:endParaRPr lang="en-US" dirty="0">
+              <a:latin typeface="Consolas" panose="020B0609020204030204" pitchFamily="49" charset="0"/>
+            </a:endParaRPr>
+          </a:p>
+          <a:p>
+            <a:pPr marL="0" indent="0">
+              <a:buNone/>
+            </a:pPr>
+            <a:r>
+              <a:rPr lang="en-US" dirty="0"/>
+              <a:t>a) Never. We always use RStudio. </a:t>
+            </a:r>
+          </a:p>
+          <a:p>
+            <a:pPr marL="0" indent="0">
+              <a:buNone/>
+            </a:pPr>
+            <a:r>
+              <a:rPr lang="en-US" dirty="0"/>
+              <a:t>b) Always. Kick it old school R</a:t>
+            </a:r>
+          </a:p>
+          <a:p>
+            <a:pPr marL="342900" indent="-342900">
+              <a:buNone/>
+            </a:pPr>
+            <a:r>
+              <a:rPr lang="en-US" dirty="0"/>
+              <a:t>c) Always. I am a crusty old  biometrician. </a:t>
+            </a:r>
+          </a:p>
+        </p:txBody>
+      </p:sp>
+      <p:sp>
+        <p:nvSpPr>
+          <p:cNvPr id="5" name="Rectangle 4">
+            <a:extLst>
+              <a:ext uri="{FF2B5EF4-FFF2-40B4-BE49-F238E27FC236}">
+                <a16:creationId xmlns:a16="http://schemas.microsoft.com/office/drawing/2014/main" id="{EFB5E4AB-B7A6-4612-B3E2-67703CC55133}"/>
+              </a:ext>
+            </a:extLst>
+          </p:cNvPr>
+          <p:cNvSpPr/>
+          <p:nvPr/>
+        </p:nvSpPr>
+        <p:spPr>
+          <a:xfrm rot="16200000">
+            <a:off x="-3099620" y="3099620"/>
+            <a:ext cx="6858000" cy="658760"/>
+          </a:xfrm>
+          <a:prstGeom prst="rect">
+            <a:avLst/>
+          </a:prstGeom>
+          <a:solidFill>
+            <a:srgbClr val="38D7EC"/>
+          </a:solidFill>
+          <a:ln>
+            <a:noFill/>
+          </a:ln>
+        </p:spPr>
+        <p:style>
+          <a:lnRef idx="2">
+            <a:schemeClr val="accent1">
+              <a:shade val="50000"/>
+            </a:schemeClr>
+          </a:lnRef>
+          <a:fillRef idx="1">
+            <a:schemeClr val="accent1"/>
+          </a:fillRef>
+          <a:effectRef idx="0">
+            <a:schemeClr val="accent1"/>
+          </a:effectRef>
+          <a:fontRef idx="minor">
+            <a:schemeClr val="lt1"/>
+          </a:fontRef>
+        </p:style>
+        <p:txBody>
+          <a:bodyPr rtlCol="0" anchor="ctr"/>
+          <a:lstStyle/>
+          <a:p>
+            <a:r>
+              <a:rPr lang="en-US" sz="4000" b="1" i="1" dirty="0"/>
+              <a:t>QUIZ!</a:t>
+            </a:r>
+          </a:p>
+        </p:txBody>
+      </p:sp>
+      <p:sp>
+        <p:nvSpPr>
+          <p:cNvPr id="6" name="Content Placeholder 2">
+            <a:extLst>
+              <a:ext uri="{FF2B5EF4-FFF2-40B4-BE49-F238E27FC236}">
+                <a16:creationId xmlns:a16="http://schemas.microsoft.com/office/drawing/2014/main" id="{AC9C67AD-EAA0-4DDC-9947-9213AA9424FB}"/>
+              </a:ext>
+            </a:extLst>
+          </p:cNvPr>
+          <p:cNvSpPr txBox="1">
+            <a:spLocks/>
+          </p:cNvSpPr>
+          <p:nvPr/>
+        </p:nvSpPr>
+        <p:spPr>
+          <a:xfrm>
+            <a:off x="6096000" y="1589651"/>
+            <a:ext cx="5536019" cy="4351338"/>
+          </a:xfrm>
+          <a:prstGeom prst="rect">
+            <a:avLst/>
+          </a:prstGeom>
+        </p:spPr>
+        <p:txBody>
+          <a:bodyPr vert="horz" lIns="91440" tIns="45720" rIns="91440" bIns="45720" rtlCol="0">
+            <a:normAutofit/>
+          </a:bodyPr>
+          <a:lstStyle>
+            <a:lvl1pPr marL="228600" indent="-228600" algn="l" defTabSz="914400" rtl="0" eaLnBrk="1" latinLnBrk="0" hangingPunct="1">
+              <a:lnSpc>
+                <a:spcPct val="90000"/>
+              </a:lnSpc>
+              <a:spcBef>
+                <a:spcPts val="1000"/>
+              </a:spcBef>
+              <a:buFont typeface="Arial" panose="020B0604020202020204" pitchFamily="34" charset="0"/>
+              <a:buChar char="•"/>
+              <a:defRPr sz="2800" kern="1200">
+                <a:solidFill>
+                  <a:schemeClr val="tx1"/>
+                </a:solidFill>
+                <a:latin typeface="+mn-lt"/>
+                <a:ea typeface="+mn-ea"/>
+                <a:cs typeface="+mn-cs"/>
+              </a:defRPr>
+            </a:lvl1pPr>
+            <a:lvl2pPr marL="685800" indent="-228600" algn="l" defTabSz="914400" rtl="0" eaLnBrk="1" latinLnBrk="0" hangingPunct="1">
+              <a:lnSpc>
+                <a:spcPct val="90000"/>
+              </a:lnSpc>
+              <a:spcBef>
+                <a:spcPts val="500"/>
+              </a:spcBef>
+              <a:buFont typeface="Arial" panose="020B0604020202020204" pitchFamily="34" charset="0"/>
+              <a:buChar char="•"/>
+              <a:defRPr sz="2400" kern="1200">
+                <a:solidFill>
+                  <a:schemeClr val="tx1"/>
+                </a:solidFill>
+                <a:latin typeface="+mn-lt"/>
+                <a:ea typeface="+mn-ea"/>
+                <a:cs typeface="+mn-cs"/>
+              </a:defRPr>
+            </a:lvl2pPr>
+            <a:lvl3pPr marL="1143000" indent="-228600" algn="l" defTabSz="914400" rtl="0" eaLnBrk="1" latinLnBrk="0" hangingPunct="1">
+              <a:lnSpc>
+                <a:spcPct val="90000"/>
+              </a:lnSpc>
+              <a:spcBef>
+                <a:spcPts val="500"/>
+              </a:spcBef>
+              <a:buFont typeface="Arial" panose="020B0604020202020204" pitchFamily="34" charset="0"/>
+              <a:buChar char="•"/>
+              <a:defRPr sz="2000" kern="1200">
+                <a:solidFill>
+                  <a:schemeClr val="tx1"/>
+                </a:solidFill>
+                <a:latin typeface="+mn-lt"/>
+                <a:ea typeface="+mn-ea"/>
+                <a:cs typeface="+mn-cs"/>
+              </a:defRPr>
+            </a:lvl3pPr>
+            <a:lvl4pPr marL="1600200" indent="-228600" algn="l" defTabSz="914400" rtl="0" eaLnBrk="1" latinLnBrk="0" hangingPunct="1">
+              <a:lnSpc>
+                <a:spcPct val="90000"/>
+              </a:lnSpc>
+              <a:spcBef>
+                <a:spcPts val="500"/>
+              </a:spcBef>
+              <a:buFont typeface="Arial" panose="020B0604020202020204" pitchFamily="34" charset="0"/>
+              <a:buChar char="•"/>
+              <a:defRPr sz="1800" kern="1200">
+                <a:solidFill>
+                  <a:schemeClr val="tx1"/>
+                </a:solidFill>
+                <a:latin typeface="+mn-lt"/>
+                <a:ea typeface="+mn-ea"/>
+                <a:cs typeface="+mn-cs"/>
+              </a:defRPr>
+            </a:lvl4pPr>
+            <a:lvl5pPr marL="2057400" indent="-228600" algn="l" defTabSz="914400" rtl="0" eaLnBrk="1" latinLnBrk="0" hangingPunct="1">
+              <a:lnSpc>
+                <a:spcPct val="90000"/>
+              </a:lnSpc>
+              <a:spcBef>
+                <a:spcPts val="500"/>
+              </a:spcBef>
+              <a:buFont typeface="Arial" panose="020B0604020202020204" pitchFamily="34" charset="0"/>
+              <a:buChar char="•"/>
+              <a:defRPr sz="1800" kern="1200">
+                <a:solidFill>
+                  <a:schemeClr val="tx1"/>
+                </a:solidFill>
+                <a:latin typeface="+mn-lt"/>
+                <a:ea typeface="+mn-ea"/>
+                <a:cs typeface="+mn-cs"/>
+              </a:defRPr>
+            </a:lvl5pPr>
+            <a:lvl6pPr marL="2514600" indent="-228600" algn="l" defTabSz="914400" rtl="0" eaLnBrk="1" latinLnBrk="0" hangingPunct="1">
+              <a:lnSpc>
+                <a:spcPct val="90000"/>
+              </a:lnSpc>
+              <a:spcBef>
+                <a:spcPts val="500"/>
+              </a:spcBef>
+              <a:buFont typeface="Arial" panose="020B0604020202020204" pitchFamily="34" charset="0"/>
+              <a:buChar char="•"/>
+              <a:defRPr sz="1800" kern="1200">
+                <a:solidFill>
+                  <a:schemeClr val="tx1"/>
+                </a:solidFill>
+                <a:latin typeface="+mn-lt"/>
+                <a:ea typeface="+mn-ea"/>
+                <a:cs typeface="+mn-cs"/>
+              </a:defRPr>
+            </a:lvl6pPr>
+            <a:lvl7pPr marL="2971800" indent="-228600" algn="l" defTabSz="914400" rtl="0" eaLnBrk="1" latinLnBrk="0" hangingPunct="1">
+              <a:lnSpc>
+                <a:spcPct val="90000"/>
+              </a:lnSpc>
+              <a:spcBef>
+                <a:spcPts val="500"/>
+              </a:spcBef>
+              <a:buFont typeface="Arial" panose="020B0604020202020204" pitchFamily="34" charset="0"/>
+              <a:buChar char="•"/>
+              <a:defRPr sz="1800" kern="1200">
+                <a:solidFill>
+                  <a:schemeClr val="tx1"/>
+                </a:solidFill>
+                <a:latin typeface="+mn-lt"/>
+                <a:ea typeface="+mn-ea"/>
+                <a:cs typeface="+mn-cs"/>
+              </a:defRPr>
+            </a:lvl7pPr>
+            <a:lvl8pPr marL="3429000" indent="-228600" algn="l" defTabSz="914400" rtl="0" eaLnBrk="1" latinLnBrk="0" hangingPunct="1">
+              <a:lnSpc>
+                <a:spcPct val="90000"/>
+              </a:lnSpc>
+              <a:spcBef>
+                <a:spcPts val="500"/>
+              </a:spcBef>
+              <a:buFont typeface="Arial" panose="020B0604020202020204" pitchFamily="34" charset="0"/>
+              <a:buChar char="•"/>
+              <a:defRPr sz="1800" kern="1200">
+                <a:solidFill>
+                  <a:schemeClr val="tx1"/>
+                </a:solidFill>
+                <a:latin typeface="+mn-lt"/>
+                <a:ea typeface="+mn-ea"/>
+                <a:cs typeface="+mn-cs"/>
+              </a:defRPr>
+            </a:lvl8pPr>
+            <a:lvl9pPr marL="3886200" indent="-228600" algn="l" defTabSz="914400" rtl="0" eaLnBrk="1" latinLnBrk="0" hangingPunct="1">
+              <a:lnSpc>
+                <a:spcPct val="90000"/>
+              </a:lnSpc>
+              <a:spcBef>
+                <a:spcPts val="500"/>
+              </a:spcBef>
+              <a:buFont typeface="Arial" panose="020B0604020202020204" pitchFamily="34" charset="0"/>
+              <a:buChar char="•"/>
+              <a:defRPr sz="1800" kern="1200">
+                <a:solidFill>
+                  <a:schemeClr val="tx1"/>
+                </a:solidFill>
+                <a:latin typeface="+mn-lt"/>
+                <a:ea typeface="+mn-ea"/>
+                <a:cs typeface="+mn-cs"/>
+              </a:defRPr>
+            </a:lvl9pPr>
+          </a:lstStyle>
+          <a:p>
+            <a:pPr marL="0" indent="0">
+              <a:buFont typeface="Arial" panose="020B0604020202020204" pitchFamily="34" charset="0"/>
+              <a:buNone/>
+            </a:pPr>
+            <a:r>
+              <a:rPr lang="en-US" dirty="0"/>
+              <a:t>What are some advantages of using R projects?</a:t>
+            </a:r>
+          </a:p>
+          <a:p>
+            <a:pPr marL="0" indent="0">
+              <a:buFont typeface="Arial" panose="020B0604020202020204" pitchFamily="34" charset="0"/>
+              <a:buNone/>
+            </a:pPr>
+            <a:endParaRPr lang="en-US" dirty="0"/>
+          </a:p>
+          <a:p>
+            <a:pPr marL="342900" indent="-342900">
+              <a:buNone/>
+            </a:pPr>
+            <a:r>
+              <a:rPr lang="en-US" dirty="0"/>
+              <a:t>a) Future advantages we haven’t covered yet. </a:t>
+            </a:r>
+          </a:p>
+          <a:p>
+            <a:pPr marL="0" indent="0">
+              <a:buNone/>
+            </a:pPr>
+            <a:r>
+              <a:rPr lang="en-US" dirty="0"/>
+              <a:t>b) Opens most recent scripts</a:t>
+            </a:r>
+          </a:p>
+          <a:p>
+            <a:pPr marL="0" indent="0">
+              <a:buNone/>
+            </a:pPr>
+            <a:r>
+              <a:rPr lang="en-US" dirty="0"/>
+              <a:t>c) Sets folder directory automatically</a:t>
+            </a:r>
+          </a:p>
+          <a:p>
+            <a:endParaRPr lang="en-US" dirty="0"/>
+          </a:p>
+          <a:p>
+            <a:endParaRPr lang="en-US" dirty="0"/>
+          </a:p>
+        </p:txBody>
+      </p:sp>
+      <p:sp>
+        <p:nvSpPr>
+          <p:cNvPr id="4" name="Slide Number Placeholder 3">
+            <a:extLst>
+              <a:ext uri="{FF2B5EF4-FFF2-40B4-BE49-F238E27FC236}">
+                <a16:creationId xmlns:a16="http://schemas.microsoft.com/office/drawing/2014/main" id="{6DB51119-B752-41FD-8FE4-8BE09142C731}"/>
+              </a:ext>
+            </a:extLst>
+          </p:cNvPr>
+          <p:cNvSpPr>
+            <a:spLocks noGrp="1"/>
+          </p:cNvSpPr>
+          <p:nvPr>
+            <p:ph type="sldNum" sz="quarter" idx="12"/>
+          </p:nvPr>
+        </p:nvSpPr>
+        <p:spPr/>
+        <p:txBody>
+          <a:bodyPr/>
+          <a:lstStyle/>
+          <a:p>
+            <a:fld id="{6D95AE55-B5F4-483D-AEFF-E8059F5502F5}" type="slidenum">
+              <a:rPr lang="en-US" smtClean="0"/>
+              <a:t>11</a:t>
+            </a:fld>
+            <a:endParaRPr lang="en-US"/>
+          </a:p>
+        </p:txBody>
+      </p:sp>
       <p:pic>
         <p:nvPicPr>
           <p:cNvPr id="7" name="Graphic 6" descr="Checkmark">
@@ -5567,218 +6023,6 @@
 </p:sld>
 </file>
 
-<file path=ppt/slides/slide11.xml><?xml version="1.0" encoding="utf-8"?>
-<p:sld xmlns:a="http://schemas.openxmlformats.org/drawingml/2006/main" xmlns:r="http://schemas.openxmlformats.org/officeDocument/2006/relationships" xmlns:p="http://schemas.openxmlformats.org/presentationml/2006/main">
-  <p:cSld>
-    <p:spTree>
-      <p:nvGrpSpPr>
-        <p:cNvPr id="1" name=""/>
-        <p:cNvGrpSpPr/>
-        <p:nvPr/>
-      </p:nvGrpSpPr>
-      <p:grpSpPr>
-        <a:xfrm>
-          <a:off x="0" y="0"/>
-          <a:ext cx="0" cy="0"/>
-          <a:chOff x="0" y="0"/>
-          <a:chExt cx="0" cy="0"/>
-        </a:xfrm>
-      </p:grpSpPr>
-      <p:sp>
-        <p:nvSpPr>
-          <p:cNvPr id="2" name="Title 1">
-            <a:extLst>
-              <a:ext uri="{FF2B5EF4-FFF2-40B4-BE49-F238E27FC236}">
-                <a16:creationId xmlns:a16="http://schemas.microsoft.com/office/drawing/2014/main" id="{995DB329-B982-43C6-8BE4-522B21D7902A}"/>
-              </a:ext>
-            </a:extLst>
-          </p:cNvPr>
-          <p:cNvSpPr>
-            <a:spLocks noGrp="1"/>
-          </p:cNvSpPr>
-          <p:nvPr>
-            <p:ph type="title"/>
-          </p:nvPr>
-        </p:nvSpPr>
-        <p:spPr/>
-        <p:txBody>
-          <a:bodyPr/>
-          <a:lstStyle/>
-          <a:p>
-            <a:r>
-              <a:rPr lang="en-US" dirty="0"/>
-              <a:t>Jargon</a:t>
-            </a:r>
-          </a:p>
-        </p:txBody>
-      </p:sp>
-      <p:sp>
-        <p:nvSpPr>
-          <p:cNvPr id="3" name="Content Placeholder 2">
-            <a:extLst>
-              <a:ext uri="{FF2B5EF4-FFF2-40B4-BE49-F238E27FC236}">
-                <a16:creationId xmlns:a16="http://schemas.microsoft.com/office/drawing/2014/main" id="{8337819F-B243-4B43-836F-81B6B5CCED77}"/>
-              </a:ext>
-            </a:extLst>
-          </p:cNvPr>
-          <p:cNvSpPr>
-            <a:spLocks noGrp="1"/>
-          </p:cNvSpPr>
-          <p:nvPr>
-            <p:ph idx="1"/>
-          </p:nvPr>
-        </p:nvSpPr>
-        <p:spPr>
-          <a:xfrm>
-            <a:off x="419100" y="1825625"/>
-            <a:ext cx="11353800" cy="4351338"/>
-          </a:xfrm>
-        </p:spPr>
-        <p:txBody>
-          <a:bodyPr>
-            <a:normAutofit/>
-          </a:bodyPr>
-          <a:lstStyle/>
-          <a:p>
-            <a:pPr marL="1828800" indent="-1828800">
-              <a:spcBef>
-                <a:spcPts val="1800"/>
-              </a:spcBef>
-              <a:buNone/>
-            </a:pPr>
-            <a:r>
-              <a:rPr lang="en-US" b="1" i="1" dirty="0"/>
-              <a:t>Function</a:t>
-            </a:r>
-            <a:r>
-              <a:rPr lang="en-US" dirty="0"/>
-              <a:t>       A set of commands that evaluates your data in a specific way. You can write your own functions, or they can be provided via other packages or from “Base R“.</a:t>
-            </a:r>
-          </a:p>
-          <a:p>
-            <a:pPr marL="1828800" indent="-1828800">
-              <a:spcBef>
-                <a:spcPts val="1800"/>
-              </a:spcBef>
-              <a:buNone/>
-            </a:pPr>
-            <a:r>
-              <a:rPr lang="en-US" b="1" i="1" dirty="0"/>
-              <a:t>Argument</a:t>
-            </a:r>
-            <a:r>
-              <a:rPr lang="en-US" dirty="0"/>
-              <a:t>    In a function, this is a possible input.				                    </a:t>
-            </a:r>
-            <a:r>
-              <a:rPr lang="en-US" sz="2400" dirty="0"/>
-              <a:t>For example:  </a:t>
-            </a:r>
-            <a:r>
-              <a:rPr lang="en-US" sz="2000" dirty="0">
-                <a:latin typeface="Consolas" panose="020B0609020204030204" pitchFamily="49" charset="0"/>
-              </a:rPr>
-              <a:t>mean(data, </a:t>
-            </a:r>
-            <a:r>
-              <a:rPr lang="en-US" sz="2000" b="1" dirty="0">
-                <a:solidFill>
-                  <a:srgbClr val="FF0000"/>
-                </a:solidFill>
-                <a:latin typeface="Consolas" panose="020B0609020204030204" pitchFamily="49" charset="0"/>
-              </a:rPr>
-              <a:t>na.rm = TRUE</a:t>
-            </a:r>
-            <a:r>
-              <a:rPr lang="en-US" sz="2000" dirty="0">
-                <a:latin typeface="Consolas" panose="020B0609020204030204" pitchFamily="49" charset="0"/>
-              </a:rPr>
-              <a:t>)</a:t>
-            </a:r>
-            <a:r>
-              <a:rPr lang="en-US" sz="2400" dirty="0"/>
-              <a:t> uses an argument to remove NAs</a:t>
-            </a:r>
-          </a:p>
-          <a:p>
-            <a:pPr marL="1828800" indent="-1828800">
-              <a:spcBef>
-                <a:spcPts val="1800"/>
-              </a:spcBef>
-              <a:buNone/>
-            </a:pPr>
-            <a:r>
-              <a:rPr lang="en-US" b="1" i="1" dirty="0"/>
-              <a:t>Package</a:t>
-            </a:r>
-            <a:r>
-              <a:rPr lang="en-US" dirty="0"/>
-              <a:t>       A group of new commands / functions  to extend the functionality of Base R.</a:t>
-            </a:r>
-          </a:p>
-          <a:p>
-            <a:pPr marL="1828800" indent="-1828800">
-              <a:spcBef>
-                <a:spcPts val="1800"/>
-              </a:spcBef>
-              <a:buNone/>
-            </a:pPr>
-            <a:r>
-              <a:rPr lang="en-US" b="1" i="1" dirty="0"/>
-              <a:t>Variable</a:t>
-            </a:r>
-            <a:r>
-              <a:rPr lang="en-US" dirty="0"/>
-              <a:t>       Something saved in R’s memory for use later. </a:t>
-            </a:r>
-          </a:p>
-          <a:p>
-            <a:endParaRPr lang="en-US" dirty="0"/>
-          </a:p>
-        </p:txBody>
-      </p:sp>
-      <p:sp>
-        <p:nvSpPr>
-          <p:cNvPr id="4" name="Slide Number Placeholder 3">
-            <a:extLst>
-              <a:ext uri="{FF2B5EF4-FFF2-40B4-BE49-F238E27FC236}">
-                <a16:creationId xmlns:a16="http://schemas.microsoft.com/office/drawing/2014/main" id="{E1E509DD-AFCF-4BAB-8214-28D53C3776A7}"/>
-              </a:ext>
-            </a:extLst>
-          </p:cNvPr>
-          <p:cNvSpPr>
-            <a:spLocks noGrp="1"/>
-          </p:cNvSpPr>
-          <p:nvPr>
-            <p:ph type="sldNum" sz="quarter" idx="12"/>
-          </p:nvPr>
-        </p:nvSpPr>
-        <p:spPr/>
-        <p:txBody>
-          <a:bodyPr/>
-          <a:lstStyle/>
-          <a:p>
-            <a:fld id="{6D95AE55-B5F4-483D-AEFF-E8059F5502F5}" type="slidenum">
-              <a:rPr lang="en-US" smtClean="0"/>
-              <a:t>11</a:t>
-            </a:fld>
-            <a:endParaRPr lang="en-US"/>
-          </a:p>
-        </p:txBody>
-      </p:sp>
-    </p:spTree>
-    <p:extLst>
-      <p:ext uri="{BB962C8B-B14F-4D97-AF65-F5344CB8AC3E}">
-        <p14:creationId xmlns:p14="http://schemas.microsoft.com/office/powerpoint/2010/main" val="207110796"/>
-      </p:ext>
-    </p:extLst>
-  </p:cSld>
-  <p:clrMapOvr>
-    <a:masterClrMapping/>
-  </p:clrMapOvr>
-</p:sld>
-</file>
-
 <file path=ppt/slides/slide12.xml><?xml version="1.0" encoding="utf-8"?>
 <p:sld xmlns:a="http://schemas.openxmlformats.org/drawingml/2006/main" xmlns:r="http://schemas.openxmlformats.org/officeDocument/2006/relationships" xmlns:p="http://schemas.openxmlformats.org/presentationml/2006/main">
   <p:cSld>
@@ -5801,7 +6045,7 @@
           <p:cNvPr id="2" name="Title 1">
             <a:extLst>
               <a:ext uri="{FF2B5EF4-FFF2-40B4-BE49-F238E27FC236}">
-                <a16:creationId xmlns:a16="http://schemas.microsoft.com/office/drawing/2014/main" id="{3F190CCF-CAFA-40FE-9C89-FCF51AB47631}"/>
+                <a16:creationId xmlns:a16="http://schemas.microsoft.com/office/drawing/2014/main" id="{995DB329-B982-43C6-8BE4-522B21D7902A}"/>
               </a:ext>
             </a:extLst>
           </p:cNvPr>
@@ -5819,7 +6063,7 @@
           <a:p>
             <a:r>
               <a:rPr lang="en-US" dirty="0"/>
-              <a:t>Jargon cont.</a:t>
+              <a:t>Jargon</a:t>
             </a:r>
           </a:p>
         </p:txBody>
@@ -5829,7 +6073,7 @@
           <p:cNvPr id="3" name="Content Placeholder 2">
             <a:extLst>
               <a:ext uri="{FF2B5EF4-FFF2-40B4-BE49-F238E27FC236}">
-                <a16:creationId xmlns:a16="http://schemas.microsoft.com/office/drawing/2014/main" id="{026CA2B0-D4BF-4E76-9213-ABB75DF4A35F}"/>
+                <a16:creationId xmlns:a16="http://schemas.microsoft.com/office/drawing/2014/main" id="{8337819F-B243-4B43-836F-81B6B5CCED77}"/>
               </a:ext>
             </a:extLst>
           </p:cNvPr>
@@ -5842,8 +6086,8 @@
         </p:nvSpPr>
         <p:spPr>
           <a:xfrm>
-            <a:off x="558800" y="1825624"/>
-            <a:ext cx="11290300" cy="4895851"/>
+            <a:off x="419100" y="1825625"/>
+            <a:ext cx="11353800" cy="4351338"/>
           </a:xfrm>
         </p:spPr>
         <p:txBody>
@@ -5852,7 +6096,7 @@
           </a:bodyPr>
           <a:lstStyle/>
           <a:p>
-            <a:pPr marL="1778000" indent="-1778000" defTabSz="800100">
+            <a:pPr marL="1828800" indent="-1828800">
               <a:spcBef>
                 <a:spcPts val="1800"/>
               </a:spcBef>
@@ -5860,15 +6104,15 @@
             </a:pPr>
             <a:r>
               <a:rPr lang="en-US" b="1" i="1" dirty="0"/>
-              <a:t>Dataframe </a:t>
+              <a:t>Function</a:t>
             </a:r>
             <a:r>
               <a:rPr lang="en-US" dirty="0"/>
-              <a:t>  A group of rows and columns (like a spreadsheet). Each column has a specific type (TRUE/FALSE, integer, number, character, factor, etc.). </a:t>
-            </a:r>
-          </a:p>
-          <a:p>
-            <a:pPr marL="1778000" indent="-1778000">
+              <a:t>       A set of commands that evaluates your data in a specific way. You can write your own functions, or they can be provided via other packages or from “Base R“.</a:t>
+            </a:r>
+          </a:p>
+          <a:p>
+            <a:pPr marL="1828800" indent="-1828800">
               <a:spcBef>
                 <a:spcPts val="1800"/>
               </a:spcBef>
@@ -5876,62 +6120,76 @@
             </a:pPr>
             <a:r>
               <a:rPr lang="en-US" b="1" i="1" dirty="0"/>
-              <a:t>Factor </a:t>
+              <a:t>Argument</a:t>
             </a:r>
             <a:r>
               <a:rPr lang="en-US" dirty="0"/>
-              <a:t>          A type of variable that is a categorical grouping (“red” vs “blue”; “Treatment1” vs “Treatment2” vs “Treatment3”). </a:t>
-            </a:r>
-          </a:p>
-          <a:p>
-            <a:pPr marL="1778000" indent="-1778000">
+              <a:t>    In a function, this is a possible input.				                    </a:t>
+            </a:r>
+            <a:r>
+              <a:rPr lang="en-US" sz="2400" dirty="0"/>
+              <a:t>For example:  </a:t>
+            </a:r>
+            <a:r>
+              <a:rPr lang="en-US" sz="2000" dirty="0">
+                <a:latin typeface="Consolas" panose="020B0609020204030204" pitchFamily="49" charset="0"/>
+              </a:rPr>
+              <a:t>mean(data, </a:t>
+            </a:r>
+            <a:r>
+              <a:rPr lang="en-US" sz="2000" b="1" dirty="0">
+                <a:solidFill>
+                  <a:srgbClr val="FF0000"/>
+                </a:solidFill>
+                <a:latin typeface="Consolas" panose="020B0609020204030204" pitchFamily="49" charset="0"/>
+              </a:rPr>
+              <a:t>na.rm = TRUE</a:t>
+            </a:r>
+            <a:r>
+              <a:rPr lang="en-US" sz="2000" dirty="0">
+                <a:latin typeface="Consolas" panose="020B0609020204030204" pitchFamily="49" charset="0"/>
+              </a:rPr>
+              <a:t>)</a:t>
+            </a:r>
+            <a:r>
+              <a:rPr lang="en-US" sz="2400" dirty="0"/>
+              <a:t> uses an argument to remove NAs</a:t>
+            </a:r>
+          </a:p>
+          <a:p>
+            <a:pPr marL="1828800" indent="-1828800">
               <a:spcBef>
                 <a:spcPts val="1800"/>
               </a:spcBef>
               <a:buNone/>
             </a:pPr>
             <a:r>
-              <a:rPr lang="en-US" b="1" dirty="0"/>
-              <a:t>&lt;-</a:t>
+              <a:rPr lang="en-US" b="1" i="1" dirty="0"/>
+              <a:t>Package</a:t>
             </a:r>
             <a:r>
               <a:rPr lang="en-US" dirty="0"/>
-              <a:t>                    The “leftward arrow” assigns the information on the right to the variable on the left. For example:   </a:t>
-            </a:r>
-            <a:r>
-              <a:rPr lang="en-US" sz="2200" dirty="0">
-                <a:latin typeface="Consolas" panose="020B0609020204030204" pitchFamily="49" charset="0"/>
-              </a:rPr>
-              <a:t>x1 &lt;- 42</a:t>
-            </a:r>
-            <a:endParaRPr lang="en-US" dirty="0">
-              <a:latin typeface="Consolas" panose="020B0609020204030204" pitchFamily="49" charset="0"/>
-            </a:endParaRPr>
-          </a:p>
-          <a:p>
-            <a:pPr marL="1778000" indent="-1778000">
+              <a:t>       A group of new commands / functions  to extend the functionality of Base R.</a:t>
+            </a:r>
+          </a:p>
+          <a:p>
+            <a:pPr marL="1828800" indent="-1828800">
               <a:spcBef>
                 <a:spcPts val="1800"/>
               </a:spcBef>
               <a:buNone/>
             </a:pPr>
             <a:r>
-              <a:rPr lang="en-US" b="1" dirty="0"/>
-              <a:t>c()</a:t>
+              <a:rPr lang="en-US" b="1" i="1" dirty="0"/>
+              <a:t>Variable</a:t>
             </a:r>
             <a:r>
               <a:rPr lang="en-US" dirty="0"/>
-              <a:t>                   Lowercase c means concatenate which groups a bunch of things together. For example:   </a:t>
-            </a:r>
-            <a:r>
-              <a:rPr lang="en-US" sz="2200" dirty="0">
-                <a:latin typeface="Consolas" panose="020B0609020204030204" pitchFamily="49" charset="0"/>
-              </a:rPr>
-              <a:t>x1 &lt;- c(“duck”, “duck”, “duck”, “goose!”)</a:t>
-            </a:r>
-            <a:endParaRPr lang="en-US" dirty="0">
-              <a:latin typeface="Consolas" panose="020B0609020204030204" pitchFamily="49" charset="0"/>
-            </a:endParaRPr>
+              <a:t>       Something saved in R’s memory for use later. </a:t>
+            </a:r>
+          </a:p>
+          <a:p>
+            <a:endParaRPr lang="en-US" dirty="0"/>
           </a:p>
         </p:txBody>
       </p:sp>
@@ -5940,7 +6198,7 @@
           <p:cNvPr id="4" name="Slide Number Placeholder 3">
             <a:extLst>
               <a:ext uri="{FF2B5EF4-FFF2-40B4-BE49-F238E27FC236}">
-                <a16:creationId xmlns:a16="http://schemas.microsoft.com/office/drawing/2014/main" id="{24782D2D-FB1B-4DF1-8910-A8428578CF71}"/>
+                <a16:creationId xmlns:a16="http://schemas.microsoft.com/office/drawing/2014/main" id="{E1E509DD-AFCF-4BAB-8214-28D53C3776A7}"/>
               </a:ext>
             </a:extLst>
           </p:cNvPr>
@@ -5967,7 +6225,7 @@
     </p:spTree>
     <p:extLst>
       <p:ext uri="{BB962C8B-B14F-4D97-AF65-F5344CB8AC3E}">
-        <p14:creationId xmlns:p14="http://schemas.microsoft.com/office/powerpoint/2010/main" val="108486466"/>
+        <p14:creationId xmlns:p14="http://schemas.microsoft.com/office/powerpoint/2010/main" val="207110796"/>
       </p:ext>
     </p:extLst>
   </p:cSld>
@@ -5999,7 +6257,7 @@
           <p:cNvPr id="2" name="Title 1">
             <a:extLst>
               <a:ext uri="{FF2B5EF4-FFF2-40B4-BE49-F238E27FC236}">
-                <a16:creationId xmlns:a16="http://schemas.microsoft.com/office/drawing/2014/main" id="{2A253EEA-2FB8-47D2-98DD-D66E81F80E86}"/>
+                <a16:creationId xmlns:a16="http://schemas.microsoft.com/office/drawing/2014/main" id="{3F190CCF-CAFA-40FE-9C89-FCF51AB47631}"/>
               </a:ext>
             </a:extLst>
           </p:cNvPr>
@@ -6017,8 +6275,119 @@
           <a:p>
             <a:r>
               <a:rPr lang="en-US" dirty="0"/>
-              <a:t>Some special characters</a:t>
-            </a:r>
+              <a:t>Jargon cont.</a:t>
+            </a:r>
+          </a:p>
+        </p:txBody>
+      </p:sp>
+      <p:sp>
+        <p:nvSpPr>
+          <p:cNvPr id="3" name="Content Placeholder 2">
+            <a:extLst>
+              <a:ext uri="{FF2B5EF4-FFF2-40B4-BE49-F238E27FC236}">
+                <a16:creationId xmlns:a16="http://schemas.microsoft.com/office/drawing/2014/main" id="{026CA2B0-D4BF-4E76-9213-ABB75DF4A35F}"/>
+              </a:ext>
+            </a:extLst>
+          </p:cNvPr>
+          <p:cNvSpPr>
+            <a:spLocks noGrp="1"/>
+          </p:cNvSpPr>
+          <p:nvPr>
+            <p:ph idx="1"/>
+          </p:nvPr>
+        </p:nvSpPr>
+        <p:spPr>
+          <a:xfrm>
+            <a:off x="558800" y="1825624"/>
+            <a:ext cx="11290300" cy="4895851"/>
+          </a:xfrm>
+        </p:spPr>
+        <p:txBody>
+          <a:bodyPr>
+            <a:normAutofit/>
+          </a:bodyPr>
+          <a:lstStyle/>
+          <a:p>
+            <a:pPr marL="1778000" indent="-1778000" defTabSz="800100">
+              <a:spcBef>
+                <a:spcPts val="1800"/>
+              </a:spcBef>
+              <a:buNone/>
+            </a:pPr>
+            <a:r>
+              <a:rPr lang="en-US" b="1" i="1" dirty="0"/>
+              <a:t>Dataframe </a:t>
+            </a:r>
+            <a:r>
+              <a:rPr lang="en-US" dirty="0"/>
+              <a:t>  A group of rows and columns (like a spreadsheet). Each column has a specific type (TRUE/FALSE, integer, number, character, factor, etc.). </a:t>
+            </a:r>
+          </a:p>
+          <a:p>
+            <a:pPr marL="1778000" indent="-1778000">
+              <a:spcBef>
+                <a:spcPts val="1800"/>
+              </a:spcBef>
+              <a:buNone/>
+            </a:pPr>
+            <a:r>
+              <a:rPr lang="en-US" b="1" i="1" dirty="0"/>
+              <a:t>Factor </a:t>
+            </a:r>
+            <a:r>
+              <a:rPr lang="en-US" dirty="0"/>
+              <a:t>          A type of variable that is a categorical grouping (“red” vs “blue”; “Treatment1” vs “Treatment2” vs “Treatment3”). </a:t>
+            </a:r>
+          </a:p>
+          <a:p>
+            <a:pPr marL="1778000" indent="-1778000">
+              <a:spcBef>
+                <a:spcPts val="1800"/>
+              </a:spcBef>
+              <a:buNone/>
+            </a:pPr>
+            <a:r>
+              <a:rPr lang="en-US" b="1" dirty="0"/>
+              <a:t>&lt;-</a:t>
+            </a:r>
+            <a:r>
+              <a:rPr lang="en-US" dirty="0"/>
+              <a:t>                    The “leftward arrow” assigns the information on the right to the variable on the left. For example:   </a:t>
+            </a:r>
+            <a:r>
+              <a:rPr lang="en-US" sz="2200" dirty="0">
+                <a:latin typeface="Consolas" panose="020B0609020204030204" pitchFamily="49" charset="0"/>
+              </a:rPr>
+              <a:t>x1 &lt;- 42</a:t>
+            </a:r>
+            <a:endParaRPr lang="en-US" dirty="0">
+              <a:latin typeface="Consolas" panose="020B0609020204030204" pitchFamily="49" charset="0"/>
+            </a:endParaRPr>
+          </a:p>
+          <a:p>
+            <a:pPr marL="1778000" indent="-1778000">
+              <a:spcBef>
+                <a:spcPts val="1800"/>
+              </a:spcBef>
+              <a:buNone/>
+            </a:pPr>
+            <a:r>
+              <a:rPr lang="en-US" b="1" dirty="0"/>
+              <a:t>c()</a:t>
+            </a:r>
+            <a:r>
+              <a:rPr lang="en-US" dirty="0"/>
+              <a:t>                   Lowercase c means concatenate which groups a bunch of things together. For example:   </a:t>
+            </a:r>
+            <a:r>
+              <a:rPr lang="en-US" sz="2200" dirty="0">
+                <a:latin typeface="Consolas" panose="020B0609020204030204" pitchFamily="49" charset="0"/>
+              </a:rPr>
+              <a:t>x1 &lt;- c(“duck”, “duck”, “duck”, “goose!”)</a:t>
+            </a:r>
+            <a:endParaRPr lang="en-US" dirty="0">
+              <a:latin typeface="Consolas" panose="020B0609020204030204" pitchFamily="49" charset="0"/>
+            </a:endParaRPr>
           </a:p>
         </p:txBody>
       </p:sp>
@@ -6027,7 +6396,7 @@
           <p:cNvPr id="4" name="Slide Number Placeholder 3">
             <a:extLst>
               <a:ext uri="{FF2B5EF4-FFF2-40B4-BE49-F238E27FC236}">
-                <a16:creationId xmlns:a16="http://schemas.microsoft.com/office/drawing/2014/main" id="{84D106F0-A900-400C-9E7C-627857C675AB}"/>
+                <a16:creationId xmlns:a16="http://schemas.microsoft.com/office/drawing/2014/main" id="{24782D2D-FB1B-4DF1-8910-A8428578CF71}"/>
               </a:ext>
             </a:extLst>
           </p:cNvPr>
@@ -6046,6 +6415,93 @@
             <a:fld id="{6D95AE55-B5F4-483D-AEFF-E8059F5502F5}" type="slidenum">
               <a:rPr lang="en-US" smtClean="0"/>
               <a:t>13</a:t>
+            </a:fld>
+            <a:endParaRPr lang="en-US"/>
+          </a:p>
+        </p:txBody>
+      </p:sp>
+    </p:spTree>
+    <p:extLst>
+      <p:ext uri="{BB962C8B-B14F-4D97-AF65-F5344CB8AC3E}">
+        <p14:creationId xmlns:p14="http://schemas.microsoft.com/office/powerpoint/2010/main" val="108486466"/>
+      </p:ext>
+    </p:extLst>
+  </p:cSld>
+  <p:clrMapOvr>
+    <a:masterClrMapping/>
+  </p:clrMapOvr>
+</p:sld>
+</file>
+
+<file path=ppt/slides/slide14.xml><?xml version="1.0" encoding="utf-8"?>
+<p:sld xmlns:a="http://schemas.openxmlformats.org/drawingml/2006/main" xmlns:r="http://schemas.openxmlformats.org/officeDocument/2006/relationships" xmlns:p="http://schemas.openxmlformats.org/presentationml/2006/main">
+  <p:cSld>
+    <p:spTree>
+      <p:nvGrpSpPr>
+        <p:cNvPr id="1" name=""/>
+        <p:cNvGrpSpPr/>
+        <p:nvPr/>
+      </p:nvGrpSpPr>
+      <p:grpSpPr>
+        <a:xfrm>
+          <a:off x="0" y="0"/>
+          <a:ext cx="0" cy="0"/>
+          <a:chOff x="0" y="0"/>
+          <a:chExt cx="0" cy="0"/>
+        </a:xfrm>
+      </p:grpSpPr>
+      <p:sp>
+        <p:nvSpPr>
+          <p:cNvPr id="2" name="Title 1">
+            <a:extLst>
+              <a:ext uri="{FF2B5EF4-FFF2-40B4-BE49-F238E27FC236}">
+                <a16:creationId xmlns:a16="http://schemas.microsoft.com/office/drawing/2014/main" id="{2A253EEA-2FB8-47D2-98DD-D66E81F80E86}"/>
+              </a:ext>
+            </a:extLst>
+          </p:cNvPr>
+          <p:cNvSpPr>
+            <a:spLocks noGrp="1"/>
+          </p:cNvSpPr>
+          <p:nvPr>
+            <p:ph type="title"/>
+          </p:nvPr>
+        </p:nvSpPr>
+        <p:spPr/>
+        <p:txBody>
+          <a:bodyPr/>
+          <a:lstStyle/>
+          <a:p>
+            <a:r>
+              <a:rPr lang="en-US" dirty="0"/>
+              <a:t>Some special characters</a:t>
+            </a:r>
+          </a:p>
+        </p:txBody>
+      </p:sp>
+      <p:sp>
+        <p:nvSpPr>
+          <p:cNvPr id="4" name="Slide Number Placeholder 3">
+            <a:extLst>
+              <a:ext uri="{FF2B5EF4-FFF2-40B4-BE49-F238E27FC236}">
+                <a16:creationId xmlns:a16="http://schemas.microsoft.com/office/drawing/2014/main" id="{84D106F0-A900-400C-9E7C-627857C675AB}"/>
+              </a:ext>
+            </a:extLst>
+          </p:cNvPr>
+          <p:cNvSpPr>
+            <a:spLocks noGrp="1"/>
+          </p:cNvSpPr>
+          <p:nvPr>
+            <p:ph type="sldNum" sz="quarter" idx="12"/>
+          </p:nvPr>
+        </p:nvSpPr>
+        <p:spPr/>
+        <p:txBody>
+          <a:bodyPr/>
+          <a:lstStyle/>
+          <a:p>
+            <a:fld id="{6D95AE55-B5F4-483D-AEFF-E8059F5502F5}" type="slidenum">
+              <a:rPr lang="en-US" smtClean="0"/>
+              <a:t>14</a:t>
             </a:fld>
             <a:endParaRPr lang="en-US"/>
           </a:p>
@@ -6371,203 +6827,6 @@
 </p:sld>
 </file>
 
-<file path=ppt/slides/slide14.xml><?xml version="1.0" encoding="utf-8"?>
-<p:sld xmlns:a="http://schemas.openxmlformats.org/drawingml/2006/main" xmlns:r="http://schemas.openxmlformats.org/officeDocument/2006/relationships" xmlns:p="http://schemas.openxmlformats.org/presentationml/2006/main">
-  <p:cSld>
-    <p:spTree>
-      <p:nvGrpSpPr>
-        <p:cNvPr id="1" name=""/>
-        <p:cNvGrpSpPr/>
-        <p:nvPr/>
-      </p:nvGrpSpPr>
-      <p:grpSpPr>
-        <a:xfrm>
-          <a:off x="0" y="0"/>
-          <a:ext cx="0" cy="0"/>
-          <a:chOff x="0" y="0"/>
-          <a:chExt cx="0" cy="0"/>
-        </a:xfrm>
-      </p:grpSpPr>
-      <p:sp>
-        <p:nvSpPr>
-          <p:cNvPr id="2" name="Title 1">
-            <a:extLst>
-              <a:ext uri="{FF2B5EF4-FFF2-40B4-BE49-F238E27FC236}">
-                <a16:creationId xmlns:a16="http://schemas.microsoft.com/office/drawing/2014/main" id="{BCAC0D75-9D57-41EC-828C-9BA7C612722B}"/>
-              </a:ext>
-            </a:extLst>
-          </p:cNvPr>
-          <p:cNvSpPr>
-            <a:spLocks noGrp="1"/>
-          </p:cNvSpPr>
-          <p:nvPr>
-            <p:ph type="title"/>
-          </p:nvPr>
-        </p:nvSpPr>
-        <p:spPr/>
-        <p:txBody>
-          <a:bodyPr>
-            <a:normAutofit/>
-          </a:bodyPr>
-          <a:lstStyle/>
-          <a:p>
-            <a:r>
-              <a:rPr lang="en-US" dirty="0"/>
-              <a:t>More special characters</a:t>
-            </a:r>
-          </a:p>
-        </p:txBody>
-      </p:sp>
-      <p:sp>
-        <p:nvSpPr>
-          <p:cNvPr id="3" name="Content Placeholder 2">
-            <a:extLst>
-              <a:ext uri="{FF2B5EF4-FFF2-40B4-BE49-F238E27FC236}">
-                <a16:creationId xmlns:a16="http://schemas.microsoft.com/office/drawing/2014/main" id="{1DA73832-D198-422E-99EA-075232EDFCD5}"/>
-              </a:ext>
-            </a:extLst>
-          </p:cNvPr>
-          <p:cNvSpPr>
-            <a:spLocks noGrp="1"/>
-          </p:cNvSpPr>
-          <p:nvPr>
-            <p:ph idx="1"/>
-          </p:nvPr>
-        </p:nvSpPr>
-        <p:spPr>
-          <a:xfrm>
-            <a:off x="609600" y="1600200"/>
-            <a:ext cx="10372725" cy="5121275"/>
-          </a:xfrm>
-        </p:spPr>
-        <p:txBody>
-          <a:bodyPr>
-            <a:normAutofit/>
-          </a:bodyPr>
-          <a:lstStyle/>
-          <a:p>
-            <a:pPr marL="1435100" indent="-1435100">
-              <a:spcBef>
-                <a:spcPts val="1800"/>
-              </a:spcBef>
-              <a:buNone/>
-            </a:pPr>
-            <a:r>
-              <a:rPr lang="en-US" b="1" dirty="0"/>
-              <a:t>$</a:t>
-            </a:r>
-            <a:r>
-              <a:rPr lang="en-US" dirty="0"/>
-              <a:t>               Selects a particular column of a </a:t>
-            </a:r>
-            <a:r>
-              <a:rPr lang="en-US" dirty="0" err="1"/>
-              <a:t>dataframe</a:t>
-            </a:r>
-            <a:r>
-              <a:rPr lang="en-US" dirty="0"/>
-              <a:t>, or something else with a name				                                          For example:  </a:t>
-            </a:r>
-            <a:r>
-              <a:rPr lang="en-US" sz="2400" dirty="0">
-                <a:latin typeface="Consolas" panose="020B0609020204030204" pitchFamily="49" charset="0"/>
-              </a:rPr>
-              <a:t>dataframename$column1</a:t>
-            </a:r>
-            <a:endParaRPr lang="en-US" dirty="0">
-              <a:latin typeface="Consolas" panose="020B0609020204030204" pitchFamily="49" charset="0"/>
-            </a:endParaRPr>
-          </a:p>
-          <a:p>
-            <a:pPr marL="1435100" indent="-1435100">
-              <a:spcBef>
-                <a:spcPts val="1800"/>
-              </a:spcBef>
-              <a:buNone/>
-            </a:pPr>
-            <a:r>
-              <a:rPr lang="en-US" b="1" dirty="0"/>
-              <a:t>#</a:t>
-            </a:r>
-            <a:r>
-              <a:rPr lang="en-US" dirty="0"/>
-              <a:t>               Makes a “comment” (not run code), telling R to not run anything on this line to the right </a:t>
-            </a:r>
-          </a:p>
-          <a:p>
-            <a:pPr marL="0" indent="0">
-              <a:buNone/>
-            </a:pPr>
-            <a:r>
-              <a:rPr lang="en-US" dirty="0"/>
-              <a:t>	      </a:t>
-            </a:r>
-            <a:r>
-              <a:rPr lang="en-US" sz="1600" dirty="0">
-                <a:latin typeface="Consolas" panose="020B0609020204030204" pitchFamily="49" charset="0"/>
-              </a:rPr>
-              <a:t>&gt; print(“Hello!”) #This line only evaluates the Hello! part ignoring this</a:t>
-            </a:r>
-          </a:p>
-          <a:p>
-            <a:pPr marL="0" indent="0">
-              <a:buNone/>
-            </a:pPr>
-            <a:endParaRPr lang="en-US" dirty="0"/>
-          </a:p>
-          <a:p>
-            <a:pPr marL="0" indent="0">
-              <a:buNone/>
-            </a:pPr>
-            <a:r>
-              <a:rPr lang="en-US" dirty="0"/>
-              <a:t>Also: Lines must end with a comma, bracket, or similar. If you want your code to continue to the next line, you will need a comma at the end of a line</a:t>
-            </a:r>
-          </a:p>
-        </p:txBody>
-      </p:sp>
-      <p:sp>
-        <p:nvSpPr>
-          <p:cNvPr id="4" name="Slide Number Placeholder 3">
-            <a:extLst>
-              <a:ext uri="{FF2B5EF4-FFF2-40B4-BE49-F238E27FC236}">
-                <a16:creationId xmlns:a16="http://schemas.microsoft.com/office/drawing/2014/main" id="{00B1A3A0-EFE9-46C4-8627-FDE27A1F3F7B}"/>
-              </a:ext>
-            </a:extLst>
-          </p:cNvPr>
-          <p:cNvSpPr>
-            <a:spLocks noGrp="1"/>
-          </p:cNvSpPr>
-          <p:nvPr>
-            <p:ph type="sldNum" sz="quarter" idx="12"/>
-          </p:nvPr>
-        </p:nvSpPr>
-        <p:spPr/>
-        <p:txBody>
-          <a:bodyPr/>
-          <a:lstStyle/>
-          <a:p>
-            <a:fld id="{6D95AE55-B5F4-483D-AEFF-E8059F5502F5}" type="slidenum">
-              <a:rPr lang="en-US" smtClean="0"/>
-              <a:t>14</a:t>
-            </a:fld>
-            <a:endParaRPr lang="en-US"/>
-          </a:p>
-        </p:txBody>
-      </p:sp>
-    </p:spTree>
-    <p:extLst>
-      <p:ext uri="{BB962C8B-B14F-4D97-AF65-F5344CB8AC3E}">
-        <p14:creationId xmlns:p14="http://schemas.microsoft.com/office/powerpoint/2010/main" val="3161482239"/>
-      </p:ext>
-    </p:extLst>
-  </p:cSld>
-  <p:clrMapOvr>
-    <a:masterClrMapping/>
-  </p:clrMapOvr>
-</p:sld>
-</file>
-
 <file path=ppt/slides/slide15.xml><?xml version="1.0" encoding="utf-8"?>
 <p:sld xmlns:a="http://schemas.openxmlformats.org/drawingml/2006/main" xmlns:r="http://schemas.openxmlformats.org/officeDocument/2006/relationships" xmlns:p="http://schemas.openxmlformats.org/presentationml/2006/main">
   <p:cSld>
@@ -6590,7 +6849,7 @@
           <p:cNvPr id="2" name="Title 1">
             <a:extLst>
               <a:ext uri="{FF2B5EF4-FFF2-40B4-BE49-F238E27FC236}">
-                <a16:creationId xmlns:a16="http://schemas.microsoft.com/office/drawing/2014/main" id="{F4619A31-5332-490F-97B4-64052D1A5902}"/>
+                <a16:creationId xmlns:a16="http://schemas.microsoft.com/office/drawing/2014/main" id="{BCAC0D75-9D57-41EC-828C-9BA7C612722B}"/>
               </a:ext>
             </a:extLst>
           </p:cNvPr>
@@ -6603,12 +6862,14 @@
         </p:nvSpPr>
         <p:spPr/>
         <p:txBody>
-          <a:bodyPr/>
+          <a:bodyPr>
+            <a:normAutofit/>
+          </a:bodyPr>
           <a:lstStyle/>
           <a:p>
             <a:r>
               <a:rPr lang="en-US" dirty="0"/>
-              <a:t>Let’s head to RStudio</a:t>
+              <a:t>More special characters</a:t>
             </a:r>
           </a:p>
         </p:txBody>
@@ -6618,7 +6879,7 @@
           <p:cNvPr id="3" name="Content Placeholder 2">
             <a:extLst>
               <a:ext uri="{FF2B5EF4-FFF2-40B4-BE49-F238E27FC236}">
-                <a16:creationId xmlns:a16="http://schemas.microsoft.com/office/drawing/2014/main" id="{5978377A-E30C-455C-B887-5A6CFF8FED32}"/>
+                <a16:creationId xmlns:a16="http://schemas.microsoft.com/office/drawing/2014/main" id="{1DA73832-D198-422E-99EA-075232EDFCD5}"/>
               </a:ext>
             </a:extLst>
           </p:cNvPr>
@@ -6631,8 +6892,8 @@
         </p:nvSpPr>
         <p:spPr>
           <a:xfrm>
-            <a:off x="838200" y="1688122"/>
-            <a:ext cx="10515600" cy="4803113"/>
+            <a:off x="609600" y="1600200"/>
+            <a:ext cx="10372725" cy="5121275"/>
           </a:xfrm>
         </p:spPr>
         <p:txBody>
@@ -6641,84 +6902,82 @@
           </a:bodyPr>
           <a:lstStyle/>
           <a:p>
-            <a:pPr>
+            <a:pPr marL="1435100" indent="-1435100">
               <a:spcBef>
-                <a:spcPts val="2400"/>
+                <a:spcPts val="1800"/>
               </a:spcBef>
+              <a:buNone/>
             </a:pPr>
             <a:r>
+              <a:rPr lang="en-US" b="1" dirty="0"/>
+              <a:t>$</a:t>
+            </a:r>
+            <a:r>
               <a:rPr lang="en-US" dirty="0"/>
-              <a:t>Let’s familiarize ourselves with RStudio</a:t>
-            </a:r>
-          </a:p>
-          <a:p>
-            <a:pPr lvl="1">
+              <a:t>               Selects a particular column of a </a:t>
+            </a:r>
+            <a:r>
+              <a:rPr lang="en-US" dirty="0" err="1"/>
+              <a:t>dataframe</a:t>
+            </a:r>
+            <a:r>
+              <a:rPr lang="en-US" dirty="0"/>
+              <a:t>, or something else with a name				                                          For example:  </a:t>
+            </a:r>
+            <a:r>
+              <a:rPr lang="en-US" sz="2400" dirty="0">
+                <a:latin typeface="Consolas" panose="020B0609020204030204" pitchFamily="49" charset="0"/>
+              </a:rPr>
+              <a:t>dataframename$column1</a:t>
+            </a:r>
+            <a:endParaRPr lang="en-US" dirty="0">
+              <a:latin typeface="Consolas" panose="020B0609020204030204" pitchFamily="49" charset="0"/>
+            </a:endParaRPr>
+          </a:p>
+          <a:p>
+            <a:pPr marL="1435100" indent="-1435100">
               <a:spcBef>
-                <a:spcPts val="600"/>
+                <a:spcPts val="1800"/>
               </a:spcBef>
+              <a:buNone/>
             </a:pPr>
             <a:r>
+              <a:rPr lang="en-US" b="1" dirty="0"/>
+              <a:t>#</a:t>
+            </a:r>
+            <a:r>
               <a:rPr lang="en-US" dirty="0"/>
-              <a:t>You are learning two things at once: the new-to-you program RStudio and the R language</a:t>
-            </a:r>
-          </a:p>
-          <a:p>
-            <a:pPr>
-              <a:spcBef>
-                <a:spcPts val="3000"/>
-              </a:spcBef>
+              <a:t>               Makes a “comment” (not run code), telling R to not run anything on this line to the right </a:t>
+            </a:r>
+          </a:p>
+          <a:p>
+            <a:pPr marL="0" indent="0">
+              <a:buNone/>
             </a:pPr>
             <a:r>
               <a:rPr lang="en-US" dirty="0"/>
-              <a:t>We’ll put what we just learned to use in RStudio and review the basics of the program. You can watch my screen and write the code yourselves too. </a:t>
-            </a:r>
-          </a:p>
-          <a:p>
-            <a:pPr>
-              <a:spcBef>
-                <a:spcPts val="3000"/>
-              </a:spcBef>
+              <a:t>	      </a:t>
+            </a:r>
+            <a:r>
+              <a:rPr lang="en-US" sz="1600" dirty="0">
+                <a:latin typeface="Consolas" panose="020B0609020204030204" pitchFamily="49" charset="0"/>
+              </a:rPr>
+              <a:t>&gt; print(“Hello!”) #This line only evaluates the Hello! part ignoring this</a:t>
+            </a:r>
+          </a:p>
+          <a:p>
+            <a:pPr marL="0" indent="0">
+              <a:buNone/>
             </a:pPr>
+            <a:endParaRPr lang="en-US" dirty="0"/>
+          </a:p>
+          <a:p>
+            <a:pPr marL="0" indent="0">
+              <a:buNone/>
+            </a:pPr>
             <a:r>
               <a:rPr lang="en-US" dirty="0"/>
-              <a:t>Later, revisit the script on your own. Consider modifying lines</a:t>
-            </a:r>
-          </a:p>
-          <a:p>
-            <a:pPr lvl="1"/>
-            <a:r>
-              <a:rPr lang="en-US" dirty="0"/>
-              <a:t>Read the comments then run the line (“Run” or </a:t>
-            </a:r>
-            <a:r>
-              <a:rPr lang="en-US" dirty="0" err="1"/>
-              <a:t>Ctrl+Enter</a:t>
-            </a:r>
-            <a:r>
-              <a:rPr lang="en-US" dirty="0"/>
-              <a:t>)</a:t>
-            </a:r>
-          </a:p>
-          <a:p>
-            <a:pPr lvl="1"/>
-            <a:r>
-              <a:rPr lang="en-US" dirty="0"/>
-              <a:t>Go slow, it isn’t a race</a:t>
-            </a:r>
-          </a:p>
-          <a:p>
-            <a:pPr lvl="1"/>
-            <a:r>
-              <a:rPr lang="en-US" dirty="0"/>
-              <a:t>Ask yourself </a:t>
-            </a:r>
-            <a:r>
-              <a:rPr lang="en-US" i="1" dirty="0"/>
-              <a:t>why </a:t>
-            </a:r>
-            <a:r>
-              <a:rPr lang="en-US" dirty="0"/>
-              <a:t>something works or fails</a:t>
+              <a:t>Also: Lines must end with a comma, bracket, or similar. If you want your code to continue to the next line, you will need a comma at the end of a line</a:t>
             </a:r>
           </a:p>
         </p:txBody>
@@ -6728,7 +6987,7 @@
           <p:cNvPr id="4" name="Slide Number Placeholder 3">
             <a:extLst>
               <a:ext uri="{FF2B5EF4-FFF2-40B4-BE49-F238E27FC236}">
-                <a16:creationId xmlns:a16="http://schemas.microsoft.com/office/drawing/2014/main" id="{F4DD7783-873C-4FC0-9BFC-FCB9789549EF}"/>
+                <a16:creationId xmlns:a16="http://schemas.microsoft.com/office/drawing/2014/main" id="{00B1A3A0-EFE9-46C4-8627-FDE27A1F3F7B}"/>
               </a:ext>
             </a:extLst>
           </p:cNvPr>
@@ -6747,6 +7006,203 @@
             <a:fld id="{6D95AE55-B5F4-483D-AEFF-E8059F5502F5}" type="slidenum">
               <a:rPr lang="en-US" smtClean="0"/>
               <a:t>15</a:t>
+            </a:fld>
+            <a:endParaRPr lang="en-US"/>
+          </a:p>
+        </p:txBody>
+      </p:sp>
+    </p:spTree>
+    <p:extLst>
+      <p:ext uri="{BB962C8B-B14F-4D97-AF65-F5344CB8AC3E}">
+        <p14:creationId xmlns:p14="http://schemas.microsoft.com/office/powerpoint/2010/main" val="3161482239"/>
+      </p:ext>
+    </p:extLst>
+  </p:cSld>
+  <p:clrMapOvr>
+    <a:masterClrMapping/>
+  </p:clrMapOvr>
+</p:sld>
+</file>
+
+<file path=ppt/slides/slide16.xml><?xml version="1.0" encoding="utf-8"?>
+<p:sld xmlns:a="http://schemas.openxmlformats.org/drawingml/2006/main" xmlns:r="http://schemas.openxmlformats.org/officeDocument/2006/relationships" xmlns:p="http://schemas.openxmlformats.org/presentationml/2006/main">
+  <p:cSld>
+    <p:spTree>
+      <p:nvGrpSpPr>
+        <p:cNvPr id="1" name=""/>
+        <p:cNvGrpSpPr/>
+        <p:nvPr/>
+      </p:nvGrpSpPr>
+      <p:grpSpPr>
+        <a:xfrm>
+          <a:off x="0" y="0"/>
+          <a:ext cx="0" cy="0"/>
+          <a:chOff x="0" y="0"/>
+          <a:chExt cx="0" cy="0"/>
+        </a:xfrm>
+      </p:grpSpPr>
+      <p:sp>
+        <p:nvSpPr>
+          <p:cNvPr id="2" name="Title 1">
+            <a:extLst>
+              <a:ext uri="{FF2B5EF4-FFF2-40B4-BE49-F238E27FC236}">
+                <a16:creationId xmlns:a16="http://schemas.microsoft.com/office/drawing/2014/main" id="{F4619A31-5332-490F-97B4-64052D1A5902}"/>
+              </a:ext>
+            </a:extLst>
+          </p:cNvPr>
+          <p:cNvSpPr>
+            <a:spLocks noGrp="1"/>
+          </p:cNvSpPr>
+          <p:nvPr>
+            <p:ph type="title"/>
+          </p:nvPr>
+        </p:nvSpPr>
+        <p:spPr/>
+        <p:txBody>
+          <a:bodyPr/>
+          <a:lstStyle/>
+          <a:p>
+            <a:r>
+              <a:rPr lang="en-US" dirty="0"/>
+              <a:t>Let’s head to RStudio</a:t>
+            </a:r>
+          </a:p>
+        </p:txBody>
+      </p:sp>
+      <p:sp>
+        <p:nvSpPr>
+          <p:cNvPr id="3" name="Content Placeholder 2">
+            <a:extLst>
+              <a:ext uri="{FF2B5EF4-FFF2-40B4-BE49-F238E27FC236}">
+                <a16:creationId xmlns:a16="http://schemas.microsoft.com/office/drawing/2014/main" id="{5978377A-E30C-455C-B887-5A6CFF8FED32}"/>
+              </a:ext>
+            </a:extLst>
+          </p:cNvPr>
+          <p:cNvSpPr>
+            <a:spLocks noGrp="1"/>
+          </p:cNvSpPr>
+          <p:nvPr>
+            <p:ph idx="1"/>
+          </p:nvPr>
+        </p:nvSpPr>
+        <p:spPr>
+          <a:xfrm>
+            <a:off x="838200" y="1688122"/>
+            <a:ext cx="10515600" cy="4803113"/>
+          </a:xfrm>
+        </p:spPr>
+        <p:txBody>
+          <a:bodyPr>
+            <a:normAutofit/>
+          </a:bodyPr>
+          <a:lstStyle/>
+          <a:p>
+            <a:pPr>
+              <a:spcBef>
+                <a:spcPts val="2400"/>
+              </a:spcBef>
+            </a:pPr>
+            <a:r>
+              <a:rPr lang="en-US" dirty="0"/>
+              <a:t>Let’s familiarize ourselves with RStudio</a:t>
+            </a:r>
+          </a:p>
+          <a:p>
+            <a:pPr lvl="1">
+              <a:spcBef>
+                <a:spcPts val="600"/>
+              </a:spcBef>
+            </a:pPr>
+            <a:r>
+              <a:rPr lang="en-US" dirty="0"/>
+              <a:t>You are learning two things at once: the new-to-you program RStudio and the R language</a:t>
+            </a:r>
+          </a:p>
+          <a:p>
+            <a:pPr>
+              <a:spcBef>
+                <a:spcPts val="3000"/>
+              </a:spcBef>
+            </a:pPr>
+            <a:r>
+              <a:rPr lang="en-US" dirty="0"/>
+              <a:t>We’ll put what we just learned to use in RStudio and review the basics of the program. You can watch my screen and write the code yourselves too. </a:t>
+            </a:r>
+          </a:p>
+          <a:p>
+            <a:pPr>
+              <a:spcBef>
+                <a:spcPts val="3000"/>
+              </a:spcBef>
+            </a:pPr>
+            <a:r>
+              <a:rPr lang="en-US" dirty="0"/>
+              <a:t>Later, revisit the script on your own. Consider modifying lines</a:t>
+            </a:r>
+          </a:p>
+          <a:p>
+            <a:pPr lvl="1"/>
+            <a:r>
+              <a:rPr lang="en-US" dirty="0"/>
+              <a:t>Read the comments then run the line (“Run” or </a:t>
+            </a:r>
+            <a:r>
+              <a:rPr lang="en-US" dirty="0" err="1"/>
+              <a:t>Ctrl+Enter</a:t>
+            </a:r>
+            <a:r>
+              <a:rPr lang="en-US" dirty="0"/>
+              <a:t>)</a:t>
+            </a:r>
+          </a:p>
+          <a:p>
+            <a:pPr lvl="1"/>
+            <a:r>
+              <a:rPr lang="en-US" dirty="0"/>
+              <a:t>Go slow, it isn’t a race</a:t>
+            </a:r>
+          </a:p>
+          <a:p>
+            <a:pPr lvl="1"/>
+            <a:r>
+              <a:rPr lang="en-US" dirty="0"/>
+              <a:t>Ask yourself </a:t>
+            </a:r>
+            <a:r>
+              <a:rPr lang="en-US" i="1" dirty="0"/>
+              <a:t>why </a:t>
+            </a:r>
+            <a:r>
+              <a:rPr lang="en-US" dirty="0"/>
+              <a:t>something works or fails</a:t>
+            </a:r>
+          </a:p>
+        </p:txBody>
+      </p:sp>
+      <p:sp>
+        <p:nvSpPr>
+          <p:cNvPr id="4" name="Slide Number Placeholder 3">
+            <a:extLst>
+              <a:ext uri="{FF2B5EF4-FFF2-40B4-BE49-F238E27FC236}">
+                <a16:creationId xmlns:a16="http://schemas.microsoft.com/office/drawing/2014/main" id="{F4DD7783-873C-4FC0-9BFC-FCB9789549EF}"/>
+              </a:ext>
+            </a:extLst>
+          </p:cNvPr>
+          <p:cNvSpPr>
+            <a:spLocks noGrp="1"/>
+          </p:cNvSpPr>
+          <p:nvPr>
+            <p:ph type="sldNum" sz="quarter" idx="12"/>
+          </p:nvPr>
+        </p:nvSpPr>
+        <p:spPr/>
+        <p:txBody>
+          <a:bodyPr/>
+          <a:lstStyle/>
+          <a:p>
+            <a:fld id="{6D95AE55-B5F4-483D-AEFF-E8059F5502F5}" type="slidenum">
+              <a:rPr lang="en-US" smtClean="0"/>
+              <a:t>16</a:t>
             </a:fld>
             <a:endParaRPr lang="en-US"/>
           </a:p>
@@ -6989,7 +7445,7 @@
 </p:sld>
 </file>
 
-<file path=ppt/slides/slide16.xml><?xml version="1.0" encoding="utf-8"?>
+<file path=ppt/slides/slide17.xml><?xml version="1.0" encoding="utf-8"?>
 <p:sld xmlns:a="http://schemas.openxmlformats.org/drawingml/2006/main" xmlns:r="http://schemas.openxmlformats.org/officeDocument/2006/relationships" xmlns:p="http://schemas.openxmlformats.org/presentationml/2006/main">
   <p:cSld>
     <p:spTree>
@@ -7102,7 +7558,7 @@
           <a:p>
             <a:fld id="{6D95AE55-B5F4-483D-AEFF-E8059F5502F5}" type="slidenum">
               <a:rPr lang="en-US" smtClean="0"/>
-              <a:t>16</a:t>
+              <a:t>17</a:t>
             </a:fld>
             <a:endParaRPr lang="en-US"/>
           </a:p>
@@ -7213,185 +7669,6 @@
 </p:sld>
 </file>
 
-<file path=ppt/slides/slide17.xml><?xml version="1.0" encoding="utf-8"?>
-<p:sld xmlns:a="http://schemas.openxmlformats.org/drawingml/2006/main" xmlns:r="http://schemas.openxmlformats.org/officeDocument/2006/relationships" xmlns:p="http://schemas.openxmlformats.org/presentationml/2006/main">
-  <p:cSld>
-    <p:spTree>
-      <p:nvGrpSpPr>
-        <p:cNvPr id="1" name=""/>
-        <p:cNvGrpSpPr/>
-        <p:nvPr/>
-      </p:nvGrpSpPr>
-      <p:grpSpPr>
-        <a:xfrm>
-          <a:off x="0" y="0"/>
-          <a:ext cx="0" cy="0"/>
-          <a:chOff x="0" y="0"/>
-          <a:chExt cx="0" cy="0"/>
-        </a:xfrm>
-      </p:grpSpPr>
-      <p:sp>
-        <p:nvSpPr>
-          <p:cNvPr id="2" name="Title 1">
-            <a:extLst>
-              <a:ext uri="{FF2B5EF4-FFF2-40B4-BE49-F238E27FC236}">
-                <a16:creationId xmlns:a16="http://schemas.microsoft.com/office/drawing/2014/main" id="{7AE1D199-FEFA-48C9-B2D4-50E92F39F863}"/>
-              </a:ext>
-            </a:extLst>
-          </p:cNvPr>
-          <p:cNvSpPr>
-            <a:spLocks noGrp="1"/>
-          </p:cNvSpPr>
-          <p:nvPr>
-            <p:ph type="title"/>
-          </p:nvPr>
-        </p:nvSpPr>
-        <p:spPr/>
-        <p:txBody>
-          <a:bodyPr/>
-          <a:lstStyle/>
-          <a:p>
-            <a:r>
-              <a:rPr lang="en-US" dirty="0"/>
-              <a:t>RStudio Summary</a:t>
-            </a:r>
-          </a:p>
-        </p:txBody>
-      </p:sp>
-      <p:sp>
-        <p:nvSpPr>
-          <p:cNvPr id="3" name="Content Placeholder 2">
-            <a:extLst>
-              <a:ext uri="{FF2B5EF4-FFF2-40B4-BE49-F238E27FC236}">
-                <a16:creationId xmlns:a16="http://schemas.microsoft.com/office/drawing/2014/main" id="{43D43A62-1652-40C1-9E53-7EAECB20B311}"/>
-              </a:ext>
-            </a:extLst>
-          </p:cNvPr>
-          <p:cNvSpPr>
-            <a:spLocks noGrp="1"/>
-          </p:cNvSpPr>
-          <p:nvPr>
-            <p:ph idx="1"/>
-          </p:nvPr>
-        </p:nvSpPr>
-        <p:spPr>
-          <a:xfrm>
-            <a:off x="3595954" y="1825625"/>
-            <a:ext cx="7757845" cy="4351338"/>
-          </a:xfrm>
-        </p:spPr>
-        <p:txBody>
-          <a:bodyPr>
-            <a:normAutofit lnSpcReduction="10000"/>
-          </a:bodyPr>
-          <a:lstStyle/>
-          <a:p>
-            <a:pPr marL="0" indent="0">
-              <a:buNone/>
-            </a:pPr>
-            <a:r>
-              <a:rPr lang="en-US" b="1" u="sng" dirty="0"/>
-              <a:t>What we have learned</a:t>
-            </a:r>
-          </a:p>
-          <a:p>
-            <a:r>
-              <a:rPr lang="en-US" dirty="0"/>
-              <a:t>How to open a RStudio project</a:t>
-            </a:r>
-          </a:p>
-          <a:p>
-            <a:r>
-              <a:rPr lang="en-US" dirty="0"/>
-              <a:t>4 panes in RStudio</a:t>
-            </a:r>
-          </a:p>
-          <a:p>
-            <a:r>
-              <a:rPr lang="en-US" dirty="0"/>
-              <a:t>How to run a line</a:t>
-            </a:r>
-          </a:p>
-          <a:p>
-            <a:r>
-              <a:rPr lang="en-US" dirty="0"/>
-              <a:t>Difference between script &amp; console</a:t>
-            </a:r>
-          </a:p>
-          <a:p>
-            <a:r>
-              <a:rPr lang="en-US" dirty="0"/>
-              <a:t>Autocomplete for functions &amp; variables</a:t>
-            </a:r>
-          </a:p>
-          <a:p>
-            <a:r>
-              <a:rPr lang="en-US" dirty="0"/>
-              <a:t>Highlighting a word</a:t>
-            </a:r>
-          </a:p>
-          <a:p>
-            <a:r>
-              <a:rPr lang="en-US" dirty="0"/>
-              <a:t>Help!</a:t>
-            </a:r>
-          </a:p>
-          <a:p>
-            <a:r>
-              <a:rPr lang="en-US" dirty="0"/>
-              <a:t>Viewing a dataframe</a:t>
-            </a:r>
-          </a:p>
-          <a:p>
-            <a:endParaRPr lang="en-US" dirty="0"/>
-          </a:p>
-          <a:p>
-            <a:endParaRPr lang="en-US" dirty="0"/>
-          </a:p>
-        </p:txBody>
-      </p:sp>
-      <p:sp>
-        <p:nvSpPr>
-          <p:cNvPr id="4" name="Slide Number Placeholder 3">
-            <a:extLst>
-              <a:ext uri="{FF2B5EF4-FFF2-40B4-BE49-F238E27FC236}">
-                <a16:creationId xmlns:a16="http://schemas.microsoft.com/office/drawing/2014/main" id="{C0A82A11-6434-40F6-862F-DACD0180D393}"/>
-              </a:ext>
-            </a:extLst>
-          </p:cNvPr>
-          <p:cNvSpPr>
-            <a:spLocks noGrp="1"/>
-          </p:cNvSpPr>
-          <p:nvPr>
-            <p:ph type="sldNum" sz="quarter" idx="12"/>
-          </p:nvPr>
-        </p:nvSpPr>
-        <p:spPr/>
-        <p:txBody>
-          <a:bodyPr/>
-          <a:lstStyle/>
-          <a:p>
-            <a:fld id="{6D95AE55-B5F4-483D-AEFF-E8059F5502F5}" type="slidenum">
-              <a:rPr lang="en-US" smtClean="0"/>
-              <a:t>17</a:t>
-            </a:fld>
-            <a:endParaRPr lang="en-US"/>
-          </a:p>
-        </p:txBody>
-      </p:sp>
-    </p:spTree>
-    <p:extLst>
-      <p:ext uri="{BB962C8B-B14F-4D97-AF65-F5344CB8AC3E}">
-        <p14:creationId xmlns:p14="http://schemas.microsoft.com/office/powerpoint/2010/main" val="2223636367"/>
-      </p:ext>
-    </p:extLst>
-  </p:cSld>
-  <p:clrMapOvr>
-    <a:masterClrMapping/>
-  </p:clrMapOvr>
-</p:sld>
-</file>
-
 <file path=ppt/slides/slide18.xml><?xml version="1.0" encoding="utf-8"?>
 <p:sld xmlns:a="http://schemas.openxmlformats.org/drawingml/2006/main" xmlns:r="http://schemas.openxmlformats.org/officeDocument/2006/relationships" xmlns:p="http://schemas.openxmlformats.org/presentationml/2006/main">
   <p:cSld>
@@ -7414,7 +7691,7 @@
           <p:cNvPr id="2" name="Title 1">
             <a:extLst>
               <a:ext uri="{FF2B5EF4-FFF2-40B4-BE49-F238E27FC236}">
-                <a16:creationId xmlns:a16="http://schemas.microsoft.com/office/drawing/2014/main" id="{6CB60313-92C7-46D0-8673-5BC985087B33}"/>
+                <a16:creationId xmlns:a16="http://schemas.microsoft.com/office/drawing/2014/main" id="{7AE1D199-FEFA-48C9-B2D4-50E92F39F863}"/>
               </a:ext>
             </a:extLst>
           </p:cNvPr>
@@ -7432,7 +7709,7 @@
           <a:p>
             <a:r>
               <a:rPr lang="en-US" dirty="0"/>
-              <a:t>RStudio Review</a:t>
+              <a:t>RStudio Summary</a:t>
             </a:r>
           </a:p>
         </p:txBody>
@@ -7442,7 +7719,7 @@
           <p:cNvPr id="3" name="Content Placeholder 2">
             <a:extLst>
               <a:ext uri="{FF2B5EF4-FFF2-40B4-BE49-F238E27FC236}">
-                <a16:creationId xmlns:a16="http://schemas.microsoft.com/office/drawing/2014/main" id="{6221A6D1-1B67-404F-80CF-2F7D280013C1}"/>
+                <a16:creationId xmlns:a16="http://schemas.microsoft.com/office/drawing/2014/main" id="{43D43A62-1652-40C1-9E53-7EAECB20B311}"/>
               </a:ext>
             </a:extLst>
           </p:cNvPr>
@@ -7455,53 +7732,78 @@
         </p:nvSpPr>
         <p:spPr>
           <a:xfrm>
-            <a:off x="115613" y="1645854"/>
-            <a:ext cx="5402317" cy="4853371"/>
+            <a:off x="3595954" y="1825625"/>
+            <a:ext cx="7757845" cy="4351338"/>
           </a:xfrm>
         </p:spPr>
         <p:txBody>
           <a:bodyPr>
-            <a:normAutofit fontScale="92500" lnSpcReduction="20000"/>
+            <a:normAutofit lnSpcReduction="10000"/>
           </a:bodyPr>
           <a:lstStyle/>
           <a:p>
+            <a:pPr marL="0" indent="0">
+              <a:buNone/>
+            </a:pPr>
+            <a:r>
+              <a:rPr lang="en-US" b="1" u="sng" dirty="0"/>
+              <a:t>What we have learned</a:t>
+            </a:r>
+          </a:p>
+          <a:p>
             <a:r>
               <a:rPr lang="en-US" dirty="0"/>
-              <a:t>Use “&lt;-” to store something</a:t>
-            </a:r>
-          </a:p>
-          <a:p>
-            <a:pPr lvl="1"/>
+              <a:t>How to open a RStudio project</a:t>
+            </a:r>
+          </a:p>
+          <a:p>
             <a:r>
               <a:rPr lang="en-US" dirty="0"/>
-              <a:t>Otherwise code doesn’t save for access later (which is often fine!)</a:t>
+              <a:t>4 panes in RStudio</a:t>
+            </a:r>
+          </a:p>
+          <a:p>
+            <a:r>
+              <a:rPr lang="en-US" dirty="0"/>
+              <a:t>How to run a line</a:t>
+            </a:r>
+          </a:p>
+          <a:p>
+            <a:r>
+              <a:rPr lang="en-US" dirty="0"/>
+              <a:t>Difference between script &amp; console</a:t>
+            </a:r>
+          </a:p>
+          <a:p>
+            <a:r>
+              <a:rPr lang="en-US" dirty="0"/>
+              <a:t>Autocomplete for functions &amp; variables</a:t>
+            </a:r>
+          </a:p>
+          <a:p>
+            <a:r>
+              <a:rPr lang="en-US" dirty="0"/>
+              <a:t>Highlighting a word</a:t>
+            </a:r>
+          </a:p>
+          <a:p>
+            <a:r>
+              <a:rPr lang="en-US" dirty="0"/>
+              <a:t>Help!</a:t>
+            </a:r>
+          </a:p>
+          <a:p>
+            <a:r>
+              <a:rPr lang="en-US" dirty="0"/>
+              <a:t>Viewing a dataframe</a:t>
             </a:r>
           </a:p>
           <a:p>
             <a:endParaRPr lang="en-US" dirty="0"/>
           </a:p>
           <a:p>
-            <a:r>
-              <a:rPr lang="en-US" dirty="0"/>
-              <a:t>Ctrl + Enter (or Run Button) evaluates the line of code (sending it to console)</a:t>
-            </a:r>
-          </a:p>
-          <a:p>
-            <a:pPr lvl="1"/>
-            <a:r>
-              <a:rPr lang="en-US" dirty="0"/>
-              <a:t>Put cursor somewhere in that line, or highlight the chunk you want</a:t>
-            </a:r>
-          </a:p>
-          <a:p>
             <a:endParaRPr lang="en-US" dirty="0"/>
           </a:p>
-          <a:p>
-            <a:r>
-              <a:rPr lang="en-US" dirty="0"/>
-              <a:t>Objects in the environment disappear once we close R. We’ll need to re-run whole script to get them back. They don’t “live” anywhere permanently. </a:t>
-            </a:r>
-          </a:p>
         </p:txBody>
       </p:sp>
       <p:sp>
@@ -7509,7 +7811,7 @@
           <p:cNvPr id="4" name="Slide Number Placeholder 3">
             <a:extLst>
               <a:ext uri="{FF2B5EF4-FFF2-40B4-BE49-F238E27FC236}">
-                <a16:creationId xmlns:a16="http://schemas.microsoft.com/office/drawing/2014/main" id="{3CFE26BE-79E4-421E-A20A-710CC540D345}"/>
+                <a16:creationId xmlns:a16="http://schemas.microsoft.com/office/drawing/2014/main" id="{C0A82A11-6434-40F6-862F-DACD0180D393}"/>
               </a:ext>
             </a:extLst>
           </p:cNvPr>
@@ -7528,6 +7830,160 @@
             <a:fld id="{6D95AE55-B5F4-483D-AEFF-E8059F5502F5}" type="slidenum">
               <a:rPr lang="en-US" smtClean="0"/>
               <a:t>18</a:t>
+            </a:fld>
+            <a:endParaRPr lang="en-US"/>
+          </a:p>
+        </p:txBody>
+      </p:sp>
+    </p:spTree>
+    <p:extLst>
+      <p:ext uri="{BB962C8B-B14F-4D97-AF65-F5344CB8AC3E}">
+        <p14:creationId xmlns:p14="http://schemas.microsoft.com/office/powerpoint/2010/main" val="2223636367"/>
+      </p:ext>
+    </p:extLst>
+  </p:cSld>
+  <p:clrMapOvr>
+    <a:masterClrMapping/>
+  </p:clrMapOvr>
+</p:sld>
+</file>
+
+<file path=ppt/slides/slide19.xml><?xml version="1.0" encoding="utf-8"?>
+<p:sld xmlns:a="http://schemas.openxmlformats.org/drawingml/2006/main" xmlns:r="http://schemas.openxmlformats.org/officeDocument/2006/relationships" xmlns:p="http://schemas.openxmlformats.org/presentationml/2006/main">
+  <p:cSld>
+    <p:spTree>
+      <p:nvGrpSpPr>
+        <p:cNvPr id="1" name=""/>
+        <p:cNvGrpSpPr/>
+        <p:nvPr/>
+      </p:nvGrpSpPr>
+      <p:grpSpPr>
+        <a:xfrm>
+          <a:off x="0" y="0"/>
+          <a:ext cx="0" cy="0"/>
+          <a:chOff x="0" y="0"/>
+          <a:chExt cx="0" cy="0"/>
+        </a:xfrm>
+      </p:grpSpPr>
+      <p:sp>
+        <p:nvSpPr>
+          <p:cNvPr id="2" name="Title 1">
+            <a:extLst>
+              <a:ext uri="{FF2B5EF4-FFF2-40B4-BE49-F238E27FC236}">
+                <a16:creationId xmlns:a16="http://schemas.microsoft.com/office/drawing/2014/main" id="{6CB60313-92C7-46D0-8673-5BC985087B33}"/>
+              </a:ext>
+            </a:extLst>
+          </p:cNvPr>
+          <p:cNvSpPr>
+            <a:spLocks noGrp="1"/>
+          </p:cNvSpPr>
+          <p:nvPr>
+            <p:ph type="title"/>
+          </p:nvPr>
+        </p:nvSpPr>
+        <p:spPr/>
+        <p:txBody>
+          <a:bodyPr/>
+          <a:lstStyle/>
+          <a:p>
+            <a:r>
+              <a:rPr lang="en-US" dirty="0"/>
+              <a:t>RStudio Review</a:t>
+            </a:r>
+          </a:p>
+        </p:txBody>
+      </p:sp>
+      <p:sp>
+        <p:nvSpPr>
+          <p:cNvPr id="3" name="Content Placeholder 2">
+            <a:extLst>
+              <a:ext uri="{FF2B5EF4-FFF2-40B4-BE49-F238E27FC236}">
+                <a16:creationId xmlns:a16="http://schemas.microsoft.com/office/drawing/2014/main" id="{6221A6D1-1B67-404F-80CF-2F7D280013C1}"/>
+              </a:ext>
+            </a:extLst>
+          </p:cNvPr>
+          <p:cNvSpPr>
+            <a:spLocks noGrp="1"/>
+          </p:cNvSpPr>
+          <p:nvPr>
+            <p:ph idx="1"/>
+          </p:nvPr>
+        </p:nvSpPr>
+        <p:spPr>
+          <a:xfrm>
+            <a:off x="115613" y="1645854"/>
+            <a:ext cx="5402317" cy="4853371"/>
+          </a:xfrm>
+        </p:spPr>
+        <p:txBody>
+          <a:bodyPr>
+            <a:normAutofit fontScale="92500" lnSpcReduction="20000"/>
+          </a:bodyPr>
+          <a:lstStyle/>
+          <a:p>
+            <a:r>
+              <a:rPr lang="en-US" dirty="0"/>
+              <a:t>Use “&lt;-” to store something</a:t>
+            </a:r>
+          </a:p>
+          <a:p>
+            <a:pPr lvl="1"/>
+            <a:r>
+              <a:rPr lang="en-US" dirty="0"/>
+              <a:t>Otherwise code doesn’t save for access later (which is often fine!)</a:t>
+            </a:r>
+          </a:p>
+          <a:p>
+            <a:endParaRPr lang="en-US" dirty="0"/>
+          </a:p>
+          <a:p>
+            <a:r>
+              <a:rPr lang="en-US" dirty="0"/>
+              <a:t>Ctrl + Enter (or Run Button) evaluates the line of code (sending it to console)</a:t>
+            </a:r>
+          </a:p>
+          <a:p>
+            <a:pPr lvl="1"/>
+            <a:r>
+              <a:rPr lang="en-US" dirty="0"/>
+              <a:t>Put cursor somewhere in that line, or highlight the chunk you want</a:t>
+            </a:r>
+          </a:p>
+          <a:p>
+            <a:endParaRPr lang="en-US" dirty="0"/>
+          </a:p>
+          <a:p>
+            <a:r>
+              <a:rPr lang="en-US" dirty="0"/>
+              <a:t>Objects in the environment disappear once we close R. We’ll need to re-run whole script to get them back. They don’t “live” anywhere permanently. </a:t>
+            </a:r>
+          </a:p>
+        </p:txBody>
+      </p:sp>
+      <p:sp>
+        <p:nvSpPr>
+          <p:cNvPr id="4" name="Slide Number Placeholder 3">
+            <a:extLst>
+              <a:ext uri="{FF2B5EF4-FFF2-40B4-BE49-F238E27FC236}">
+                <a16:creationId xmlns:a16="http://schemas.microsoft.com/office/drawing/2014/main" id="{3CFE26BE-79E4-421E-A20A-710CC540D345}"/>
+              </a:ext>
+            </a:extLst>
+          </p:cNvPr>
+          <p:cNvSpPr>
+            <a:spLocks noGrp="1"/>
+          </p:cNvSpPr>
+          <p:nvPr>
+            <p:ph type="sldNum" sz="quarter" idx="12"/>
+          </p:nvPr>
+        </p:nvSpPr>
+        <p:spPr/>
+        <p:txBody>
+          <a:bodyPr/>
+          <a:lstStyle/>
+          <a:p>
+            <a:fld id="{6D95AE55-B5F4-483D-AEFF-E8059F5502F5}" type="slidenum">
+              <a:rPr lang="en-US" smtClean="0"/>
+              <a:t>19</a:t>
             </a:fld>
             <a:endParaRPr lang="en-US"/>
           </a:p>
@@ -8261,7 +8717,270 @@
 </p:sld>
 </file>
 
-<file path=ppt/slides/slide19.xml><?xml version="1.0" encoding="utf-8"?>
+<file path=ppt/slides/slide2.xml><?xml version="1.0" encoding="utf-8"?>
+<p:sld xmlns:a="http://schemas.openxmlformats.org/drawingml/2006/main" xmlns:r="http://schemas.openxmlformats.org/officeDocument/2006/relationships" xmlns:p="http://schemas.openxmlformats.org/presentationml/2006/main">
+  <p:cSld>
+    <p:spTree>
+      <p:nvGrpSpPr>
+        <p:cNvPr id="1" name=""/>
+        <p:cNvGrpSpPr/>
+        <p:nvPr/>
+      </p:nvGrpSpPr>
+      <p:grpSpPr>
+        <a:xfrm>
+          <a:off x="0" y="0"/>
+          <a:ext cx="0" cy="0"/>
+          <a:chOff x="0" y="0"/>
+          <a:chExt cx="0" cy="0"/>
+        </a:xfrm>
+      </p:grpSpPr>
+      <p:sp>
+        <p:nvSpPr>
+          <p:cNvPr id="2" name="Title 1">
+            <a:extLst>
+              <a:ext uri="{FF2B5EF4-FFF2-40B4-BE49-F238E27FC236}">
+                <a16:creationId xmlns:a16="http://schemas.microsoft.com/office/drawing/2014/main" id="{308260C5-C92D-4671-A2C1-19E8D02906D7}"/>
+              </a:ext>
+            </a:extLst>
+          </p:cNvPr>
+          <p:cNvSpPr>
+            <a:spLocks noGrp="1"/>
+          </p:cNvSpPr>
+          <p:nvPr>
+            <p:ph type="title"/>
+          </p:nvPr>
+        </p:nvSpPr>
+        <p:spPr/>
+        <p:txBody>
+          <a:bodyPr/>
+          <a:lstStyle/>
+          <a:p>
+            <a:r>
+              <a:rPr lang="en-US" dirty="0"/>
+              <a:t>R vs RStudio</a:t>
+            </a:r>
+          </a:p>
+        </p:txBody>
+      </p:sp>
+      <p:sp>
+        <p:nvSpPr>
+          <p:cNvPr id="3" name="Content Placeholder 2">
+            <a:extLst>
+              <a:ext uri="{FF2B5EF4-FFF2-40B4-BE49-F238E27FC236}">
+                <a16:creationId xmlns:a16="http://schemas.microsoft.com/office/drawing/2014/main" id="{6150083D-9FE7-42F9-9E34-20808E457C54}"/>
+              </a:ext>
+            </a:extLst>
+          </p:cNvPr>
+          <p:cNvSpPr>
+            <a:spLocks noGrp="1"/>
+          </p:cNvSpPr>
+          <p:nvPr>
+            <p:ph idx="1"/>
+          </p:nvPr>
+        </p:nvSpPr>
+        <p:spPr>
+          <a:xfrm>
+            <a:off x="457201" y="1583684"/>
+            <a:ext cx="7971182" cy="4772967"/>
+          </a:xfrm>
+        </p:spPr>
+        <p:txBody>
+          <a:bodyPr>
+            <a:normAutofit/>
+          </a:bodyPr>
+          <a:lstStyle/>
+          <a:p>
+            <a:pPr marL="0" indent="0">
+              <a:buNone/>
+            </a:pPr>
+            <a:r>
+              <a:rPr lang="en-US" b="1" i="1" dirty="0"/>
+              <a:t>What is the difference between R and RStudio? </a:t>
+            </a:r>
+          </a:p>
+          <a:p>
+            <a:r>
+              <a:rPr lang="en-US" dirty="0"/>
+              <a:t>RStudio requires R to run in the background</a:t>
+            </a:r>
+          </a:p>
+          <a:p>
+            <a:pPr lvl="1"/>
+            <a:r>
+              <a:rPr lang="en-US" dirty="0"/>
+              <a:t>R is the engine, RStudio is the rest of the car</a:t>
+            </a:r>
+          </a:p>
+          <a:p>
+            <a:endParaRPr lang="en-US" dirty="0"/>
+          </a:p>
+          <a:p>
+            <a:r>
+              <a:rPr lang="en-US" dirty="0"/>
+              <a:t>Think of R as notepad and RStudio as MS Word </a:t>
+            </a:r>
+          </a:p>
+          <a:p>
+            <a:pPr lvl="1"/>
+            <a:r>
+              <a:rPr lang="en-US" dirty="0"/>
+              <a:t>More powerful features and is much more user friendly</a:t>
+            </a:r>
+          </a:p>
+          <a:p>
+            <a:pPr lvl="1"/>
+            <a:endParaRPr lang="en-US" dirty="0"/>
+          </a:p>
+          <a:p>
+            <a:r>
+              <a:rPr lang="en-US" dirty="0"/>
+              <a:t>Software Center calls R the “R Project” but avoid calling it that; we’ll be using </a:t>
+            </a:r>
+            <a:r>
+              <a:rPr lang="en-US" dirty="0" err="1"/>
+              <a:t>RProjects</a:t>
+            </a:r>
+            <a:r>
+              <a:rPr lang="en-US" dirty="0"/>
+              <a:t> which is a very different concept </a:t>
+            </a:r>
+          </a:p>
+        </p:txBody>
+      </p:sp>
+      <p:sp>
+        <p:nvSpPr>
+          <p:cNvPr id="4" name="Slide Number Placeholder 3">
+            <a:extLst>
+              <a:ext uri="{FF2B5EF4-FFF2-40B4-BE49-F238E27FC236}">
+                <a16:creationId xmlns:a16="http://schemas.microsoft.com/office/drawing/2014/main" id="{D57F62A7-793A-459F-A4EE-65DCF2AB1C25}"/>
+              </a:ext>
+            </a:extLst>
+          </p:cNvPr>
+          <p:cNvSpPr>
+            <a:spLocks noGrp="1"/>
+          </p:cNvSpPr>
+          <p:nvPr>
+            <p:ph type="sldNum" sz="quarter" idx="12"/>
+          </p:nvPr>
+        </p:nvSpPr>
+        <p:spPr/>
+        <p:txBody>
+          <a:bodyPr/>
+          <a:lstStyle/>
+          <a:p>
+            <a:fld id="{6D95AE55-B5F4-483D-AEFF-E8059F5502F5}" type="slidenum">
+              <a:rPr lang="en-US" smtClean="0"/>
+              <a:t>2</a:t>
+            </a:fld>
+            <a:endParaRPr lang="en-US"/>
+          </a:p>
+        </p:txBody>
+      </p:sp>
+      <p:grpSp>
+        <p:nvGrpSpPr>
+          <p:cNvPr id="11" name="Group 10">
+            <a:extLst>
+              <a:ext uri="{FF2B5EF4-FFF2-40B4-BE49-F238E27FC236}">
+                <a16:creationId xmlns:a16="http://schemas.microsoft.com/office/drawing/2014/main" id="{93033E89-A90F-EB7A-C030-1DD4DA42328F}"/>
+              </a:ext>
+            </a:extLst>
+          </p:cNvPr>
+          <p:cNvGrpSpPr/>
+          <p:nvPr/>
+        </p:nvGrpSpPr>
+        <p:grpSpPr>
+          <a:xfrm>
+            <a:off x="8610600" y="2090313"/>
+            <a:ext cx="3407229" cy="3071947"/>
+            <a:chOff x="8784771" y="2124105"/>
+            <a:chExt cx="3407229" cy="3071947"/>
+          </a:xfrm>
+        </p:grpSpPr>
+        <p:pic>
+          <p:nvPicPr>
+            <p:cNvPr id="5" name="Picture 4" descr="A close up of a sign&#10;&#10;Description automatically generated">
+              <a:extLst>
+                <a:ext uri="{FF2B5EF4-FFF2-40B4-BE49-F238E27FC236}">
+                  <a16:creationId xmlns:a16="http://schemas.microsoft.com/office/drawing/2014/main" id="{98EA43B1-CD32-4585-A5CE-BD55AE67BC35}"/>
+                </a:ext>
+              </a:extLst>
+            </p:cNvPr>
+            <p:cNvPicPr>
+              <a:picLocks noChangeAspect="1"/>
+            </p:cNvPicPr>
+            <p:nvPr/>
+          </p:nvPicPr>
+          <p:blipFill rotWithShape="1">
+            <a:blip r:embed="rId3">
+              <a:extLst>
+                <a:ext uri="{28A0092B-C50C-407E-A947-70E740481C1C}">
+                  <a14:useLocalDpi xmlns:a14="http://schemas.microsoft.com/office/drawing/2010/main" val="0"/>
+                </a:ext>
+              </a:extLst>
+            </a:blip>
+            <a:srcRect r="62987"/>
+            <a:stretch/>
+          </p:blipFill>
+          <p:spPr>
+            <a:xfrm>
+              <a:off x="9351636" y="2124105"/>
+              <a:ext cx="2002164" cy="1899564"/>
+            </a:xfrm>
+            <a:prstGeom prst="rect">
+              <a:avLst/>
+            </a:prstGeom>
+          </p:spPr>
+        </p:pic>
+        <p:pic>
+          <p:nvPicPr>
+            <p:cNvPr id="6" name="Picture 5" descr="A close up of a sign&#10;&#10;Description automatically generated">
+              <a:extLst>
+                <a:ext uri="{FF2B5EF4-FFF2-40B4-BE49-F238E27FC236}">
+                  <a16:creationId xmlns:a16="http://schemas.microsoft.com/office/drawing/2014/main" id="{C0B31357-9FD6-4D54-9590-85EE4D3DBE21}"/>
+                </a:ext>
+              </a:extLst>
+            </p:cNvPr>
+            <p:cNvPicPr>
+              <a:picLocks noChangeAspect="1"/>
+            </p:cNvPicPr>
+            <p:nvPr/>
+          </p:nvPicPr>
+          <p:blipFill rotWithShape="1">
+            <a:blip r:embed="rId3">
+              <a:extLst>
+                <a:ext uri="{28A0092B-C50C-407E-A947-70E740481C1C}">
+                  <a14:useLocalDpi xmlns:a14="http://schemas.microsoft.com/office/drawing/2010/main" val="0"/>
+                </a:ext>
+              </a:extLst>
+            </a:blip>
+            <a:srcRect l="37013"/>
+            <a:stretch/>
+          </p:blipFill>
+          <p:spPr>
+            <a:xfrm>
+              <a:off x="8784771" y="3296488"/>
+              <a:ext cx="3407229" cy="1899564"/>
+            </a:xfrm>
+            <a:prstGeom prst="rect">
+              <a:avLst/>
+            </a:prstGeom>
+          </p:spPr>
+        </p:pic>
+      </p:grpSp>
+    </p:spTree>
+    <p:extLst>
+      <p:ext uri="{BB962C8B-B14F-4D97-AF65-F5344CB8AC3E}">
+        <p14:creationId xmlns:p14="http://schemas.microsoft.com/office/powerpoint/2010/main" val="3491409365"/>
+      </p:ext>
+    </p:extLst>
+  </p:cSld>
+  <p:clrMapOvr>
+    <a:masterClrMapping/>
+  </p:clrMapOvr>
+</p:sld>
+</file>
+
+<file path=ppt/slides/slide20.xml><?xml version="1.0" encoding="utf-8"?>
 <p:sld xmlns:a="http://schemas.openxmlformats.org/drawingml/2006/main" xmlns:r="http://schemas.openxmlformats.org/officeDocument/2006/relationships" xmlns:p="http://schemas.openxmlformats.org/presentationml/2006/main">
   <p:cSld>
     <p:spTree>
@@ -8770,7 +9489,7 @@
           <a:p>
             <a:fld id="{6D95AE55-B5F4-483D-AEFF-E8059F5502F5}" type="slidenum">
               <a:rPr lang="en-US" smtClean="0"/>
-              <a:t>19</a:t>
+              <a:t>20</a:t>
             </a:fld>
             <a:endParaRPr lang="en-US"/>
           </a:p>
@@ -8789,550 +9508,7 @@
 </p:sld>
 </file>
 
-<file path=ppt/slides/slide2.xml><?xml version="1.0" encoding="utf-8"?>
-<p:sld xmlns:a="http://schemas.openxmlformats.org/drawingml/2006/main" xmlns:r="http://schemas.openxmlformats.org/officeDocument/2006/relationships" xmlns:p="http://schemas.openxmlformats.org/presentationml/2006/main">
-  <p:cSld>
-    <p:spTree>
-      <p:nvGrpSpPr>
-        <p:cNvPr id="1" name=""/>
-        <p:cNvGrpSpPr/>
-        <p:nvPr/>
-      </p:nvGrpSpPr>
-      <p:grpSpPr>
-        <a:xfrm>
-          <a:off x="0" y="0"/>
-          <a:ext cx="0" cy="0"/>
-          <a:chOff x="0" y="0"/>
-          <a:chExt cx="0" cy="0"/>
-        </a:xfrm>
-      </p:grpSpPr>
-      <p:sp>
-        <p:nvSpPr>
-          <p:cNvPr id="2" name="Title 1">
-            <a:extLst>
-              <a:ext uri="{FF2B5EF4-FFF2-40B4-BE49-F238E27FC236}">
-                <a16:creationId xmlns:a16="http://schemas.microsoft.com/office/drawing/2014/main" id="{308260C5-C92D-4671-A2C1-19E8D02906D7}"/>
-              </a:ext>
-            </a:extLst>
-          </p:cNvPr>
-          <p:cNvSpPr>
-            <a:spLocks noGrp="1"/>
-          </p:cNvSpPr>
-          <p:nvPr>
-            <p:ph type="title"/>
-          </p:nvPr>
-        </p:nvSpPr>
-        <p:spPr/>
-        <p:txBody>
-          <a:bodyPr/>
-          <a:lstStyle/>
-          <a:p>
-            <a:r>
-              <a:rPr lang="en-US" dirty="0"/>
-              <a:t>R vs RStudio</a:t>
-            </a:r>
-          </a:p>
-        </p:txBody>
-      </p:sp>
-      <p:sp>
-        <p:nvSpPr>
-          <p:cNvPr id="3" name="Content Placeholder 2">
-            <a:extLst>
-              <a:ext uri="{FF2B5EF4-FFF2-40B4-BE49-F238E27FC236}">
-                <a16:creationId xmlns:a16="http://schemas.microsoft.com/office/drawing/2014/main" id="{6150083D-9FE7-42F9-9E34-20808E457C54}"/>
-              </a:ext>
-            </a:extLst>
-          </p:cNvPr>
-          <p:cNvSpPr>
-            <a:spLocks noGrp="1"/>
-          </p:cNvSpPr>
-          <p:nvPr>
-            <p:ph idx="1"/>
-          </p:nvPr>
-        </p:nvSpPr>
-        <p:spPr>
-          <a:xfrm>
-            <a:off x="457200" y="1583684"/>
-            <a:ext cx="9873343" cy="4772967"/>
-          </a:xfrm>
-        </p:spPr>
-        <p:txBody>
-          <a:bodyPr>
-            <a:normAutofit/>
-          </a:bodyPr>
-          <a:lstStyle/>
-          <a:p>
-            <a:pPr marL="0" indent="0">
-              <a:buNone/>
-            </a:pPr>
-            <a:r>
-              <a:rPr lang="en-US" b="1" i="1" dirty="0"/>
-              <a:t>What is the difference between R (AKA “R Project”) and RStudio? </a:t>
-            </a:r>
-          </a:p>
-          <a:p>
-            <a:r>
-              <a:rPr lang="en-US" dirty="0"/>
-              <a:t>RStudio requires R to run in the background</a:t>
-            </a:r>
-          </a:p>
-          <a:p>
-            <a:pPr lvl="1"/>
-            <a:r>
-              <a:rPr lang="en-US" dirty="0"/>
-              <a:t>R is the engine, RStudio is the rest of the car</a:t>
-            </a:r>
-          </a:p>
-          <a:p>
-            <a:endParaRPr lang="en-US" dirty="0"/>
-          </a:p>
-          <a:p>
-            <a:r>
-              <a:rPr lang="en-US" dirty="0"/>
-              <a:t>Think of R as notepad and RStudio as MS Word </a:t>
-            </a:r>
-          </a:p>
-          <a:p>
-            <a:pPr lvl="1"/>
-            <a:r>
-              <a:rPr lang="en-US" dirty="0"/>
-              <a:t>More powerful features and is much more user friendly</a:t>
-            </a:r>
-          </a:p>
-          <a:p>
-            <a:pPr lvl="1"/>
-            <a:endParaRPr lang="en-US" dirty="0"/>
-          </a:p>
-          <a:p>
-            <a:r>
-              <a:rPr lang="en-US" dirty="0"/>
-              <a:t>From now on, open RStudio</a:t>
-            </a:r>
-          </a:p>
-          <a:p>
-            <a:pPr lvl="1"/>
-            <a:r>
-              <a:rPr lang="en-US" dirty="0"/>
-              <a:t>Easiest to double click the .</a:t>
-            </a:r>
-            <a:r>
-              <a:rPr lang="en-US" dirty="0" err="1"/>
-              <a:t>RProj</a:t>
-            </a:r>
-            <a:r>
-              <a:rPr lang="en-US" dirty="0"/>
-              <a:t> file</a:t>
-            </a:r>
-          </a:p>
-          <a:p>
-            <a:endParaRPr lang="en-US" dirty="0"/>
-          </a:p>
-        </p:txBody>
-      </p:sp>
-      <p:sp>
-        <p:nvSpPr>
-          <p:cNvPr id="4" name="Slide Number Placeholder 3">
-            <a:extLst>
-              <a:ext uri="{FF2B5EF4-FFF2-40B4-BE49-F238E27FC236}">
-                <a16:creationId xmlns:a16="http://schemas.microsoft.com/office/drawing/2014/main" id="{D57F62A7-793A-459F-A4EE-65DCF2AB1C25}"/>
-              </a:ext>
-            </a:extLst>
-          </p:cNvPr>
-          <p:cNvSpPr>
-            <a:spLocks noGrp="1"/>
-          </p:cNvSpPr>
-          <p:nvPr>
-            <p:ph type="sldNum" sz="quarter" idx="12"/>
-          </p:nvPr>
-        </p:nvSpPr>
-        <p:spPr/>
-        <p:txBody>
-          <a:bodyPr/>
-          <a:lstStyle/>
-          <a:p>
-            <a:fld id="{6D95AE55-B5F4-483D-AEFF-E8059F5502F5}" type="slidenum">
-              <a:rPr lang="en-US" smtClean="0"/>
-              <a:t>2</a:t>
-            </a:fld>
-            <a:endParaRPr lang="en-US"/>
-          </a:p>
-        </p:txBody>
-      </p:sp>
-      <p:grpSp>
-        <p:nvGrpSpPr>
-          <p:cNvPr id="11" name="Group 10">
-            <a:extLst>
-              <a:ext uri="{FF2B5EF4-FFF2-40B4-BE49-F238E27FC236}">
-                <a16:creationId xmlns:a16="http://schemas.microsoft.com/office/drawing/2014/main" id="{93033E89-A90F-EB7A-C030-1DD4DA42328F}"/>
-              </a:ext>
-            </a:extLst>
-          </p:cNvPr>
-          <p:cNvGrpSpPr/>
-          <p:nvPr/>
-        </p:nvGrpSpPr>
-        <p:grpSpPr>
-          <a:xfrm>
-            <a:off x="8610600" y="2090313"/>
-            <a:ext cx="3407229" cy="3071947"/>
-            <a:chOff x="8784771" y="2124105"/>
-            <a:chExt cx="3407229" cy="3071947"/>
-          </a:xfrm>
-        </p:grpSpPr>
-        <p:pic>
-          <p:nvPicPr>
-            <p:cNvPr id="5" name="Picture 4" descr="A close up of a sign&#10;&#10;Description automatically generated">
-              <a:extLst>
-                <a:ext uri="{FF2B5EF4-FFF2-40B4-BE49-F238E27FC236}">
-                  <a16:creationId xmlns:a16="http://schemas.microsoft.com/office/drawing/2014/main" id="{98EA43B1-CD32-4585-A5CE-BD55AE67BC35}"/>
-                </a:ext>
-              </a:extLst>
-            </p:cNvPr>
-            <p:cNvPicPr>
-              <a:picLocks noChangeAspect="1"/>
-            </p:cNvPicPr>
-            <p:nvPr/>
-          </p:nvPicPr>
-          <p:blipFill rotWithShape="1">
-            <a:blip r:embed="rId3">
-              <a:extLst>
-                <a:ext uri="{28A0092B-C50C-407E-A947-70E740481C1C}">
-                  <a14:useLocalDpi xmlns:a14="http://schemas.microsoft.com/office/drawing/2010/main" val="0"/>
-                </a:ext>
-              </a:extLst>
-            </a:blip>
-            <a:srcRect r="62987"/>
-            <a:stretch/>
-          </p:blipFill>
-          <p:spPr>
-            <a:xfrm>
-              <a:off x="9351636" y="2124105"/>
-              <a:ext cx="2002164" cy="1899564"/>
-            </a:xfrm>
-            <a:prstGeom prst="rect">
-              <a:avLst/>
-            </a:prstGeom>
-          </p:spPr>
-        </p:pic>
-        <p:pic>
-          <p:nvPicPr>
-            <p:cNvPr id="6" name="Picture 5" descr="A close up of a sign&#10;&#10;Description automatically generated">
-              <a:extLst>
-                <a:ext uri="{FF2B5EF4-FFF2-40B4-BE49-F238E27FC236}">
-                  <a16:creationId xmlns:a16="http://schemas.microsoft.com/office/drawing/2014/main" id="{C0B31357-9FD6-4D54-9590-85EE4D3DBE21}"/>
-                </a:ext>
-              </a:extLst>
-            </p:cNvPr>
-            <p:cNvPicPr>
-              <a:picLocks noChangeAspect="1"/>
-            </p:cNvPicPr>
-            <p:nvPr/>
-          </p:nvPicPr>
-          <p:blipFill rotWithShape="1">
-            <a:blip r:embed="rId3">
-              <a:extLst>
-                <a:ext uri="{28A0092B-C50C-407E-A947-70E740481C1C}">
-                  <a14:useLocalDpi xmlns:a14="http://schemas.microsoft.com/office/drawing/2010/main" val="0"/>
-                </a:ext>
-              </a:extLst>
-            </a:blip>
-            <a:srcRect l="37013"/>
-            <a:stretch/>
-          </p:blipFill>
-          <p:spPr>
-            <a:xfrm>
-              <a:off x="8784771" y="3296488"/>
-              <a:ext cx="3407229" cy="1899564"/>
-            </a:xfrm>
-            <a:prstGeom prst="rect">
-              <a:avLst/>
-            </a:prstGeom>
-          </p:spPr>
-        </p:pic>
-      </p:grpSp>
-      <p:cxnSp>
-        <p:nvCxnSpPr>
-          <p:cNvPr id="8" name="Straight Connector 7">
-            <a:extLst>
-              <a:ext uri="{FF2B5EF4-FFF2-40B4-BE49-F238E27FC236}">
-                <a16:creationId xmlns:a16="http://schemas.microsoft.com/office/drawing/2014/main" id="{9A647806-E046-47CB-8715-9530A7159638}"/>
-              </a:ext>
-            </a:extLst>
-          </p:cNvPr>
-          <p:cNvCxnSpPr/>
-          <p:nvPr/>
-        </p:nvCxnSpPr>
-        <p:spPr>
-          <a:xfrm>
-            <a:off x="1299410" y="5688534"/>
-            <a:ext cx="4292867" cy="0"/>
-          </a:xfrm>
-          <a:prstGeom prst="line">
-            <a:avLst/>
-          </a:prstGeom>
-          <a:ln>
-            <a:solidFill>
-              <a:srgbClr val="A758FB"/>
-            </a:solidFill>
-          </a:ln>
-          <a:effectLst>
-            <a:glow rad="63500">
-              <a:srgbClr val="A758FB">
-                <a:alpha val="40000"/>
-              </a:srgbClr>
-            </a:glow>
-          </a:effectLst>
-        </p:spPr>
-        <p:style>
-          <a:lnRef idx="1">
-            <a:schemeClr val="accent1"/>
-          </a:lnRef>
-          <a:fillRef idx="0">
-            <a:schemeClr val="accent1"/>
-          </a:fillRef>
-          <a:effectRef idx="0">
-            <a:schemeClr val="accent1"/>
-          </a:effectRef>
-          <a:fontRef idx="minor">
-            <a:schemeClr val="tx1"/>
-          </a:fontRef>
-        </p:style>
-      </p:cxnSp>
-      <p:grpSp>
-        <p:nvGrpSpPr>
-          <p:cNvPr id="10" name="Group 9">
-            <a:extLst>
-              <a:ext uri="{FF2B5EF4-FFF2-40B4-BE49-F238E27FC236}">
-                <a16:creationId xmlns:a16="http://schemas.microsoft.com/office/drawing/2014/main" id="{E471691D-183B-46C3-9659-82A60B96DCB3}"/>
-              </a:ext>
-            </a:extLst>
-          </p:cNvPr>
-          <p:cNvGrpSpPr/>
-          <p:nvPr/>
-        </p:nvGrpSpPr>
-        <p:grpSpPr>
-          <a:xfrm>
-            <a:off x="6599725" y="4946543"/>
-            <a:ext cx="5135075" cy="1338102"/>
-            <a:chOff x="7077076" y="4378781"/>
-            <a:chExt cx="4940754" cy="1553023"/>
-          </a:xfrm>
-        </p:grpSpPr>
-        <p:sp>
-          <p:nvSpPr>
-            <p:cNvPr id="9" name="Rectangle 8">
-              <a:extLst>
-                <a:ext uri="{FF2B5EF4-FFF2-40B4-BE49-F238E27FC236}">
-                  <a16:creationId xmlns:a16="http://schemas.microsoft.com/office/drawing/2014/main" id="{079065E4-CD21-473E-9182-BFEE34DBEAC5}"/>
-                </a:ext>
-              </a:extLst>
-            </p:cNvPr>
-            <p:cNvSpPr/>
-            <p:nvPr/>
-          </p:nvSpPr>
-          <p:spPr>
-            <a:xfrm>
-              <a:off x="7077076" y="4378781"/>
-              <a:ext cx="4940754" cy="1553023"/>
-            </a:xfrm>
-            <a:prstGeom prst="rect">
-              <a:avLst/>
-            </a:prstGeom>
-            <a:solidFill>
-              <a:schemeClr val="bg1"/>
-            </a:solidFill>
-            <a:effectLst>
-              <a:glow rad="228600">
-                <a:srgbClr val="A758FB">
-                  <a:alpha val="40000"/>
-                </a:srgbClr>
-              </a:glow>
-            </a:effectLst>
-          </p:spPr>
-          <p:style>
-            <a:lnRef idx="2">
-              <a:schemeClr val="accent1">
-                <a:shade val="50000"/>
-              </a:schemeClr>
-            </a:lnRef>
-            <a:fillRef idx="1">
-              <a:schemeClr val="accent1"/>
-            </a:fillRef>
-            <a:effectRef idx="0">
-              <a:schemeClr val="accent1"/>
-            </a:effectRef>
-            <a:fontRef idx="minor">
-              <a:schemeClr val="lt1"/>
-            </a:fontRef>
-          </p:style>
-          <p:txBody>
-            <a:bodyPr rtlCol="0" anchor="ctr"/>
-            <a:lstStyle/>
-            <a:p>
-              <a:pPr algn="ctr"/>
-              <a:endParaRPr lang="en-US"/>
-            </a:p>
-          </p:txBody>
-        </p:sp>
-        <p:sp>
-          <p:nvSpPr>
-            <p:cNvPr id="7" name="TextBox 6">
-              <a:extLst>
-                <a:ext uri="{FF2B5EF4-FFF2-40B4-BE49-F238E27FC236}">
-                  <a16:creationId xmlns:a16="http://schemas.microsoft.com/office/drawing/2014/main" id="{A3F7D10C-8E7D-458F-AB40-892360B1666F}"/>
-                </a:ext>
-              </a:extLst>
-            </p:cNvPr>
-            <p:cNvSpPr txBox="1"/>
-            <p:nvPr/>
-          </p:nvSpPr>
-          <p:spPr>
-            <a:xfrm>
-              <a:off x="7181850" y="4543425"/>
-              <a:ext cx="4835979" cy="1200329"/>
-            </a:xfrm>
-            <a:prstGeom prst="rect">
-              <a:avLst/>
-            </a:prstGeom>
-            <a:noFill/>
-          </p:spPr>
-          <p:txBody>
-            <a:bodyPr wrap="square" rtlCol="0">
-              <a:spAutoFit/>
-            </a:bodyPr>
-            <a:lstStyle/>
-            <a:p>
-              <a:r>
-                <a:rPr lang="en-US" sz="2400" dirty="0"/>
-                <a:t>Even if you have RStudio open already, double click the .</a:t>
-              </a:r>
-              <a:r>
-                <a:rPr lang="en-US" sz="2400" dirty="0" err="1"/>
-                <a:t>RProj</a:t>
-              </a:r>
-              <a:r>
-                <a:rPr lang="en-US" sz="2400" dirty="0"/>
-                <a:t> file anyways :)</a:t>
-              </a:r>
-            </a:p>
-          </p:txBody>
-        </p:sp>
-      </p:grpSp>
-    </p:spTree>
-    <p:extLst>
-      <p:ext uri="{BB962C8B-B14F-4D97-AF65-F5344CB8AC3E}">
-        <p14:creationId xmlns:p14="http://schemas.microsoft.com/office/powerpoint/2010/main" val="3491409365"/>
-      </p:ext>
-    </p:extLst>
-  </p:cSld>
-  <p:clrMapOvr>
-    <a:masterClrMapping/>
-  </p:clrMapOvr>
-  <p:timing>
-    <p:tnLst>
-      <p:par>
-        <p:cTn id="1" dur="indefinite" restart="never" nodeType="tmRoot">
-          <p:childTnLst>
-            <p:seq concurrent="1" nextAc="seek">
-              <p:cTn id="2" dur="indefinite" nodeType="mainSeq">
-                <p:childTnLst>
-                  <p:par>
-                    <p:cTn id="3" fill="hold">
-                      <p:stCondLst>
-                        <p:cond delay="indefinite"/>
-                      </p:stCondLst>
-                      <p:childTnLst>
-                        <p:par>
-                          <p:cTn id="4" fill="hold">
-                            <p:stCondLst>
-                              <p:cond delay="0"/>
-                            </p:stCondLst>
-                            <p:childTnLst>
-                              <p:par>
-                                <p:cTn id="5" presetID="1" presetClass="entr" presetSubtype="0" fill="hold" nodeType="clickEffect">
-                                  <p:stCondLst>
-                                    <p:cond delay="0"/>
-                                  </p:stCondLst>
-                                  <p:childTnLst>
-                                    <p:set>
-                                      <p:cBhvr>
-                                        <p:cTn id="6" dur="1" fill="hold">
-                                          <p:stCondLst>
-                                            <p:cond delay="0"/>
-                                          </p:stCondLst>
-                                        </p:cTn>
-                                        <p:tgtEl>
-                                          <p:spTgt spid="8"/>
-                                        </p:tgtEl>
-                                        <p:attrNameLst>
-                                          <p:attrName>style.visibility</p:attrName>
-                                        </p:attrNameLst>
-                                      </p:cBhvr>
-                                      <p:to>
-                                        <p:strVal val="visible"/>
-                                      </p:to>
-                                    </p:set>
-                                  </p:childTnLst>
-                                </p:cTn>
-                              </p:par>
-                              <p:par>
-                                <p:cTn id="7" presetID="1" presetClass="entr" presetSubtype="0" fill="hold" nodeType="withEffect">
-                                  <p:stCondLst>
-                                    <p:cond delay="0"/>
-                                  </p:stCondLst>
-                                  <p:childTnLst>
-                                    <p:set>
-                                      <p:cBhvr>
-                                        <p:cTn id="8" dur="1" fill="hold">
-                                          <p:stCondLst>
-                                            <p:cond delay="0"/>
-                                          </p:stCondLst>
-                                        </p:cTn>
-                                        <p:tgtEl>
-                                          <p:spTgt spid="10"/>
-                                        </p:tgtEl>
-                                        <p:attrNameLst>
-                                          <p:attrName>style.visibility</p:attrName>
-                                        </p:attrNameLst>
-                                      </p:cBhvr>
-                                      <p:to>
-                                        <p:strVal val="visible"/>
-                                      </p:to>
-                                    </p:set>
-                                  </p:childTnLst>
-                                </p:cTn>
-                              </p:par>
-                            </p:childTnLst>
-                          </p:cTn>
-                        </p:par>
-                      </p:childTnLst>
-                    </p:cTn>
-                  </p:par>
-                </p:childTnLst>
-              </p:cTn>
-              <p:prevCondLst>
-                <p:cond evt="onPrev" delay="0">
-                  <p:tgtEl>
-                    <p:sldTgt/>
-                  </p:tgtEl>
-                </p:cond>
-              </p:prevCondLst>
-              <p:nextCondLst>
-                <p:cond evt="onNext" delay="0">
-                  <p:tgtEl>
-                    <p:sldTgt/>
-                  </p:tgtEl>
-                </p:cond>
-              </p:nextCondLst>
-            </p:seq>
-          </p:childTnLst>
-        </p:cTn>
-      </p:par>
-    </p:tnLst>
-  </p:timing>
-</p:sld>
-</file>
-
-<file path=ppt/slides/slide20.xml><?xml version="1.0" encoding="utf-8"?>
+<file path=ppt/slides/slide21.xml><?xml version="1.0" encoding="utf-8"?>
 <p:sld xmlns:a="http://schemas.openxmlformats.org/drawingml/2006/main" xmlns:r="http://schemas.openxmlformats.org/officeDocument/2006/relationships" xmlns:p="http://schemas.openxmlformats.org/presentationml/2006/main">
   <p:cSld>
     <p:spTree>
@@ -9841,7 +10017,7 @@
           <a:p>
             <a:fld id="{6D95AE55-B5F4-483D-AEFF-E8059F5502F5}" type="slidenum">
               <a:rPr lang="en-US" smtClean="0"/>
-              <a:t>20</a:t>
+              <a:t>21</a:t>
             </a:fld>
             <a:endParaRPr lang="en-US" dirty="0"/>
           </a:p>
@@ -10450,7 +10626,7 @@
 </p:sld>
 </file>
 
-<file path=ppt/slides/slide21.xml><?xml version="1.0" encoding="utf-8"?>
+<file path=ppt/slides/slide22.xml><?xml version="1.0" encoding="utf-8"?>
 <p:sld xmlns:a="http://schemas.openxmlformats.org/drawingml/2006/main" xmlns:r="http://schemas.openxmlformats.org/officeDocument/2006/relationships" xmlns:p="http://schemas.openxmlformats.org/presentationml/2006/main">
   <p:cSld>
     <p:spTree>
@@ -10889,7 +11065,7 @@
           <a:p>
             <a:fld id="{6D95AE55-B5F4-483D-AEFF-E8059F5502F5}" type="slidenum">
               <a:rPr lang="en-US" smtClean="0"/>
-              <a:t>21</a:t>
+              <a:t>22</a:t>
             </a:fld>
             <a:endParaRPr lang="en-US"/>
           </a:p>
@@ -11341,7 +11517,7 @@
 </p:sld>
 </file>
 
-<file path=ppt/slides/slide22.xml><?xml version="1.0" encoding="utf-8"?>
+<file path=ppt/slides/slide23.xml><?xml version="1.0" encoding="utf-8"?>
 <p:sld xmlns:a="http://schemas.openxmlformats.org/drawingml/2006/main" xmlns:r="http://schemas.openxmlformats.org/officeDocument/2006/relationships" xmlns:p="http://schemas.openxmlformats.org/presentationml/2006/main">
   <p:cSld>
     <p:spTree>
@@ -11780,7 +11956,7 @@
           <a:p>
             <a:fld id="{6D95AE55-B5F4-483D-AEFF-E8059F5502F5}" type="slidenum">
               <a:rPr lang="en-US" smtClean="0"/>
-              <a:t>22</a:t>
+              <a:t>23</a:t>
             </a:fld>
             <a:endParaRPr lang="en-US"/>
           </a:p>
@@ -12182,7 +12358,7 @@
           <p:cNvPr id="2" name="Title 1">
             <a:extLst>
               <a:ext uri="{FF2B5EF4-FFF2-40B4-BE49-F238E27FC236}">
-                <a16:creationId xmlns:a16="http://schemas.microsoft.com/office/drawing/2014/main" id="{5B4C3818-F8FD-45EF-BBA7-CB82AF6DED03}"/>
+                <a16:creationId xmlns:a16="http://schemas.microsoft.com/office/drawing/2014/main" id="{EA17EBE7-BEF3-2D10-4594-F29C13426520}"/>
               </a:ext>
             </a:extLst>
           </p:cNvPr>
@@ -12200,7 +12376,7 @@
           <a:p>
             <a:r>
               <a:rPr lang="en-US" dirty="0"/>
-              <a:t>RStudio</a:t>
+              <a:t>To Open R</a:t>
             </a:r>
           </a:p>
         </p:txBody>
@@ -12210,7 +12386,7 @@
           <p:cNvPr id="3" name="Content Placeholder 2">
             <a:extLst>
               <a:ext uri="{FF2B5EF4-FFF2-40B4-BE49-F238E27FC236}">
-                <a16:creationId xmlns:a16="http://schemas.microsoft.com/office/drawing/2014/main" id="{06E70453-8E3A-4448-8EA7-4D6F6DA329AF}"/>
+                <a16:creationId xmlns:a16="http://schemas.microsoft.com/office/drawing/2014/main" id="{A0274A2D-0EAF-5C67-07CB-18DE9DF45492}"/>
               </a:ext>
             </a:extLst>
           </p:cNvPr>
@@ -12223,6 +12399,1011 @@
         </p:nvSpPr>
         <p:spPr>
           <a:xfrm>
+            <a:off x="2808596" y="2068649"/>
+            <a:ext cx="4139153" cy="1490097"/>
+          </a:xfrm>
+        </p:spPr>
+        <p:txBody>
+          <a:bodyPr>
+            <a:normAutofit/>
+          </a:bodyPr>
+          <a:lstStyle/>
+          <a:p>
+            <a:pPr marL="0" indent="0">
+              <a:buNone/>
+            </a:pPr>
+            <a:r>
+              <a:rPr lang="en-US" dirty="0"/>
+              <a:t>Open this</a:t>
+            </a:r>
+          </a:p>
+          <a:p>
+            <a:pPr marL="0" indent="0">
+              <a:buNone/>
+            </a:pPr>
+            <a:r>
+              <a:rPr lang="en-US" dirty="0"/>
+              <a:t>        Not this </a:t>
+            </a:r>
+          </a:p>
+        </p:txBody>
+      </p:sp>
+      <p:grpSp>
+        <p:nvGrpSpPr>
+          <p:cNvPr id="9" name="Group 8">
+            <a:extLst>
+              <a:ext uri="{FF2B5EF4-FFF2-40B4-BE49-F238E27FC236}">
+                <a16:creationId xmlns:a16="http://schemas.microsoft.com/office/drawing/2014/main" id="{A0F43E94-C10C-6262-BD0C-DB4C6A618BFB}"/>
+              </a:ext>
+            </a:extLst>
+          </p:cNvPr>
+          <p:cNvGrpSpPr/>
+          <p:nvPr/>
+        </p:nvGrpSpPr>
+        <p:grpSpPr>
+          <a:xfrm>
+            <a:off x="663425" y="1822188"/>
+            <a:ext cx="1786313" cy="2297130"/>
+            <a:chOff x="1004512" y="1617391"/>
+            <a:chExt cx="1786313" cy="2297130"/>
+          </a:xfrm>
+        </p:grpSpPr>
+        <p:pic>
+          <p:nvPicPr>
+            <p:cNvPr id="7" name="Picture 6" descr="A blue circle with a white letter r&#10;&#10;Description automatically generated">
+              <a:extLst>
+                <a:ext uri="{FF2B5EF4-FFF2-40B4-BE49-F238E27FC236}">
+                  <a16:creationId xmlns:a16="http://schemas.microsoft.com/office/drawing/2014/main" id="{F6E4ED8B-03E0-CB9B-01F8-90F03E966970}"/>
+                </a:ext>
+              </a:extLst>
+            </p:cNvPr>
+            <p:cNvPicPr>
+              <a:picLocks noChangeAspect="1"/>
+            </p:cNvPicPr>
+            <p:nvPr/>
+          </p:nvPicPr>
+          <p:blipFill>
+            <a:blip r:embed="rId2">
+              <a:extLst>
+                <a:ext uri="{28A0092B-C50C-407E-A947-70E740481C1C}">
+                  <a14:useLocalDpi xmlns:a14="http://schemas.microsoft.com/office/drawing/2010/main" val="0"/>
+                </a:ext>
+              </a:extLst>
+            </a:blip>
+            <a:stretch>
+              <a:fillRect/>
+            </a:stretch>
+          </p:blipFill>
+          <p:spPr>
+            <a:xfrm>
+              <a:off x="1004512" y="1617391"/>
+              <a:ext cx="1786313" cy="1787754"/>
+            </a:xfrm>
+            <a:prstGeom prst="rect">
+              <a:avLst/>
+            </a:prstGeom>
+          </p:spPr>
+        </p:pic>
+        <p:sp>
+          <p:nvSpPr>
+            <p:cNvPr id="8" name="TextBox 7">
+              <a:extLst>
+                <a:ext uri="{FF2B5EF4-FFF2-40B4-BE49-F238E27FC236}">
+                  <a16:creationId xmlns:a16="http://schemas.microsoft.com/office/drawing/2014/main" id="{E10458D2-7004-95CF-4E03-FCFFE3709515}"/>
+                </a:ext>
+              </a:extLst>
+            </p:cNvPr>
+            <p:cNvSpPr txBox="1"/>
+            <p:nvPr/>
+          </p:nvSpPr>
+          <p:spPr>
+            <a:xfrm>
+              <a:off x="1270554" y="3452856"/>
+              <a:ext cx="1255827" cy="461665"/>
+            </a:xfrm>
+            <a:prstGeom prst="rect">
+              <a:avLst/>
+            </a:prstGeom>
+            <a:noFill/>
+          </p:spPr>
+          <p:txBody>
+            <a:bodyPr wrap="square" rtlCol="0">
+              <a:spAutoFit/>
+            </a:bodyPr>
+            <a:lstStyle/>
+            <a:p>
+              <a:pPr algn="ctr"/>
+              <a:r>
+                <a:rPr lang="en-US" sz="2400" b="1" dirty="0">
+                  <a:effectLst>
+                    <a:outerShdw blurRad="50800" dist="38100" dir="2700000" algn="tl" rotWithShape="0">
+                      <a:prstClr val="black">
+                        <a:alpha val="40000"/>
+                      </a:prstClr>
+                    </a:outerShdw>
+                  </a:effectLst>
+                </a:rPr>
+                <a:t>RStudio </a:t>
+              </a:r>
+            </a:p>
+          </p:txBody>
+        </p:sp>
+      </p:grpSp>
+      <p:grpSp>
+        <p:nvGrpSpPr>
+          <p:cNvPr id="11" name="Group 10">
+            <a:extLst>
+              <a:ext uri="{FF2B5EF4-FFF2-40B4-BE49-F238E27FC236}">
+                <a16:creationId xmlns:a16="http://schemas.microsoft.com/office/drawing/2014/main" id="{2308E0B9-3F6C-3A4D-C80B-F5DAB1948A68}"/>
+              </a:ext>
+            </a:extLst>
+          </p:cNvPr>
+          <p:cNvGrpSpPr/>
+          <p:nvPr/>
+        </p:nvGrpSpPr>
+        <p:grpSpPr>
+          <a:xfrm>
+            <a:off x="5143665" y="1593777"/>
+            <a:ext cx="2200359" cy="2187891"/>
+            <a:chOff x="9508713" y="2114550"/>
+            <a:chExt cx="2200359" cy="2187891"/>
+          </a:xfrm>
+        </p:grpSpPr>
+        <p:pic>
+          <p:nvPicPr>
+            <p:cNvPr id="5" name="Picture 4" descr="A blue and grey logo&#10;&#10;Description automatically generated">
+              <a:extLst>
+                <a:ext uri="{FF2B5EF4-FFF2-40B4-BE49-F238E27FC236}">
+                  <a16:creationId xmlns:a16="http://schemas.microsoft.com/office/drawing/2014/main" id="{49156C34-1671-8B43-04FF-991B054259B9}"/>
+                </a:ext>
+              </a:extLst>
+            </p:cNvPr>
+            <p:cNvPicPr>
+              <a:picLocks noChangeAspect="1"/>
+            </p:cNvPicPr>
+            <p:nvPr/>
+          </p:nvPicPr>
+          <p:blipFill>
+            <a:blip r:embed="rId3">
+              <a:extLst>
+                <a:ext uri="{28A0092B-C50C-407E-A947-70E740481C1C}">
+                  <a14:useLocalDpi xmlns:a14="http://schemas.microsoft.com/office/drawing/2010/main" val="0"/>
+                </a:ext>
+              </a:extLst>
+            </a:blip>
+            <a:stretch>
+              <a:fillRect/>
+            </a:stretch>
+          </p:blipFill>
+          <p:spPr>
+            <a:xfrm>
+              <a:off x="9508713" y="2114550"/>
+              <a:ext cx="2200359" cy="1704975"/>
+            </a:xfrm>
+            <a:prstGeom prst="rect">
+              <a:avLst/>
+            </a:prstGeom>
+          </p:spPr>
+        </p:pic>
+        <p:sp>
+          <p:nvSpPr>
+            <p:cNvPr id="10" name="TextBox 9">
+              <a:extLst>
+                <a:ext uri="{FF2B5EF4-FFF2-40B4-BE49-F238E27FC236}">
+                  <a16:creationId xmlns:a16="http://schemas.microsoft.com/office/drawing/2014/main" id="{DB627BF8-8CC5-C431-B25D-D6899519F2DB}"/>
+                </a:ext>
+              </a:extLst>
+            </p:cNvPr>
+            <p:cNvSpPr txBox="1"/>
+            <p:nvPr/>
+          </p:nvSpPr>
+          <p:spPr>
+            <a:xfrm>
+              <a:off x="9812810" y="3840776"/>
+              <a:ext cx="1255827" cy="461665"/>
+            </a:xfrm>
+            <a:prstGeom prst="rect">
+              <a:avLst/>
+            </a:prstGeom>
+            <a:noFill/>
+          </p:spPr>
+          <p:txBody>
+            <a:bodyPr wrap="square" rtlCol="0">
+              <a:spAutoFit/>
+            </a:bodyPr>
+            <a:lstStyle/>
+            <a:p>
+              <a:pPr algn="ctr"/>
+              <a:r>
+                <a:rPr lang="en-US" sz="2400" b="1" dirty="0">
+                  <a:effectLst>
+                    <a:outerShdw blurRad="50800" dist="38100" dir="2700000" algn="tl" rotWithShape="0">
+                      <a:prstClr val="black">
+                        <a:alpha val="40000"/>
+                      </a:prstClr>
+                    </a:outerShdw>
+                  </a:effectLst>
+                </a:rPr>
+                <a:t>R 4.3.2</a:t>
+              </a:r>
+            </a:p>
+          </p:txBody>
+        </p:sp>
+      </p:grpSp>
+      <p:cxnSp>
+        <p:nvCxnSpPr>
+          <p:cNvPr id="12" name="Straight Connector 11">
+            <a:extLst>
+              <a:ext uri="{FF2B5EF4-FFF2-40B4-BE49-F238E27FC236}">
+                <a16:creationId xmlns:a16="http://schemas.microsoft.com/office/drawing/2014/main" id="{DDDE8EE2-0535-A5C0-2BA4-CA1D6F2FB9FC}"/>
+              </a:ext>
+            </a:extLst>
+          </p:cNvPr>
+          <p:cNvCxnSpPr/>
+          <p:nvPr/>
+        </p:nvCxnSpPr>
+        <p:spPr>
+          <a:xfrm>
+            <a:off x="1299410" y="5688534"/>
+            <a:ext cx="4292867" cy="0"/>
+          </a:xfrm>
+          <a:prstGeom prst="line">
+            <a:avLst/>
+          </a:prstGeom>
+          <a:ln>
+            <a:solidFill>
+              <a:srgbClr val="A758FB"/>
+            </a:solidFill>
+          </a:ln>
+          <a:effectLst>
+            <a:glow rad="63500">
+              <a:srgbClr val="A758FB">
+                <a:alpha val="40000"/>
+              </a:srgbClr>
+            </a:glow>
+          </a:effectLst>
+        </p:spPr>
+        <p:style>
+          <a:lnRef idx="1">
+            <a:schemeClr val="accent1"/>
+          </a:lnRef>
+          <a:fillRef idx="0">
+            <a:schemeClr val="accent1"/>
+          </a:fillRef>
+          <a:effectRef idx="0">
+            <a:schemeClr val="accent1"/>
+          </a:effectRef>
+          <a:fontRef idx="minor">
+            <a:schemeClr val="tx1"/>
+          </a:fontRef>
+        </p:style>
+      </p:cxnSp>
+      <p:sp>
+        <p:nvSpPr>
+          <p:cNvPr id="14" name="TextBox 13">
+            <a:extLst>
+              <a:ext uri="{FF2B5EF4-FFF2-40B4-BE49-F238E27FC236}">
+                <a16:creationId xmlns:a16="http://schemas.microsoft.com/office/drawing/2014/main" id="{6300F25B-7AA6-BE0F-490D-14C7E41C76DF}"/>
+              </a:ext>
+            </a:extLst>
+          </p:cNvPr>
+          <p:cNvSpPr txBox="1"/>
+          <p:nvPr/>
+        </p:nvSpPr>
+        <p:spPr>
+          <a:xfrm>
+            <a:off x="860639" y="4848724"/>
+            <a:ext cx="6094428" cy="830997"/>
+          </a:xfrm>
+          <a:prstGeom prst="rect">
+            <a:avLst/>
+          </a:prstGeom>
+          <a:noFill/>
+        </p:spPr>
+        <p:txBody>
+          <a:bodyPr wrap="square">
+            <a:spAutoFit/>
+          </a:bodyPr>
+          <a:lstStyle/>
+          <a:p>
+            <a:r>
+              <a:rPr lang="en-US" sz="2400" dirty="0"/>
+              <a:t>From now on, open RStudio</a:t>
+            </a:r>
+          </a:p>
+          <a:p>
+            <a:pPr lvl="1"/>
+            <a:r>
+              <a:rPr lang="en-US" sz="2400" dirty="0"/>
+              <a:t>Easiest to double click the .</a:t>
+            </a:r>
+            <a:r>
+              <a:rPr lang="en-US" sz="2400" dirty="0" err="1"/>
+              <a:t>RProj</a:t>
+            </a:r>
+            <a:r>
+              <a:rPr lang="en-US" sz="2400" dirty="0"/>
+              <a:t> file</a:t>
+            </a:r>
+          </a:p>
+        </p:txBody>
+      </p:sp>
+      <p:grpSp>
+        <p:nvGrpSpPr>
+          <p:cNvPr id="15" name="Group 14">
+            <a:extLst>
+              <a:ext uri="{FF2B5EF4-FFF2-40B4-BE49-F238E27FC236}">
+                <a16:creationId xmlns:a16="http://schemas.microsoft.com/office/drawing/2014/main" id="{34BCE836-C0C4-10BC-03C8-55D7939A48B9}"/>
+              </a:ext>
+            </a:extLst>
+          </p:cNvPr>
+          <p:cNvGrpSpPr/>
+          <p:nvPr/>
+        </p:nvGrpSpPr>
+        <p:grpSpPr>
+          <a:xfrm>
+            <a:off x="6809275" y="4595171"/>
+            <a:ext cx="5135075" cy="1338102"/>
+            <a:chOff x="7077076" y="4378781"/>
+            <a:chExt cx="4940754" cy="1553023"/>
+          </a:xfrm>
+        </p:grpSpPr>
+        <p:sp>
+          <p:nvSpPr>
+            <p:cNvPr id="16" name="Rectangle 15">
+              <a:extLst>
+                <a:ext uri="{FF2B5EF4-FFF2-40B4-BE49-F238E27FC236}">
+                  <a16:creationId xmlns:a16="http://schemas.microsoft.com/office/drawing/2014/main" id="{8282E734-3AEF-AEC3-A773-1D49A36781CF}"/>
+                </a:ext>
+              </a:extLst>
+            </p:cNvPr>
+            <p:cNvSpPr/>
+            <p:nvPr/>
+          </p:nvSpPr>
+          <p:spPr>
+            <a:xfrm>
+              <a:off x="7077076" y="4378781"/>
+              <a:ext cx="4940754" cy="1553023"/>
+            </a:xfrm>
+            <a:prstGeom prst="rect">
+              <a:avLst/>
+            </a:prstGeom>
+            <a:solidFill>
+              <a:schemeClr val="bg1"/>
+            </a:solidFill>
+            <a:effectLst>
+              <a:glow rad="228600">
+                <a:srgbClr val="A758FB">
+                  <a:alpha val="40000"/>
+                </a:srgbClr>
+              </a:glow>
+            </a:effectLst>
+          </p:spPr>
+          <p:style>
+            <a:lnRef idx="2">
+              <a:schemeClr val="accent1">
+                <a:shade val="50000"/>
+              </a:schemeClr>
+            </a:lnRef>
+            <a:fillRef idx="1">
+              <a:schemeClr val="accent1"/>
+            </a:fillRef>
+            <a:effectRef idx="0">
+              <a:schemeClr val="accent1"/>
+            </a:effectRef>
+            <a:fontRef idx="minor">
+              <a:schemeClr val="lt1"/>
+            </a:fontRef>
+          </p:style>
+          <p:txBody>
+            <a:bodyPr rtlCol="0" anchor="ctr"/>
+            <a:lstStyle/>
+            <a:p>
+              <a:pPr algn="ctr"/>
+              <a:endParaRPr lang="en-US"/>
+            </a:p>
+          </p:txBody>
+        </p:sp>
+        <p:sp>
+          <p:nvSpPr>
+            <p:cNvPr id="17" name="TextBox 16">
+              <a:extLst>
+                <a:ext uri="{FF2B5EF4-FFF2-40B4-BE49-F238E27FC236}">
+                  <a16:creationId xmlns:a16="http://schemas.microsoft.com/office/drawing/2014/main" id="{4DB771C4-75C2-A389-07E5-6680D7F28D04}"/>
+                </a:ext>
+              </a:extLst>
+            </p:cNvPr>
+            <p:cNvSpPr txBox="1"/>
+            <p:nvPr/>
+          </p:nvSpPr>
+          <p:spPr>
+            <a:xfrm>
+              <a:off x="7181850" y="4543425"/>
+              <a:ext cx="4835979" cy="1200329"/>
+            </a:xfrm>
+            <a:prstGeom prst="rect">
+              <a:avLst/>
+            </a:prstGeom>
+            <a:noFill/>
+          </p:spPr>
+          <p:txBody>
+            <a:bodyPr wrap="square" rtlCol="0">
+              <a:spAutoFit/>
+            </a:bodyPr>
+            <a:lstStyle/>
+            <a:p>
+              <a:r>
+                <a:rPr lang="en-US" sz="2400" dirty="0"/>
+                <a:t>Even if you have RStudio open already, double click the .</a:t>
+              </a:r>
+              <a:r>
+                <a:rPr lang="en-US" sz="2400" dirty="0" err="1"/>
+                <a:t>RProj</a:t>
+              </a:r>
+              <a:r>
+                <a:rPr lang="en-US" sz="2400" dirty="0"/>
+                <a:t> file anyways :)</a:t>
+              </a:r>
+            </a:p>
+          </p:txBody>
+        </p:sp>
+      </p:grpSp>
+      <p:sp>
+        <p:nvSpPr>
+          <p:cNvPr id="18" name="Arc 17">
+            <a:extLst>
+              <a:ext uri="{FF2B5EF4-FFF2-40B4-BE49-F238E27FC236}">
+                <a16:creationId xmlns:a16="http://schemas.microsoft.com/office/drawing/2014/main" id="{CC0AFE90-AA66-CD36-7359-3B07F5878D22}"/>
+              </a:ext>
+            </a:extLst>
+          </p:cNvPr>
+          <p:cNvSpPr/>
+          <p:nvPr/>
+        </p:nvSpPr>
+        <p:spPr>
+          <a:xfrm>
+            <a:off x="2185294" y="1642409"/>
+            <a:ext cx="1590331" cy="852480"/>
+          </a:xfrm>
+          <a:prstGeom prst="arc">
+            <a:avLst>
+              <a:gd name="adj1" fmla="val 11092691"/>
+              <a:gd name="adj2" fmla="val 0"/>
+            </a:avLst>
+          </a:prstGeom>
+          <a:ln w="88900">
+            <a:solidFill>
+              <a:schemeClr val="accent6"/>
+            </a:solidFill>
+            <a:headEnd type="triangle"/>
+          </a:ln>
+        </p:spPr>
+        <p:style>
+          <a:lnRef idx="1">
+            <a:schemeClr val="accent1"/>
+          </a:lnRef>
+          <a:fillRef idx="0">
+            <a:schemeClr val="accent1"/>
+          </a:fillRef>
+          <a:effectRef idx="0">
+            <a:schemeClr val="accent1"/>
+          </a:effectRef>
+          <a:fontRef idx="minor">
+            <a:schemeClr val="tx1"/>
+          </a:fontRef>
+        </p:style>
+        <p:txBody>
+          <a:bodyPr rtlCol="0" anchor="ctr"/>
+          <a:lstStyle/>
+          <a:p>
+            <a:pPr algn="ctr"/>
+            <a:endParaRPr lang="en-US"/>
+          </a:p>
+        </p:txBody>
+      </p:sp>
+      <p:sp>
+        <p:nvSpPr>
+          <p:cNvPr id="19" name="Arc 18">
+            <a:extLst>
+              <a:ext uri="{FF2B5EF4-FFF2-40B4-BE49-F238E27FC236}">
+                <a16:creationId xmlns:a16="http://schemas.microsoft.com/office/drawing/2014/main" id="{97CC0BB6-21AA-384F-D99B-09772AB19077}"/>
+              </a:ext>
+            </a:extLst>
+          </p:cNvPr>
+          <p:cNvSpPr/>
+          <p:nvPr/>
+        </p:nvSpPr>
+        <p:spPr>
+          <a:xfrm flipH="1" flipV="1">
+            <a:off x="3978100" y="2680772"/>
+            <a:ext cx="1590331" cy="617231"/>
+          </a:xfrm>
+          <a:prstGeom prst="arc">
+            <a:avLst>
+              <a:gd name="adj1" fmla="val 11092691"/>
+              <a:gd name="adj2" fmla="val 0"/>
+            </a:avLst>
+          </a:prstGeom>
+          <a:ln w="88900">
+            <a:solidFill>
+              <a:srgbClr val="FF0000"/>
+            </a:solidFill>
+            <a:headEnd type="triangle"/>
+          </a:ln>
+        </p:spPr>
+        <p:style>
+          <a:lnRef idx="1">
+            <a:schemeClr val="accent1"/>
+          </a:lnRef>
+          <a:fillRef idx="0">
+            <a:schemeClr val="accent1"/>
+          </a:fillRef>
+          <a:effectRef idx="0">
+            <a:schemeClr val="accent1"/>
+          </a:effectRef>
+          <a:fontRef idx="minor">
+            <a:schemeClr val="tx1"/>
+          </a:fontRef>
+        </p:style>
+        <p:txBody>
+          <a:bodyPr rtlCol="0" anchor="ctr"/>
+          <a:lstStyle/>
+          <a:p>
+            <a:pPr algn="ctr"/>
+            <a:endParaRPr lang="en-US"/>
+          </a:p>
+        </p:txBody>
+      </p:sp>
+      <p:sp>
+        <p:nvSpPr>
+          <p:cNvPr id="20" name="TextBox 19">
+            <a:extLst>
+              <a:ext uri="{FF2B5EF4-FFF2-40B4-BE49-F238E27FC236}">
+                <a16:creationId xmlns:a16="http://schemas.microsoft.com/office/drawing/2014/main" id="{4DFB517B-2A21-FB99-6539-BCC36624B5B2}"/>
+              </a:ext>
+            </a:extLst>
+          </p:cNvPr>
+          <p:cNvSpPr txBox="1"/>
+          <p:nvPr/>
+        </p:nvSpPr>
+        <p:spPr>
+          <a:xfrm>
+            <a:off x="8081090" y="1802222"/>
+            <a:ext cx="3863259" cy="1384995"/>
+          </a:xfrm>
+          <a:prstGeom prst="rect">
+            <a:avLst/>
+          </a:prstGeom>
+          <a:noFill/>
+          <a:ln>
+            <a:solidFill>
+              <a:schemeClr val="tx1"/>
+            </a:solidFill>
+          </a:ln>
+        </p:spPr>
+        <p:txBody>
+          <a:bodyPr wrap="square" rtlCol="0">
+            <a:spAutoFit/>
+          </a:bodyPr>
+          <a:lstStyle/>
+          <a:p>
+            <a:r>
+              <a:rPr lang="en-US" sz="2800" dirty="0"/>
+              <a:t>Going forward, when we say “Open R”, this will mean RStudio</a:t>
+            </a:r>
+          </a:p>
+        </p:txBody>
+      </p:sp>
+    </p:spTree>
+    <p:extLst>
+      <p:ext uri="{BB962C8B-B14F-4D97-AF65-F5344CB8AC3E}">
+        <p14:creationId xmlns:p14="http://schemas.microsoft.com/office/powerpoint/2010/main" val="220006362"/>
+      </p:ext>
+    </p:extLst>
+  </p:cSld>
+  <p:clrMapOvr>
+    <a:masterClrMapping/>
+  </p:clrMapOvr>
+  <p:timing>
+    <p:tnLst>
+      <p:par>
+        <p:cTn id="1" dur="indefinite" restart="never" nodeType="tmRoot">
+          <p:childTnLst>
+            <p:seq concurrent="1" nextAc="seek">
+              <p:cTn id="2" dur="indefinite" nodeType="mainSeq">
+                <p:childTnLst>
+                  <p:par>
+                    <p:cTn id="3" fill="hold">
+                      <p:stCondLst>
+                        <p:cond delay="indefinite"/>
+                        <p:cond evt="onBegin" delay="0">
+                          <p:tn val="2"/>
+                        </p:cond>
+                      </p:stCondLst>
+                      <p:childTnLst>
+                        <p:par>
+                          <p:cTn id="4" fill="hold">
+                            <p:stCondLst>
+                              <p:cond delay="0"/>
+                            </p:stCondLst>
+                            <p:childTnLst>
+                              <p:par>
+                                <p:cTn id="5" presetID="1" presetClass="entr" presetSubtype="0" fill="hold" nodeType="withEffect">
+                                  <p:stCondLst>
+                                    <p:cond delay="0"/>
+                                  </p:stCondLst>
+                                  <p:childTnLst>
+                                    <p:set>
+                                      <p:cBhvr>
+                                        <p:cTn id="6" dur="1" fill="hold">
+                                          <p:stCondLst>
+                                            <p:cond delay="0"/>
+                                          </p:stCondLst>
+                                        </p:cTn>
+                                        <p:tgtEl>
+                                          <p:spTgt spid="3">
+                                            <p:txEl>
+                                              <p:pRg st="0" end="0"/>
+                                            </p:txEl>
+                                          </p:spTgt>
+                                        </p:tgtEl>
+                                        <p:attrNameLst>
+                                          <p:attrName>style.visibility</p:attrName>
+                                        </p:attrNameLst>
+                                      </p:cBhvr>
+                                      <p:to>
+                                        <p:strVal val="visible"/>
+                                      </p:to>
+                                    </p:set>
+                                  </p:childTnLst>
+                                </p:cTn>
+                              </p:par>
+                            </p:childTnLst>
+                          </p:cTn>
+                        </p:par>
+                      </p:childTnLst>
+                    </p:cTn>
+                  </p:par>
+                  <p:par>
+                    <p:cTn id="7" fill="hold">
+                      <p:stCondLst>
+                        <p:cond delay="indefinite"/>
+                      </p:stCondLst>
+                      <p:childTnLst>
+                        <p:par>
+                          <p:cTn id="8" fill="hold">
+                            <p:stCondLst>
+                              <p:cond delay="0"/>
+                            </p:stCondLst>
+                            <p:childTnLst>
+                              <p:par>
+                                <p:cTn id="9" presetID="1" presetClass="entr" presetSubtype="0" fill="hold" nodeType="clickEffect">
+                                  <p:stCondLst>
+                                    <p:cond delay="0"/>
+                                  </p:stCondLst>
+                                  <p:childTnLst>
+                                    <p:set>
+                                      <p:cBhvr>
+                                        <p:cTn id="10" dur="1" fill="hold">
+                                          <p:stCondLst>
+                                            <p:cond delay="0"/>
+                                          </p:stCondLst>
+                                        </p:cTn>
+                                        <p:tgtEl>
+                                          <p:spTgt spid="3">
+                                            <p:txEl>
+                                              <p:pRg st="1" end="1"/>
+                                            </p:txEl>
+                                          </p:spTgt>
+                                        </p:tgtEl>
+                                        <p:attrNameLst>
+                                          <p:attrName>style.visibility</p:attrName>
+                                        </p:attrNameLst>
+                                      </p:cBhvr>
+                                      <p:to>
+                                        <p:strVal val="visible"/>
+                                      </p:to>
+                                    </p:set>
+                                  </p:childTnLst>
+                                </p:cTn>
+                              </p:par>
+                              <p:par>
+                                <p:cTn id="11" presetID="1" presetClass="entr" presetSubtype="0" fill="hold" nodeType="withEffect">
+                                  <p:stCondLst>
+                                    <p:cond delay="0"/>
+                                  </p:stCondLst>
+                                  <p:childTnLst>
+                                    <p:set>
+                                      <p:cBhvr>
+                                        <p:cTn id="12" dur="1" fill="hold">
+                                          <p:stCondLst>
+                                            <p:cond delay="0"/>
+                                          </p:stCondLst>
+                                        </p:cTn>
+                                        <p:tgtEl>
+                                          <p:spTgt spid="11"/>
+                                        </p:tgtEl>
+                                        <p:attrNameLst>
+                                          <p:attrName>style.visibility</p:attrName>
+                                        </p:attrNameLst>
+                                      </p:cBhvr>
+                                      <p:to>
+                                        <p:strVal val="visible"/>
+                                      </p:to>
+                                    </p:set>
+                                  </p:childTnLst>
+                                </p:cTn>
+                              </p:par>
+                              <p:par>
+                                <p:cTn id="13" presetID="1" presetClass="entr" presetSubtype="0" fill="hold" grpId="0" nodeType="withEffect">
+                                  <p:stCondLst>
+                                    <p:cond delay="0"/>
+                                  </p:stCondLst>
+                                  <p:childTnLst>
+                                    <p:set>
+                                      <p:cBhvr>
+                                        <p:cTn id="14" dur="1" fill="hold">
+                                          <p:stCondLst>
+                                            <p:cond delay="0"/>
+                                          </p:stCondLst>
+                                        </p:cTn>
+                                        <p:tgtEl>
+                                          <p:spTgt spid="19"/>
+                                        </p:tgtEl>
+                                        <p:attrNameLst>
+                                          <p:attrName>style.visibility</p:attrName>
+                                        </p:attrNameLst>
+                                      </p:cBhvr>
+                                      <p:to>
+                                        <p:strVal val="visible"/>
+                                      </p:to>
+                                    </p:set>
+                                  </p:childTnLst>
+                                </p:cTn>
+                              </p:par>
+                            </p:childTnLst>
+                          </p:cTn>
+                        </p:par>
+                      </p:childTnLst>
+                    </p:cTn>
+                  </p:par>
+                  <p:par>
+                    <p:cTn id="15" fill="hold">
+                      <p:stCondLst>
+                        <p:cond delay="indefinite"/>
+                      </p:stCondLst>
+                      <p:childTnLst>
+                        <p:par>
+                          <p:cTn id="16" fill="hold">
+                            <p:stCondLst>
+                              <p:cond delay="0"/>
+                            </p:stCondLst>
+                            <p:childTnLst>
+                              <p:par>
+                                <p:cTn id="17" presetID="1" presetClass="entr" presetSubtype="0" fill="hold" grpId="0" nodeType="clickEffect">
+                                  <p:stCondLst>
+                                    <p:cond delay="0"/>
+                                  </p:stCondLst>
+                                  <p:childTnLst>
+                                    <p:set>
+                                      <p:cBhvr>
+                                        <p:cTn id="18" dur="1" fill="hold">
+                                          <p:stCondLst>
+                                            <p:cond delay="0"/>
+                                          </p:stCondLst>
+                                        </p:cTn>
+                                        <p:tgtEl>
+                                          <p:spTgt spid="20"/>
+                                        </p:tgtEl>
+                                        <p:attrNameLst>
+                                          <p:attrName>style.visibility</p:attrName>
+                                        </p:attrNameLst>
+                                      </p:cBhvr>
+                                      <p:to>
+                                        <p:strVal val="visible"/>
+                                      </p:to>
+                                    </p:set>
+                                  </p:childTnLst>
+                                </p:cTn>
+                              </p:par>
+                            </p:childTnLst>
+                          </p:cTn>
+                        </p:par>
+                      </p:childTnLst>
+                    </p:cTn>
+                  </p:par>
+                  <p:par>
+                    <p:cTn id="19" fill="hold">
+                      <p:stCondLst>
+                        <p:cond delay="indefinite"/>
+                      </p:stCondLst>
+                      <p:childTnLst>
+                        <p:par>
+                          <p:cTn id="20" fill="hold">
+                            <p:stCondLst>
+                              <p:cond delay="0"/>
+                            </p:stCondLst>
+                            <p:childTnLst>
+                              <p:par>
+                                <p:cTn id="21" presetID="1" presetClass="entr" presetSubtype="0" fill="hold" grpId="0" nodeType="clickEffect">
+                                  <p:stCondLst>
+                                    <p:cond delay="0"/>
+                                  </p:stCondLst>
+                                  <p:childTnLst>
+                                    <p:set>
+                                      <p:cBhvr>
+                                        <p:cTn id="22" dur="1" fill="hold">
+                                          <p:stCondLst>
+                                            <p:cond delay="0"/>
+                                          </p:stCondLst>
+                                        </p:cTn>
+                                        <p:tgtEl>
+                                          <p:spTgt spid="14"/>
+                                        </p:tgtEl>
+                                        <p:attrNameLst>
+                                          <p:attrName>style.visibility</p:attrName>
+                                        </p:attrNameLst>
+                                      </p:cBhvr>
+                                      <p:to>
+                                        <p:strVal val="visible"/>
+                                      </p:to>
+                                    </p:set>
+                                  </p:childTnLst>
+                                </p:cTn>
+                              </p:par>
+                              <p:par>
+                                <p:cTn id="23" presetID="1" presetClass="entr" presetSubtype="0" fill="hold" nodeType="withEffect">
+                                  <p:stCondLst>
+                                    <p:cond delay="0"/>
+                                  </p:stCondLst>
+                                  <p:childTnLst>
+                                    <p:set>
+                                      <p:cBhvr>
+                                        <p:cTn id="24" dur="1" fill="hold">
+                                          <p:stCondLst>
+                                            <p:cond delay="0"/>
+                                          </p:stCondLst>
+                                        </p:cTn>
+                                        <p:tgtEl>
+                                          <p:spTgt spid="12"/>
+                                        </p:tgtEl>
+                                        <p:attrNameLst>
+                                          <p:attrName>style.visibility</p:attrName>
+                                        </p:attrNameLst>
+                                      </p:cBhvr>
+                                      <p:to>
+                                        <p:strVal val="visible"/>
+                                      </p:to>
+                                    </p:set>
+                                  </p:childTnLst>
+                                </p:cTn>
+                              </p:par>
+                              <p:par>
+                                <p:cTn id="25" presetID="1" presetClass="entr" presetSubtype="0" fill="hold" nodeType="withEffect">
+                                  <p:stCondLst>
+                                    <p:cond delay="0"/>
+                                  </p:stCondLst>
+                                  <p:childTnLst>
+                                    <p:set>
+                                      <p:cBhvr>
+                                        <p:cTn id="26" dur="1" fill="hold">
+                                          <p:stCondLst>
+                                            <p:cond delay="0"/>
+                                          </p:stCondLst>
+                                        </p:cTn>
+                                        <p:tgtEl>
+                                          <p:spTgt spid="15"/>
+                                        </p:tgtEl>
+                                        <p:attrNameLst>
+                                          <p:attrName>style.visibility</p:attrName>
+                                        </p:attrNameLst>
+                                      </p:cBhvr>
+                                      <p:to>
+                                        <p:strVal val="visible"/>
+                                      </p:to>
+                                    </p:set>
+                                  </p:childTnLst>
+                                </p:cTn>
+                              </p:par>
+                            </p:childTnLst>
+                          </p:cTn>
+                        </p:par>
+                      </p:childTnLst>
+                    </p:cTn>
+                  </p:par>
+                </p:childTnLst>
+              </p:cTn>
+              <p:prevCondLst>
+                <p:cond evt="onPrev" delay="0">
+                  <p:tgtEl>
+                    <p:sldTgt/>
+                  </p:tgtEl>
+                </p:cond>
+              </p:prevCondLst>
+              <p:nextCondLst>
+                <p:cond evt="onNext" delay="0">
+                  <p:tgtEl>
+                    <p:sldTgt/>
+                  </p:tgtEl>
+                </p:cond>
+              </p:nextCondLst>
+            </p:seq>
+          </p:childTnLst>
+        </p:cTn>
+      </p:par>
+    </p:tnLst>
+    <p:bldLst>
+      <p:bldP spid="14" grpId="0"/>
+      <p:bldP spid="19" grpId="0" animBg="1"/>
+      <p:bldP spid="20" grpId="0" animBg="1"/>
+    </p:bldLst>
+  </p:timing>
+</p:sld>
+</file>
+
+<file path=ppt/slides/slide4.xml><?xml version="1.0" encoding="utf-8"?>
+<p:sld xmlns:a="http://schemas.openxmlformats.org/drawingml/2006/main" xmlns:r="http://schemas.openxmlformats.org/officeDocument/2006/relationships" xmlns:p="http://schemas.openxmlformats.org/presentationml/2006/main">
+  <p:cSld>
+    <p:spTree>
+      <p:nvGrpSpPr>
+        <p:cNvPr id="1" name=""/>
+        <p:cNvGrpSpPr/>
+        <p:nvPr/>
+      </p:nvGrpSpPr>
+      <p:grpSpPr>
+        <a:xfrm>
+          <a:off x="0" y="0"/>
+          <a:ext cx="0" cy="0"/>
+          <a:chOff x="0" y="0"/>
+          <a:chExt cx="0" cy="0"/>
+        </a:xfrm>
+      </p:grpSpPr>
+      <p:sp>
+        <p:nvSpPr>
+          <p:cNvPr id="2" name="Title 1">
+            <a:extLst>
+              <a:ext uri="{FF2B5EF4-FFF2-40B4-BE49-F238E27FC236}">
+                <a16:creationId xmlns:a16="http://schemas.microsoft.com/office/drawing/2014/main" id="{5B4C3818-F8FD-45EF-BBA7-CB82AF6DED03}"/>
+              </a:ext>
+            </a:extLst>
+          </p:cNvPr>
+          <p:cNvSpPr>
+            <a:spLocks noGrp="1"/>
+          </p:cNvSpPr>
+          <p:nvPr>
+            <p:ph type="title"/>
+          </p:nvPr>
+        </p:nvSpPr>
+        <p:spPr/>
+        <p:txBody>
+          <a:bodyPr/>
+          <a:lstStyle/>
+          <a:p>
+            <a:r>
+              <a:rPr lang="en-US" dirty="0"/>
+              <a:t>RStudio</a:t>
+            </a:r>
+          </a:p>
+        </p:txBody>
+      </p:sp>
+      <p:sp>
+        <p:nvSpPr>
+          <p:cNvPr id="3" name="Content Placeholder 2">
+            <a:extLst>
+              <a:ext uri="{FF2B5EF4-FFF2-40B4-BE49-F238E27FC236}">
+                <a16:creationId xmlns:a16="http://schemas.microsoft.com/office/drawing/2014/main" id="{06E70453-8E3A-4448-8EA7-4D6F6DA329AF}"/>
+              </a:ext>
+            </a:extLst>
+          </p:cNvPr>
+          <p:cNvSpPr>
+            <a:spLocks noGrp="1"/>
+          </p:cNvSpPr>
+          <p:nvPr>
+            <p:ph idx="1"/>
+          </p:nvPr>
+        </p:nvSpPr>
+        <p:spPr>
+          <a:xfrm>
             <a:off x="350874" y="1825625"/>
             <a:ext cx="5954234" cy="4755928"/>
           </a:xfrm>
@@ -12333,7 +13514,7 @@
           <a:p>
             <a:fld id="{6D95AE55-B5F4-483D-AEFF-E8059F5502F5}" type="slidenum">
               <a:rPr lang="en-US" smtClean="0"/>
-              <a:t>3</a:t>
+              <a:t>4</a:t>
             </a:fld>
             <a:endParaRPr lang="en-US"/>
           </a:p>
@@ -12434,7 +13615,7 @@
 </p:sld>
 </file>
 
-<file path=ppt/slides/slide4.xml><?xml version="1.0" encoding="utf-8"?>
+<file path=ppt/slides/slide5.xml><?xml version="1.0" encoding="utf-8"?>
 <p:sld xmlns:a="http://schemas.openxmlformats.org/drawingml/2006/main" xmlns:r="http://schemas.openxmlformats.org/officeDocument/2006/relationships" xmlns:p="http://schemas.openxmlformats.org/presentationml/2006/main">
   <p:cSld>
     <p:spTree>
@@ -12474,7 +13655,7 @@
           <a:p>
             <a:fld id="{6D95AE55-B5F4-483D-AEFF-E8059F5502F5}" type="slidenum">
               <a:rPr lang="en-US" smtClean="0"/>
-              <a:t>4</a:t>
+              <a:t>5</a:t>
             </a:fld>
             <a:endParaRPr lang="en-US"/>
           </a:p>
@@ -12606,7 +13787,7 @@
             <a:fld id="{6D95AE55-B5F4-483D-AEFF-E8059F5502F5}" type="slidenum">
               <a:rPr lang="en-US" smtClean="0"/>
               <a:pPr/>
-              <a:t>4</a:t>
+              <a:t>5</a:t>
             </a:fld>
             <a:endParaRPr lang="en-US"/>
           </a:p>
@@ -15463,7 +16644,7 @@
 </p:sld>
 </file>
 
-<file path=ppt/slides/slide5.xml><?xml version="1.0" encoding="utf-8"?>
+<file path=ppt/slides/slide6.xml><?xml version="1.0" encoding="utf-8"?>
 <p:sld xmlns:a="http://schemas.openxmlformats.org/drawingml/2006/main" xmlns:r="http://schemas.openxmlformats.org/officeDocument/2006/relationships" xmlns:p="http://schemas.openxmlformats.org/presentationml/2006/main">
   <p:cSld>
     <p:spTree>
@@ -15586,7 +16767,7 @@
           <a:p>
             <a:fld id="{6D95AE55-B5F4-483D-AEFF-E8059F5502F5}" type="slidenum">
               <a:rPr lang="en-US" smtClean="0"/>
-              <a:t>5</a:t>
+              <a:t>6</a:t>
             </a:fld>
             <a:endParaRPr lang="en-US"/>
           </a:p>
@@ -15640,7 +16821,7 @@
 </p:sld>
 </file>
 
-<file path=ppt/slides/slide6.xml><?xml version="1.0" encoding="utf-8"?>
+<file path=ppt/slides/slide7.xml><?xml version="1.0" encoding="utf-8"?>
 <p:sld xmlns:a="http://schemas.openxmlformats.org/drawingml/2006/main" xmlns:r="http://schemas.openxmlformats.org/officeDocument/2006/relationships" xmlns:p="http://schemas.openxmlformats.org/presentationml/2006/main">
   <p:cSld>
     <p:spTree>
@@ -15788,7 +16969,7 @@
           <a:p>
             <a:fld id="{6D95AE55-B5F4-483D-AEFF-E8059F5502F5}" type="slidenum">
               <a:rPr lang="en-US" smtClean="0"/>
-              <a:t>6</a:t>
+              <a:t>7</a:t>
             </a:fld>
             <a:endParaRPr lang="en-US"/>
           </a:p>
@@ -16226,7 +17407,7 @@
 </p:sld>
 </file>
 
-<file path=ppt/slides/slide7.xml><?xml version="1.0" encoding="utf-8"?>
+<file path=ppt/slides/slide8.xml><?xml version="1.0" encoding="utf-8"?>
 <p:sld xmlns:a="http://schemas.openxmlformats.org/drawingml/2006/main" xmlns:r="http://schemas.openxmlformats.org/officeDocument/2006/relationships" xmlns:p="http://schemas.openxmlformats.org/presentationml/2006/main">
   <p:cSld>
     <p:spTree>
@@ -16383,7 +17564,7 @@
           <a:p>
             <a:fld id="{6D95AE55-B5F4-483D-AEFF-E8059F5502F5}" type="slidenum">
               <a:rPr lang="en-US" smtClean="0"/>
-              <a:t>7</a:t>
+              <a:t>8</a:t>
             </a:fld>
             <a:endParaRPr lang="en-US"/>
           </a:p>
@@ -16437,7 +17618,7 @@
 </p:sld>
 </file>
 
-<file path=ppt/slides/slide8.xml><?xml version="1.0" encoding="utf-8"?>
+<file path=ppt/slides/slide9.xml><?xml version="1.0" encoding="utf-8"?>
 <p:sld xmlns:a="http://schemas.openxmlformats.org/drawingml/2006/main" xmlns:r="http://schemas.openxmlformats.org/officeDocument/2006/relationships" xmlns:p="http://schemas.openxmlformats.org/presentationml/2006/main">
   <p:cSld>
     <p:spTree>
@@ -16543,10 +17724,11 @@
             </a:r>
           </a:p>
           <a:p>
-            <a:pPr lvl="1">
+            <a:pPr marL="457200" lvl="1" indent="0">
               <a:spcBef>
                 <a:spcPts val="2400"/>
               </a:spcBef>
+              <a:buNone/>
             </a:pPr>
             <a:r>
               <a:rPr lang="en-US" sz="2000" dirty="0" err="1">
@@ -16630,7 +17812,7 @@
           <a:p>
             <a:fld id="{6D95AE55-B5F4-483D-AEFF-E8059F5502F5}" type="slidenum">
               <a:rPr lang="en-US" smtClean="0"/>
-              <a:t>8</a:t>
+              <a:t>9</a:t>
             </a:fld>
             <a:endParaRPr lang="en-US"/>
           </a:p>
@@ -17080,461 +18262,6 @@
     <p:extLst>
       <p:ext uri="{BB962C8B-B14F-4D97-AF65-F5344CB8AC3E}">
         <p14:creationId xmlns:p14="http://schemas.microsoft.com/office/powerpoint/2010/main" val="2206302639"/>
-      </p:ext>
-    </p:extLst>
-  </p:cSld>
-  <p:clrMapOvr>
-    <a:masterClrMapping/>
-  </p:clrMapOvr>
-</p:sld>
-</file>
-
-<file path=ppt/slides/slide9.xml><?xml version="1.0" encoding="utf-8"?>
-<p:sld xmlns:a="http://schemas.openxmlformats.org/drawingml/2006/main" xmlns:r="http://schemas.openxmlformats.org/officeDocument/2006/relationships" xmlns:p="http://schemas.openxmlformats.org/presentationml/2006/main">
-  <p:cSld>
-    <p:spTree>
-      <p:nvGrpSpPr>
-        <p:cNvPr id="1" name=""/>
-        <p:cNvGrpSpPr/>
-        <p:nvPr/>
-      </p:nvGrpSpPr>
-      <p:grpSpPr>
-        <a:xfrm>
-          <a:off x="0" y="0"/>
-          <a:ext cx="0" cy="0"/>
-          <a:chOff x="0" y="0"/>
-          <a:chExt cx="0" cy="0"/>
-        </a:xfrm>
-      </p:grpSpPr>
-      <p:sp>
-        <p:nvSpPr>
-          <p:cNvPr id="2" name="Title 1">
-            <a:extLst>
-              <a:ext uri="{FF2B5EF4-FFF2-40B4-BE49-F238E27FC236}">
-                <a16:creationId xmlns:a16="http://schemas.microsoft.com/office/drawing/2014/main" id="{2DF9ACCF-96E6-41F8-B607-79BD9E31D127}"/>
-              </a:ext>
-            </a:extLst>
-          </p:cNvPr>
-          <p:cNvSpPr>
-            <a:spLocks noGrp="1"/>
-          </p:cNvSpPr>
-          <p:nvPr>
-            <p:ph type="title"/>
-          </p:nvPr>
-        </p:nvSpPr>
-        <p:spPr/>
-        <p:txBody>
-          <a:bodyPr/>
-          <a:lstStyle/>
-          <a:p>
-            <a:r>
-              <a:rPr lang="en-US" dirty="0"/>
-              <a:t>Quiz 2-1</a:t>
-            </a:r>
-          </a:p>
-        </p:txBody>
-      </p:sp>
-      <p:sp>
-        <p:nvSpPr>
-          <p:cNvPr id="3" name="Content Placeholder 2">
-            <a:extLst>
-              <a:ext uri="{FF2B5EF4-FFF2-40B4-BE49-F238E27FC236}">
-                <a16:creationId xmlns:a16="http://schemas.microsoft.com/office/drawing/2014/main" id="{CDF55C37-DC1C-4A2A-A449-93B2EDA85153}"/>
-              </a:ext>
-            </a:extLst>
-          </p:cNvPr>
-          <p:cNvSpPr>
-            <a:spLocks noGrp="1"/>
-          </p:cNvSpPr>
-          <p:nvPr>
-            <p:ph idx="1"/>
-          </p:nvPr>
-        </p:nvSpPr>
-        <p:spPr>
-          <a:xfrm>
-            <a:off x="731520" y="1589651"/>
-            <a:ext cx="4989627" cy="4351338"/>
-          </a:xfrm>
-        </p:spPr>
-        <p:txBody>
-          <a:bodyPr/>
-          <a:lstStyle/>
-          <a:p>
-            <a:pPr marL="0" indent="0">
-              <a:buNone/>
-            </a:pPr>
-            <a:r>
-              <a:rPr lang="en-US" dirty="0"/>
-              <a:t>When should you use “R Project” instead of RStudio?</a:t>
-            </a:r>
-          </a:p>
-          <a:p>
-            <a:pPr marL="0" indent="0">
-              <a:buNone/>
-            </a:pPr>
-            <a:endParaRPr lang="en-US" dirty="0">
-              <a:latin typeface="Consolas" panose="020B0609020204030204" pitchFamily="49" charset="0"/>
-            </a:endParaRPr>
-          </a:p>
-          <a:p>
-            <a:pPr marL="0" indent="0">
-              <a:buNone/>
-            </a:pPr>
-            <a:r>
-              <a:rPr lang="en-US" dirty="0"/>
-              <a:t>a) Never. We always use RStudio. </a:t>
-            </a:r>
-          </a:p>
-          <a:p>
-            <a:pPr marL="0" indent="0">
-              <a:buNone/>
-            </a:pPr>
-            <a:r>
-              <a:rPr lang="en-US" dirty="0"/>
-              <a:t>b) Always. Kick it old school R</a:t>
-            </a:r>
-          </a:p>
-          <a:p>
-            <a:pPr marL="342900" indent="-342900">
-              <a:buNone/>
-            </a:pPr>
-            <a:r>
-              <a:rPr lang="en-US" dirty="0"/>
-              <a:t>c) Always. I am a crusty old  biometrician. </a:t>
-            </a:r>
-          </a:p>
-        </p:txBody>
-      </p:sp>
-      <p:sp>
-        <p:nvSpPr>
-          <p:cNvPr id="5" name="Rectangle 4">
-            <a:extLst>
-              <a:ext uri="{FF2B5EF4-FFF2-40B4-BE49-F238E27FC236}">
-                <a16:creationId xmlns:a16="http://schemas.microsoft.com/office/drawing/2014/main" id="{EFB5E4AB-B7A6-4612-B3E2-67703CC55133}"/>
-              </a:ext>
-            </a:extLst>
-          </p:cNvPr>
-          <p:cNvSpPr/>
-          <p:nvPr/>
-        </p:nvSpPr>
-        <p:spPr>
-          <a:xfrm rot="16200000">
-            <a:off x="-3099620" y="3099620"/>
-            <a:ext cx="6858000" cy="658760"/>
-          </a:xfrm>
-          <a:prstGeom prst="rect">
-            <a:avLst/>
-          </a:prstGeom>
-          <a:solidFill>
-            <a:srgbClr val="38D7EC"/>
-          </a:solidFill>
-          <a:ln>
-            <a:noFill/>
-          </a:ln>
-        </p:spPr>
-        <p:style>
-          <a:lnRef idx="2">
-            <a:schemeClr val="accent1">
-              <a:shade val="50000"/>
-            </a:schemeClr>
-          </a:lnRef>
-          <a:fillRef idx="1">
-            <a:schemeClr val="accent1"/>
-          </a:fillRef>
-          <a:effectRef idx="0">
-            <a:schemeClr val="accent1"/>
-          </a:effectRef>
-          <a:fontRef idx="minor">
-            <a:schemeClr val="lt1"/>
-          </a:fontRef>
-        </p:style>
-        <p:txBody>
-          <a:bodyPr rtlCol="0" anchor="ctr"/>
-          <a:lstStyle/>
-          <a:p>
-            <a:r>
-              <a:rPr lang="en-US" sz="4000" b="1" i="1" dirty="0"/>
-              <a:t>QUIZ!</a:t>
-            </a:r>
-          </a:p>
-        </p:txBody>
-      </p:sp>
-      <p:sp>
-        <p:nvSpPr>
-          <p:cNvPr id="6" name="Content Placeholder 2">
-            <a:extLst>
-              <a:ext uri="{FF2B5EF4-FFF2-40B4-BE49-F238E27FC236}">
-                <a16:creationId xmlns:a16="http://schemas.microsoft.com/office/drawing/2014/main" id="{AC9C67AD-EAA0-4DDC-9947-9213AA9424FB}"/>
-              </a:ext>
-            </a:extLst>
-          </p:cNvPr>
-          <p:cNvSpPr txBox="1">
-            <a:spLocks/>
-          </p:cNvSpPr>
-          <p:nvPr/>
-        </p:nvSpPr>
-        <p:spPr>
-          <a:xfrm>
-            <a:off x="6096000" y="1589651"/>
-            <a:ext cx="5536019" cy="4351338"/>
-          </a:xfrm>
-          <a:prstGeom prst="rect">
-            <a:avLst/>
-          </a:prstGeom>
-        </p:spPr>
-        <p:txBody>
-          <a:bodyPr vert="horz" lIns="91440" tIns="45720" rIns="91440" bIns="45720" rtlCol="0">
-            <a:normAutofit/>
-          </a:bodyPr>
-          <a:lstStyle>
-            <a:lvl1pPr marL="228600" indent="-228600" algn="l" defTabSz="914400" rtl="0" eaLnBrk="1" latinLnBrk="0" hangingPunct="1">
-              <a:lnSpc>
-                <a:spcPct val="90000"/>
-              </a:lnSpc>
-              <a:spcBef>
-                <a:spcPts val="1000"/>
-              </a:spcBef>
-              <a:buFont typeface="Arial" panose="020B0604020202020204" pitchFamily="34" charset="0"/>
-              <a:buChar char="•"/>
-              <a:defRPr sz="2800" kern="1200">
-                <a:solidFill>
-                  <a:schemeClr val="tx1"/>
-                </a:solidFill>
-                <a:latin typeface="+mn-lt"/>
-                <a:ea typeface="+mn-ea"/>
-                <a:cs typeface="+mn-cs"/>
-              </a:defRPr>
-            </a:lvl1pPr>
-            <a:lvl2pPr marL="685800" indent="-228600" algn="l" defTabSz="914400" rtl="0" eaLnBrk="1" latinLnBrk="0" hangingPunct="1">
-              <a:lnSpc>
-                <a:spcPct val="90000"/>
-              </a:lnSpc>
-              <a:spcBef>
-                <a:spcPts val="500"/>
-              </a:spcBef>
-              <a:buFont typeface="Arial" panose="020B0604020202020204" pitchFamily="34" charset="0"/>
-              <a:buChar char="•"/>
-              <a:defRPr sz="2400" kern="1200">
-                <a:solidFill>
-                  <a:schemeClr val="tx1"/>
-                </a:solidFill>
-                <a:latin typeface="+mn-lt"/>
-                <a:ea typeface="+mn-ea"/>
-                <a:cs typeface="+mn-cs"/>
-              </a:defRPr>
-            </a:lvl2pPr>
-            <a:lvl3pPr marL="1143000" indent="-228600" algn="l" defTabSz="914400" rtl="0" eaLnBrk="1" latinLnBrk="0" hangingPunct="1">
-              <a:lnSpc>
-                <a:spcPct val="90000"/>
-              </a:lnSpc>
-              <a:spcBef>
-                <a:spcPts val="500"/>
-              </a:spcBef>
-              <a:buFont typeface="Arial" panose="020B0604020202020204" pitchFamily="34" charset="0"/>
-              <a:buChar char="•"/>
-              <a:defRPr sz="2000" kern="1200">
-                <a:solidFill>
-                  <a:schemeClr val="tx1"/>
-                </a:solidFill>
-                <a:latin typeface="+mn-lt"/>
-                <a:ea typeface="+mn-ea"/>
-                <a:cs typeface="+mn-cs"/>
-              </a:defRPr>
-            </a:lvl3pPr>
-            <a:lvl4pPr marL="1600200" indent="-228600" algn="l" defTabSz="914400" rtl="0" eaLnBrk="1" latinLnBrk="0" hangingPunct="1">
-              <a:lnSpc>
-                <a:spcPct val="90000"/>
-              </a:lnSpc>
-              <a:spcBef>
-                <a:spcPts val="500"/>
-              </a:spcBef>
-              <a:buFont typeface="Arial" panose="020B0604020202020204" pitchFamily="34" charset="0"/>
-              <a:buChar char="•"/>
-              <a:defRPr sz="1800" kern="1200">
-                <a:solidFill>
-                  <a:schemeClr val="tx1"/>
-                </a:solidFill>
-                <a:latin typeface="+mn-lt"/>
-                <a:ea typeface="+mn-ea"/>
-                <a:cs typeface="+mn-cs"/>
-              </a:defRPr>
-            </a:lvl4pPr>
-            <a:lvl5pPr marL="2057400" indent="-228600" algn="l" defTabSz="914400" rtl="0" eaLnBrk="1" latinLnBrk="0" hangingPunct="1">
-              <a:lnSpc>
-                <a:spcPct val="90000"/>
-              </a:lnSpc>
-              <a:spcBef>
-                <a:spcPts val="500"/>
-              </a:spcBef>
-              <a:buFont typeface="Arial" panose="020B0604020202020204" pitchFamily="34" charset="0"/>
-              <a:buChar char="•"/>
-              <a:defRPr sz="1800" kern="1200">
-                <a:solidFill>
-                  <a:schemeClr val="tx1"/>
-                </a:solidFill>
-                <a:latin typeface="+mn-lt"/>
-                <a:ea typeface="+mn-ea"/>
-                <a:cs typeface="+mn-cs"/>
-              </a:defRPr>
-            </a:lvl5pPr>
-            <a:lvl6pPr marL="2514600" indent="-228600" algn="l" defTabSz="914400" rtl="0" eaLnBrk="1" latinLnBrk="0" hangingPunct="1">
-              <a:lnSpc>
-                <a:spcPct val="90000"/>
-              </a:lnSpc>
-              <a:spcBef>
-                <a:spcPts val="500"/>
-              </a:spcBef>
-              <a:buFont typeface="Arial" panose="020B0604020202020204" pitchFamily="34" charset="0"/>
-              <a:buChar char="•"/>
-              <a:defRPr sz="1800" kern="1200">
-                <a:solidFill>
-                  <a:schemeClr val="tx1"/>
-                </a:solidFill>
-                <a:latin typeface="+mn-lt"/>
-                <a:ea typeface="+mn-ea"/>
-                <a:cs typeface="+mn-cs"/>
-              </a:defRPr>
-            </a:lvl6pPr>
-            <a:lvl7pPr marL="2971800" indent="-228600" algn="l" defTabSz="914400" rtl="0" eaLnBrk="1" latinLnBrk="0" hangingPunct="1">
-              <a:lnSpc>
-                <a:spcPct val="90000"/>
-              </a:lnSpc>
-              <a:spcBef>
-                <a:spcPts val="500"/>
-              </a:spcBef>
-              <a:buFont typeface="Arial" panose="020B0604020202020204" pitchFamily="34" charset="0"/>
-              <a:buChar char="•"/>
-              <a:defRPr sz="1800" kern="1200">
-                <a:solidFill>
-                  <a:schemeClr val="tx1"/>
-                </a:solidFill>
-                <a:latin typeface="+mn-lt"/>
-                <a:ea typeface="+mn-ea"/>
-                <a:cs typeface="+mn-cs"/>
-              </a:defRPr>
-            </a:lvl7pPr>
-            <a:lvl8pPr marL="3429000" indent="-228600" algn="l" defTabSz="914400" rtl="0" eaLnBrk="1" latinLnBrk="0" hangingPunct="1">
-              <a:lnSpc>
-                <a:spcPct val="90000"/>
-              </a:lnSpc>
-              <a:spcBef>
-                <a:spcPts val="500"/>
-              </a:spcBef>
-              <a:buFont typeface="Arial" panose="020B0604020202020204" pitchFamily="34" charset="0"/>
-              <a:buChar char="•"/>
-              <a:defRPr sz="1800" kern="1200">
-                <a:solidFill>
-                  <a:schemeClr val="tx1"/>
-                </a:solidFill>
-                <a:latin typeface="+mn-lt"/>
-                <a:ea typeface="+mn-ea"/>
-                <a:cs typeface="+mn-cs"/>
-              </a:defRPr>
-            </a:lvl8pPr>
-            <a:lvl9pPr marL="3886200" indent="-228600" algn="l" defTabSz="914400" rtl="0" eaLnBrk="1" latinLnBrk="0" hangingPunct="1">
-              <a:lnSpc>
-                <a:spcPct val="90000"/>
-              </a:lnSpc>
-              <a:spcBef>
-                <a:spcPts val="500"/>
-              </a:spcBef>
-              <a:buFont typeface="Arial" panose="020B0604020202020204" pitchFamily="34" charset="0"/>
-              <a:buChar char="•"/>
-              <a:defRPr sz="1800" kern="1200">
-                <a:solidFill>
-                  <a:schemeClr val="tx1"/>
-                </a:solidFill>
-                <a:latin typeface="+mn-lt"/>
-                <a:ea typeface="+mn-ea"/>
-                <a:cs typeface="+mn-cs"/>
-              </a:defRPr>
-            </a:lvl9pPr>
-          </a:lstStyle>
-          <a:p>
-            <a:pPr marL="0" indent="0">
-              <a:buFont typeface="Arial" panose="020B0604020202020204" pitchFamily="34" charset="0"/>
-              <a:buNone/>
-            </a:pPr>
-            <a:r>
-              <a:rPr lang="en-US" dirty="0"/>
-              <a:t>What are some advantages of using R projects?</a:t>
-            </a:r>
-          </a:p>
-          <a:p>
-            <a:pPr marL="0" indent="0">
-              <a:buFont typeface="Arial" panose="020B0604020202020204" pitchFamily="34" charset="0"/>
-              <a:buNone/>
-            </a:pPr>
-            <a:endParaRPr lang="en-US" dirty="0"/>
-          </a:p>
-          <a:p>
-            <a:pPr marL="342900" indent="-342900">
-              <a:buNone/>
-            </a:pPr>
-            <a:r>
-              <a:rPr lang="en-US" dirty="0"/>
-              <a:t>a) Future advantages we haven’t covered yet. </a:t>
-            </a:r>
-          </a:p>
-          <a:p>
-            <a:pPr marL="0" indent="0">
-              <a:buNone/>
-            </a:pPr>
-            <a:r>
-              <a:rPr lang="en-US" dirty="0"/>
-              <a:t>b) Opens most recent scripts</a:t>
-            </a:r>
-          </a:p>
-          <a:p>
-            <a:pPr marL="0" indent="0">
-              <a:buNone/>
-            </a:pPr>
-            <a:r>
-              <a:rPr lang="en-US" dirty="0"/>
-              <a:t>c) Sets folder directory automatically</a:t>
-            </a:r>
-          </a:p>
-          <a:p>
-            <a:endParaRPr lang="en-US" dirty="0"/>
-          </a:p>
-          <a:p>
-            <a:endParaRPr lang="en-US" dirty="0"/>
-          </a:p>
-        </p:txBody>
-      </p:sp>
-      <p:sp>
-        <p:nvSpPr>
-          <p:cNvPr id="4" name="Slide Number Placeholder 3">
-            <a:extLst>
-              <a:ext uri="{FF2B5EF4-FFF2-40B4-BE49-F238E27FC236}">
-                <a16:creationId xmlns:a16="http://schemas.microsoft.com/office/drawing/2014/main" id="{6DB51119-B752-41FD-8FE4-8BE09142C731}"/>
-              </a:ext>
-            </a:extLst>
-          </p:cNvPr>
-          <p:cNvSpPr>
-            <a:spLocks noGrp="1"/>
-          </p:cNvSpPr>
-          <p:nvPr>
-            <p:ph type="sldNum" sz="quarter" idx="12"/>
-          </p:nvPr>
-        </p:nvSpPr>
-        <p:spPr/>
-        <p:txBody>
-          <a:bodyPr/>
-          <a:lstStyle/>
-          <a:p>
-            <a:fld id="{6D95AE55-B5F4-483D-AEFF-E8059F5502F5}" type="slidenum">
-              <a:rPr lang="en-US" smtClean="0"/>
-              <a:t>9</a:t>
-            </a:fld>
-            <a:endParaRPr lang="en-US"/>
-          </a:p>
-        </p:txBody>
-      </p:sp>
-    </p:spTree>
-    <p:extLst>
-      <p:ext uri="{BB962C8B-B14F-4D97-AF65-F5344CB8AC3E}">
-        <p14:creationId xmlns:p14="http://schemas.microsoft.com/office/powerpoint/2010/main" val="4090013592"/>
       </p:ext>
     </p:extLst>
   </p:cSld>

--- a/presentations/2 - About R and RStudio.pptx
+++ b/presentations/2 - About R and RStudio.pptx
@@ -5,7 +5,7 @@
     <p:sldMasterId id="2147483648" r:id="rId1"/>
   </p:sldMasterIdLst>
   <p:notesMasterIdLst>
-    <p:notesMasterId r:id="rId25"/>
+    <p:notesMasterId r:id="rId26"/>
   </p:notesMasterIdLst>
   <p:sldIdLst>
     <p:sldId id="256" r:id="rId2"/>
@@ -13,24 +13,25 @@
     <p:sldId id="433" r:id="rId4"/>
     <p:sldId id="299" r:id="rId5"/>
     <p:sldId id="397" r:id="rId6"/>
-    <p:sldId id="417" r:id="rId7"/>
-    <p:sldId id="380" r:id="rId8"/>
-    <p:sldId id="418" r:id="rId9"/>
-    <p:sldId id="390" r:id="rId10"/>
-    <p:sldId id="409" r:id="rId11"/>
-    <p:sldId id="410" r:id="rId12"/>
-    <p:sldId id="262" r:id="rId13"/>
-    <p:sldId id="300" r:id="rId14"/>
-    <p:sldId id="301" r:id="rId15"/>
-    <p:sldId id="302" r:id="rId16"/>
-    <p:sldId id="330" r:id="rId17"/>
-    <p:sldId id="419" r:id="rId18"/>
-    <p:sldId id="332" r:id="rId19"/>
-    <p:sldId id="430" r:id="rId20"/>
-    <p:sldId id="406" r:id="rId21"/>
-    <p:sldId id="408" r:id="rId22"/>
-    <p:sldId id="432" r:id="rId23"/>
-    <p:sldId id="431" r:id="rId24"/>
+    <p:sldId id="435" r:id="rId7"/>
+    <p:sldId id="417" r:id="rId8"/>
+    <p:sldId id="380" r:id="rId9"/>
+    <p:sldId id="418" r:id="rId10"/>
+    <p:sldId id="390" r:id="rId11"/>
+    <p:sldId id="409" r:id="rId12"/>
+    <p:sldId id="410" r:id="rId13"/>
+    <p:sldId id="262" r:id="rId14"/>
+    <p:sldId id="300" r:id="rId15"/>
+    <p:sldId id="301" r:id="rId16"/>
+    <p:sldId id="302" r:id="rId17"/>
+    <p:sldId id="330" r:id="rId18"/>
+    <p:sldId id="419" r:id="rId19"/>
+    <p:sldId id="332" r:id="rId20"/>
+    <p:sldId id="430" r:id="rId21"/>
+    <p:sldId id="406" r:id="rId22"/>
+    <p:sldId id="408" r:id="rId23"/>
+    <p:sldId id="432" r:id="rId24"/>
+    <p:sldId id="431" r:id="rId25"/>
   </p:sldIdLst>
   <p:sldSz cx="12192000" cy="6858000"/>
   <p:notesSz cx="6858000" cy="9144000"/>
@@ -219,7 +220,7 @@
           <a:p>
             <a:fld id="{22668931-3B21-49FF-8F8C-71636D3B6246}" type="datetimeFigureOut">
               <a:rPr lang="en-US" smtClean="0"/>
-              <a:t>12/10/2023</a:t>
+              <a:t>12/11/2023</a:t>
             </a:fld>
             <a:endParaRPr lang="en-US"/>
           </a:p>
@@ -979,7 +980,7 @@
           <a:p>
             <a:fld id="{AD86E2D3-8F12-4CB7-B6F3-018CFC08298B}" type="slidenum">
               <a:rPr lang="en-US" smtClean="0"/>
-              <a:t>9</a:t>
+              <a:t>10</a:t>
             </a:fld>
             <a:endParaRPr lang="en-US"/>
           </a:p>
@@ -1071,7 +1072,7 @@
           <a:p>
             <a:fld id="{AD86E2D3-8F12-4CB7-B6F3-018CFC08298B}" type="slidenum">
               <a:rPr lang="en-US" smtClean="0"/>
-              <a:t>12</a:t>
+              <a:t>13</a:t>
             </a:fld>
             <a:endParaRPr lang="en-US"/>
           </a:p>
@@ -1158,7 +1159,7 @@
           <a:p>
             <a:fld id="{AD86E2D3-8F12-4CB7-B6F3-018CFC08298B}" type="slidenum">
               <a:rPr lang="en-US" smtClean="0"/>
-              <a:t>13</a:t>
+              <a:t>14</a:t>
             </a:fld>
             <a:endParaRPr lang="en-US"/>
           </a:p>
@@ -1286,7 +1287,7 @@
           <a:p>
             <a:fld id="{AD86E2D3-8F12-4CB7-B6F3-018CFC08298B}" type="slidenum">
               <a:rPr lang="en-US" smtClean="0"/>
-              <a:t>15</a:t>
+              <a:t>16</a:t>
             </a:fld>
             <a:endParaRPr lang="en-US"/>
           </a:p>
@@ -1370,7 +1371,7 @@
           <a:p>
             <a:fld id="{AD86E2D3-8F12-4CB7-B6F3-018CFC08298B}" type="slidenum">
               <a:rPr lang="en-US" smtClean="0"/>
-              <a:t>16</a:t>
+              <a:t>17</a:t>
             </a:fld>
             <a:endParaRPr lang="en-US"/>
           </a:p>
@@ -1454,7 +1455,7 @@
           <a:p>
             <a:fld id="{AD86E2D3-8F12-4CB7-B6F3-018CFC08298B}" type="slidenum">
               <a:rPr lang="en-US" smtClean="0"/>
-              <a:t>18</a:t>
+              <a:t>19</a:t>
             </a:fld>
             <a:endParaRPr lang="en-US"/>
           </a:p>
@@ -1538,7 +1539,7 @@
           <a:p>
             <a:fld id="{AD86E2D3-8F12-4CB7-B6F3-018CFC08298B}" type="slidenum">
               <a:rPr lang="en-US" smtClean="0"/>
-              <a:t>19</a:t>
+              <a:t>20</a:t>
             </a:fld>
             <a:endParaRPr lang="en-US"/>
           </a:p>
@@ -1704,7 +1705,7 @@
           <a:p>
             <a:fld id="{375DD456-C247-4442-A401-25876125ED1F}" type="datetimeFigureOut">
               <a:rPr lang="en-US" smtClean="0"/>
-              <a:t>12/10/2023</a:t>
+              <a:t>12/11/2023</a:t>
             </a:fld>
             <a:endParaRPr lang="en-US"/>
           </a:p>
@@ -1902,7 +1903,7 @@
           <a:p>
             <a:fld id="{375DD456-C247-4442-A401-25876125ED1F}" type="datetimeFigureOut">
               <a:rPr lang="en-US" smtClean="0"/>
-              <a:t>12/10/2023</a:t>
+              <a:t>12/11/2023</a:t>
             </a:fld>
             <a:endParaRPr lang="en-US"/>
           </a:p>
@@ -2110,7 +2111,7 @@
           <a:p>
             <a:fld id="{375DD456-C247-4442-A401-25876125ED1F}" type="datetimeFigureOut">
               <a:rPr lang="en-US" smtClean="0"/>
-              <a:t>12/10/2023</a:t>
+              <a:t>12/11/2023</a:t>
             </a:fld>
             <a:endParaRPr lang="en-US"/>
           </a:p>
@@ -2308,7 +2309,7 @@
           <a:p>
             <a:fld id="{375DD456-C247-4442-A401-25876125ED1F}" type="datetimeFigureOut">
               <a:rPr lang="en-US" smtClean="0"/>
-              <a:t>12/10/2023</a:t>
+              <a:t>12/11/2023</a:t>
             </a:fld>
             <a:endParaRPr lang="en-US"/>
           </a:p>
@@ -2583,7 +2584,7 @@
           <a:p>
             <a:fld id="{375DD456-C247-4442-A401-25876125ED1F}" type="datetimeFigureOut">
               <a:rPr lang="en-US" smtClean="0"/>
-              <a:t>12/10/2023</a:t>
+              <a:t>12/11/2023</a:t>
             </a:fld>
             <a:endParaRPr lang="en-US"/>
           </a:p>
@@ -2848,7 +2849,7 @@
           <a:p>
             <a:fld id="{375DD456-C247-4442-A401-25876125ED1F}" type="datetimeFigureOut">
               <a:rPr lang="en-US" smtClean="0"/>
-              <a:t>12/10/2023</a:t>
+              <a:t>12/11/2023</a:t>
             </a:fld>
             <a:endParaRPr lang="en-US"/>
           </a:p>
@@ -3260,7 +3261,7 @@
           <a:p>
             <a:fld id="{375DD456-C247-4442-A401-25876125ED1F}" type="datetimeFigureOut">
               <a:rPr lang="en-US" smtClean="0"/>
-              <a:t>12/10/2023</a:t>
+              <a:t>12/11/2023</a:t>
             </a:fld>
             <a:endParaRPr lang="en-US"/>
           </a:p>
@@ -3401,7 +3402,7 @@
           <a:p>
             <a:fld id="{375DD456-C247-4442-A401-25876125ED1F}" type="datetimeFigureOut">
               <a:rPr lang="en-US" smtClean="0"/>
-              <a:t>12/10/2023</a:t>
+              <a:t>12/11/2023</a:t>
             </a:fld>
             <a:endParaRPr lang="en-US"/>
           </a:p>
@@ -3514,7 +3515,7 @@
           <a:p>
             <a:fld id="{375DD456-C247-4442-A401-25876125ED1F}" type="datetimeFigureOut">
               <a:rPr lang="en-US" smtClean="0"/>
-              <a:t>12/10/2023</a:t>
+              <a:t>12/11/2023</a:t>
             </a:fld>
             <a:endParaRPr lang="en-US"/>
           </a:p>
@@ -3825,7 +3826,7 @@
           <a:p>
             <a:fld id="{375DD456-C247-4442-A401-25876125ED1F}" type="datetimeFigureOut">
               <a:rPr lang="en-US" smtClean="0"/>
-              <a:t>12/10/2023</a:t>
+              <a:t>12/11/2023</a:t>
             </a:fld>
             <a:endParaRPr lang="en-US"/>
           </a:p>
@@ -4113,7 +4114,7 @@
           <a:p>
             <a:fld id="{375DD456-C247-4442-A401-25876125ED1F}" type="datetimeFigureOut">
               <a:rPr lang="en-US" smtClean="0"/>
-              <a:t>12/10/2023</a:t>
+              <a:t>12/11/2023</a:t>
             </a:fld>
             <a:endParaRPr lang="en-US"/>
           </a:p>
@@ -4354,7 +4355,7 @@
           <a:p>
             <a:fld id="{375DD456-C247-4442-A401-25876125ED1F}" type="datetimeFigureOut">
               <a:rPr lang="en-US" smtClean="0"/>
-              <a:t>12/10/2023</a:t>
+              <a:t>12/11/2023</a:t>
             </a:fld>
             <a:endParaRPr lang="en-US"/>
           </a:p>
@@ -4979,6 +4980,659 @@
           <p:cNvPr id="2" name="Title 1">
             <a:extLst>
               <a:ext uri="{FF2B5EF4-FFF2-40B4-BE49-F238E27FC236}">
+                <a16:creationId xmlns:a16="http://schemas.microsoft.com/office/drawing/2014/main" id="{55B08510-82E4-4502-9977-E5DD89855A18}"/>
+              </a:ext>
+            </a:extLst>
+          </p:cNvPr>
+          <p:cNvSpPr>
+            <a:spLocks noGrp="1"/>
+          </p:cNvSpPr>
+          <p:nvPr>
+            <p:ph type="title"/>
+          </p:nvPr>
+        </p:nvSpPr>
+        <p:spPr/>
+        <p:txBody>
+          <a:bodyPr/>
+          <a:lstStyle/>
+          <a:p>
+            <a:r>
+              <a:rPr lang="en-US" dirty="0"/>
+              <a:t>Versions</a:t>
+            </a:r>
+          </a:p>
+        </p:txBody>
+      </p:sp>
+      <p:sp>
+        <p:nvSpPr>
+          <p:cNvPr id="3" name="Content Placeholder 2">
+            <a:extLst>
+              <a:ext uri="{FF2B5EF4-FFF2-40B4-BE49-F238E27FC236}">
+                <a16:creationId xmlns:a16="http://schemas.microsoft.com/office/drawing/2014/main" id="{8AD0BE75-9467-4C12-97FD-74823D699DDD}"/>
+              </a:ext>
+            </a:extLst>
+          </p:cNvPr>
+          <p:cNvSpPr>
+            <a:spLocks noGrp="1"/>
+          </p:cNvSpPr>
+          <p:nvPr>
+            <p:ph idx="1"/>
+          </p:nvPr>
+        </p:nvSpPr>
+        <p:spPr>
+          <a:xfrm>
+            <a:off x="418292" y="1546698"/>
+            <a:ext cx="6180472" cy="5174777"/>
+          </a:xfrm>
+        </p:spPr>
+        <p:txBody>
+          <a:bodyPr>
+            <a:normAutofit/>
+          </a:bodyPr>
+          <a:lstStyle/>
+          <a:p>
+            <a:pPr>
+              <a:spcBef>
+                <a:spcPts val="1800"/>
+              </a:spcBef>
+            </a:pPr>
+            <a:r>
+              <a:rPr lang="en-US" dirty="0"/>
+              <a:t>There are different “versions” of R, update the software</a:t>
+            </a:r>
+          </a:p>
+          <a:p>
+            <a:pPr>
+              <a:spcBef>
+                <a:spcPts val="2400"/>
+              </a:spcBef>
+            </a:pPr>
+            <a:r>
+              <a:rPr lang="en-US" dirty="0"/>
+              <a:t>Occasionally (~once a year) you may need to update R (or RStudio)</a:t>
+            </a:r>
+          </a:p>
+          <a:p>
+            <a:pPr>
+              <a:spcBef>
+                <a:spcPts val="2400"/>
+              </a:spcBef>
+            </a:pPr>
+            <a:r>
+              <a:rPr lang="en-US" dirty="0"/>
+              <a:t>Do this by downloading from Software Center and/or running:</a:t>
+            </a:r>
+          </a:p>
+          <a:p>
+            <a:pPr marL="457200" lvl="1" indent="0">
+              <a:spcBef>
+                <a:spcPts val="2400"/>
+              </a:spcBef>
+              <a:buNone/>
+            </a:pPr>
+            <a:r>
+              <a:rPr lang="en-US" sz="2000" dirty="0" err="1">
+                <a:latin typeface="Consolas" panose="020B0609020204030204" pitchFamily="49" charset="0"/>
+              </a:rPr>
+              <a:t>install.packages</a:t>
+            </a:r>
+            <a:r>
+              <a:rPr lang="en-US" sz="2000" dirty="0">
+                <a:latin typeface="Consolas" panose="020B0609020204030204" pitchFamily="49" charset="0"/>
+              </a:rPr>
+              <a:t>("</a:t>
+            </a:r>
+            <a:r>
+              <a:rPr lang="en-US" sz="2000" dirty="0" err="1">
+                <a:latin typeface="Consolas" panose="020B0609020204030204" pitchFamily="49" charset="0"/>
+              </a:rPr>
+              <a:t>installr</a:t>
+            </a:r>
+            <a:r>
+              <a:rPr lang="en-US" sz="2000" dirty="0">
+                <a:latin typeface="Consolas" panose="020B0609020204030204" pitchFamily="49" charset="0"/>
+              </a:rPr>
+              <a:t>")      library(</a:t>
+            </a:r>
+            <a:r>
+              <a:rPr lang="en-US" sz="2000" dirty="0" err="1">
+                <a:latin typeface="Consolas" panose="020B0609020204030204" pitchFamily="49" charset="0"/>
+              </a:rPr>
+              <a:t>installr</a:t>
+            </a:r>
+            <a:r>
+              <a:rPr lang="en-US" sz="2000" dirty="0">
+                <a:latin typeface="Consolas" panose="020B0609020204030204" pitchFamily="49" charset="0"/>
+              </a:rPr>
+              <a:t>)                                  </a:t>
+            </a:r>
+            <a:r>
+              <a:rPr lang="en-US" sz="2000" dirty="0" err="1">
+                <a:latin typeface="Consolas" panose="020B0609020204030204" pitchFamily="49" charset="0"/>
+              </a:rPr>
+              <a:t>updateR</a:t>
+            </a:r>
+            <a:r>
+              <a:rPr lang="en-US" sz="2000" dirty="0">
+                <a:latin typeface="Consolas" panose="020B0609020204030204" pitchFamily="49" charset="0"/>
+              </a:rPr>
+              <a:t>()</a:t>
+            </a:r>
+          </a:p>
+          <a:p>
+            <a:pPr lvl="1">
+              <a:spcBef>
+                <a:spcPts val="2400"/>
+              </a:spcBef>
+            </a:pPr>
+            <a:endParaRPr lang="en-US" dirty="0"/>
+          </a:p>
+        </p:txBody>
+      </p:sp>
+      <p:sp>
+        <p:nvSpPr>
+          <p:cNvPr id="4" name="Slide Number Placeholder 3">
+            <a:extLst>
+              <a:ext uri="{FF2B5EF4-FFF2-40B4-BE49-F238E27FC236}">
+                <a16:creationId xmlns:a16="http://schemas.microsoft.com/office/drawing/2014/main" id="{12DB9AB6-4445-4CDC-9BEA-B463BF08B781}"/>
+              </a:ext>
+            </a:extLst>
+          </p:cNvPr>
+          <p:cNvSpPr>
+            <a:spLocks noGrp="1"/>
+          </p:cNvSpPr>
+          <p:nvPr>
+            <p:ph type="sldNum" sz="quarter" idx="12"/>
+          </p:nvPr>
+        </p:nvSpPr>
+        <p:spPr/>
+        <p:txBody>
+          <a:bodyPr/>
+          <a:lstStyle/>
+          <a:p>
+            <a:fld id="{6D95AE55-B5F4-483D-AEFF-E8059F5502F5}" type="slidenum">
+              <a:rPr lang="en-US" smtClean="0"/>
+              <a:t>10</a:t>
+            </a:fld>
+            <a:endParaRPr lang="en-US"/>
+          </a:p>
+        </p:txBody>
+      </p:sp>
+      <p:sp>
+        <p:nvSpPr>
+          <p:cNvPr id="7" name="Rectangle: Rounded Corners 6">
+            <a:extLst>
+              <a:ext uri="{FF2B5EF4-FFF2-40B4-BE49-F238E27FC236}">
+                <a16:creationId xmlns:a16="http://schemas.microsoft.com/office/drawing/2014/main" id="{A62FCCCE-4970-4510-A560-A4E9560C6907}"/>
+              </a:ext>
+            </a:extLst>
+          </p:cNvPr>
+          <p:cNvSpPr/>
+          <p:nvPr/>
+        </p:nvSpPr>
+        <p:spPr>
+          <a:xfrm>
+            <a:off x="8375514" y="1413145"/>
+            <a:ext cx="2597285" cy="819039"/>
+          </a:xfrm>
+          <a:prstGeom prst="roundRect">
+            <a:avLst/>
+          </a:prstGeom>
+          <a:solidFill>
+            <a:srgbClr val="F27779"/>
+          </a:solidFill>
+        </p:spPr>
+        <p:style>
+          <a:lnRef idx="2">
+            <a:schemeClr val="accent1">
+              <a:shade val="50000"/>
+            </a:schemeClr>
+          </a:lnRef>
+          <a:fillRef idx="1">
+            <a:schemeClr val="accent1"/>
+          </a:fillRef>
+          <a:effectRef idx="0">
+            <a:schemeClr val="accent1"/>
+          </a:effectRef>
+          <a:fontRef idx="minor">
+            <a:schemeClr val="lt1"/>
+          </a:fontRef>
+        </p:style>
+        <p:txBody>
+          <a:bodyPr rtlCol="0" anchor="ctr"/>
+          <a:lstStyle/>
+          <a:p>
+            <a:pPr algn="ctr"/>
+            <a:r>
+              <a:rPr lang="en-US" sz="2000" b="1" dirty="0"/>
+              <a:t>Do you need to worry about R versions? </a:t>
+            </a:r>
+          </a:p>
+        </p:txBody>
+      </p:sp>
+      <p:sp>
+        <p:nvSpPr>
+          <p:cNvPr id="11" name="Rectangle: Rounded Corners 10">
+            <a:extLst>
+              <a:ext uri="{FF2B5EF4-FFF2-40B4-BE49-F238E27FC236}">
+                <a16:creationId xmlns:a16="http://schemas.microsoft.com/office/drawing/2014/main" id="{46FC7529-6F94-4E25-BA93-99610813EC27}"/>
+              </a:ext>
+            </a:extLst>
+          </p:cNvPr>
+          <p:cNvSpPr/>
+          <p:nvPr/>
+        </p:nvSpPr>
+        <p:spPr>
+          <a:xfrm>
+            <a:off x="7216474" y="5319754"/>
+            <a:ext cx="1874364" cy="732108"/>
+          </a:xfrm>
+          <a:prstGeom prst="roundRect">
+            <a:avLst/>
+          </a:prstGeom>
+          <a:solidFill>
+            <a:srgbClr val="6D3B89"/>
+          </a:solidFill>
+        </p:spPr>
+        <p:style>
+          <a:lnRef idx="2">
+            <a:schemeClr val="accent1">
+              <a:shade val="50000"/>
+            </a:schemeClr>
+          </a:lnRef>
+          <a:fillRef idx="1">
+            <a:schemeClr val="accent1"/>
+          </a:fillRef>
+          <a:effectRef idx="0">
+            <a:schemeClr val="accent1"/>
+          </a:effectRef>
+          <a:fontRef idx="minor">
+            <a:schemeClr val="lt1"/>
+          </a:fontRef>
+        </p:style>
+        <p:txBody>
+          <a:bodyPr rtlCol="0" anchor="ctr"/>
+          <a:lstStyle/>
+          <a:p>
+            <a:pPr algn="ctr"/>
+            <a:r>
+              <a:rPr lang="en-US" sz="2000" b="1" dirty="0"/>
+              <a:t>Don’t worry, be happy</a:t>
+            </a:r>
+          </a:p>
+        </p:txBody>
+      </p:sp>
+      <p:cxnSp>
+        <p:nvCxnSpPr>
+          <p:cNvPr id="13" name="Straight Arrow Connector 12">
+            <a:extLst>
+              <a:ext uri="{FF2B5EF4-FFF2-40B4-BE49-F238E27FC236}">
+                <a16:creationId xmlns:a16="http://schemas.microsoft.com/office/drawing/2014/main" id="{12F9B65A-A6F7-4588-8135-94BDC492E764}"/>
+              </a:ext>
+            </a:extLst>
+          </p:cNvPr>
+          <p:cNvCxnSpPr>
+            <a:cxnSpLocks/>
+            <a:endCxn id="11" idx="0"/>
+          </p:cNvCxnSpPr>
+          <p:nvPr/>
+        </p:nvCxnSpPr>
+        <p:spPr>
+          <a:xfrm flipH="1">
+            <a:off x="8153656" y="3590982"/>
+            <a:ext cx="620696" cy="1728772"/>
+          </a:xfrm>
+          <a:prstGeom prst="straightConnector1">
+            <a:avLst/>
+          </a:prstGeom>
+          <a:ln w="76200">
+            <a:solidFill>
+              <a:schemeClr val="tx1"/>
+            </a:solidFill>
+            <a:tailEnd type="triangle"/>
+          </a:ln>
+        </p:spPr>
+        <p:style>
+          <a:lnRef idx="1">
+            <a:schemeClr val="accent1"/>
+          </a:lnRef>
+          <a:fillRef idx="0">
+            <a:schemeClr val="accent1"/>
+          </a:fillRef>
+          <a:effectRef idx="0">
+            <a:schemeClr val="accent1"/>
+          </a:effectRef>
+          <a:fontRef idx="minor">
+            <a:schemeClr val="tx1"/>
+          </a:fontRef>
+        </p:style>
+      </p:cxnSp>
+      <p:sp>
+        <p:nvSpPr>
+          <p:cNvPr id="9" name="Rectangle: Rounded Corners 8">
+            <a:extLst>
+              <a:ext uri="{FF2B5EF4-FFF2-40B4-BE49-F238E27FC236}">
+                <a16:creationId xmlns:a16="http://schemas.microsoft.com/office/drawing/2014/main" id="{DAD2090C-4349-4BC0-AB3A-291665A2E346}"/>
+              </a:ext>
+            </a:extLst>
+          </p:cNvPr>
+          <p:cNvSpPr/>
+          <p:nvPr/>
+        </p:nvSpPr>
+        <p:spPr>
+          <a:xfrm>
+            <a:off x="8146146" y="4220964"/>
+            <a:ext cx="680939" cy="365125"/>
+          </a:xfrm>
+          <a:prstGeom prst="roundRect">
+            <a:avLst/>
+          </a:prstGeom>
+        </p:spPr>
+        <p:style>
+          <a:lnRef idx="2">
+            <a:schemeClr val="accent1">
+              <a:shade val="50000"/>
+            </a:schemeClr>
+          </a:lnRef>
+          <a:fillRef idx="1">
+            <a:schemeClr val="accent1"/>
+          </a:fillRef>
+          <a:effectRef idx="0">
+            <a:schemeClr val="accent1"/>
+          </a:effectRef>
+          <a:fontRef idx="minor">
+            <a:schemeClr val="lt1"/>
+          </a:fontRef>
+        </p:style>
+        <p:txBody>
+          <a:bodyPr rtlCol="0" anchor="ctr"/>
+          <a:lstStyle/>
+          <a:p>
+            <a:pPr algn="ctr"/>
+            <a:r>
+              <a:rPr lang="en-US" sz="2000" b="1" dirty="0"/>
+              <a:t>No</a:t>
+            </a:r>
+          </a:p>
+        </p:txBody>
+      </p:sp>
+      <p:sp>
+        <p:nvSpPr>
+          <p:cNvPr id="15" name="Rectangle: Rounded Corners 14">
+            <a:extLst>
+              <a:ext uri="{FF2B5EF4-FFF2-40B4-BE49-F238E27FC236}">
+                <a16:creationId xmlns:a16="http://schemas.microsoft.com/office/drawing/2014/main" id="{18F84FC3-B581-4585-97C0-25F15E60E136}"/>
+              </a:ext>
+            </a:extLst>
+          </p:cNvPr>
+          <p:cNvSpPr/>
+          <p:nvPr/>
+        </p:nvSpPr>
+        <p:spPr>
+          <a:xfrm>
+            <a:off x="9828988" y="5319754"/>
+            <a:ext cx="1874364" cy="732108"/>
+          </a:xfrm>
+          <a:prstGeom prst="roundRect">
+            <a:avLst/>
+          </a:prstGeom>
+          <a:solidFill>
+            <a:srgbClr val="6D3B89"/>
+          </a:solidFill>
+        </p:spPr>
+        <p:style>
+          <a:lnRef idx="2">
+            <a:schemeClr val="accent1">
+              <a:shade val="50000"/>
+            </a:schemeClr>
+          </a:lnRef>
+          <a:fillRef idx="1">
+            <a:schemeClr val="accent1"/>
+          </a:fillRef>
+          <a:effectRef idx="0">
+            <a:schemeClr val="accent1"/>
+          </a:effectRef>
+          <a:fontRef idx="minor">
+            <a:schemeClr val="lt1"/>
+          </a:fontRef>
+        </p:style>
+        <p:txBody>
+          <a:bodyPr rtlCol="0" anchor="ctr"/>
+          <a:lstStyle/>
+          <a:p>
+            <a:pPr algn="ctr"/>
+            <a:r>
+              <a:rPr lang="en-US" sz="2000" b="1" dirty="0"/>
+              <a:t>Pay attention to versions</a:t>
+            </a:r>
+          </a:p>
+        </p:txBody>
+      </p:sp>
+      <p:cxnSp>
+        <p:nvCxnSpPr>
+          <p:cNvPr id="16" name="Straight Arrow Connector 15">
+            <a:extLst>
+              <a:ext uri="{FF2B5EF4-FFF2-40B4-BE49-F238E27FC236}">
+                <a16:creationId xmlns:a16="http://schemas.microsoft.com/office/drawing/2014/main" id="{3290612A-E234-4FE6-81A2-CC6417874178}"/>
+              </a:ext>
+            </a:extLst>
+          </p:cNvPr>
+          <p:cNvCxnSpPr>
+            <a:cxnSpLocks/>
+            <a:endCxn id="15" idx="0"/>
+          </p:cNvCxnSpPr>
+          <p:nvPr/>
+        </p:nvCxnSpPr>
+        <p:spPr>
+          <a:xfrm>
+            <a:off x="10321689" y="3590982"/>
+            <a:ext cx="444481" cy="1728772"/>
+          </a:xfrm>
+          <a:prstGeom prst="straightConnector1">
+            <a:avLst/>
+          </a:prstGeom>
+          <a:ln w="76200">
+            <a:solidFill>
+              <a:schemeClr val="tx1"/>
+            </a:solidFill>
+            <a:tailEnd type="triangle"/>
+          </a:ln>
+        </p:spPr>
+        <p:style>
+          <a:lnRef idx="1">
+            <a:schemeClr val="accent1"/>
+          </a:lnRef>
+          <a:fillRef idx="0">
+            <a:schemeClr val="accent1"/>
+          </a:fillRef>
+          <a:effectRef idx="0">
+            <a:schemeClr val="accent1"/>
+          </a:effectRef>
+          <a:fontRef idx="minor">
+            <a:schemeClr val="tx1"/>
+          </a:fontRef>
+        </p:style>
+      </p:cxnSp>
+      <p:sp>
+        <p:nvSpPr>
+          <p:cNvPr id="17" name="Rectangle: Rounded Corners 16">
+            <a:extLst>
+              <a:ext uri="{FF2B5EF4-FFF2-40B4-BE49-F238E27FC236}">
+                <a16:creationId xmlns:a16="http://schemas.microsoft.com/office/drawing/2014/main" id="{33F08010-38D5-480B-8B61-91A203E9609F}"/>
+              </a:ext>
+            </a:extLst>
+          </p:cNvPr>
+          <p:cNvSpPr/>
+          <p:nvPr/>
+        </p:nvSpPr>
+        <p:spPr>
+          <a:xfrm>
+            <a:off x="10203459" y="4182874"/>
+            <a:ext cx="680939" cy="365125"/>
+          </a:xfrm>
+          <a:prstGeom prst="roundRect">
+            <a:avLst/>
+          </a:prstGeom>
+        </p:spPr>
+        <p:style>
+          <a:lnRef idx="2">
+            <a:schemeClr val="accent1">
+              <a:shade val="50000"/>
+            </a:schemeClr>
+          </a:lnRef>
+          <a:fillRef idx="1">
+            <a:schemeClr val="accent1"/>
+          </a:fillRef>
+          <a:effectRef idx="0">
+            <a:schemeClr val="accent1"/>
+          </a:effectRef>
+          <a:fontRef idx="minor">
+            <a:schemeClr val="lt1"/>
+          </a:fontRef>
+        </p:style>
+        <p:txBody>
+          <a:bodyPr rtlCol="0" anchor="ctr"/>
+          <a:lstStyle/>
+          <a:p>
+            <a:pPr algn="ctr"/>
+            <a:r>
+              <a:rPr lang="en-US" sz="2000" b="1" dirty="0"/>
+              <a:t>Yes</a:t>
+            </a:r>
+          </a:p>
+        </p:txBody>
+      </p:sp>
+      <p:cxnSp>
+        <p:nvCxnSpPr>
+          <p:cNvPr id="24" name="Straight Arrow Connector 23">
+            <a:extLst>
+              <a:ext uri="{FF2B5EF4-FFF2-40B4-BE49-F238E27FC236}">
+                <a16:creationId xmlns:a16="http://schemas.microsoft.com/office/drawing/2014/main" id="{85020E48-EBE3-493D-8292-15F8DB7A0611}"/>
+              </a:ext>
+            </a:extLst>
+          </p:cNvPr>
+          <p:cNvCxnSpPr>
+            <a:cxnSpLocks/>
+          </p:cNvCxnSpPr>
+          <p:nvPr/>
+        </p:nvCxnSpPr>
+        <p:spPr>
+          <a:xfrm>
+            <a:off x="9681326" y="2297868"/>
+            <a:ext cx="0" cy="568440"/>
+          </a:xfrm>
+          <a:prstGeom prst="straightConnector1">
+            <a:avLst/>
+          </a:prstGeom>
+          <a:ln w="76200">
+            <a:solidFill>
+              <a:schemeClr val="tx1"/>
+            </a:solidFill>
+            <a:tailEnd type="triangle"/>
+          </a:ln>
+        </p:spPr>
+        <p:style>
+          <a:lnRef idx="1">
+            <a:schemeClr val="accent1"/>
+          </a:lnRef>
+          <a:fillRef idx="0">
+            <a:schemeClr val="accent1"/>
+          </a:fillRef>
+          <a:effectRef idx="0">
+            <a:schemeClr val="accent1"/>
+          </a:effectRef>
+          <a:fontRef idx="minor">
+            <a:schemeClr val="tx1"/>
+          </a:fontRef>
+        </p:style>
+      </p:cxnSp>
+      <p:sp>
+        <p:nvSpPr>
+          <p:cNvPr id="8" name="Rectangle: Rounded Corners 7">
+            <a:extLst>
+              <a:ext uri="{FF2B5EF4-FFF2-40B4-BE49-F238E27FC236}">
+                <a16:creationId xmlns:a16="http://schemas.microsoft.com/office/drawing/2014/main" id="{16DAB3B5-437D-47C4-9B4B-1E3C64CEA1A7}"/>
+              </a:ext>
+            </a:extLst>
+          </p:cNvPr>
+          <p:cNvSpPr/>
+          <p:nvPr/>
+        </p:nvSpPr>
+        <p:spPr>
+          <a:xfrm>
+            <a:off x="8026938" y="2907222"/>
+            <a:ext cx="3297678" cy="683760"/>
+          </a:xfrm>
+          <a:prstGeom prst="roundRect">
+            <a:avLst/>
+          </a:prstGeom>
+          <a:solidFill>
+            <a:srgbClr val="B5517D"/>
+          </a:solidFill>
+        </p:spPr>
+        <p:style>
+          <a:lnRef idx="2">
+            <a:schemeClr val="accent1">
+              <a:shade val="50000"/>
+            </a:schemeClr>
+          </a:lnRef>
+          <a:fillRef idx="1">
+            <a:schemeClr val="accent1"/>
+          </a:fillRef>
+          <a:effectRef idx="0">
+            <a:schemeClr val="accent1"/>
+          </a:effectRef>
+          <a:fontRef idx="minor">
+            <a:schemeClr val="lt1"/>
+          </a:fontRef>
+        </p:style>
+        <p:txBody>
+          <a:bodyPr rtlCol="0" anchor="ctr"/>
+          <a:lstStyle/>
+          <a:p>
+            <a:pPr algn="ctr"/>
+            <a:r>
+              <a:rPr lang="en-US" sz="2000" b="1" dirty="0"/>
+              <a:t>Do you perform biometrician-level analyses?</a:t>
+            </a:r>
+          </a:p>
+        </p:txBody>
+      </p:sp>
+    </p:spTree>
+    <p:extLst>
+      <p:ext uri="{BB962C8B-B14F-4D97-AF65-F5344CB8AC3E}">
+        <p14:creationId xmlns:p14="http://schemas.microsoft.com/office/powerpoint/2010/main" val="2206302639"/>
+      </p:ext>
+    </p:extLst>
+  </p:cSld>
+  <p:clrMapOvr>
+    <a:masterClrMapping/>
+  </p:clrMapOvr>
+</p:sld>
+</file>
+
+<file path=ppt/slides/slide11.xml><?xml version="1.0" encoding="utf-8"?>
+<p:sld xmlns:a="http://schemas.openxmlformats.org/drawingml/2006/main" xmlns:r="http://schemas.openxmlformats.org/officeDocument/2006/relationships" xmlns:p="http://schemas.openxmlformats.org/presentationml/2006/main">
+  <p:cSld>
+    <p:spTree>
+      <p:nvGrpSpPr>
+        <p:cNvPr id="1" name=""/>
+        <p:cNvGrpSpPr/>
+        <p:nvPr/>
+      </p:nvGrpSpPr>
+      <p:grpSpPr>
+        <a:xfrm>
+          <a:off x="0" y="0"/>
+          <a:ext cx="0" cy="0"/>
+          <a:chOff x="0" y="0"/>
+          <a:chExt cx="0" cy="0"/>
+        </a:xfrm>
+      </p:grpSpPr>
+      <p:sp>
+        <p:nvSpPr>
+          <p:cNvPr id="2" name="Title 1">
+            <a:extLst>
+              <a:ext uri="{FF2B5EF4-FFF2-40B4-BE49-F238E27FC236}">
                 <a16:creationId xmlns:a16="http://schemas.microsoft.com/office/drawing/2014/main" id="{2DF9ACCF-96E6-41F8-B607-79BD9E31D127}"/>
               </a:ext>
             </a:extLst>
@@ -5393,7 +6047,7 @@
           <a:p>
             <a:fld id="{6D95AE55-B5F4-483D-AEFF-E8059F5502F5}" type="slidenum">
               <a:rPr lang="en-US" smtClean="0"/>
-              <a:t>10</a:t>
+              <a:t>11</a:t>
             </a:fld>
             <a:endParaRPr lang="en-US"/>
           </a:p>
@@ -5412,7 +6066,7 @@
 </p:sld>
 </file>
 
-<file path=ppt/slides/slide11.xml><?xml version="1.0" encoding="utf-8"?>
+<file path=ppt/slides/slide12.xml><?xml version="1.0" encoding="utf-8"?>
 <p:sld xmlns:a="http://schemas.openxmlformats.org/drawingml/2006/main" xmlns:r="http://schemas.openxmlformats.org/officeDocument/2006/relationships" xmlns:p="http://schemas.openxmlformats.org/presentationml/2006/main">
   <p:cSld>
     <p:spTree>
@@ -5848,7 +6502,7 @@
           <a:p>
             <a:fld id="{6D95AE55-B5F4-483D-AEFF-E8059F5502F5}" type="slidenum">
               <a:rPr lang="en-US" smtClean="0"/>
-              <a:t>11</a:t>
+              <a:t>12</a:t>
             </a:fld>
             <a:endParaRPr lang="en-US"/>
           </a:p>
@@ -6023,218 +6677,6 @@
 </p:sld>
 </file>
 
-<file path=ppt/slides/slide12.xml><?xml version="1.0" encoding="utf-8"?>
-<p:sld xmlns:a="http://schemas.openxmlformats.org/drawingml/2006/main" xmlns:r="http://schemas.openxmlformats.org/officeDocument/2006/relationships" xmlns:p="http://schemas.openxmlformats.org/presentationml/2006/main">
-  <p:cSld>
-    <p:spTree>
-      <p:nvGrpSpPr>
-        <p:cNvPr id="1" name=""/>
-        <p:cNvGrpSpPr/>
-        <p:nvPr/>
-      </p:nvGrpSpPr>
-      <p:grpSpPr>
-        <a:xfrm>
-          <a:off x="0" y="0"/>
-          <a:ext cx="0" cy="0"/>
-          <a:chOff x="0" y="0"/>
-          <a:chExt cx="0" cy="0"/>
-        </a:xfrm>
-      </p:grpSpPr>
-      <p:sp>
-        <p:nvSpPr>
-          <p:cNvPr id="2" name="Title 1">
-            <a:extLst>
-              <a:ext uri="{FF2B5EF4-FFF2-40B4-BE49-F238E27FC236}">
-                <a16:creationId xmlns:a16="http://schemas.microsoft.com/office/drawing/2014/main" id="{995DB329-B982-43C6-8BE4-522B21D7902A}"/>
-              </a:ext>
-            </a:extLst>
-          </p:cNvPr>
-          <p:cNvSpPr>
-            <a:spLocks noGrp="1"/>
-          </p:cNvSpPr>
-          <p:nvPr>
-            <p:ph type="title"/>
-          </p:nvPr>
-        </p:nvSpPr>
-        <p:spPr/>
-        <p:txBody>
-          <a:bodyPr/>
-          <a:lstStyle/>
-          <a:p>
-            <a:r>
-              <a:rPr lang="en-US" dirty="0"/>
-              <a:t>Jargon</a:t>
-            </a:r>
-          </a:p>
-        </p:txBody>
-      </p:sp>
-      <p:sp>
-        <p:nvSpPr>
-          <p:cNvPr id="3" name="Content Placeholder 2">
-            <a:extLst>
-              <a:ext uri="{FF2B5EF4-FFF2-40B4-BE49-F238E27FC236}">
-                <a16:creationId xmlns:a16="http://schemas.microsoft.com/office/drawing/2014/main" id="{8337819F-B243-4B43-836F-81B6B5CCED77}"/>
-              </a:ext>
-            </a:extLst>
-          </p:cNvPr>
-          <p:cNvSpPr>
-            <a:spLocks noGrp="1"/>
-          </p:cNvSpPr>
-          <p:nvPr>
-            <p:ph idx="1"/>
-          </p:nvPr>
-        </p:nvSpPr>
-        <p:spPr>
-          <a:xfrm>
-            <a:off x="419100" y="1825625"/>
-            <a:ext cx="11353800" cy="4351338"/>
-          </a:xfrm>
-        </p:spPr>
-        <p:txBody>
-          <a:bodyPr>
-            <a:normAutofit/>
-          </a:bodyPr>
-          <a:lstStyle/>
-          <a:p>
-            <a:pPr marL="1828800" indent="-1828800">
-              <a:spcBef>
-                <a:spcPts val="1800"/>
-              </a:spcBef>
-              <a:buNone/>
-            </a:pPr>
-            <a:r>
-              <a:rPr lang="en-US" b="1" i="1" dirty="0"/>
-              <a:t>Function</a:t>
-            </a:r>
-            <a:r>
-              <a:rPr lang="en-US" dirty="0"/>
-              <a:t>       A set of commands that evaluates your data in a specific way. You can write your own functions, or they can be provided via other packages or from “Base R“.</a:t>
-            </a:r>
-          </a:p>
-          <a:p>
-            <a:pPr marL="1828800" indent="-1828800">
-              <a:spcBef>
-                <a:spcPts val="1800"/>
-              </a:spcBef>
-              <a:buNone/>
-            </a:pPr>
-            <a:r>
-              <a:rPr lang="en-US" b="1" i="1" dirty="0"/>
-              <a:t>Argument</a:t>
-            </a:r>
-            <a:r>
-              <a:rPr lang="en-US" dirty="0"/>
-              <a:t>    In a function, this is a possible input.				                    </a:t>
-            </a:r>
-            <a:r>
-              <a:rPr lang="en-US" sz="2400" dirty="0"/>
-              <a:t>For example:  </a:t>
-            </a:r>
-            <a:r>
-              <a:rPr lang="en-US" sz="2000" dirty="0">
-                <a:latin typeface="Consolas" panose="020B0609020204030204" pitchFamily="49" charset="0"/>
-              </a:rPr>
-              <a:t>mean(data, </a:t>
-            </a:r>
-            <a:r>
-              <a:rPr lang="en-US" sz="2000" b="1" dirty="0">
-                <a:solidFill>
-                  <a:srgbClr val="FF0000"/>
-                </a:solidFill>
-                <a:latin typeface="Consolas" panose="020B0609020204030204" pitchFamily="49" charset="0"/>
-              </a:rPr>
-              <a:t>na.rm = TRUE</a:t>
-            </a:r>
-            <a:r>
-              <a:rPr lang="en-US" sz="2000" dirty="0">
-                <a:latin typeface="Consolas" panose="020B0609020204030204" pitchFamily="49" charset="0"/>
-              </a:rPr>
-              <a:t>)</a:t>
-            </a:r>
-            <a:r>
-              <a:rPr lang="en-US" sz="2400" dirty="0"/>
-              <a:t> uses an argument to remove NAs</a:t>
-            </a:r>
-          </a:p>
-          <a:p>
-            <a:pPr marL="1828800" indent="-1828800">
-              <a:spcBef>
-                <a:spcPts val="1800"/>
-              </a:spcBef>
-              <a:buNone/>
-            </a:pPr>
-            <a:r>
-              <a:rPr lang="en-US" b="1" i="1" dirty="0"/>
-              <a:t>Package</a:t>
-            </a:r>
-            <a:r>
-              <a:rPr lang="en-US" dirty="0"/>
-              <a:t>       A group of new commands / functions  to extend the functionality of Base R.</a:t>
-            </a:r>
-          </a:p>
-          <a:p>
-            <a:pPr marL="1828800" indent="-1828800">
-              <a:spcBef>
-                <a:spcPts val="1800"/>
-              </a:spcBef>
-              <a:buNone/>
-            </a:pPr>
-            <a:r>
-              <a:rPr lang="en-US" b="1" i="1" dirty="0"/>
-              <a:t>Variable</a:t>
-            </a:r>
-            <a:r>
-              <a:rPr lang="en-US" dirty="0"/>
-              <a:t>       Something saved in R’s memory for use later. </a:t>
-            </a:r>
-          </a:p>
-          <a:p>
-            <a:endParaRPr lang="en-US" dirty="0"/>
-          </a:p>
-        </p:txBody>
-      </p:sp>
-      <p:sp>
-        <p:nvSpPr>
-          <p:cNvPr id="4" name="Slide Number Placeholder 3">
-            <a:extLst>
-              <a:ext uri="{FF2B5EF4-FFF2-40B4-BE49-F238E27FC236}">
-                <a16:creationId xmlns:a16="http://schemas.microsoft.com/office/drawing/2014/main" id="{E1E509DD-AFCF-4BAB-8214-28D53C3776A7}"/>
-              </a:ext>
-            </a:extLst>
-          </p:cNvPr>
-          <p:cNvSpPr>
-            <a:spLocks noGrp="1"/>
-          </p:cNvSpPr>
-          <p:nvPr>
-            <p:ph type="sldNum" sz="quarter" idx="12"/>
-          </p:nvPr>
-        </p:nvSpPr>
-        <p:spPr/>
-        <p:txBody>
-          <a:bodyPr/>
-          <a:lstStyle/>
-          <a:p>
-            <a:fld id="{6D95AE55-B5F4-483D-AEFF-E8059F5502F5}" type="slidenum">
-              <a:rPr lang="en-US" smtClean="0"/>
-              <a:t>12</a:t>
-            </a:fld>
-            <a:endParaRPr lang="en-US"/>
-          </a:p>
-        </p:txBody>
-      </p:sp>
-    </p:spTree>
-    <p:extLst>
-      <p:ext uri="{BB962C8B-B14F-4D97-AF65-F5344CB8AC3E}">
-        <p14:creationId xmlns:p14="http://schemas.microsoft.com/office/powerpoint/2010/main" val="207110796"/>
-      </p:ext>
-    </p:extLst>
-  </p:cSld>
-  <p:clrMapOvr>
-    <a:masterClrMapping/>
-  </p:clrMapOvr>
-</p:sld>
-</file>
-
 <file path=ppt/slides/slide13.xml><?xml version="1.0" encoding="utf-8"?>
 <p:sld xmlns:a="http://schemas.openxmlformats.org/drawingml/2006/main" xmlns:r="http://schemas.openxmlformats.org/officeDocument/2006/relationships" xmlns:p="http://schemas.openxmlformats.org/presentationml/2006/main">
   <p:cSld>
@@ -6257,7 +6699,7 @@
           <p:cNvPr id="2" name="Title 1">
             <a:extLst>
               <a:ext uri="{FF2B5EF4-FFF2-40B4-BE49-F238E27FC236}">
-                <a16:creationId xmlns:a16="http://schemas.microsoft.com/office/drawing/2014/main" id="{3F190CCF-CAFA-40FE-9C89-FCF51AB47631}"/>
+                <a16:creationId xmlns:a16="http://schemas.microsoft.com/office/drawing/2014/main" id="{995DB329-B982-43C6-8BE4-522B21D7902A}"/>
               </a:ext>
             </a:extLst>
           </p:cNvPr>
@@ -6275,7 +6717,7 @@
           <a:p>
             <a:r>
               <a:rPr lang="en-US" dirty="0"/>
-              <a:t>Jargon cont.</a:t>
+              <a:t>Jargon</a:t>
             </a:r>
           </a:p>
         </p:txBody>
@@ -6285,7 +6727,7 @@
           <p:cNvPr id="3" name="Content Placeholder 2">
             <a:extLst>
               <a:ext uri="{FF2B5EF4-FFF2-40B4-BE49-F238E27FC236}">
-                <a16:creationId xmlns:a16="http://schemas.microsoft.com/office/drawing/2014/main" id="{026CA2B0-D4BF-4E76-9213-ABB75DF4A35F}"/>
+                <a16:creationId xmlns:a16="http://schemas.microsoft.com/office/drawing/2014/main" id="{8337819F-B243-4B43-836F-81B6B5CCED77}"/>
               </a:ext>
             </a:extLst>
           </p:cNvPr>
@@ -6298,8 +6740,8 @@
         </p:nvSpPr>
         <p:spPr>
           <a:xfrm>
-            <a:off x="558800" y="1825624"/>
-            <a:ext cx="11290300" cy="4895851"/>
+            <a:off x="419100" y="1825625"/>
+            <a:ext cx="11353800" cy="4351338"/>
           </a:xfrm>
         </p:spPr>
         <p:txBody>
@@ -6308,7 +6750,7 @@
           </a:bodyPr>
           <a:lstStyle/>
           <a:p>
-            <a:pPr marL="1778000" indent="-1778000" defTabSz="800100">
+            <a:pPr marL="1828800" indent="-1828800">
               <a:spcBef>
                 <a:spcPts val="1800"/>
               </a:spcBef>
@@ -6316,15 +6758,15 @@
             </a:pPr>
             <a:r>
               <a:rPr lang="en-US" b="1" i="1" dirty="0"/>
-              <a:t>Dataframe </a:t>
+              <a:t>Function</a:t>
             </a:r>
             <a:r>
               <a:rPr lang="en-US" dirty="0"/>
-              <a:t>  A group of rows and columns (like a spreadsheet). Each column has a specific type (TRUE/FALSE, integer, number, character, factor, etc.). </a:t>
-            </a:r>
-          </a:p>
-          <a:p>
-            <a:pPr marL="1778000" indent="-1778000">
+              <a:t>       A set of commands that evaluates your data in a specific way. You can write your own functions, or they can be provided via other packages or from “Base R“.</a:t>
+            </a:r>
+          </a:p>
+          <a:p>
+            <a:pPr marL="1828800" indent="-1828800">
               <a:spcBef>
                 <a:spcPts val="1800"/>
               </a:spcBef>
@@ -6332,62 +6774,76 @@
             </a:pPr>
             <a:r>
               <a:rPr lang="en-US" b="1" i="1" dirty="0"/>
-              <a:t>Factor </a:t>
+              <a:t>Argument</a:t>
             </a:r>
             <a:r>
               <a:rPr lang="en-US" dirty="0"/>
-              <a:t>          A type of variable that is a categorical grouping (“red” vs “blue”; “Treatment1” vs “Treatment2” vs “Treatment3”). </a:t>
-            </a:r>
-          </a:p>
-          <a:p>
-            <a:pPr marL="1778000" indent="-1778000">
+              <a:t>    In a function, this is a possible input.				                    </a:t>
+            </a:r>
+            <a:r>
+              <a:rPr lang="en-US" sz="2400" dirty="0"/>
+              <a:t>For example:  </a:t>
+            </a:r>
+            <a:r>
+              <a:rPr lang="en-US" sz="2000" dirty="0">
+                <a:latin typeface="Consolas" panose="020B0609020204030204" pitchFamily="49" charset="0"/>
+              </a:rPr>
+              <a:t>mean(data, </a:t>
+            </a:r>
+            <a:r>
+              <a:rPr lang="en-US" sz="2000" b="1" dirty="0">
+                <a:solidFill>
+                  <a:srgbClr val="FF0000"/>
+                </a:solidFill>
+                <a:latin typeface="Consolas" panose="020B0609020204030204" pitchFamily="49" charset="0"/>
+              </a:rPr>
+              <a:t>na.rm = TRUE</a:t>
+            </a:r>
+            <a:r>
+              <a:rPr lang="en-US" sz="2000" dirty="0">
+                <a:latin typeface="Consolas" panose="020B0609020204030204" pitchFamily="49" charset="0"/>
+              </a:rPr>
+              <a:t>)</a:t>
+            </a:r>
+            <a:r>
+              <a:rPr lang="en-US" sz="2400" dirty="0"/>
+              <a:t> uses an argument to remove NAs</a:t>
+            </a:r>
+          </a:p>
+          <a:p>
+            <a:pPr marL="1828800" indent="-1828800">
               <a:spcBef>
                 <a:spcPts val="1800"/>
               </a:spcBef>
               <a:buNone/>
             </a:pPr>
             <a:r>
-              <a:rPr lang="en-US" b="1" dirty="0"/>
-              <a:t>&lt;-</a:t>
+              <a:rPr lang="en-US" b="1" i="1" dirty="0"/>
+              <a:t>Package</a:t>
             </a:r>
             <a:r>
               <a:rPr lang="en-US" dirty="0"/>
-              <a:t>                    The “leftward arrow” assigns the information on the right to the variable on the left. For example:   </a:t>
-            </a:r>
-            <a:r>
-              <a:rPr lang="en-US" sz="2200" dirty="0">
-                <a:latin typeface="Consolas" panose="020B0609020204030204" pitchFamily="49" charset="0"/>
-              </a:rPr>
-              <a:t>x1 &lt;- 42</a:t>
-            </a:r>
-            <a:endParaRPr lang="en-US" dirty="0">
-              <a:latin typeface="Consolas" panose="020B0609020204030204" pitchFamily="49" charset="0"/>
-            </a:endParaRPr>
-          </a:p>
-          <a:p>
-            <a:pPr marL="1778000" indent="-1778000">
+              <a:t>       A group of new commands / functions  to extend the functionality of Base R.</a:t>
+            </a:r>
+          </a:p>
+          <a:p>
+            <a:pPr marL="1828800" indent="-1828800">
               <a:spcBef>
                 <a:spcPts val="1800"/>
               </a:spcBef>
               <a:buNone/>
             </a:pPr>
             <a:r>
-              <a:rPr lang="en-US" b="1" dirty="0"/>
-              <a:t>c()</a:t>
+              <a:rPr lang="en-US" b="1" i="1" dirty="0"/>
+              <a:t>Variable</a:t>
             </a:r>
             <a:r>
               <a:rPr lang="en-US" dirty="0"/>
-              <a:t>                   Lowercase c means concatenate which groups a bunch of things together. For example:   </a:t>
-            </a:r>
-            <a:r>
-              <a:rPr lang="en-US" sz="2200" dirty="0">
-                <a:latin typeface="Consolas" panose="020B0609020204030204" pitchFamily="49" charset="0"/>
-              </a:rPr>
-              <a:t>x1 &lt;- c(“duck”, “duck”, “duck”, “goose!”)</a:t>
-            </a:r>
-            <a:endParaRPr lang="en-US" dirty="0">
-              <a:latin typeface="Consolas" panose="020B0609020204030204" pitchFamily="49" charset="0"/>
-            </a:endParaRPr>
+              <a:t>       Something saved in R’s memory for use later. </a:t>
+            </a:r>
+          </a:p>
+          <a:p>
+            <a:endParaRPr lang="en-US" dirty="0"/>
           </a:p>
         </p:txBody>
       </p:sp>
@@ -6396,7 +6852,7 @@
           <p:cNvPr id="4" name="Slide Number Placeholder 3">
             <a:extLst>
               <a:ext uri="{FF2B5EF4-FFF2-40B4-BE49-F238E27FC236}">
-                <a16:creationId xmlns:a16="http://schemas.microsoft.com/office/drawing/2014/main" id="{24782D2D-FB1B-4DF1-8910-A8428578CF71}"/>
+                <a16:creationId xmlns:a16="http://schemas.microsoft.com/office/drawing/2014/main" id="{E1E509DD-AFCF-4BAB-8214-28D53C3776A7}"/>
               </a:ext>
             </a:extLst>
           </p:cNvPr>
@@ -6423,7 +6879,7 @@
     </p:spTree>
     <p:extLst>
       <p:ext uri="{BB962C8B-B14F-4D97-AF65-F5344CB8AC3E}">
-        <p14:creationId xmlns:p14="http://schemas.microsoft.com/office/powerpoint/2010/main" val="108486466"/>
+        <p14:creationId xmlns:p14="http://schemas.microsoft.com/office/powerpoint/2010/main" val="207110796"/>
       </p:ext>
     </p:extLst>
   </p:cSld>
@@ -6455,7 +6911,7 @@
           <p:cNvPr id="2" name="Title 1">
             <a:extLst>
               <a:ext uri="{FF2B5EF4-FFF2-40B4-BE49-F238E27FC236}">
-                <a16:creationId xmlns:a16="http://schemas.microsoft.com/office/drawing/2014/main" id="{2A253EEA-2FB8-47D2-98DD-D66E81F80E86}"/>
+                <a16:creationId xmlns:a16="http://schemas.microsoft.com/office/drawing/2014/main" id="{3F190CCF-CAFA-40FE-9C89-FCF51AB47631}"/>
               </a:ext>
             </a:extLst>
           </p:cNvPr>
@@ -6473,17 +6929,128 @@
           <a:p>
             <a:r>
               <a:rPr lang="en-US" dirty="0"/>
-              <a:t>Some special characters</a:t>
+              <a:t>Jargon cont.</a:t>
             </a:r>
           </a:p>
         </p:txBody>
       </p:sp>
       <p:sp>
         <p:nvSpPr>
+          <p:cNvPr id="3" name="Content Placeholder 2">
+            <a:extLst>
+              <a:ext uri="{FF2B5EF4-FFF2-40B4-BE49-F238E27FC236}">
+                <a16:creationId xmlns:a16="http://schemas.microsoft.com/office/drawing/2014/main" id="{026CA2B0-D4BF-4E76-9213-ABB75DF4A35F}"/>
+              </a:ext>
+            </a:extLst>
+          </p:cNvPr>
+          <p:cNvSpPr>
+            <a:spLocks noGrp="1"/>
+          </p:cNvSpPr>
+          <p:nvPr>
+            <p:ph idx="1"/>
+          </p:nvPr>
+        </p:nvSpPr>
+        <p:spPr>
+          <a:xfrm>
+            <a:off x="558800" y="1825624"/>
+            <a:ext cx="11290300" cy="4895851"/>
+          </a:xfrm>
+        </p:spPr>
+        <p:txBody>
+          <a:bodyPr>
+            <a:normAutofit/>
+          </a:bodyPr>
+          <a:lstStyle/>
+          <a:p>
+            <a:pPr marL="1778000" indent="-1778000" defTabSz="800100">
+              <a:spcBef>
+                <a:spcPts val="1800"/>
+              </a:spcBef>
+              <a:buNone/>
+            </a:pPr>
+            <a:r>
+              <a:rPr lang="en-US" b="1" i="1" dirty="0"/>
+              <a:t>Dataframe </a:t>
+            </a:r>
+            <a:r>
+              <a:rPr lang="en-US" dirty="0"/>
+              <a:t>  A group of rows and columns (like a spreadsheet). Each column has a specific type (TRUE/FALSE, integer, number, character, factor, etc.). </a:t>
+            </a:r>
+          </a:p>
+          <a:p>
+            <a:pPr marL="1778000" indent="-1778000">
+              <a:spcBef>
+                <a:spcPts val="1800"/>
+              </a:spcBef>
+              <a:buNone/>
+            </a:pPr>
+            <a:r>
+              <a:rPr lang="en-US" b="1" i="1" dirty="0"/>
+              <a:t>Factor </a:t>
+            </a:r>
+            <a:r>
+              <a:rPr lang="en-US" dirty="0"/>
+              <a:t>          A type of variable that is a categorical grouping (“red” vs “blue”; “Treatment1” vs “Treatment2” vs “Treatment3”). </a:t>
+            </a:r>
+          </a:p>
+          <a:p>
+            <a:pPr marL="1778000" indent="-1778000">
+              <a:spcBef>
+                <a:spcPts val="1800"/>
+              </a:spcBef>
+              <a:buNone/>
+            </a:pPr>
+            <a:r>
+              <a:rPr lang="en-US" b="1" dirty="0"/>
+              <a:t>&lt;-</a:t>
+            </a:r>
+            <a:r>
+              <a:rPr lang="en-US" dirty="0"/>
+              <a:t>                    The “leftward arrow” assigns the information on the right to the variable on the left. For example:   </a:t>
+            </a:r>
+            <a:r>
+              <a:rPr lang="en-US" sz="2200" dirty="0">
+                <a:latin typeface="Consolas" panose="020B0609020204030204" pitchFamily="49" charset="0"/>
+              </a:rPr>
+              <a:t>x1 &lt;- 42</a:t>
+            </a:r>
+            <a:endParaRPr lang="en-US" dirty="0">
+              <a:latin typeface="Consolas" panose="020B0609020204030204" pitchFamily="49" charset="0"/>
+            </a:endParaRPr>
+          </a:p>
+          <a:p>
+            <a:pPr marL="1778000" indent="-1778000">
+              <a:spcBef>
+                <a:spcPts val="1800"/>
+              </a:spcBef>
+              <a:buNone/>
+            </a:pPr>
+            <a:r>
+              <a:rPr lang="en-US" b="1" dirty="0"/>
+              <a:t>c()</a:t>
+            </a:r>
+            <a:r>
+              <a:rPr lang="en-US" dirty="0"/>
+              <a:t>                   Lowercase c means concatenate which groups a bunch of things together. For example:   </a:t>
+            </a:r>
+            <a:r>
+              <a:rPr lang="en-US" sz="2200" dirty="0">
+                <a:latin typeface="Consolas" panose="020B0609020204030204" pitchFamily="49" charset="0"/>
+              </a:rPr>
+              <a:t>x1 &lt;- c(“duck”, “duck”, “duck”, “goose!”)</a:t>
+            </a:r>
+            <a:endParaRPr lang="en-US" dirty="0">
+              <a:latin typeface="Consolas" panose="020B0609020204030204" pitchFamily="49" charset="0"/>
+            </a:endParaRPr>
+          </a:p>
+        </p:txBody>
+      </p:sp>
+      <p:sp>
+        <p:nvSpPr>
           <p:cNvPr id="4" name="Slide Number Placeholder 3">
             <a:extLst>
               <a:ext uri="{FF2B5EF4-FFF2-40B4-BE49-F238E27FC236}">
-                <a16:creationId xmlns:a16="http://schemas.microsoft.com/office/drawing/2014/main" id="{84D106F0-A900-400C-9E7C-627857C675AB}"/>
+                <a16:creationId xmlns:a16="http://schemas.microsoft.com/office/drawing/2014/main" id="{24782D2D-FB1B-4DF1-8910-A8428578CF71}"/>
               </a:ext>
             </a:extLst>
           </p:cNvPr>
@@ -6502,6 +7069,93 @@
             <a:fld id="{6D95AE55-B5F4-483D-AEFF-E8059F5502F5}" type="slidenum">
               <a:rPr lang="en-US" smtClean="0"/>
               <a:t>14</a:t>
+            </a:fld>
+            <a:endParaRPr lang="en-US"/>
+          </a:p>
+        </p:txBody>
+      </p:sp>
+    </p:spTree>
+    <p:extLst>
+      <p:ext uri="{BB962C8B-B14F-4D97-AF65-F5344CB8AC3E}">
+        <p14:creationId xmlns:p14="http://schemas.microsoft.com/office/powerpoint/2010/main" val="108486466"/>
+      </p:ext>
+    </p:extLst>
+  </p:cSld>
+  <p:clrMapOvr>
+    <a:masterClrMapping/>
+  </p:clrMapOvr>
+</p:sld>
+</file>
+
+<file path=ppt/slides/slide15.xml><?xml version="1.0" encoding="utf-8"?>
+<p:sld xmlns:a="http://schemas.openxmlformats.org/drawingml/2006/main" xmlns:r="http://schemas.openxmlformats.org/officeDocument/2006/relationships" xmlns:p="http://schemas.openxmlformats.org/presentationml/2006/main">
+  <p:cSld>
+    <p:spTree>
+      <p:nvGrpSpPr>
+        <p:cNvPr id="1" name=""/>
+        <p:cNvGrpSpPr/>
+        <p:nvPr/>
+      </p:nvGrpSpPr>
+      <p:grpSpPr>
+        <a:xfrm>
+          <a:off x="0" y="0"/>
+          <a:ext cx="0" cy="0"/>
+          <a:chOff x="0" y="0"/>
+          <a:chExt cx="0" cy="0"/>
+        </a:xfrm>
+      </p:grpSpPr>
+      <p:sp>
+        <p:nvSpPr>
+          <p:cNvPr id="2" name="Title 1">
+            <a:extLst>
+              <a:ext uri="{FF2B5EF4-FFF2-40B4-BE49-F238E27FC236}">
+                <a16:creationId xmlns:a16="http://schemas.microsoft.com/office/drawing/2014/main" id="{2A253EEA-2FB8-47D2-98DD-D66E81F80E86}"/>
+              </a:ext>
+            </a:extLst>
+          </p:cNvPr>
+          <p:cNvSpPr>
+            <a:spLocks noGrp="1"/>
+          </p:cNvSpPr>
+          <p:nvPr>
+            <p:ph type="title"/>
+          </p:nvPr>
+        </p:nvSpPr>
+        <p:spPr/>
+        <p:txBody>
+          <a:bodyPr/>
+          <a:lstStyle/>
+          <a:p>
+            <a:r>
+              <a:rPr lang="en-US" dirty="0"/>
+              <a:t>Some special characters</a:t>
+            </a:r>
+          </a:p>
+        </p:txBody>
+      </p:sp>
+      <p:sp>
+        <p:nvSpPr>
+          <p:cNvPr id="4" name="Slide Number Placeholder 3">
+            <a:extLst>
+              <a:ext uri="{FF2B5EF4-FFF2-40B4-BE49-F238E27FC236}">
+                <a16:creationId xmlns:a16="http://schemas.microsoft.com/office/drawing/2014/main" id="{84D106F0-A900-400C-9E7C-627857C675AB}"/>
+              </a:ext>
+            </a:extLst>
+          </p:cNvPr>
+          <p:cNvSpPr>
+            <a:spLocks noGrp="1"/>
+          </p:cNvSpPr>
+          <p:nvPr>
+            <p:ph type="sldNum" sz="quarter" idx="12"/>
+          </p:nvPr>
+        </p:nvSpPr>
+        <p:spPr/>
+        <p:txBody>
+          <a:bodyPr/>
+          <a:lstStyle/>
+          <a:p>
+            <a:fld id="{6D95AE55-B5F4-483D-AEFF-E8059F5502F5}" type="slidenum">
+              <a:rPr lang="en-US" smtClean="0"/>
+              <a:t>15</a:t>
             </a:fld>
             <a:endParaRPr lang="en-US"/>
           </a:p>
@@ -6827,203 +7481,6 @@
 </p:sld>
 </file>
 
-<file path=ppt/slides/slide15.xml><?xml version="1.0" encoding="utf-8"?>
-<p:sld xmlns:a="http://schemas.openxmlformats.org/drawingml/2006/main" xmlns:r="http://schemas.openxmlformats.org/officeDocument/2006/relationships" xmlns:p="http://schemas.openxmlformats.org/presentationml/2006/main">
-  <p:cSld>
-    <p:spTree>
-      <p:nvGrpSpPr>
-        <p:cNvPr id="1" name=""/>
-        <p:cNvGrpSpPr/>
-        <p:nvPr/>
-      </p:nvGrpSpPr>
-      <p:grpSpPr>
-        <a:xfrm>
-          <a:off x="0" y="0"/>
-          <a:ext cx="0" cy="0"/>
-          <a:chOff x="0" y="0"/>
-          <a:chExt cx="0" cy="0"/>
-        </a:xfrm>
-      </p:grpSpPr>
-      <p:sp>
-        <p:nvSpPr>
-          <p:cNvPr id="2" name="Title 1">
-            <a:extLst>
-              <a:ext uri="{FF2B5EF4-FFF2-40B4-BE49-F238E27FC236}">
-                <a16:creationId xmlns:a16="http://schemas.microsoft.com/office/drawing/2014/main" id="{BCAC0D75-9D57-41EC-828C-9BA7C612722B}"/>
-              </a:ext>
-            </a:extLst>
-          </p:cNvPr>
-          <p:cNvSpPr>
-            <a:spLocks noGrp="1"/>
-          </p:cNvSpPr>
-          <p:nvPr>
-            <p:ph type="title"/>
-          </p:nvPr>
-        </p:nvSpPr>
-        <p:spPr/>
-        <p:txBody>
-          <a:bodyPr>
-            <a:normAutofit/>
-          </a:bodyPr>
-          <a:lstStyle/>
-          <a:p>
-            <a:r>
-              <a:rPr lang="en-US" dirty="0"/>
-              <a:t>More special characters</a:t>
-            </a:r>
-          </a:p>
-        </p:txBody>
-      </p:sp>
-      <p:sp>
-        <p:nvSpPr>
-          <p:cNvPr id="3" name="Content Placeholder 2">
-            <a:extLst>
-              <a:ext uri="{FF2B5EF4-FFF2-40B4-BE49-F238E27FC236}">
-                <a16:creationId xmlns:a16="http://schemas.microsoft.com/office/drawing/2014/main" id="{1DA73832-D198-422E-99EA-075232EDFCD5}"/>
-              </a:ext>
-            </a:extLst>
-          </p:cNvPr>
-          <p:cNvSpPr>
-            <a:spLocks noGrp="1"/>
-          </p:cNvSpPr>
-          <p:nvPr>
-            <p:ph idx="1"/>
-          </p:nvPr>
-        </p:nvSpPr>
-        <p:spPr>
-          <a:xfrm>
-            <a:off x="609600" y="1600200"/>
-            <a:ext cx="10372725" cy="5121275"/>
-          </a:xfrm>
-        </p:spPr>
-        <p:txBody>
-          <a:bodyPr>
-            <a:normAutofit/>
-          </a:bodyPr>
-          <a:lstStyle/>
-          <a:p>
-            <a:pPr marL="1435100" indent="-1435100">
-              <a:spcBef>
-                <a:spcPts val="1800"/>
-              </a:spcBef>
-              <a:buNone/>
-            </a:pPr>
-            <a:r>
-              <a:rPr lang="en-US" b="1" dirty="0"/>
-              <a:t>$</a:t>
-            </a:r>
-            <a:r>
-              <a:rPr lang="en-US" dirty="0"/>
-              <a:t>               Selects a particular column of a </a:t>
-            </a:r>
-            <a:r>
-              <a:rPr lang="en-US" dirty="0" err="1"/>
-              <a:t>dataframe</a:t>
-            </a:r>
-            <a:r>
-              <a:rPr lang="en-US" dirty="0"/>
-              <a:t>, or something else with a name				                                          For example:  </a:t>
-            </a:r>
-            <a:r>
-              <a:rPr lang="en-US" sz="2400" dirty="0">
-                <a:latin typeface="Consolas" panose="020B0609020204030204" pitchFamily="49" charset="0"/>
-              </a:rPr>
-              <a:t>dataframename$column1</a:t>
-            </a:r>
-            <a:endParaRPr lang="en-US" dirty="0">
-              <a:latin typeface="Consolas" panose="020B0609020204030204" pitchFamily="49" charset="0"/>
-            </a:endParaRPr>
-          </a:p>
-          <a:p>
-            <a:pPr marL="1435100" indent="-1435100">
-              <a:spcBef>
-                <a:spcPts val="1800"/>
-              </a:spcBef>
-              <a:buNone/>
-            </a:pPr>
-            <a:r>
-              <a:rPr lang="en-US" b="1" dirty="0"/>
-              <a:t>#</a:t>
-            </a:r>
-            <a:r>
-              <a:rPr lang="en-US" dirty="0"/>
-              <a:t>               Makes a “comment” (not run code), telling R to not run anything on this line to the right </a:t>
-            </a:r>
-          </a:p>
-          <a:p>
-            <a:pPr marL="0" indent="0">
-              <a:buNone/>
-            </a:pPr>
-            <a:r>
-              <a:rPr lang="en-US" dirty="0"/>
-              <a:t>	      </a:t>
-            </a:r>
-            <a:r>
-              <a:rPr lang="en-US" sz="1600" dirty="0">
-                <a:latin typeface="Consolas" panose="020B0609020204030204" pitchFamily="49" charset="0"/>
-              </a:rPr>
-              <a:t>&gt; print(“Hello!”) #This line only evaluates the Hello! part ignoring this</a:t>
-            </a:r>
-          </a:p>
-          <a:p>
-            <a:pPr marL="0" indent="0">
-              <a:buNone/>
-            </a:pPr>
-            <a:endParaRPr lang="en-US" dirty="0"/>
-          </a:p>
-          <a:p>
-            <a:pPr marL="0" indent="0">
-              <a:buNone/>
-            </a:pPr>
-            <a:r>
-              <a:rPr lang="en-US" dirty="0"/>
-              <a:t>Also: Lines must end with a comma, bracket, or similar. If you want your code to continue to the next line, you will need a comma at the end of a line</a:t>
-            </a:r>
-          </a:p>
-        </p:txBody>
-      </p:sp>
-      <p:sp>
-        <p:nvSpPr>
-          <p:cNvPr id="4" name="Slide Number Placeholder 3">
-            <a:extLst>
-              <a:ext uri="{FF2B5EF4-FFF2-40B4-BE49-F238E27FC236}">
-                <a16:creationId xmlns:a16="http://schemas.microsoft.com/office/drawing/2014/main" id="{00B1A3A0-EFE9-46C4-8627-FDE27A1F3F7B}"/>
-              </a:ext>
-            </a:extLst>
-          </p:cNvPr>
-          <p:cNvSpPr>
-            <a:spLocks noGrp="1"/>
-          </p:cNvSpPr>
-          <p:nvPr>
-            <p:ph type="sldNum" sz="quarter" idx="12"/>
-          </p:nvPr>
-        </p:nvSpPr>
-        <p:spPr/>
-        <p:txBody>
-          <a:bodyPr/>
-          <a:lstStyle/>
-          <a:p>
-            <a:fld id="{6D95AE55-B5F4-483D-AEFF-E8059F5502F5}" type="slidenum">
-              <a:rPr lang="en-US" smtClean="0"/>
-              <a:t>15</a:t>
-            </a:fld>
-            <a:endParaRPr lang="en-US"/>
-          </a:p>
-        </p:txBody>
-      </p:sp>
-    </p:spTree>
-    <p:extLst>
-      <p:ext uri="{BB962C8B-B14F-4D97-AF65-F5344CB8AC3E}">
-        <p14:creationId xmlns:p14="http://schemas.microsoft.com/office/powerpoint/2010/main" val="3161482239"/>
-      </p:ext>
-    </p:extLst>
-  </p:cSld>
-  <p:clrMapOvr>
-    <a:masterClrMapping/>
-  </p:clrMapOvr>
-</p:sld>
-</file>
-
 <file path=ppt/slides/slide16.xml><?xml version="1.0" encoding="utf-8"?>
 <p:sld xmlns:a="http://schemas.openxmlformats.org/drawingml/2006/main" xmlns:r="http://schemas.openxmlformats.org/officeDocument/2006/relationships" xmlns:p="http://schemas.openxmlformats.org/presentationml/2006/main">
   <p:cSld>
@@ -7046,6 +7503,203 @@
           <p:cNvPr id="2" name="Title 1">
             <a:extLst>
               <a:ext uri="{FF2B5EF4-FFF2-40B4-BE49-F238E27FC236}">
+                <a16:creationId xmlns:a16="http://schemas.microsoft.com/office/drawing/2014/main" id="{BCAC0D75-9D57-41EC-828C-9BA7C612722B}"/>
+              </a:ext>
+            </a:extLst>
+          </p:cNvPr>
+          <p:cNvSpPr>
+            <a:spLocks noGrp="1"/>
+          </p:cNvSpPr>
+          <p:nvPr>
+            <p:ph type="title"/>
+          </p:nvPr>
+        </p:nvSpPr>
+        <p:spPr/>
+        <p:txBody>
+          <a:bodyPr>
+            <a:normAutofit/>
+          </a:bodyPr>
+          <a:lstStyle/>
+          <a:p>
+            <a:r>
+              <a:rPr lang="en-US" dirty="0"/>
+              <a:t>More special characters</a:t>
+            </a:r>
+          </a:p>
+        </p:txBody>
+      </p:sp>
+      <p:sp>
+        <p:nvSpPr>
+          <p:cNvPr id="3" name="Content Placeholder 2">
+            <a:extLst>
+              <a:ext uri="{FF2B5EF4-FFF2-40B4-BE49-F238E27FC236}">
+                <a16:creationId xmlns:a16="http://schemas.microsoft.com/office/drawing/2014/main" id="{1DA73832-D198-422E-99EA-075232EDFCD5}"/>
+              </a:ext>
+            </a:extLst>
+          </p:cNvPr>
+          <p:cNvSpPr>
+            <a:spLocks noGrp="1"/>
+          </p:cNvSpPr>
+          <p:nvPr>
+            <p:ph idx="1"/>
+          </p:nvPr>
+        </p:nvSpPr>
+        <p:spPr>
+          <a:xfrm>
+            <a:off x="609600" y="1600200"/>
+            <a:ext cx="10372725" cy="5121275"/>
+          </a:xfrm>
+        </p:spPr>
+        <p:txBody>
+          <a:bodyPr>
+            <a:normAutofit/>
+          </a:bodyPr>
+          <a:lstStyle/>
+          <a:p>
+            <a:pPr marL="1435100" indent="-1435100">
+              <a:spcBef>
+                <a:spcPts val="1800"/>
+              </a:spcBef>
+              <a:buNone/>
+            </a:pPr>
+            <a:r>
+              <a:rPr lang="en-US" b="1" dirty="0"/>
+              <a:t>$</a:t>
+            </a:r>
+            <a:r>
+              <a:rPr lang="en-US" dirty="0"/>
+              <a:t>               Selects a particular column of a </a:t>
+            </a:r>
+            <a:r>
+              <a:rPr lang="en-US" dirty="0" err="1"/>
+              <a:t>dataframe</a:t>
+            </a:r>
+            <a:r>
+              <a:rPr lang="en-US" dirty="0"/>
+              <a:t>, or something else with a name				                                          For example:  </a:t>
+            </a:r>
+            <a:r>
+              <a:rPr lang="en-US" sz="2400" dirty="0">
+                <a:latin typeface="Consolas" panose="020B0609020204030204" pitchFamily="49" charset="0"/>
+              </a:rPr>
+              <a:t>dataframename$column1</a:t>
+            </a:r>
+            <a:endParaRPr lang="en-US" dirty="0">
+              <a:latin typeface="Consolas" panose="020B0609020204030204" pitchFamily="49" charset="0"/>
+            </a:endParaRPr>
+          </a:p>
+          <a:p>
+            <a:pPr marL="1435100" indent="-1435100">
+              <a:spcBef>
+                <a:spcPts val="1800"/>
+              </a:spcBef>
+              <a:buNone/>
+            </a:pPr>
+            <a:r>
+              <a:rPr lang="en-US" b="1" dirty="0"/>
+              <a:t>#</a:t>
+            </a:r>
+            <a:r>
+              <a:rPr lang="en-US" dirty="0"/>
+              <a:t>               Makes a “comment” (not run code), telling R to not run anything on this line to the right </a:t>
+            </a:r>
+          </a:p>
+          <a:p>
+            <a:pPr marL="0" indent="0">
+              <a:buNone/>
+            </a:pPr>
+            <a:r>
+              <a:rPr lang="en-US" dirty="0"/>
+              <a:t>	      </a:t>
+            </a:r>
+            <a:r>
+              <a:rPr lang="en-US" sz="1600" dirty="0">
+                <a:latin typeface="Consolas" panose="020B0609020204030204" pitchFamily="49" charset="0"/>
+              </a:rPr>
+              <a:t>&gt; print(“Hello!”) #This line only evaluates the Hello! part ignoring this</a:t>
+            </a:r>
+          </a:p>
+          <a:p>
+            <a:pPr marL="0" indent="0">
+              <a:buNone/>
+            </a:pPr>
+            <a:endParaRPr lang="en-US" dirty="0"/>
+          </a:p>
+          <a:p>
+            <a:pPr marL="0" indent="0">
+              <a:buNone/>
+            </a:pPr>
+            <a:r>
+              <a:rPr lang="en-US" dirty="0"/>
+              <a:t>Also: Lines must end with a comma, bracket, or similar. If you want your code to continue to the next line, you will need a comma at the end of a line</a:t>
+            </a:r>
+          </a:p>
+        </p:txBody>
+      </p:sp>
+      <p:sp>
+        <p:nvSpPr>
+          <p:cNvPr id="4" name="Slide Number Placeholder 3">
+            <a:extLst>
+              <a:ext uri="{FF2B5EF4-FFF2-40B4-BE49-F238E27FC236}">
+                <a16:creationId xmlns:a16="http://schemas.microsoft.com/office/drawing/2014/main" id="{00B1A3A0-EFE9-46C4-8627-FDE27A1F3F7B}"/>
+              </a:ext>
+            </a:extLst>
+          </p:cNvPr>
+          <p:cNvSpPr>
+            <a:spLocks noGrp="1"/>
+          </p:cNvSpPr>
+          <p:nvPr>
+            <p:ph type="sldNum" sz="quarter" idx="12"/>
+          </p:nvPr>
+        </p:nvSpPr>
+        <p:spPr/>
+        <p:txBody>
+          <a:bodyPr/>
+          <a:lstStyle/>
+          <a:p>
+            <a:fld id="{6D95AE55-B5F4-483D-AEFF-E8059F5502F5}" type="slidenum">
+              <a:rPr lang="en-US" smtClean="0"/>
+              <a:t>16</a:t>
+            </a:fld>
+            <a:endParaRPr lang="en-US"/>
+          </a:p>
+        </p:txBody>
+      </p:sp>
+    </p:spTree>
+    <p:extLst>
+      <p:ext uri="{BB962C8B-B14F-4D97-AF65-F5344CB8AC3E}">
+        <p14:creationId xmlns:p14="http://schemas.microsoft.com/office/powerpoint/2010/main" val="3161482239"/>
+      </p:ext>
+    </p:extLst>
+  </p:cSld>
+  <p:clrMapOvr>
+    <a:masterClrMapping/>
+  </p:clrMapOvr>
+</p:sld>
+</file>
+
+<file path=ppt/slides/slide17.xml><?xml version="1.0" encoding="utf-8"?>
+<p:sld xmlns:a="http://schemas.openxmlformats.org/drawingml/2006/main" xmlns:r="http://schemas.openxmlformats.org/officeDocument/2006/relationships" xmlns:p="http://schemas.openxmlformats.org/presentationml/2006/main">
+  <p:cSld>
+    <p:spTree>
+      <p:nvGrpSpPr>
+        <p:cNvPr id="1" name=""/>
+        <p:cNvGrpSpPr/>
+        <p:nvPr/>
+      </p:nvGrpSpPr>
+      <p:grpSpPr>
+        <a:xfrm>
+          <a:off x="0" y="0"/>
+          <a:ext cx="0" cy="0"/>
+          <a:chOff x="0" y="0"/>
+          <a:chExt cx="0" cy="0"/>
+        </a:xfrm>
+      </p:grpSpPr>
+      <p:sp>
+        <p:nvSpPr>
+          <p:cNvPr id="2" name="Title 1">
+            <a:extLst>
+              <a:ext uri="{FF2B5EF4-FFF2-40B4-BE49-F238E27FC236}">
                 <a16:creationId xmlns:a16="http://schemas.microsoft.com/office/drawing/2014/main" id="{F4619A31-5332-490F-97B4-64052D1A5902}"/>
               </a:ext>
             </a:extLst>
@@ -7202,7 +7856,7 @@
           <a:p>
             <a:fld id="{6D95AE55-B5F4-483D-AEFF-E8059F5502F5}" type="slidenum">
               <a:rPr lang="en-US" smtClean="0"/>
-              <a:t>16</a:t>
+              <a:t>17</a:t>
             </a:fld>
             <a:endParaRPr lang="en-US"/>
           </a:p>
@@ -7445,7 +8099,7 @@
 </p:sld>
 </file>
 
-<file path=ppt/slides/slide17.xml><?xml version="1.0" encoding="utf-8"?>
+<file path=ppt/slides/slide18.xml><?xml version="1.0" encoding="utf-8"?>
 <p:sld xmlns:a="http://schemas.openxmlformats.org/drawingml/2006/main" xmlns:r="http://schemas.openxmlformats.org/officeDocument/2006/relationships" xmlns:p="http://schemas.openxmlformats.org/presentationml/2006/main">
   <p:cSld>
     <p:spTree>
@@ -7558,7 +8212,7 @@
           <a:p>
             <a:fld id="{6D95AE55-B5F4-483D-AEFF-E8059F5502F5}" type="slidenum">
               <a:rPr lang="en-US" smtClean="0"/>
-              <a:t>17</a:t>
+              <a:t>18</a:t>
             </a:fld>
             <a:endParaRPr lang="en-US"/>
           </a:p>
@@ -7669,185 +8323,6 @@
 </p:sld>
 </file>
 
-<file path=ppt/slides/slide18.xml><?xml version="1.0" encoding="utf-8"?>
-<p:sld xmlns:a="http://schemas.openxmlformats.org/drawingml/2006/main" xmlns:r="http://schemas.openxmlformats.org/officeDocument/2006/relationships" xmlns:p="http://schemas.openxmlformats.org/presentationml/2006/main">
-  <p:cSld>
-    <p:spTree>
-      <p:nvGrpSpPr>
-        <p:cNvPr id="1" name=""/>
-        <p:cNvGrpSpPr/>
-        <p:nvPr/>
-      </p:nvGrpSpPr>
-      <p:grpSpPr>
-        <a:xfrm>
-          <a:off x="0" y="0"/>
-          <a:ext cx="0" cy="0"/>
-          <a:chOff x="0" y="0"/>
-          <a:chExt cx="0" cy="0"/>
-        </a:xfrm>
-      </p:grpSpPr>
-      <p:sp>
-        <p:nvSpPr>
-          <p:cNvPr id="2" name="Title 1">
-            <a:extLst>
-              <a:ext uri="{FF2B5EF4-FFF2-40B4-BE49-F238E27FC236}">
-                <a16:creationId xmlns:a16="http://schemas.microsoft.com/office/drawing/2014/main" id="{7AE1D199-FEFA-48C9-B2D4-50E92F39F863}"/>
-              </a:ext>
-            </a:extLst>
-          </p:cNvPr>
-          <p:cNvSpPr>
-            <a:spLocks noGrp="1"/>
-          </p:cNvSpPr>
-          <p:nvPr>
-            <p:ph type="title"/>
-          </p:nvPr>
-        </p:nvSpPr>
-        <p:spPr/>
-        <p:txBody>
-          <a:bodyPr/>
-          <a:lstStyle/>
-          <a:p>
-            <a:r>
-              <a:rPr lang="en-US" dirty="0"/>
-              <a:t>RStudio Summary</a:t>
-            </a:r>
-          </a:p>
-        </p:txBody>
-      </p:sp>
-      <p:sp>
-        <p:nvSpPr>
-          <p:cNvPr id="3" name="Content Placeholder 2">
-            <a:extLst>
-              <a:ext uri="{FF2B5EF4-FFF2-40B4-BE49-F238E27FC236}">
-                <a16:creationId xmlns:a16="http://schemas.microsoft.com/office/drawing/2014/main" id="{43D43A62-1652-40C1-9E53-7EAECB20B311}"/>
-              </a:ext>
-            </a:extLst>
-          </p:cNvPr>
-          <p:cNvSpPr>
-            <a:spLocks noGrp="1"/>
-          </p:cNvSpPr>
-          <p:nvPr>
-            <p:ph idx="1"/>
-          </p:nvPr>
-        </p:nvSpPr>
-        <p:spPr>
-          <a:xfrm>
-            <a:off x="3595954" y="1825625"/>
-            <a:ext cx="7757845" cy="4351338"/>
-          </a:xfrm>
-        </p:spPr>
-        <p:txBody>
-          <a:bodyPr>
-            <a:normAutofit lnSpcReduction="10000"/>
-          </a:bodyPr>
-          <a:lstStyle/>
-          <a:p>
-            <a:pPr marL="0" indent="0">
-              <a:buNone/>
-            </a:pPr>
-            <a:r>
-              <a:rPr lang="en-US" b="1" u="sng" dirty="0"/>
-              <a:t>What we have learned</a:t>
-            </a:r>
-          </a:p>
-          <a:p>
-            <a:r>
-              <a:rPr lang="en-US" dirty="0"/>
-              <a:t>How to open a RStudio project</a:t>
-            </a:r>
-          </a:p>
-          <a:p>
-            <a:r>
-              <a:rPr lang="en-US" dirty="0"/>
-              <a:t>4 panes in RStudio</a:t>
-            </a:r>
-          </a:p>
-          <a:p>
-            <a:r>
-              <a:rPr lang="en-US" dirty="0"/>
-              <a:t>How to run a line</a:t>
-            </a:r>
-          </a:p>
-          <a:p>
-            <a:r>
-              <a:rPr lang="en-US" dirty="0"/>
-              <a:t>Difference between script &amp; console</a:t>
-            </a:r>
-          </a:p>
-          <a:p>
-            <a:r>
-              <a:rPr lang="en-US" dirty="0"/>
-              <a:t>Autocomplete for functions &amp; variables</a:t>
-            </a:r>
-          </a:p>
-          <a:p>
-            <a:r>
-              <a:rPr lang="en-US" dirty="0"/>
-              <a:t>Highlighting a word</a:t>
-            </a:r>
-          </a:p>
-          <a:p>
-            <a:r>
-              <a:rPr lang="en-US" dirty="0"/>
-              <a:t>Help!</a:t>
-            </a:r>
-          </a:p>
-          <a:p>
-            <a:r>
-              <a:rPr lang="en-US" dirty="0"/>
-              <a:t>Viewing a dataframe</a:t>
-            </a:r>
-          </a:p>
-          <a:p>
-            <a:endParaRPr lang="en-US" dirty="0"/>
-          </a:p>
-          <a:p>
-            <a:endParaRPr lang="en-US" dirty="0"/>
-          </a:p>
-        </p:txBody>
-      </p:sp>
-      <p:sp>
-        <p:nvSpPr>
-          <p:cNvPr id="4" name="Slide Number Placeholder 3">
-            <a:extLst>
-              <a:ext uri="{FF2B5EF4-FFF2-40B4-BE49-F238E27FC236}">
-                <a16:creationId xmlns:a16="http://schemas.microsoft.com/office/drawing/2014/main" id="{C0A82A11-6434-40F6-862F-DACD0180D393}"/>
-              </a:ext>
-            </a:extLst>
-          </p:cNvPr>
-          <p:cNvSpPr>
-            <a:spLocks noGrp="1"/>
-          </p:cNvSpPr>
-          <p:nvPr>
-            <p:ph type="sldNum" sz="quarter" idx="12"/>
-          </p:nvPr>
-        </p:nvSpPr>
-        <p:spPr/>
-        <p:txBody>
-          <a:bodyPr/>
-          <a:lstStyle/>
-          <a:p>
-            <a:fld id="{6D95AE55-B5F4-483D-AEFF-E8059F5502F5}" type="slidenum">
-              <a:rPr lang="en-US" smtClean="0"/>
-              <a:t>18</a:t>
-            </a:fld>
-            <a:endParaRPr lang="en-US"/>
-          </a:p>
-        </p:txBody>
-      </p:sp>
-    </p:spTree>
-    <p:extLst>
-      <p:ext uri="{BB962C8B-B14F-4D97-AF65-F5344CB8AC3E}">
-        <p14:creationId xmlns:p14="http://schemas.microsoft.com/office/powerpoint/2010/main" val="2223636367"/>
-      </p:ext>
-    </p:extLst>
-  </p:cSld>
-  <p:clrMapOvr>
-    <a:masterClrMapping/>
-  </p:clrMapOvr>
-</p:sld>
-</file>
-
 <file path=ppt/slides/slide19.xml><?xml version="1.0" encoding="utf-8"?>
 <p:sld xmlns:a="http://schemas.openxmlformats.org/drawingml/2006/main" xmlns:r="http://schemas.openxmlformats.org/officeDocument/2006/relationships" xmlns:p="http://schemas.openxmlformats.org/presentationml/2006/main">
   <p:cSld>
@@ -7870,6 +8345,448 @@
           <p:cNvPr id="2" name="Title 1">
             <a:extLst>
               <a:ext uri="{FF2B5EF4-FFF2-40B4-BE49-F238E27FC236}">
+                <a16:creationId xmlns:a16="http://schemas.microsoft.com/office/drawing/2014/main" id="{7AE1D199-FEFA-48C9-B2D4-50E92F39F863}"/>
+              </a:ext>
+            </a:extLst>
+          </p:cNvPr>
+          <p:cNvSpPr>
+            <a:spLocks noGrp="1"/>
+          </p:cNvSpPr>
+          <p:nvPr>
+            <p:ph type="title"/>
+          </p:nvPr>
+        </p:nvSpPr>
+        <p:spPr/>
+        <p:txBody>
+          <a:bodyPr/>
+          <a:lstStyle/>
+          <a:p>
+            <a:r>
+              <a:rPr lang="en-US" dirty="0"/>
+              <a:t>RStudio Summary</a:t>
+            </a:r>
+          </a:p>
+        </p:txBody>
+      </p:sp>
+      <p:sp>
+        <p:nvSpPr>
+          <p:cNvPr id="3" name="Content Placeholder 2">
+            <a:extLst>
+              <a:ext uri="{FF2B5EF4-FFF2-40B4-BE49-F238E27FC236}">
+                <a16:creationId xmlns:a16="http://schemas.microsoft.com/office/drawing/2014/main" id="{43D43A62-1652-40C1-9E53-7EAECB20B311}"/>
+              </a:ext>
+            </a:extLst>
+          </p:cNvPr>
+          <p:cNvSpPr>
+            <a:spLocks noGrp="1"/>
+          </p:cNvSpPr>
+          <p:nvPr>
+            <p:ph idx="1"/>
+          </p:nvPr>
+        </p:nvSpPr>
+        <p:spPr>
+          <a:xfrm>
+            <a:off x="3595954" y="1825625"/>
+            <a:ext cx="7757845" cy="4351338"/>
+          </a:xfrm>
+        </p:spPr>
+        <p:txBody>
+          <a:bodyPr>
+            <a:normAutofit lnSpcReduction="10000"/>
+          </a:bodyPr>
+          <a:lstStyle/>
+          <a:p>
+            <a:pPr marL="0" indent="0">
+              <a:buNone/>
+            </a:pPr>
+            <a:r>
+              <a:rPr lang="en-US" b="1" u="sng" dirty="0"/>
+              <a:t>What we have learned</a:t>
+            </a:r>
+          </a:p>
+          <a:p>
+            <a:r>
+              <a:rPr lang="en-US" dirty="0"/>
+              <a:t>How to open a RStudio project</a:t>
+            </a:r>
+          </a:p>
+          <a:p>
+            <a:r>
+              <a:rPr lang="en-US" dirty="0"/>
+              <a:t>4 panes in RStudio</a:t>
+            </a:r>
+          </a:p>
+          <a:p>
+            <a:r>
+              <a:rPr lang="en-US" dirty="0"/>
+              <a:t>How to run a line</a:t>
+            </a:r>
+          </a:p>
+          <a:p>
+            <a:r>
+              <a:rPr lang="en-US" dirty="0"/>
+              <a:t>Difference between script &amp; console</a:t>
+            </a:r>
+          </a:p>
+          <a:p>
+            <a:r>
+              <a:rPr lang="en-US" dirty="0"/>
+              <a:t>Autocomplete for functions &amp; variables</a:t>
+            </a:r>
+          </a:p>
+          <a:p>
+            <a:r>
+              <a:rPr lang="en-US" dirty="0"/>
+              <a:t>Highlighting a word</a:t>
+            </a:r>
+          </a:p>
+          <a:p>
+            <a:r>
+              <a:rPr lang="en-US" dirty="0"/>
+              <a:t>Help!</a:t>
+            </a:r>
+          </a:p>
+          <a:p>
+            <a:r>
+              <a:rPr lang="en-US" dirty="0"/>
+              <a:t>Viewing a dataframe</a:t>
+            </a:r>
+          </a:p>
+          <a:p>
+            <a:endParaRPr lang="en-US" dirty="0"/>
+          </a:p>
+          <a:p>
+            <a:endParaRPr lang="en-US" dirty="0"/>
+          </a:p>
+        </p:txBody>
+      </p:sp>
+      <p:sp>
+        <p:nvSpPr>
+          <p:cNvPr id="4" name="Slide Number Placeholder 3">
+            <a:extLst>
+              <a:ext uri="{FF2B5EF4-FFF2-40B4-BE49-F238E27FC236}">
+                <a16:creationId xmlns:a16="http://schemas.microsoft.com/office/drawing/2014/main" id="{C0A82A11-6434-40F6-862F-DACD0180D393}"/>
+              </a:ext>
+            </a:extLst>
+          </p:cNvPr>
+          <p:cNvSpPr>
+            <a:spLocks noGrp="1"/>
+          </p:cNvSpPr>
+          <p:nvPr>
+            <p:ph type="sldNum" sz="quarter" idx="12"/>
+          </p:nvPr>
+        </p:nvSpPr>
+        <p:spPr/>
+        <p:txBody>
+          <a:bodyPr/>
+          <a:lstStyle/>
+          <a:p>
+            <a:fld id="{6D95AE55-B5F4-483D-AEFF-E8059F5502F5}" type="slidenum">
+              <a:rPr lang="en-US" smtClean="0"/>
+              <a:t>19</a:t>
+            </a:fld>
+            <a:endParaRPr lang="en-US"/>
+          </a:p>
+        </p:txBody>
+      </p:sp>
+    </p:spTree>
+    <p:extLst>
+      <p:ext uri="{BB962C8B-B14F-4D97-AF65-F5344CB8AC3E}">
+        <p14:creationId xmlns:p14="http://schemas.microsoft.com/office/powerpoint/2010/main" val="2223636367"/>
+      </p:ext>
+    </p:extLst>
+  </p:cSld>
+  <p:clrMapOvr>
+    <a:masterClrMapping/>
+  </p:clrMapOvr>
+</p:sld>
+</file>
+
+<file path=ppt/slides/slide2.xml><?xml version="1.0" encoding="utf-8"?>
+<p:sld xmlns:a="http://schemas.openxmlformats.org/drawingml/2006/main" xmlns:r="http://schemas.openxmlformats.org/officeDocument/2006/relationships" xmlns:p="http://schemas.openxmlformats.org/presentationml/2006/main">
+  <p:cSld>
+    <p:spTree>
+      <p:nvGrpSpPr>
+        <p:cNvPr id="1" name=""/>
+        <p:cNvGrpSpPr/>
+        <p:nvPr/>
+      </p:nvGrpSpPr>
+      <p:grpSpPr>
+        <a:xfrm>
+          <a:off x="0" y="0"/>
+          <a:ext cx="0" cy="0"/>
+          <a:chOff x="0" y="0"/>
+          <a:chExt cx="0" cy="0"/>
+        </a:xfrm>
+      </p:grpSpPr>
+      <p:sp>
+        <p:nvSpPr>
+          <p:cNvPr id="2" name="Title 1">
+            <a:extLst>
+              <a:ext uri="{FF2B5EF4-FFF2-40B4-BE49-F238E27FC236}">
+                <a16:creationId xmlns:a16="http://schemas.microsoft.com/office/drawing/2014/main" id="{308260C5-C92D-4671-A2C1-19E8D02906D7}"/>
+              </a:ext>
+            </a:extLst>
+          </p:cNvPr>
+          <p:cNvSpPr>
+            <a:spLocks noGrp="1"/>
+          </p:cNvSpPr>
+          <p:nvPr>
+            <p:ph type="title"/>
+          </p:nvPr>
+        </p:nvSpPr>
+        <p:spPr/>
+        <p:txBody>
+          <a:bodyPr/>
+          <a:lstStyle/>
+          <a:p>
+            <a:r>
+              <a:rPr lang="en-US" dirty="0"/>
+              <a:t>R vs RStudio</a:t>
+            </a:r>
+          </a:p>
+        </p:txBody>
+      </p:sp>
+      <p:sp>
+        <p:nvSpPr>
+          <p:cNvPr id="3" name="Content Placeholder 2">
+            <a:extLst>
+              <a:ext uri="{FF2B5EF4-FFF2-40B4-BE49-F238E27FC236}">
+                <a16:creationId xmlns:a16="http://schemas.microsoft.com/office/drawing/2014/main" id="{6150083D-9FE7-42F9-9E34-20808E457C54}"/>
+              </a:ext>
+            </a:extLst>
+          </p:cNvPr>
+          <p:cNvSpPr>
+            <a:spLocks noGrp="1"/>
+          </p:cNvSpPr>
+          <p:nvPr>
+            <p:ph idx="1"/>
+          </p:nvPr>
+        </p:nvSpPr>
+        <p:spPr>
+          <a:xfrm>
+            <a:off x="457201" y="1583684"/>
+            <a:ext cx="7971182" cy="4772967"/>
+          </a:xfrm>
+        </p:spPr>
+        <p:txBody>
+          <a:bodyPr>
+            <a:normAutofit/>
+          </a:bodyPr>
+          <a:lstStyle/>
+          <a:p>
+            <a:pPr marL="0" indent="0">
+              <a:buNone/>
+            </a:pPr>
+            <a:r>
+              <a:rPr lang="en-US" b="1" i="1" dirty="0"/>
+              <a:t>What is the difference between R and RStudio? </a:t>
+            </a:r>
+          </a:p>
+          <a:p>
+            <a:r>
+              <a:rPr lang="en-US" dirty="0"/>
+              <a:t>RStudio requires R to run in the background</a:t>
+            </a:r>
+          </a:p>
+          <a:p>
+            <a:pPr lvl="1"/>
+            <a:r>
+              <a:rPr lang="en-US" dirty="0"/>
+              <a:t>R is the engine, RStudio is the rest of the car</a:t>
+            </a:r>
+          </a:p>
+          <a:p>
+            <a:endParaRPr lang="en-US" dirty="0"/>
+          </a:p>
+          <a:p>
+            <a:r>
+              <a:rPr lang="en-US" dirty="0"/>
+              <a:t>Think of R as notepad and RStudio as MS Word </a:t>
+            </a:r>
+          </a:p>
+          <a:p>
+            <a:pPr lvl="1"/>
+            <a:r>
+              <a:rPr lang="en-US" dirty="0"/>
+              <a:t>More powerful features and is much more user friendly</a:t>
+            </a:r>
+          </a:p>
+          <a:p>
+            <a:pPr lvl="1"/>
+            <a:endParaRPr lang="en-US" dirty="0"/>
+          </a:p>
+          <a:p>
+            <a:r>
+              <a:rPr lang="en-US" dirty="0"/>
+              <a:t>Software Center calls R the “R Project”; avoid calling it that. We’ll be using </a:t>
+            </a:r>
+            <a:r>
+              <a:rPr lang="en-US" dirty="0" err="1"/>
+              <a:t>RProjects</a:t>
+            </a:r>
+            <a:r>
+              <a:rPr lang="en-US" dirty="0"/>
+              <a:t> which is a very different concept </a:t>
+            </a:r>
+          </a:p>
+        </p:txBody>
+      </p:sp>
+      <p:sp>
+        <p:nvSpPr>
+          <p:cNvPr id="4" name="Slide Number Placeholder 3">
+            <a:extLst>
+              <a:ext uri="{FF2B5EF4-FFF2-40B4-BE49-F238E27FC236}">
+                <a16:creationId xmlns:a16="http://schemas.microsoft.com/office/drawing/2014/main" id="{D57F62A7-793A-459F-A4EE-65DCF2AB1C25}"/>
+              </a:ext>
+            </a:extLst>
+          </p:cNvPr>
+          <p:cNvSpPr>
+            <a:spLocks noGrp="1"/>
+          </p:cNvSpPr>
+          <p:nvPr>
+            <p:ph type="sldNum" sz="quarter" idx="12"/>
+          </p:nvPr>
+        </p:nvSpPr>
+        <p:spPr/>
+        <p:txBody>
+          <a:bodyPr/>
+          <a:lstStyle/>
+          <a:p>
+            <a:fld id="{6D95AE55-B5F4-483D-AEFF-E8059F5502F5}" type="slidenum">
+              <a:rPr lang="en-US" smtClean="0"/>
+              <a:t>2</a:t>
+            </a:fld>
+            <a:endParaRPr lang="en-US"/>
+          </a:p>
+        </p:txBody>
+      </p:sp>
+      <p:grpSp>
+        <p:nvGrpSpPr>
+          <p:cNvPr id="11" name="Group 10">
+            <a:extLst>
+              <a:ext uri="{FF2B5EF4-FFF2-40B4-BE49-F238E27FC236}">
+                <a16:creationId xmlns:a16="http://schemas.microsoft.com/office/drawing/2014/main" id="{93033E89-A90F-EB7A-C030-1DD4DA42328F}"/>
+              </a:ext>
+            </a:extLst>
+          </p:cNvPr>
+          <p:cNvGrpSpPr/>
+          <p:nvPr/>
+        </p:nvGrpSpPr>
+        <p:grpSpPr>
+          <a:xfrm>
+            <a:off x="8610600" y="2090313"/>
+            <a:ext cx="3407229" cy="3071947"/>
+            <a:chOff x="8784771" y="2124105"/>
+            <a:chExt cx="3407229" cy="3071947"/>
+          </a:xfrm>
+        </p:grpSpPr>
+        <p:pic>
+          <p:nvPicPr>
+            <p:cNvPr id="5" name="Picture 4" descr="A close up of a sign&#10;&#10;Description automatically generated">
+              <a:extLst>
+                <a:ext uri="{FF2B5EF4-FFF2-40B4-BE49-F238E27FC236}">
+                  <a16:creationId xmlns:a16="http://schemas.microsoft.com/office/drawing/2014/main" id="{98EA43B1-CD32-4585-A5CE-BD55AE67BC35}"/>
+                </a:ext>
+              </a:extLst>
+            </p:cNvPr>
+            <p:cNvPicPr>
+              <a:picLocks noChangeAspect="1"/>
+            </p:cNvPicPr>
+            <p:nvPr/>
+          </p:nvPicPr>
+          <p:blipFill rotWithShape="1">
+            <a:blip r:embed="rId3">
+              <a:extLst>
+                <a:ext uri="{28A0092B-C50C-407E-A947-70E740481C1C}">
+                  <a14:useLocalDpi xmlns:a14="http://schemas.microsoft.com/office/drawing/2010/main" val="0"/>
+                </a:ext>
+              </a:extLst>
+            </a:blip>
+            <a:srcRect r="62987"/>
+            <a:stretch/>
+          </p:blipFill>
+          <p:spPr>
+            <a:xfrm>
+              <a:off x="9351636" y="2124105"/>
+              <a:ext cx="2002164" cy="1899564"/>
+            </a:xfrm>
+            <a:prstGeom prst="rect">
+              <a:avLst/>
+            </a:prstGeom>
+          </p:spPr>
+        </p:pic>
+        <p:pic>
+          <p:nvPicPr>
+            <p:cNvPr id="6" name="Picture 5" descr="A close up of a sign&#10;&#10;Description automatically generated">
+              <a:extLst>
+                <a:ext uri="{FF2B5EF4-FFF2-40B4-BE49-F238E27FC236}">
+                  <a16:creationId xmlns:a16="http://schemas.microsoft.com/office/drawing/2014/main" id="{C0B31357-9FD6-4D54-9590-85EE4D3DBE21}"/>
+                </a:ext>
+              </a:extLst>
+            </p:cNvPr>
+            <p:cNvPicPr>
+              <a:picLocks noChangeAspect="1"/>
+            </p:cNvPicPr>
+            <p:nvPr/>
+          </p:nvPicPr>
+          <p:blipFill rotWithShape="1">
+            <a:blip r:embed="rId3">
+              <a:extLst>
+                <a:ext uri="{28A0092B-C50C-407E-A947-70E740481C1C}">
+                  <a14:useLocalDpi xmlns:a14="http://schemas.microsoft.com/office/drawing/2010/main" val="0"/>
+                </a:ext>
+              </a:extLst>
+            </a:blip>
+            <a:srcRect l="37013"/>
+            <a:stretch/>
+          </p:blipFill>
+          <p:spPr>
+            <a:xfrm>
+              <a:off x="8784771" y="3296488"/>
+              <a:ext cx="3407229" cy="1899564"/>
+            </a:xfrm>
+            <a:prstGeom prst="rect">
+              <a:avLst/>
+            </a:prstGeom>
+          </p:spPr>
+        </p:pic>
+      </p:grpSp>
+    </p:spTree>
+    <p:extLst>
+      <p:ext uri="{BB962C8B-B14F-4D97-AF65-F5344CB8AC3E}">
+        <p14:creationId xmlns:p14="http://schemas.microsoft.com/office/powerpoint/2010/main" val="3491409365"/>
+      </p:ext>
+    </p:extLst>
+  </p:cSld>
+  <p:clrMapOvr>
+    <a:masterClrMapping/>
+  </p:clrMapOvr>
+</p:sld>
+</file>
+
+<file path=ppt/slides/slide20.xml><?xml version="1.0" encoding="utf-8"?>
+<p:sld xmlns:a="http://schemas.openxmlformats.org/drawingml/2006/main" xmlns:r="http://schemas.openxmlformats.org/officeDocument/2006/relationships" xmlns:p="http://schemas.openxmlformats.org/presentationml/2006/main">
+  <p:cSld>
+    <p:spTree>
+      <p:nvGrpSpPr>
+        <p:cNvPr id="1" name=""/>
+        <p:cNvGrpSpPr/>
+        <p:nvPr/>
+      </p:nvGrpSpPr>
+      <p:grpSpPr>
+        <a:xfrm>
+          <a:off x="0" y="0"/>
+          <a:ext cx="0" cy="0"/>
+          <a:chOff x="0" y="0"/>
+          <a:chExt cx="0" cy="0"/>
+        </a:xfrm>
+      </p:grpSpPr>
+      <p:sp>
+        <p:nvSpPr>
+          <p:cNvPr id="2" name="Title 1">
+            <a:extLst>
+              <a:ext uri="{FF2B5EF4-FFF2-40B4-BE49-F238E27FC236}">
                 <a16:creationId xmlns:a16="http://schemas.microsoft.com/office/drawing/2014/main" id="{6CB60313-92C7-46D0-8673-5BC985087B33}"/>
               </a:ext>
             </a:extLst>
@@ -7983,7 +8900,7 @@
           <a:p>
             <a:fld id="{6D95AE55-B5F4-483D-AEFF-E8059F5502F5}" type="slidenum">
               <a:rPr lang="en-US" smtClean="0"/>
-              <a:t>19</a:t>
+              <a:t>20</a:t>
             </a:fld>
             <a:endParaRPr lang="en-US"/>
           </a:p>
@@ -8717,270 +9634,7 @@
 </p:sld>
 </file>
 
-<file path=ppt/slides/slide2.xml><?xml version="1.0" encoding="utf-8"?>
-<p:sld xmlns:a="http://schemas.openxmlformats.org/drawingml/2006/main" xmlns:r="http://schemas.openxmlformats.org/officeDocument/2006/relationships" xmlns:p="http://schemas.openxmlformats.org/presentationml/2006/main">
-  <p:cSld>
-    <p:spTree>
-      <p:nvGrpSpPr>
-        <p:cNvPr id="1" name=""/>
-        <p:cNvGrpSpPr/>
-        <p:nvPr/>
-      </p:nvGrpSpPr>
-      <p:grpSpPr>
-        <a:xfrm>
-          <a:off x="0" y="0"/>
-          <a:ext cx="0" cy="0"/>
-          <a:chOff x="0" y="0"/>
-          <a:chExt cx="0" cy="0"/>
-        </a:xfrm>
-      </p:grpSpPr>
-      <p:sp>
-        <p:nvSpPr>
-          <p:cNvPr id="2" name="Title 1">
-            <a:extLst>
-              <a:ext uri="{FF2B5EF4-FFF2-40B4-BE49-F238E27FC236}">
-                <a16:creationId xmlns:a16="http://schemas.microsoft.com/office/drawing/2014/main" id="{308260C5-C92D-4671-A2C1-19E8D02906D7}"/>
-              </a:ext>
-            </a:extLst>
-          </p:cNvPr>
-          <p:cNvSpPr>
-            <a:spLocks noGrp="1"/>
-          </p:cNvSpPr>
-          <p:nvPr>
-            <p:ph type="title"/>
-          </p:nvPr>
-        </p:nvSpPr>
-        <p:spPr/>
-        <p:txBody>
-          <a:bodyPr/>
-          <a:lstStyle/>
-          <a:p>
-            <a:r>
-              <a:rPr lang="en-US" dirty="0"/>
-              <a:t>R vs RStudio</a:t>
-            </a:r>
-          </a:p>
-        </p:txBody>
-      </p:sp>
-      <p:sp>
-        <p:nvSpPr>
-          <p:cNvPr id="3" name="Content Placeholder 2">
-            <a:extLst>
-              <a:ext uri="{FF2B5EF4-FFF2-40B4-BE49-F238E27FC236}">
-                <a16:creationId xmlns:a16="http://schemas.microsoft.com/office/drawing/2014/main" id="{6150083D-9FE7-42F9-9E34-20808E457C54}"/>
-              </a:ext>
-            </a:extLst>
-          </p:cNvPr>
-          <p:cNvSpPr>
-            <a:spLocks noGrp="1"/>
-          </p:cNvSpPr>
-          <p:nvPr>
-            <p:ph idx="1"/>
-          </p:nvPr>
-        </p:nvSpPr>
-        <p:spPr>
-          <a:xfrm>
-            <a:off x="457201" y="1583684"/>
-            <a:ext cx="7971182" cy="4772967"/>
-          </a:xfrm>
-        </p:spPr>
-        <p:txBody>
-          <a:bodyPr>
-            <a:normAutofit/>
-          </a:bodyPr>
-          <a:lstStyle/>
-          <a:p>
-            <a:pPr marL="0" indent="0">
-              <a:buNone/>
-            </a:pPr>
-            <a:r>
-              <a:rPr lang="en-US" b="1" i="1" dirty="0"/>
-              <a:t>What is the difference between R and RStudio? </a:t>
-            </a:r>
-          </a:p>
-          <a:p>
-            <a:r>
-              <a:rPr lang="en-US" dirty="0"/>
-              <a:t>RStudio requires R to run in the background</a:t>
-            </a:r>
-          </a:p>
-          <a:p>
-            <a:pPr lvl="1"/>
-            <a:r>
-              <a:rPr lang="en-US" dirty="0"/>
-              <a:t>R is the engine, RStudio is the rest of the car</a:t>
-            </a:r>
-          </a:p>
-          <a:p>
-            <a:endParaRPr lang="en-US" dirty="0"/>
-          </a:p>
-          <a:p>
-            <a:r>
-              <a:rPr lang="en-US" dirty="0"/>
-              <a:t>Think of R as notepad and RStudio as MS Word </a:t>
-            </a:r>
-          </a:p>
-          <a:p>
-            <a:pPr lvl="1"/>
-            <a:r>
-              <a:rPr lang="en-US" dirty="0"/>
-              <a:t>More powerful features and is much more user friendly</a:t>
-            </a:r>
-          </a:p>
-          <a:p>
-            <a:pPr lvl="1"/>
-            <a:endParaRPr lang="en-US" dirty="0"/>
-          </a:p>
-          <a:p>
-            <a:r>
-              <a:rPr lang="en-US" dirty="0"/>
-              <a:t>Software Center calls R the “R Project” but avoid calling it that; we’ll be using </a:t>
-            </a:r>
-            <a:r>
-              <a:rPr lang="en-US" dirty="0" err="1"/>
-              <a:t>RProjects</a:t>
-            </a:r>
-            <a:r>
-              <a:rPr lang="en-US" dirty="0"/>
-              <a:t> which is a very different concept </a:t>
-            </a:r>
-          </a:p>
-        </p:txBody>
-      </p:sp>
-      <p:sp>
-        <p:nvSpPr>
-          <p:cNvPr id="4" name="Slide Number Placeholder 3">
-            <a:extLst>
-              <a:ext uri="{FF2B5EF4-FFF2-40B4-BE49-F238E27FC236}">
-                <a16:creationId xmlns:a16="http://schemas.microsoft.com/office/drawing/2014/main" id="{D57F62A7-793A-459F-A4EE-65DCF2AB1C25}"/>
-              </a:ext>
-            </a:extLst>
-          </p:cNvPr>
-          <p:cNvSpPr>
-            <a:spLocks noGrp="1"/>
-          </p:cNvSpPr>
-          <p:nvPr>
-            <p:ph type="sldNum" sz="quarter" idx="12"/>
-          </p:nvPr>
-        </p:nvSpPr>
-        <p:spPr/>
-        <p:txBody>
-          <a:bodyPr/>
-          <a:lstStyle/>
-          <a:p>
-            <a:fld id="{6D95AE55-B5F4-483D-AEFF-E8059F5502F5}" type="slidenum">
-              <a:rPr lang="en-US" smtClean="0"/>
-              <a:t>2</a:t>
-            </a:fld>
-            <a:endParaRPr lang="en-US"/>
-          </a:p>
-        </p:txBody>
-      </p:sp>
-      <p:grpSp>
-        <p:nvGrpSpPr>
-          <p:cNvPr id="11" name="Group 10">
-            <a:extLst>
-              <a:ext uri="{FF2B5EF4-FFF2-40B4-BE49-F238E27FC236}">
-                <a16:creationId xmlns:a16="http://schemas.microsoft.com/office/drawing/2014/main" id="{93033E89-A90F-EB7A-C030-1DD4DA42328F}"/>
-              </a:ext>
-            </a:extLst>
-          </p:cNvPr>
-          <p:cNvGrpSpPr/>
-          <p:nvPr/>
-        </p:nvGrpSpPr>
-        <p:grpSpPr>
-          <a:xfrm>
-            <a:off x="8610600" y="2090313"/>
-            <a:ext cx="3407229" cy="3071947"/>
-            <a:chOff x="8784771" y="2124105"/>
-            <a:chExt cx="3407229" cy="3071947"/>
-          </a:xfrm>
-        </p:grpSpPr>
-        <p:pic>
-          <p:nvPicPr>
-            <p:cNvPr id="5" name="Picture 4" descr="A close up of a sign&#10;&#10;Description automatically generated">
-              <a:extLst>
-                <a:ext uri="{FF2B5EF4-FFF2-40B4-BE49-F238E27FC236}">
-                  <a16:creationId xmlns:a16="http://schemas.microsoft.com/office/drawing/2014/main" id="{98EA43B1-CD32-4585-A5CE-BD55AE67BC35}"/>
-                </a:ext>
-              </a:extLst>
-            </p:cNvPr>
-            <p:cNvPicPr>
-              <a:picLocks noChangeAspect="1"/>
-            </p:cNvPicPr>
-            <p:nvPr/>
-          </p:nvPicPr>
-          <p:blipFill rotWithShape="1">
-            <a:blip r:embed="rId3">
-              <a:extLst>
-                <a:ext uri="{28A0092B-C50C-407E-A947-70E740481C1C}">
-                  <a14:useLocalDpi xmlns:a14="http://schemas.microsoft.com/office/drawing/2010/main" val="0"/>
-                </a:ext>
-              </a:extLst>
-            </a:blip>
-            <a:srcRect r="62987"/>
-            <a:stretch/>
-          </p:blipFill>
-          <p:spPr>
-            <a:xfrm>
-              <a:off x="9351636" y="2124105"/>
-              <a:ext cx="2002164" cy="1899564"/>
-            </a:xfrm>
-            <a:prstGeom prst="rect">
-              <a:avLst/>
-            </a:prstGeom>
-          </p:spPr>
-        </p:pic>
-        <p:pic>
-          <p:nvPicPr>
-            <p:cNvPr id="6" name="Picture 5" descr="A close up of a sign&#10;&#10;Description automatically generated">
-              <a:extLst>
-                <a:ext uri="{FF2B5EF4-FFF2-40B4-BE49-F238E27FC236}">
-                  <a16:creationId xmlns:a16="http://schemas.microsoft.com/office/drawing/2014/main" id="{C0B31357-9FD6-4D54-9590-85EE4D3DBE21}"/>
-                </a:ext>
-              </a:extLst>
-            </p:cNvPr>
-            <p:cNvPicPr>
-              <a:picLocks noChangeAspect="1"/>
-            </p:cNvPicPr>
-            <p:nvPr/>
-          </p:nvPicPr>
-          <p:blipFill rotWithShape="1">
-            <a:blip r:embed="rId3">
-              <a:extLst>
-                <a:ext uri="{28A0092B-C50C-407E-A947-70E740481C1C}">
-                  <a14:useLocalDpi xmlns:a14="http://schemas.microsoft.com/office/drawing/2010/main" val="0"/>
-                </a:ext>
-              </a:extLst>
-            </a:blip>
-            <a:srcRect l="37013"/>
-            <a:stretch/>
-          </p:blipFill>
-          <p:spPr>
-            <a:xfrm>
-              <a:off x="8784771" y="3296488"/>
-              <a:ext cx="3407229" cy="1899564"/>
-            </a:xfrm>
-            <a:prstGeom prst="rect">
-              <a:avLst/>
-            </a:prstGeom>
-          </p:spPr>
-        </p:pic>
-      </p:grpSp>
-    </p:spTree>
-    <p:extLst>
-      <p:ext uri="{BB962C8B-B14F-4D97-AF65-F5344CB8AC3E}">
-        <p14:creationId xmlns:p14="http://schemas.microsoft.com/office/powerpoint/2010/main" val="3491409365"/>
-      </p:ext>
-    </p:extLst>
-  </p:cSld>
-  <p:clrMapOvr>
-    <a:masterClrMapping/>
-  </p:clrMapOvr>
-</p:sld>
-</file>
-
-<file path=ppt/slides/slide20.xml><?xml version="1.0" encoding="utf-8"?>
+<file path=ppt/slides/slide21.xml><?xml version="1.0" encoding="utf-8"?>
 <p:sld xmlns:a="http://schemas.openxmlformats.org/drawingml/2006/main" xmlns:r="http://schemas.openxmlformats.org/officeDocument/2006/relationships" xmlns:p="http://schemas.openxmlformats.org/presentationml/2006/main">
   <p:cSld>
     <p:spTree>
@@ -9489,7 +10143,7 @@
           <a:p>
             <a:fld id="{6D95AE55-B5F4-483D-AEFF-E8059F5502F5}" type="slidenum">
               <a:rPr lang="en-US" smtClean="0"/>
-              <a:t>20</a:t>
+              <a:t>21</a:t>
             </a:fld>
             <a:endParaRPr lang="en-US"/>
           </a:p>
@@ -9508,7 +10162,7 @@
 </p:sld>
 </file>
 
-<file path=ppt/slides/slide21.xml><?xml version="1.0" encoding="utf-8"?>
+<file path=ppt/slides/slide22.xml><?xml version="1.0" encoding="utf-8"?>
 <p:sld xmlns:a="http://schemas.openxmlformats.org/drawingml/2006/main" xmlns:r="http://schemas.openxmlformats.org/officeDocument/2006/relationships" xmlns:p="http://schemas.openxmlformats.org/presentationml/2006/main">
   <p:cSld>
     <p:spTree>
@@ -10017,7 +10671,7 @@
           <a:p>
             <a:fld id="{6D95AE55-B5F4-483D-AEFF-E8059F5502F5}" type="slidenum">
               <a:rPr lang="en-US" smtClean="0"/>
-              <a:t>21</a:t>
+              <a:t>22</a:t>
             </a:fld>
             <a:endParaRPr lang="en-US" dirty="0"/>
           </a:p>
@@ -10626,7 +11280,7 @@
 </p:sld>
 </file>
 
-<file path=ppt/slides/slide22.xml><?xml version="1.0" encoding="utf-8"?>
+<file path=ppt/slides/slide23.xml><?xml version="1.0" encoding="utf-8"?>
 <p:sld xmlns:a="http://schemas.openxmlformats.org/drawingml/2006/main" xmlns:r="http://schemas.openxmlformats.org/officeDocument/2006/relationships" xmlns:p="http://schemas.openxmlformats.org/presentationml/2006/main">
   <p:cSld>
     <p:spTree>
@@ -11065,7 +11719,7 @@
           <a:p>
             <a:fld id="{6D95AE55-B5F4-483D-AEFF-E8059F5502F5}" type="slidenum">
               <a:rPr lang="en-US" smtClean="0"/>
-              <a:t>22</a:t>
+              <a:t>23</a:t>
             </a:fld>
             <a:endParaRPr lang="en-US"/>
           </a:p>
@@ -11517,7 +12171,7 @@
 </p:sld>
 </file>
 
-<file path=ppt/slides/slide23.xml><?xml version="1.0" encoding="utf-8"?>
+<file path=ppt/slides/slide24.xml><?xml version="1.0" encoding="utf-8"?>
 <p:sld xmlns:a="http://schemas.openxmlformats.org/drawingml/2006/main" xmlns:r="http://schemas.openxmlformats.org/officeDocument/2006/relationships" xmlns:p="http://schemas.openxmlformats.org/presentationml/2006/main">
   <p:cSld>
     <p:spTree>
@@ -11956,7 +12610,7 @@
           <a:p>
             <a:fld id="{6D95AE55-B5F4-483D-AEFF-E8059F5502F5}" type="slidenum">
               <a:rPr lang="en-US" smtClean="0"/>
-              <a:t>23</a:t>
+              <a:t>24</a:t>
             </a:fld>
             <a:endParaRPr lang="en-US"/>
           </a:p>
@@ -16666,7 +17320,7 @@
           <p:cNvPr id="2" name="Title 1">
             <a:extLst>
               <a:ext uri="{FF2B5EF4-FFF2-40B4-BE49-F238E27FC236}">
-                <a16:creationId xmlns:a16="http://schemas.microsoft.com/office/drawing/2014/main" id="{D7B8ECE7-6E8D-4554-94CF-4B57431B0101}"/>
+                <a16:creationId xmlns:a16="http://schemas.microsoft.com/office/drawing/2014/main" id="{63867D95-A9BA-C7AB-6BFB-1EA4F01E287A}"/>
               </a:ext>
             </a:extLst>
           </p:cNvPr>
@@ -16683,8 +17337,8 @@
           <a:lstStyle/>
           <a:p>
             <a:r>
-              <a:rPr lang="en-US" dirty="0"/>
-              <a:t>RStudio Demo</a:t>
+              <a:rPr lang="en-US" b="1" dirty="0"/>
+              <a:t>RStudio Projects</a:t>
             </a:r>
           </a:p>
         </p:txBody>
@@ -16694,7 +17348,7 @@
           <p:cNvPr id="3" name="Content Placeholder 2">
             <a:extLst>
               <a:ext uri="{FF2B5EF4-FFF2-40B4-BE49-F238E27FC236}">
-                <a16:creationId xmlns:a16="http://schemas.microsoft.com/office/drawing/2014/main" id="{C5961489-FC8A-4096-B0D3-4A6E3B0579BA}"/>
+                <a16:creationId xmlns:a16="http://schemas.microsoft.com/office/drawing/2014/main" id="{7C7ED1D3-FA06-28BB-FC1A-B005A96E130E}"/>
               </a:ext>
             </a:extLst>
           </p:cNvPr>
@@ -16705,6 +17359,1039 @@
             <p:ph idx="1"/>
           </p:nvPr>
         </p:nvSpPr>
+        <p:spPr>
+          <a:xfrm>
+            <a:off x="467139" y="1825625"/>
+            <a:ext cx="6042991" cy="4351338"/>
+          </a:xfrm>
+        </p:spPr>
+        <p:txBody>
+          <a:bodyPr/>
+          <a:lstStyle/>
+          <a:p>
+            <a:r>
+              <a:rPr lang="en-US" dirty="0"/>
+              <a:t>We highly recommend using RStudio projects</a:t>
+            </a:r>
+          </a:p>
+          <a:p>
+            <a:r>
+              <a:rPr lang="en-US" dirty="0"/>
+              <a:t>To create a new project:</a:t>
+            </a:r>
+          </a:p>
+          <a:p>
+            <a:pPr lvl="1">
+              <a:spcAft>
+                <a:spcPts val="1200"/>
+              </a:spcAft>
+            </a:pPr>
+            <a:r>
+              <a:rPr lang="en-US" dirty="0"/>
+              <a:t>Open RStudio. Click File -&gt; New Project</a:t>
+            </a:r>
+          </a:p>
+          <a:p>
+            <a:pPr lvl="1">
+              <a:spcAft>
+                <a:spcPts val="1200"/>
+              </a:spcAft>
+            </a:pPr>
+            <a:r>
+              <a:rPr lang="en-US" dirty="0"/>
+              <a:t>New Directory (creates new folder you’ll move files to) or Existing Directory</a:t>
+            </a:r>
+          </a:p>
+          <a:p>
+            <a:pPr lvl="1">
+              <a:spcAft>
+                <a:spcPts val="1200"/>
+              </a:spcAft>
+            </a:pPr>
+            <a:r>
+              <a:rPr lang="en-US" dirty="0"/>
+              <a:t>Click New Project</a:t>
+            </a:r>
+          </a:p>
+          <a:p>
+            <a:pPr lvl="1">
+              <a:spcAft>
+                <a:spcPts val="1200"/>
+              </a:spcAft>
+            </a:pPr>
+            <a:r>
+              <a:rPr lang="en-US" dirty="0"/>
+              <a:t>Give descriptive name, choose where folder will be (can open in new window)</a:t>
+            </a:r>
+          </a:p>
+          <a:p>
+            <a:pPr lvl="1"/>
+            <a:endParaRPr lang="en-US" dirty="0"/>
+          </a:p>
+        </p:txBody>
+      </p:sp>
+      <p:pic>
+        <p:nvPicPr>
+          <p:cNvPr id="5" name="Picture 4">
+            <a:extLst>
+              <a:ext uri="{FF2B5EF4-FFF2-40B4-BE49-F238E27FC236}">
+                <a16:creationId xmlns:a16="http://schemas.microsoft.com/office/drawing/2014/main" id="{FBB1A3B9-9A2E-B176-3618-04A0C09D8713}"/>
+              </a:ext>
+            </a:extLst>
+          </p:cNvPr>
+          <p:cNvPicPr>
+            <a:picLocks noChangeAspect="1"/>
+          </p:cNvPicPr>
+          <p:nvPr/>
+        </p:nvPicPr>
+        <p:blipFill rotWithShape="1">
+          <a:blip r:embed="rId2"/>
+          <a:srcRect l="1" t="415" r="373"/>
+          <a:stretch/>
+        </p:blipFill>
+        <p:spPr>
+          <a:xfrm>
+            <a:off x="7387671" y="647384"/>
+            <a:ext cx="4337188" cy="3118876"/>
+          </a:xfrm>
+          <a:prstGeom prst="rect">
+            <a:avLst/>
+          </a:prstGeom>
+        </p:spPr>
+      </p:pic>
+      <p:pic>
+        <p:nvPicPr>
+          <p:cNvPr id="7" name="Picture 6">
+            <a:extLst>
+              <a:ext uri="{FF2B5EF4-FFF2-40B4-BE49-F238E27FC236}">
+                <a16:creationId xmlns:a16="http://schemas.microsoft.com/office/drawing/2014/main" id="{0177041C-5BE2-A321-D6C2-6C0F29993D9A}"/>
+              </a:ext>
+            </a:extLst>
+          </p:cNvPr>
+          <p:cNvPicPr>
+            <a:picLocks noChangeAspect="1"/>
+          </p:cNvPicPr>
+          <p:nvPr/>
+        </p:nvPicPr>
+        <p:blipFill rotWithShape="1">
+          <a:blip r:embed="rId3"/>
+          <a:srcRect t="688" r="456" b="575"/>
+          <a:stretch/>
+        </p:blipFill>
+        <p:spPr>
+          <a:xfrm>
+            <a:off x="7387671" y="2076544"/>
+            <a:ext cx="4337189" cy="3107750"/>
+          </a:xfrm>
+          <a:prstGeom prst="rect">
+            <a:avLst/>
+          </a:prstGeom>
+        </p:spPr>
+      </p:pic>
+      <p:pic>
+        <p:nvPicPr>
+          <p:cNvPr id="9" name="Picture 8">
+            <a:extLst>
+              <a:ext uri="{FF2B5EF4-FFF2-40B4-BE49-F238E27FC236}">
+                <a16:creationId xmlns:a16="http://schemas.microsoft.com/office/drawing/2014/main" id="{44081F89-270E-B319-C0EA-184F70D242A7}"/>
+              </a:ext>
+            </a:extLst>
+          </p:cNvPr>
+          <p:cNvPicPr>
+            <a:picLocks noChangeAspect="1"/>
+          </p:cNvPicPr>
+          <p:nvPr/>
+        </p:nvPicPr>
+        <p:blipFill rotWithShape="1">
+          <a:blip r:embed="rId4"/>
+          <a:srcRect r="521"/>
+          <a:stretch/>
+        </p:blipFill>
+        <p:spPr>
+          <a:xfrm>
+            <a:off x="7403144" y="3494577"/>
+            <a:ext cx="4321715" cy="3107750"/>
+          </a:xfrm>
+          <a:prstGeom prst="rect">
+            <a:avLst/>
+          </a:prstGeom>
+        </p:spPr>
+      </p:pic>
+      <p:sp>
+        <p:nvSpPr>
+          <p:cNvPr id="10" name="TextBox 9">
+            <a:extLst>
+              <a:ext uri="{FF2B5EF4-FFF2-40B4-BE49-F238E27FC236}">
+                <a16:creationId xmlns:a16="http://schemas.microsoft.com/office/drawing/2014/main" id="{2C38E09B-53DB-C14B-6A00-0A0680F0D13A}"/>
+              </a:ext>
+            </a:extLst>
+          </p:cNvPr>
+          <p:cNvSpPr txBox="1"/>
+          <p:nvPr/>
+        </p:nvSpPr>
+        <p:spPr>
+          <a:xfrm>
+            <a:off x="8467310" y="4353623"/>
+            <a:ext cx="2886490" cy="261610"/>
+          </a:xfrm>
+          <a:prstGeom prst="rect">
+            <a:avLst/>
+          </a:prstGeom>
+          <a:noFill/>
+        </p:spPr>
+        <p:txBody>
+          <a:bodyPr wrap="square" rtlCol="0">
+            <a:spAutoFit/>
+          </a:bodyPr>
+          <a:lstStyle/>
+          <a:p>
+            <a:r>
+              <a:rPr lang="en-US" sz="1100" dirty="0"/>
+              <a:t>gmu13_blackbear_harvest</a:t>
+            </a:r>
+          </a:p>
+        </p:txBody>
+      </p:sp>
+      <p:sp>
+        <p:nvSpPr>
+          <p:cNvPr id="11" name="Oval 10">
+            <a:extLst>
+              <a:ext uri="{FF2B5EF4-FFF2-40B4-BE49-F238E27FC236}">
+                <a16:creationId xmlns:a16="http://schemas.microsoft.com/office/drawing/2014/main" id="{CF22FCA9-5955-009A-CDED-35F643FF52A3}"/>
+              </a:ext>
+            </a:extLst>
+          </p:cNvPr>
+          <p:cNvSpPr/>
+          <p:nvPr/>
+        </p:nvSpPr>
+        <p:spPr>
+          <a:xfrm>
+            <a:off x="7239000" y="1190625"/>
+            <a:ext cx="3105150" cy="885918"/>
+          </a:xfrm>
+          <a:prstGeom prst="ellipse">
+            <a:avLst/>
+          </a:prstGeom>
+          <a:noFill/>
+          <a:ln>
+            <a:solidFill>
+              <a:schemeClr val="accent1"/>
+            </a:solidFill>
+          </a:ln>
+          <a:effectLst>
+            <a:glow rad="228600">
+              <a:schemeClr val="accent5">
+                <a:satMod val="175000"/>
+                <a:alpha val="40000"/>
+              </a:schemeClr>
+            </a:glow>
+          </a:effectLst>
+        </p:spPr>
+        <p:style>
+          <a:lnRef idx="2">
+            <a:schemeClr val="accent1">
+              <a:shade val="15000"/>
+            </a:schemeClr>
+          </a:lnRef>
+          <a:fillRef idx="1">
+            <a:schemeClr val="accent1"/>
+          </a:fillRef>
+          <a:effectRef idx="0">
+            <a:schemeClr val="accent1"/>
+          </a:effectRef>
+          <a:fontRef idx="minor">
+            <a:schemeClr val="lt1"/>
+          </a:fontRef>
+        </p:style>
+        <p:txBody>
+          <a:bodyPr rtlCol="0" anchor="ctr"/>
+          <a:lstStyle/>
+          <a:p>
+            <a:pPr algn="ctr"/>
+            <a:endParaRPr lang="en-US"/>
+          </a:p>
+        </p:txBody>
+      </p:sp>
+      <p:sp>
+        <p:nvSpPr>
+          <p:cNvPr id="12" name="Oval 11">
+            <a:extLst>
+              <a:ext uri="{FF2B5EF4-FFF2-40B4-BE49-F238E27FC236}">
+                <a16:creationId xmlns:a16="http://schemas.microsoft.com/office/drawing/2014/main" id="{23FAD89D-DE0B-B85A-81B8-8B0E10FDCA73}"/>
+              </a:ext>
+            </a:extLst>
+          </p:cNvPr>
+          <p:cNvSpPr/>
+          <p:nvPr/>
+        </p:nvSpPr>
+        <p:spPr>
+          <a:xfrm>
+            <a:off x="6962360" y="2619784"/>
+            <a:ext cx="1829215" cy="485297"/>
+          </a:xfrm>
+          <a:prstGeom prst="ellipse">
+            <a:avLst/>
+          </a:prstGeom>
+          <a:noFill/>
+          <a:ln>
+            <a:solidFill>
+              <a:schemeClr val="accent1"/>
+            </a:solidFill>
+          </a:ln>
+          <a:effectLst>
+            <a:glow rad="228600">
+              <a:schemeClr val="accent5">
+                <a:satMod val="175000"/>
+                <a:alpha val="40000"/>
+              </a:schemeClr>
+            </a:glow>
+          </a:effectLst>
+        </p:spPr>
+        <p:style>
+          <a:lnRef idx="2">
+            <a:schemeClr val="accent1">
+              <a:shade val="15000"/>
+            </a:schemeClr>
+          </a:lnRef>
+          <a:fillRef idx="1">
+            <a:schemeClr val="accent1"/>
+          </a:fillRef>
+          <a:effectRef idx="0">
+            <a:schemeClr val="accent1"/>
+          </a:effectRef>
+          <a:fontRef idx="minor">
+            <a:schemeClr val="lt1"/>
+          </a:fontRef>
+        </p:style>
+        <p:txBody>
+          <a:bodyPr rtlCol="0" anchor="ctr"/>
+          <a:lstStyle/>
+          <a:p>
+            <a:pPr algn="ctr"/>
+            <a:endParaRPr lang="en-US"/>
+          </a:p>
+        </p:txBody>
+      </p:sp>
+      <p:pic>
+        <p:nvPicPr>
+          <p:cNvPr id="14" name="Graphic 13" descr="Checkmark with solid fill">
+            <a:extLst>
+              <a:ext uri="{FF2B5EF4-FFF2-40B4-BE49-F238E27FC236}">
+                <a16:creationId xmlns:a16="http://schemas.microsoft.com/office/drawing/2014/main" id="{C6AFFAC0-55C1-1CF5-60AA-4B32DF8CB486}"/>
+              </a:ext>
+            </a:extLst>
+          </p:cNvPr>
+          <p:cNvPicPr>
+            <a:picLocks noChangeAspect="1"/>
+          </p:cNvPicPr>
+          <p:nvPr/>
+        </p:nvPicPr>
+        <p:blipFill>
+          <a:blip r:embed="rId5">
+            <a:extLst>
+              <a:ext uri="{28A0092B-C50C-407E-A947-70E740481C1C}">
+                <a14:useLocalDpi xmlns:a14="http://schemas.microsoft.com/office/drawing/2010/main" val="0"/>
+              </a:ext>
+              <a:ext uri="{96DAC541-7B7A-43D3-8B79-37D633B846F1}">
+                <asvg:svgBlip xmlns:asvg="http://schemas.microsoft.com/office/drawing/2016/SVG/main" r:embed="rId6"/>
+              </a:ext>
+            </a:extLst>
+          </a:blip>
+          <a:stretch>
+            <a:fillRect/>
+          </a:stretch>
+        </p:blipFill>
+        <p:spPr>
+          <a:xfrm>
+            <a:off x="7469403" y="6210616"/>
+            <a:ext cx="228185" cy="228185"/>
+          </a:xfrm>
+          <a:prstGeom prst="rect">
+            <a:avLst/>
+          </a:prstGeom>
+        </p:spPr>
+      </p:pic>
+    </p:spTree>
+    <p:extLst>
+      <p:ext uri="{BB962C8B-B14F-4D97-AF65-F5344CB8AC3E}">
+        <p14:creationId xmlns:p14="http://schemas.microsoft.com/office/powerpoint/2010/main" val="19028950"/>
+      </p:ext>
+    </p:extLst>
+  </p:cSld>
+  <p:clrMapOvr>
+    <a:masterClrMapping/>
+  </p:clrMapOvr>
+  <p:timing>
+    <p:tnLst>
+      <p:par>
+        <p:cTn id="1" dur="indefinite" restart="never" nodeType="tmRoot">
+          <p:childTnLst>
+            <p:seq concurrent="1" nextAc="seek">
+              <p:cTn id="2" dur="indefinite" nodeType="mainSeq">
+                <p:childTnLst>
+                  <p:par>
+                    <p:cTn id="3" fill="hold">
+                      <p:stCondLst>
+                        <p:cond delay="indefinite"/>
+                      </p:stCondLst>
+                      <p:childTnLst>
+                        <p:par>
+                          <p:cTn id="4" fill="hold">
+                            <p:stCondLst>
+                              <p:cond delay="0"/>
+                            </p:stCondLst>
+                            <p:childTnLst>
+                              <p:par>
+                                <p:cTn id="5" presetID="1" presetClass="entr" presetSubtype="0" fill="hold" nodeType="clickEffect">
+                                  <p:stCondLst>
+                                    <p:cond delay="0"/>
+                                  </p:stCondLst>
+                                  <p:childTnLst>
+                                    <p:set>
+                                      <p:cBhvr>
+                                        <p:cTn id="6" dur="1" fill="hold">
+                                          <p:stCondLst>
+                                            <p:cond delay="0"/>
+                                          </p:stCondLst>
+                                        </p:cTn>
+                                        <p:tgtEl>
+                                          <p:spTgt spid="3">
+                                            <p:txEl>
+                                              <p:pRg st="1" end="1"/>
+                                            </p:txEl>
+                                          </p:spTgt>
+                                        </p:tgtEl>
+                                        <p:attrNameLst>
+                                          <p:attrName>style.visibility</p:attrName>
+                                        </p:attrNameLst>
+                                      </p:cBhvr>
+                                      <p:to>
+                                        <p:strVal val="visible"/>
+                                      </p:to>
+                                    </p:set>
+                                  </p:childTnLst>
+                                </p:cTn>
+                              </p:par>
+                              <p:par>
+                                <p:cTn id="7" presetID="1" presetClass="entr" presetSubtype="0" fill="hold" nodeType="withEffect">
+                                  <p:stCondLst>
+                                    <p:cond delay="0"/>
+                                  </p:stCondLst>
+                                  <p:childTnLst>
+                                    <p:set>
+                                      <p:cBhvr>
+                                        <p:cTn id="8" dur="1" fill="hold">
+                                          <p:stCondLst>
+                                            <p:cond delay="0"/>
+                                          </p:stCondLst>
+                                        </p:cTn>
+                                        <p:tgtEl>
+                                          <p:spTgt spid="3">
+                                            <p:txEl>
+                                              <p:pRg st="2" end="2"/>
+                                            </p:txEl>
+                                          </p:spTgt>
+                                        </p:tgtEl>
+                                        <p:attrNameLst>
+                                          <p:attrName>style.visibility</p:attrName>
+                                        </p:attrNameLst>
+                                      </p:cBhvr>
+                                      <p:to>
+                                        <p:strVal val="visible"/>
+                                      </p:to>
+                                    </p:set>
+                                  </p:childTnLst>
+                                </p:cTn>
+                              </p:par>
+                            </p:childTnLst>
+                          </p:cTn>
+                        </p:par>
+                      </p:childTnLst>
+                    </p:cTn>
+                  </p:par>
+                  <p:par>
+                    <p:cTn id="9" fill="hold">
+                      <p:stCondLst>
+                        <p:cond delay="indefinite"/>
+                      </p:stCondLst>
+                      <p:childTnLst>
+                        <p:par>
+                          <p:cTn id="10" fill="hold">
+                            <p:stCondLst>
+                              <p:cond delay="0"/>
+                            </p:stCondLst>
+                            <p:childTnLst>
+                              <p:par>
+                                <p:cTn id="11" presetID="1" presetClass="entr" presetSubtype="0" fill="hold" nodeType="clickEffect">
+                                  <p:stCondLst>
+                                    <p:cond delay="0"/>
+                                  </p:stCondLst>
+                                  <p:childTnLst>
+                                    <p:set>
+                                      <p:cBhvr>
+                                        <p:cTn id="12" dur="1" fill="hold">
+                                          <p:stCondLst>
+                                            <p:cond delay="0"/>
+                                          </p:stCondLst>
+                                        </p:cTn>
+                                        <p:tgtEl>
+                                          <p:spTgt spid="5"/>
+                                        </p:tgtEl>
+                                        <p:attrNameLst>
+                                          <p:attrName>style.visibility</p:attrName>
+                                        </p:attrNameLst>
+                                      </p:cBhvr>
+                                      <p:to>
+                                        <p:strVal val="visible"/>
+                                      </p:to>
+                                    </p:set>
+                                  </p:childTnLst>
+                                </p:cTn>
+                              </p:par>
+                            </p:childTnLst>
+                          </p:cTn>
+                        </p:par>
+                      </p:childTnLst>
+                    </p:cTn>
+                  </p:par>
+                  <p:par>
+                    <p:cTn id="13" fill="hold">
+                      <p:stCondLst>
+                        <p:cond delay="indefinite"/>
+                      </p:stCondLst>
+                      <p:childTnLst>
+                        <p:par>
+                          <p:cTn id="14" fill="hold">
+                            <p:stCondLst>
+                              <p:cond delay="0"/>
+                            </p:stCondLst>
+                            <p:childTnLst>
+                              <p:par>
+                                <p:cTn id="15" presetID="1" presetClass="entr" presetSubtype="0" fill="hold" nodeType="clickEffect">
+                                  <p:stCondLst>
+                                    <p:cond delay="0"/>
+                                  </p:stCondLst>
+                                  <p:childTnLst>
+                                    <p:set>
+                                      <p:cBhvr>
+                                        <p:cTn id="16" dur="1" fill="hold">
+                                          <p:stCondLst>
+                                            <p:cond delay="0"/>
+                                          </p:stCondLst>
+                                        </p:cTn>
+                                        <p:tgtEl>
+                                          <p:spTgt spid="3">
+                                            <p:txEl>
+                                              <p:pRg st="3" end="3"/>
+                                            </p:txEl>
+                                          </p:spTgt>
+                                        </p:tgtEl>
+                                        <p:attrNameLst>
+                                          <p:attrName>style.visibility</p:attrName>
+                                        </p:attrNameLst>
+                                      </p:cBhvr>
+                                      <p:to>
+                                        <p:strVal val="visible"/>
+                                      </p:to>
+                                    </p:set>
+                                  </p:childTnLst>
+                                </p:cTn>
+                              </p:par>
+                              <p:par>
+                                <p:cTn id="17" presetID="1" presetClass="entr" presetSubtype="0" fill="hold" grpId="0" nodeType="withEffect">
+                                  <p:stCondLst>
+                                    <p:cond delay="0"/>
+                                  </p:stCondLst>
+                                  <p:childTnLst>
+                                    <p:set>
+                                      <p:cBhvr>
+                                        <p:cTn id="18" dur="1" fill="hold">
+                                          <p:stCondLst>
+                                            <p:cond delay="0"/>
+                                          </p:stCondLst>
+                                        </p:cTn>
+                                        <p:tgtEl>
+                                          <p:spTgt spid="11"/>
+                                        </p:tgtEl>
+                                        <p:attrNameLst>
+                                          <p:attrName>style.visibility</p:attrName>
+                                        </p:attrNameLst>
+                                      </p:cBhvr>
+                                      <p:to>
+                                        <p:strVal val="visible"/>
+                                      </p:to>
+                                    </p:set>
+                                  </p:childTnLst>
+                                </p:cTn>
+                              </p:par>
+                            </p:childTnLst>
+                          </p:cTn>
+                        </p:par>
+                      </p:childTnLst>
+                    </p:cTn>
+                  </p:par>
+                  <p:par>
+                    <p:cTn id="19" fill="hold">
+                      <p:stCondLst>
+                        <p:cond delay="indefinite"/>
+                      </p:stCondLst>
+                      <p:childTnLst>
+                        <p:par>
+                          <p:cTn id="20" fill="hold">
+                            <p:stCondLst>
+                              <p:cond delay="0"/>
+                            </p:stCondLst>
+                            <p:childTnLst>
+                              <p:par>
+                                <p:cTn id="21" presetID="1" presetClass="entr" presetSubtype="0" fill="hold" nodeType="clickEffect">
+                                  <p:stCondLst>
+                                    <p:cond delay="0"/>
+                                  </p:stCondLst>
+                                  <p:childTnLst>
+                                    <p:set>
+                                      <p:cBhvr>
+                                        <p:cTn id="22" dur="1" fill="hold">
+                                          <p:stCondLst>
+                                            <p:cond delay="0"/>
+                                          </p:stCondLst>
+                                        </p:cTn>
+                                        <p:tgtEl>
+                                          <p:spTgt spid="3">
+                                            <p:txEl>
+                                              <p:pRg st="4" end="4"/>
+                                            </p:txEl>
+                                          </p:spTgt>
+                                        </p:tgtEl>
+                                        <p:attrNameLst>
+                                          <p:attrName>style.visibility</p:attrName>
+                                        </p:attrNameLst>
+                                      </p:cBhvr>
+                                      <p:to>
+                                        <p:strVal val="visible"/>
+                                      </p:to>
+                                    </p:set>
+                                  </p:childTnLst>
+                                </p:cTn>
+                              </p:par>
+                              <p:par>
+                                <p:cTn id="23" presetID="1" presetClass="entr" presetSubtype="0" fill="hold" nodeType="withEffect">
+                                  <p:stCondLst>
+                                    <p:cond delay="0"/>
+                                  </p:stCondLst>
+                                  <p:childTnLst>
+                                    <p:set>
+                                      <p:cBhvr>
+                                        <p:cTn id="24" dur="1" fill="hold">
+                                          <p:stCondLst>
+                                            <p:cond delay="0"/>
+                                          </p:stCondLst>
+                                        </p:cTn>
+                                        <p:tgtEl>
+                                          <p:spTgt spid="7"/>
+                                        </p:tgtEl>
+                                        <p:attrNameLst>
+                                          <p:attrName>style.visibility</p:attrName>
+                                        </p:attrNameLst>
+                                      </p:cBhvr>
+                                      <p:to>
+                                        <p:strVal val="visible"/>
+                                      </p:to>
+                                    </p:set>
+                                  </p:childTnLst>
+                                </p:cTn>
+                              </p:par>
+                              <p:par>
+                                <p:cTn id="25" presetID="1" presetClass="exit" presetSubtype="0" fill="hold" nodeType="withEffect">
+                                  <p:stCondLst>
+                                    <p:cond delay="0"/>
+                                  </p:stCondLst>
+                                  <p:childTnLst>
+                                    <p:set>
+                                      <p:cBhvr>
+                                        <p:cTn id="26" dur="1" fill="hold">
+                                          <p:stCondLst>
+                                            <p:cond delay="0"/>
+                                          </p:stCondLst>
+                                        </p:cTn>
+                                        <p:tgtEl>
+                                          <p:spTgt spid="5"/>
+                                        </p:tgtEl>
+                                        <p:attrNameLst>
+                                          <p:attrName>style.visibility</p:attrName>
+                                        </p:attrNameLst>
+                                      </p:cBhvr>
+                                      <p:to>
+                                        <p:strVal val="hidden"/>
+                                      </p:to>
+                                    </p:set>
+                                  </p:childTnLst>
+                                </p:cTn>
+                              </p:par>
+                              <p:par>
+                                <p:cTn id="27" presetID="1" presetClass="exit" presetSubtype="0" fill="hold" grpId="1" nodeType="withEffect">
+                                  <p:stCondLst>
+                                    <p:cond delay="0"/>
+                                  </p:stCondLst>
+                                  <p:childTnLst>
+                                    <p:set>
+                                      <p:cBhvr>
+                                        <p:cTn id="28" dur="1" fill="hold">
+                                          <p:stCondLst>
+                                            <p:cond delay="0"/>
+                                          </p:stCondLst>
+                                        </p:cTn>
+                                        <p:tgtEl>
+                                          <p:spTgt spid="11"/>
+                                        </p:tgtEl>
+                                        <p:attrNameLst>
+                                          <p:attrName>style.visibility</p:attrName>
+                                        </p:attrNameLst>
+                                      </p:cBhvr>
+                                      <p:to>
+                                        <p:strVal val="hidden"/>
+                                      </p:to>
+                                    </p:set>
+                                  </p:childTnLst>
+                                </p:cTn>
+                              </p:par>
+                            </p:childTnLst>
+                          </p:cTn>
+                        </p:par>
+                      </p:childTnLst>
+                    </p:cTn>
+                  </p:par>
+                  <p:par>
+                    <p:cTn id="29" fill="hold">
+                      <p:stCondLst>
+                        <p:cond delay="indefinite"/>
+                      </p:stCondLst>
+                      <p:childTnLst>
+                        <p:par>
+                          <p:cTn id="30" fill="hold">
+                            <p:stCondLst>
+                              <p:cond delay="0"/>
+                            </p:stCondLst>
+                            <p:childTnLst>
+                              <p:par>
+                                <p:cTn id="31" presetID="1" presetClass="entr" presetSubtype="0" fill="hold" grpId="0" nodeType="clickEffect">
+                                  <p:stCondLst>
+                                    <p:cond delay="0"/>
+                                  </p:stCondLst>
+                                  <p:childTnLst>
+                                    <p:set>
+                                      <p:cBhvr>
+                                        <p:cTn id="32" dur="1" fill="hold">
+                                          <p:stCondLst>
+                                            <p:cond delay="0"/>
+                                          </p:stCondLst>
+                                        </p:cTn>
+                                        <p:tgtEl>
+                                          <p:spTgt spid="12"/>
+                                        </p:tgtEl>
+                                        <p:attrNameLst>
+                                          <p:attrName>style.visibility</p:attrName>
+                                        </p:attrNameLst>
+                                      </p:cBhvr>
+                                      <p:to>
+                                        <p:strVal val="visible"/>
+                                      </p:to>
+                                    </p:set>
+                                  </p:childTnLst>
+                                </p:cTn>
+                              </p:par>
+                            </p:childTnLst>
+                          </p:cTn>
+                        </p:par>
+                      </p:childTnLst>
+                    </p:cTn>
+                  </p:par>
+                  <p:par>
+                    <p:cTn id="33" fill="hold">
+                      <p:stCondLst>
+                        <p:cond delay="indefinite"/>
+                      </p:stCondLst>
+                      <p:childTnLst>
+                        <p:par>
+                          <p:cTn id="34" fill="hold">
+                            <p:stCondLst>
+                              <p:cond delay="0"/>
+                            </p:stCondLst>
+                            <p:childTnLst>
+                              <p:par>
+                                <p:cTn id="35" presetID="1" presetClass="entr" presetSubtype="0" fill="hold" nodeType="clickEffect">
+                                  <p:stCondLst>
+                                    <p:cond delay="0"/>
+                                  </p:stCondLst>
+                                  <p:childTnLst>
+                                    <p:set>
+                                      <p:cBhvr>
+                                        <p:cTn id="36" dur="1" fill="hold">
+                                          <p:stCondLst>
+                                            <p:cond delay="0"/>
+                                          </p:stCondLst>
+                                        </p:cTn>
+                                        <p:tgtEl>
+                                          <p:spTgt spid="9"/>
+                                        </p:tgtEl>
+                                        <p:attrNameLst>
+                                          <p:attrName>style.visibility</p:attrName>
+                                        </p:attrNameLst>
+                                      </p:cBhvr>
+                                      <p:to>
+                                        <p:strVal val="visible"/>
+                                      </p:to>
+                                    </p:set>
+                                  </p:childTnLst>
+                                </p:cTn>
+                              </p:par>
+                              <p:par>
+                                <p:cTn id="37" presetID="1" presetClass="exit" presetSubtype="0" fill="hold" grpId="1" nodeType="withEffect">
+                                  <p:stCondLst>
+                                    <p:cond delay="0"/>
+                                  </p:stCondLst>
+                                  <p:childTnLst>
+                                    <p:set>
+                                      <p:cBhvr>
+                                        <p:cTn id="38" dur="1" fill="hold">
+                                          <p:stCondLst>
+                                            <p:cond delay="0"/>
+                                          </p:stCondLst>
+                                        </p:cTn>
+                                        <p:tgtEl>
+                                          <p:spTgt spid="12"/>
+                                        </p:tgtEl>
+                                        <p:attrNameLst>
+                                          <p:attrName>style.visibility</p:attrName>
+                                        </p:attrNameLst>
+                                      </p:cBhvr>
+                                      <p:to>
+                                        <p:strVal val="hidden"/>
+                                      </p:to>
+                                    </p:set>
+                                  </p:childTnLst>
+                                </p:cTn>
+                              </p:par>
+                              <p:par>
+                                <p:cTn id="39" presetID="1" presetClass="exit" presetSubtype="0" fill="hold" nodeType="withEffect">
+                                  <p:stCondLst>
+                                    <p:cond delay="0"/>
+                                  </p:stCondLst>
+                                  <p:childTnLst>
+                                    <p:set>
+                                      <p:cBhvr>
+                                        <p:cTn id="40" dur="1" fill="hold">
+                                          <p:stCondLst>
+                                            <p:cond delay="0"/>
+                                          </p:stCondLst>
+                                        </p:cTn>
+                                        <p:tgtEl>
+                                          <p:spTgt spid="7"/>
+                                        </p:tgtEl>
+                                        <p:attrNameLst>
+                                          <p:attrName>style.visibility</p:attrName>
+                                        </p:attrNameLst>
+                                      </p:cBhvr>
+                                      <p:to>
+                                        <p:strVal val="hidden"/>
+                                      </p:to>
+                                    </p:set>
+                                  </p:childTnLst>
+                                </p:cTn>
+                              </p:par>
+                              <p:par>
+                                <p:cTn id="41" presetID="1" presetClass="entr" presetSubtype="0" fill="hold" nodeType="withEffect">
+                                  <p:stCondLst>
+                                    <p:cond delay="0"/>
+                                  </p:stCondLst>
+                                  <p:childTnLst>
+                                    <p:set>
+                                      <p:cBhvr>
+                                        <p:cTn id="42" dur="1" fill="hold">
+                                          <p:stCondLst>
+                                            <p:cond delay="0"/>
+                                          </p:stCondLst>
+                                        </p:cTn>
+                                        <p:tgtEl>
+                                          <p:spTgt spid="3">
+                                            <p:txEl>
+                                              <p:pRg st="5" end="5"/>
+                                            </p:txEl>
+                                          </p:spTgt>
+                                        </p:tgtEl>
+                                        <p:attrNameLst>
+                                          <p:attrName>style.visibility</p:attrName>
+                                        </p:attrNameLst>
+                                      </p:cBhvr>
+                                      <p:to>
+                                        <p:strVal val="visible"/>
+                                      </p:to>
+                                    </p:set>
+                                  </p:childTnLst>
+                                </p:cTn>
+                              </p:par>
+                            </p:childTnLst>
+                          </p:cTn>
+                        </p:par>
+                      </p:childTnLst>
+                    </p:cTn>
+                  </p:par>
+                  <p:par>
+                    <p:cTn id="43" fill="hold">
+                      <p:stCondLst>
+                        <p:cond delay="indefinite"/>
+                      </p:stCondLst>
+                      <p:childTnLst>
+                        <p:par>
+                          <p:cTn id="44" fill="hold">
+                            <p:stCondLst>
+                              <p:cond delay="0"/>
+                            </p:stCondLst>
+                            <p:childTnLst>
+                              <p:par>
+                                <p:cTn id="45" presetID="10" presetClass="entr" presetSubtype="0" fill="hold" grpId="0" nodeType="clickEffect">
+                                  <p:stCondLst>
+                                    <p:cond delay="0"/>
+                                  </p:stCondLst>
+                                  <p:iterate type="lt">
+                                    <p:tmPct val="10000"/>
+                                  </p:iterate>
+                                  <p:childTnLst>
+                                    <p:set>
+                                      <p:cBhvr>
+                                        <p:cTn id="46" dur="1" fill="hold">
+                                          <p:stCondLst>
+                                            <p:cond delay="0"/>
+                                          </p:stCondLst>
+                                        </p:cTn>
+                                        <p:tgtEl>
+                                          <p:spTgt spid="10"/>
+                                        </p:tgtEl>
+                                        <p:attrNameLst>
+                                          <p:attrName>style.visibility</p:attrName>
+                                        </p:attrNameLst>
+                                      </p:cBhvr>
+                                      <p:to>
+                                        <p:strVal val="visible"/>
+                                      </p:to>
+                                    </p:set>
+                                    <p:animEffect transition="in" filter="fade">
+                                      <p:cBhvr>
+                                        <p:cTn id="47" dur="1000"/>
+                                        <p:tgtEl>
+                                          <p:spTgt spid="10"/>
+                                        </p:tgtEl>
+                                      </p:cBhvr>
+                                    </p:animEffect>
+                                  </p:childTnLst>
+                                </p:cTn>
+                              </p:par>
+                            </p:childTnLst>
+                          </p:cTn>
+                        </p:par>
+                        <p:par>
+                          <p:cTn id="48" fill="hold">
+                            <p:stCondLst>
+                              <p:cond delay="3200"/>
+                            </p:stCondLst>
+                            <p:childTnLst>
+                              <p:par>
+                                <p:cTn id="49" presetID="1" presetClass="entr" presetSubtype="0" fill="hold" nodeType="afterEffect">
+                                  <p:stCondLst>
+                                    <p:cond delay="0"/>
+                                  </p:stCondLst>
+                                  <p:childTnLst>
+                                    <p:set>
+                                      <p:cBhvr>
+                                        <p:cTn id="50" dur="1" fill="hold">
+                                          <p:stCondLst>
+                                            <p:cond delay="0"/>
+                                          </p:stCondLst>
+                                        </p:cTn>
+                                        <p:tgtEl>
+                                          <p:spTgt spid="14"/>
+                                        </p:tgtEl>
+                                        <p:attrNameLst>
+                                          <p:attrName>style.visibility</p:attrName>
+                                        </p:attrNameLst>
+                                      </p:cBhvr>
+                                      <p:to>
+                                        <p:strVal val="visible"/>
+                                      </p:to>
+                                    </p:set>
+                                  </p:childTnLst>
+                                </p:cTn>
+                              </p:par>
+                            </p:childTnLst>
+                          </p:cTn>
+                        </p:par>
+                      </p:childTnLst>
+                    </p:cTn>
+                  </p:par>
+                </p:childTnLst>
+              </p:cTn>
+              <p:prevCondLst>
+                <p:cond evt="onPrev" delay="0">
+                  <p:tgtEl>
+                    <p:sldTgt/>
+                  </p:tgtEl>
+                </p:cond>
+              </p:prevCondLst>
+              <p:nextCondLst>
+                <p:cond evt="onNext" delay="0">
+                  <p:tgtEl>
+                    <p:sldTgt/>
+                  </p:tgtEl>
+                </p:cond>
+              </p:nextCondLst>
+            </p:seq>
+          </p:childTnLst>
+        </p:cTn>
+      </p:par>
+    </p:tnLst>
+    <p:bldLst>
+      <p:bldP spid="10" grpId="0"/>
+      <p:bldP spid="11" grpId="0" animBg="1"/>
+      <p:bldP spid="11" grpId="1" animBg="1"/>
+      <p:bldP spid="12" grpId="0" animBg="1"/>
+      <p:bldP spid="12" grpId="1" animBg="1"/>
+    </p:bldLst>
+  </p:timing>
+</p:sld>
+</file>
+
+<file path=ppt/slides/slide7.xml><?xml version="1.0" encoding="utf-8"?>
+<p:sld xmlns:a="http://schemas.openxmlformats.org/drawingml/2006/main" xmlns:r="http://schemas.openxmlformats.org/officeDocument/2006/relationships" xmlns:p="http://schemas.openxmlformats.org/presentationml/2006/main">
+  <p:cSld>
+    <p:spTree>
+      <p:nvGrpSpPr>
+        <p:cNvPr id="1" name=""/>
+        <p:cNvGrpSpPr/>
+        <p:nvPr/>
+      </p:nvGrpSpPr>
+      <p:grpSpPr>
+        <a:xfrm>
+          <a:off x="0" y="0"/>
+          <a:ext cx="0" cy="0"/>
+          <a:chOff x="0" y="0"/>
+          <a:chExt cx="0" cy="0"/>
+        </a:xfrm>
+      </p:grpSpPr>
+      <p:sp>
+        <p:nvSpPr>
+          <p:cNvPr id="2" name="Title 1">
+            <a:extLst>
+              <a:ext uri="{FF2B5EF4-FFF2-40B4-BE49-F238E27FC236}">
+                <a16:creationId xmlns:a16="http://schemas.microsoft.com/office/drawing/2014/main" id="{D7B8ECE7-6E8D-4554-94CF-4B57431B0101}"/>
+              </a:ext>
+            </a:extLst>
+          </p:cNvPr>
+          <p:cNvSpPr>
+            <a:spLocks noGrp="1"/>
+          </p:cNvSpPr>
+          <p:nvPr>
+            <p:ph type="title"/>
+          </p:nvPr>
+        </p:nvSpPr>
         <p:spPr/>
         <p:txBody>
           <a:bodyPr/>
@@ -16712,6 +18399,34 @@
           <a:p>
             <a:r>
               <a:rPr lang="en-US" dirty="0"/>
+              <a:t>RStudio Demo</a:t>
+            </a:r>
+          </a:p>
+        </p:txBody>
+      </p:sp>
+      <p:sp>
+        <p:nvSpPr>
+          <p:cNvPr id="3" name="Content Placeholder 2">
+            <a:extLst>
+              <a:ext uri="{FF2B5EF4-FFF2-40B4-BE49-F238E27FC236}">
+                <a16:creationId xmlns:a16="http://schemas.microsoft.com/office/drawing/2014/main" id="{C5961489-FC8A-4096-B0D3-4A6E3B0579BA}"/>
+              </a:ext>
+            </a:extLst>
+          </p:cNvPr>
+          <p:cNvSpPr>
+            <a:spLocks noGrp="1"/>
+          </p:cNvSpPr>
+          <p:nvPr>
+            <p:ph idx="1"/>
+          </p:nvPr>
+        </p:nvSpPr>
+        <p:spPr/>
+        <p:txBody>
+          <a:bodyPr/>
+          <a:lstStyle/>
+          <a:p>
+            <a:r>
+              <a:rPr lang="en-US" dirty="0"/>
               <a:t>Let’s demo this in RStudio!</a:t>
             </a:r>
           </a:p>
@@ -16725,6 +18440,13 @@
             <a:pPr lvl="1"/>
             <a:r>
               <a:rPr lang="en-US" dirty="0"/>
+              <a:t>Unzipping folder we sent</a:t>
+            </a:r>
+          </a:p>
+          <a:p>
+            <a:pPr lvl="1"/>
+            <a:r>
+              <a:rPr lang="en-US" dirty="0"/>
               <a:t>How to start / open RStudio  </a:t>
             </a:r>
           </a:p>
@@ -16741,6 +18463,18 @@
               <a:rPr lang="en-US" dirty="0"/>
               <a:t>Where to type your code</a:t>
             </a:r>
+          </a:p>
+          <a:p>
+            <a:pPr lvl="1"/>
+            <a:r>
+              <a:rPr lang="en-US" dirty="0"/>
+              <a:t>How to make a new </a:t>
+            </a:r>
+            <a:r>
+              <a:rPr lang="en-US" dirty="0" err="1"/>
+              <a:t>RProject</a:t>
+            </a:r>
+            <a:endParaRPr lang="en-US" dirty="0"/>
           </a:p>
         </p:txBody>
       </p:sp>
@@ -16767,7 +18501,7 @@
           <a:p>
             <a:fld id="{6D95AE55-B5F4-483D-AEFF-E8059F5502F5}" type="slidenum">
               <a:rPr lang="en-US" smtClean="0"/>
-              <a:t>6</a:t>
+              <a:t>7</a:t>
             </a:fld>
             <a:endParaRPr lang="en-US"/>
           </a:p>
@@ -16821,7 +18555,7 @@
 </p:sld>
 </file>
 
-<file path=ppt/slides/slide7.xml><?xml version="1.0" encoding="utf-8"?>
+<file path=ppt/slides/slide8.xml><?xml version="1.0" encoding="utf-8"?>
 <p:sld xmlns:a="http://schemas.openxmlformats.org/drawingml/2006/main" xmlns:r="http://schemas.openxmlformats.org/officeDocument/2006/relationships" xmlns:p="http://schemas.openxmlformats.org/presentationml/2006/main">
   <p:cSld>
     <p:spTree>
@@ -16969,7 +18703,7 @@
           <a:p>
             <a:fld id="{6D95AE55-B5F4-483D-AEFF-E8059F5502F5}" type="slidenum">
               <a:rPr lang="en-US" smtClean="0"/>
-              <a:t>7</a:t>
+              <a:t>8</a:t>
             </a:fld>
             <a:endParaRPr lang="en-US"/>
           </a:p>
@@ -17407,7 +19141,7 @@
 </p:sld>
 </file>
 
-<file path=ppt/slides/slide8.xml><?xml version="1.0" encoding="utf-8"?>
+<file path=ppt/slides/slide9.xml><?xml version="1.0" encoding="utf-8"?>
 <p:sld xmlns:a="http://schemas.openxmlformats.org/drawingml/2006/main" xmlns:r="http://schemas.openxmlformats.org/officeDocument/2006/relationships" xmlns:p="http://schemas.openxmlformats.org/presentationml/2006/main">
   <p:cSld>
     <p:spTree>
@@ -17564,7 +19298,7 @@
           <a:p>
             <a:fld id="{6D95AE55-B5F4-483D-AEFF-E8059F5502F5}" type="slidenum">
               <a:rPr lang="en-US" smtClean="0"/>
-              <a:t>8</a:t>
+              <a:t>9</a:t>
             </a:fld>
             <a:endParaRPr lang="en-US"/>
           </a:p>
@@ -17609,659 +19343,6 @@
     <p:extLst>
       <p:ext uri="{BB962C8B-B14F-4D97-AF65-F5344CB8AC3E}">
         <p14:creationId xmlns:p14="http://schemas.microsoft.com/office/powerpoint/2010/main" val="2227453336"/>
-      </p:ext>
-    </p:extLst>
-  </p:cSld>
-  <p:clrMapOvr>
-    <a:masterClrMapping/>
-  </p:clrMapOvr>
-</p:sld>
-</file>
-
-<file path=ppt/slides/slide9.xml><?xml version="1.0" encoding="utf-8"?>
-<p:sld xmlns:a="http://schemas.openxmlformats.org/drawingml/2006/main" xmlns:r="http://schemas.openxmlformats.org/officeDocument/2006/relationships" xmlns:p="http://schemas.openxmlformats.org/presentationml/2006/main">
-  <p:cSld>
-    <p:spTree>
-      <p:nvGrpSpPr>
-        <p:cNvPr id="1" name=""/>
-        <p:cNvGrpSpPr/>
-        <p:nvPr/>
-      </p:nvGrpSpPr>
-      <p:grpSpPr>
-        <a:xfrm>
-          <a:off x="0" y="0"/>
-          <a:ext cx="0" cy="0"/>
-          <a:chOff x="0" y="0"/>
-          <a:chExt cx="0" cy="0"/>
-        </a:xfrm>
-      </p:grpSpPr>
-      <p:sp>
-        <p:nvSpPr>
-          <p:cNvPr id="2" name="Title 1">
-            <a:extLst>
-              <a:ext uri="{FF2B5EF4-FFF2-40B4-BE49-F238E27FC236}">
-                <a16:creationId xmlns:a16="http://schemas.microsoft.com/office/drawing/2014/main" id="{55B08510-82E4-4502-9977-E5DD89855A18}"/>
-              </a:ext>
-            </a:extLst>
-          </p:cNvPr>
-          <p:cNvSpPr>
-            <a:spLocks noGrp="1"/>
-          </p:cNvSpPr>
-          <p:nvPr>
-            <p:ph type="title"/>
-          </p:nvPr>
-        </p:nvSpPr>
-        <p:spPr/>
-        <p:txBody>
-          <a:bodyPr/>
-          <a:lstStyle/>
-          <a:p>
-            <a:r>
-              <a:rPr lang="en-US" dirty="0"/>
-              <a:t>Versions</a:t>
-            </a:r>
-          </a:p>
-        </p:txBody>
-      </p:sp>
-      <p:sp>
-        <p:nvSpPr>
-          <p:cNvPr id="3" name="Content Placeholder 2">
-            <a:extLst>
-              <a:ext uri="{FF2B5EF4-FFF2-40B4-BE49-F238E27FC236}">
-                <a16:creationId xmlns:a16="http://schemas.microsoft.com/office/drawing/2014/main" id="{8AD0BE75-9467-4C12-97FD-74823D699DDD}"/>
-              </a:ext>
-            </a:extLst>
-          </p:cNvPr>
-          <p:cNvSpPr>
-            <a:spLocks noGrp="1"/>
-          </p:cNvSpPr>
-          <p:nvPr>
-            <p:ph idx="1"/>
-          </p:nvPr>
-        </p:nvSpPr>
-        <p:spPr>
-          <a:xfrm>
-            <a:off x="418292" y="1546698"/>
-            <a:ext cx="6180472" cy="5174777"/>
-          </a:xfrm>
-        </p:spPr>
-        <p:txBody>
-          <a:bodyPr>
-            <a:normAutofit/>
-          </a:bodyPr>
-          <a:lstStyle/>
-          <a:p>
-            <a:pPr>
-              <a:spcBef>
-                <a:spcPts val="1800"/>
-              </a:spcBef>
-            </a:pPr>
-            <a:r>
-              <a:rPr lang="en-US" dirty="0"/>
-              <a:t>There are different “versions” of R, update the software</a:t>
-            </a:r>
-          </a:p>
-          <a:p>
-            <a:pPr>
-              <a:spcBef>
-                <a:spcPts val="2400"/>
-              </a:spcBef>
-            </a:pPr>
-            <a:r>
-              <a:rPr lang="en-US" dirty="0"/>
-              <a:t>Occasionally (~once a year) you may need to update R (or RStudio)</a:t>
-            </a:r>
-          </a:p>
-          <a:p>
-            <a:pPr>
-              <a:spcBef>
-                <a:spcPts val="2400"/>
-              </a:spcBef>
-            </a:pPr>
-            <a:r>
-              <a:rPr lang="en-US" dirty="0"/>
-              <a:t>Do this by downloading from Software Center and/or running:</a:t>
-            </a:r>
-          </a:p>
-          <a:p>
-            <a:pPr marL="457200" lvl="1" indent="0">
-              <a:spcBef>
-                <a:spcPts val="2400"/>
-              </a:spcBef>
-              <a:buNone/>
-            </a:pPr>
-            <a:r>
-              <a:rPr lang="en-US" sz="2000" dirty="0" err="1">
-                <a:latin typeface="Consolas" panose="020B0609020204030204" pitchFamily="49" charset="0"/>
-              </a:rPr>
-              <a:t>install.packages</a:t>
-            </a:r>
-            <a:r>
-              <a:rPr lang="en-US" sz="2000" dirty="0">
-                <a:latin typeface="Consolas" panose="020B0609020204030204" pitchFamily="49" charset="0"/>
-              </a:rPr>
-              <a:t>("</a:t>
-            </a:r>
-            <a:r>
-              <a:rPr lang="en-US" sz="2000" dirty="0" err="1">
-                <a:latin typeface="Consolas" panose="020B0609020204030204" pitchFamily="49" charset="0"/>
-              </a:rPr>
-              <a:t>installr</a:t>
-            </a:r>
-            <a:r>
-              <a:rPr lang="en-US" sz="2000" dirty="0">
-                <a:latin typeface="Consolas" panose="020B0609020204030204" pitchFamily="49" charset="0"/>
-              </a:rPr>
-              <a:t>")      library(</a:t>
-            </a:r>
-            <a:r>
-              <a:rPr lang="en-US" sz="2000" dirty="0" err="1">
-                <a:latin typeface="Consolas" panose="020B0609020204030204" pitchFamily="49" charset="0"/>
-              </a:rPr>
-              <a:t>installr</a:t>
-            </a:r>
-            <a:r>
-              <a:rPr lang="en-US" sz="2000" dirty="0">
-                <a:latin typeface="Consolas" panose="020B0609020204030204" pitchFamily="49" charset="0"/>
-              </a:rPr>
-              <a:t>)                                  </a:t>
-            </a:r>
-            <a:r>
-              <a:rPr lang="en-US" sz="2000" dirty="0" err="1">
-                <a:latin typeface="Consolas" panose="020B0609020204030204" pitchFamily="49" charset="0"/>
-              </a:rPr>
-              <a:t>updateR</a:t>
-            </a:r>
-            <a:r>
-              <a:rPr lang="en-US" sz="2000" dirty="0">
-                <a:latin typeface="Consolas" panose="020B0609020204030204" pitchFamily="49" charset="0"/>
-              </a:rPr>
-              <a:t>()</a:t>
-            </a:r>
-          </a:p>
-          <a:p>
-            <a:pPr lvl="1">
-              <a:spcBef>
-                <a:spcPts val="2400"/>
-              </a:spcBef>
-            </a:pPr>
-            <a:endParaRPr lang="en-US" dirty="0"/>
-          </a:p>
-        </p:txBody>
-      </p:sp>
-      <p:sp>
-        <p:nvSpPr>
-          <p:cNvPr id="4" name="Slide Number Placeholder 3">
-            <a:extLst>
-              <a:ext uri="{FF2B5EF4-FFF2-40B4-BE49-F238E27FC236}">
-                <a16:creationId xmlns:a16="http://schemas.microsoft.com/office/drawing/2014/main" id="{12DB9AB6-4445-4CDC-9BEA-B463BF08B781}"/>
-              </a:ext>
-            </a:extLst>
-          </p:cNvPr>
-          <p:cNvSpPr>
-            <a:spLocks noGrp="1"/>
-          </p:cNvSpPr>
-          <p:nvPr>
-            <p:ph type="sldNum" sz="quarter" idx="12"/>
-          </p:nvPr>
-        </p:nvSpPr>
-        <p:spPr/>
-        <p:txBody>
-          <a:bodyPr/>
-          <a:lstStyle/>
-          <a:p>
-            <a:fld id="{6D95AE55-B5F4-483D-AEFF-E8059F5502F5}" type="slidenum">
-              <a:rPr lang="en-US" smtClean="0"/>
-              <a:t>9</a:t>
-            </a:fld>
-            <a:endParaRPr lang="en-US"/>
-          </a:p>
-        </p:txBody>
-      </p:sp>
-      <p:sp>
-        <p:nvSpPr>
-          <p:cNvPr id="7" name="Rectangle: Rounded Corners 6">
-            <a:extLst>
-              <a:ext uri="{FF2B5EF4-FFF2-40B4-BE49-F238E27FC236}">
-                <a16:creationId xmlns:a16="http://schemas.microsoft.com/office/drawing/2014/main" id="{A62FCCCE-4970-4510-A560-A4E9560C6907}"/>
-              </a:ext>
-            </a:extLst>
-          </p:cNvPr>
-          <p:cNvSpPr/>
-          <p:nvPr/>
-        </p:nvSpPr>
-        <p:spPr>
-          <a:xfrm>
-            <a:off x="8375514" y="1413145"/>
-            <a:ext cx="2597285" cy="819039"/>
-          </a:xfrm>
-          <a:prstGeom prst="roundRect">
-            <a:avLst/>
-          </a:prstGeom>
-          <a:solidFill>
-            <a:srgbClr val="F27779"/>
-          </a:solidFill>
-        </p:spPr>
-        <p:style>
-          <a:lnRef idx="2">
-            <a:schemeClr val="accent1">
-              <a:shade val="50000"/>
-            </a:schemeClr>
-          </a:lnRef>
-          <a:fillRef idx="1">
-            <a:schemeClr val="accent1"/>
-          </a:fillRef>
-          <a:effectRef idx="0">
-            <a:schemeClr val="accent1"/>
-          </a:effectRef>
-          <a:fontRef idx="minor">
-            <a:schemeClr val="lt1"/>
-          </a:fontRef>
-        </p:style>
-        <p:txBody>
-          <a:bodyPr rtlCol="0" anchor="ctr"/>
-          <a:lstStyle/>
-          <a:p>
-            <a:pPr algn="ctr"/>
-            <a:r>
-              <a:rPr lang="en-US" sz="2000" b="1" dirty="0"/>
-              <a:t>Do you need to worry about R versions? </a:t>
-            </a:r>
-          </a:p>
-        </p:txBody>
-      </p:sp>
-      <p:sp>
-        <p:nvSpPr>
-          <p:cNvPr id="11" name="Rectangle: Rounded Corners 10">
-            <a:extLst>
-              <a:ext uri="{FF2B5EF4-FFF2-40B4-BE49-F238E27FC236}">
-                <a16:creationId xmlns:a16="http://schemas.microsoft.com/office/drawing/2014/main" id="{46FC7529-6F94-4E25-BA93-99610813EC27}"/>
-              </a:ext>
-            </a:extLst>
-          </p:cNvPr>
-          <p:cNvSpPr/>
-          <p:nvPr/>
-        </p:nvSpPr>
-        <p:spPr>
-          <a:xfrm>
-            <a:off x="7216474" y="5319754"/>
-            <a:ext cx="1874364" cy="732108"/>
-          </a:xfrm>
-          <a:prstGeom prst="roundRect">
-            <a:avLst/>
-          </a:prstGeom>
-          <a:solidFill>
-            <a:srgbClr val="6D3B89"/>
-          </a:solidFill>
-        </p:spPr>
-        <p:style>
-          <a:lnRef idx="2">
-            <a:schemeClr val="accent1">
-              <a:shade val="50000"/>
-            </a:schemeClr>
-          </a:lnRef>
-          <a:fillRef idx="1">
-            <a:schemeClr val="accent1"/>
-          </a:fillRef>
-          <a:effectRef idx="0">
-            <a:schemeClr val="accent1"/>
-          </a:effectRef>
-          <a:fontRef idx="minor">
-            <a:schemeClr val="lt1"/>
-          </a:fontRef>
-        </p:style>
-        <p:txBody>
-          <a:bodyPr rtlCol="0" anchor="ctr"/>
-          <a:lstStyle/>
-          <a:p>
-            <a:pPr algn="ctr"/>
-            <a:r>
-              <a:rPr lang="en-US" sz="2000" b="1" dirty="0"/>
-              <a:t>Don’t worry, be happy</a:t>
-            </a:r>
-          </a:p>
-        </p:txBody>
-      </p:sp>
-      <p:cxnSp>
-        <p:nvCxnSpPr>
-          <p:cNvPr id="13" name="Straight Arrow Connector 12">
-            <a:extLst>
-              <a:ext uri="{FF2B5EF4-FFF2-40B4-BE49-F238E27FC236}">
-                <a16:creationId xmlns:a16="http://schemas.microsoft.com/office/drawing/2014/main" id="{12F9B65A-A6F7-4588-8135-94BDC492E764}"/>
-              </a:ext>
-            </a:extLst>
-          </p:cNvPr>
-          <p:cNvCxnSpPr>
-            <a:cxnSpLocks/>
-            <a:endCxn id="11" idx="0"/>
-          </p:cNvCxnSpPr>
-          <p:nvPr/>
-        </p:nvCxnSpPr>
-        <p:spPr>
-          <a:xfrm flipH="1">
-            <a:off x="8153656" y="3590982"/>
-            <a:ext cx="620696" cy="1728772"/>
-          </a:xfrm>
-          <a:prstGeom prst="straightConnector1">
-            <a:avLst/>
-          </a:prstGeom>
-          <a:ln w="76200">
-            <a:solidFill>
-              <a:schemeClr val="tx1"/>
-            </a:solidFill>
-            <a:tailEnd type="triangle"/>
-          </a:ln>
-        </p:spPr>
-        <p:style>
-          <a:lnRef idx="1">
-            <a:schemeClr val="accent1"/>
-          </a:lnRef>
-          <a:fillRef idx="0">
-            <a:schemeClr val="accent1"/>
-          </a:fillRef>
-          <a:effectRef idx="0">
-            <a:schemeClr val="accent1"/>
-          </a:effectRef>
-          <a:fontRef idx="minor">
-            <a:schemeClr val="tx1"/>
-          </a:fontRef>
-        </p:style>
-      </p:cxnSp>
-      <p:sp>
-        <p:nvSpPr>
-          <p:cNvPr id="9" name="Rectangle: Rounded Corners 8">
-            <a:extLst>
-              <a:ext uri="{FF2B5EF4-FFF2-40B4-BE49-F238E27FC236}">
-                <a16:creationId xmlns:a16="http://schemas.microsoft.com/office/drawing/2014/main" id="{DAD2090C-4349-4BC0-AB3A-291665A2E346}"/>
-              </a:ext>
-            </a:extLst>
-          </p:cNvPr>
-          <p:cNvSpPr/>
-          <p:nvPr/>
-        </p:nvSpPr>
-        <p:spPr>
-          <a:xfrm>
-            <a:off x="8146146" y="4220964"/>
-            <a:ext cx="680939" cy="365125"/>
-          </a:xfrm>
-          <a:prstGeom prst="roundRect">
-            <a:avLst/>
-          </a:prstGeom>
-        </p:spPr>
-        <p:style>
-          <a:lnRef idx="2">
-            <a:schemeClr val="accent1">
-              <a:shade val="50000"/>
-            </a:schemeClr>
-          </a:lnRef>
-          <a:fillRef idx="1">
-            <a:schemeClr val="accent1"/>
-          </a:fillRef>
-          <a:effectRef idx="0">
-            <a:schemeClr val="accent1"/>
-          </a:effectRef>
-          <a:fontRef idx="minor">
-            <a:schemeClr val="lt1"/>
-          </a:fontRef>
-        </p:style>
-        <p:txBody>
-          <a:bodyPr rtlCol="0" anchor="ctr"/>
-          <a:lstStyle/>
-          <a:p>
-            <a:pPr algn="ctr"/>
-            <a:r>
-              <a:rPr lang="en-US" sz="2000" b="1" dirty="0"/>
-              <a:t>No</a:t>
-            </a:r>
-          </a:p>
-        </p:txBody>
-      </p:sp>
-      <p:sp>
-        <p:nvSpPr>
-          <p:cNvPr id="15" name="Rectangle: Rounded Corners 14">
-            <a:extLst>
-              <a:ext uri="{FF2B5EF4-FFF2-40B4-BE49-F238E27FC236}">
-                <a16:creationId xmlns:a16="http://schemas.microsoft.com/office/drawing/2014/main" id="{18F84FC3-B581-4585-97C0-25F15E60E136}"/>
-              </a:ext>
-            </a:extLst>
-          </p:cNvPr>
-          <p:cNvSpPr/>
-          <p:nvPr/>
-        </p:nvSpPr>
-        <p:spPr>
-          <a:xfrm>
-            <a:off x="9828988" y="5319754"/>
-            <a:ext cx="1874364" cy="732108"/>
-          </a:xfrm>
-          <a:prstGeom prst="roundRect">
-            <a:avLst/>
-          </a:prstGeom>
-          <a:solidFill>
-            <a:srgbClr val="6D3B89"/>
-          </a:solidFill>
-        </p:spPr>
-        <p:style>
-          <a:lnRef idx="2">
-            <a:schemeClr val="accent1">
-              <a:shade val="50000"/>
-            </a:schemeClr>
-          </a:lnRef>
-          <a:fillRef idx="1">
-            <a:schemeClr val="accent1"/>
-          </a:fillRef>
-          <a:effectRef idx="0">
-            <a:schemeClr val="accent1"/>
-          </a:effectRef>
-          <a:fontRef idx="minor">
-            <a:schemeClr val="lt1"/>
-          </a:fontRef>
-        </p:style>
-        <p:txBody>
-          <a:bodyPr rtlCol="0" anchor="ctr"/>
-          <a:lstStyle/>
-          <a:p>
-            <a:pPr algn="ctr"/>
-            <a:r>
-              <a:rPr lang="en-US" sz="2000" b="1" dirty="0"/>
-              <a:t>Pay attention to versions</a:t>
-            </a:r>
-          </a:p>
-        </p:txBody>
-      </p:sp>
-      <p:cxnSp>
-        <p:nvCxnSpPr>
-          <p:cNvPr id="16" name="Straight Arrow Connector 15">
-            <a:extLst>
-              <a:ext uri="{FF2B5EF4-FFF2-40B4-BE49-F238E27FC236}">
-                <a16:creationId xmlns:a16="http://schemas.microsoft.com/office/drawing/2014/main" id="{3290612A-E234-4FE6-81A2-CC6417874178}"/>
-              </a:ext>
-            </a:extLst>
-          </p:cNvPr>
-          <p:cNvCxnSpPr>
-            <a:cxnSpLocks/>
-            <a:endCxn id="15" idx="0"/>
-          </p:cNvCxnSpPr>
-          <p:nvPr/>
-        </p:nvCxnSpPr>
-        <p:spPr>
-          <a:xfrm>
-            <a:off x="10321689" y="3590982"/>
-            <a:ext cx="444481" cy="1728772"/>
-          </a:xfrm>
-          <a:prstGeom prst="straightConnector1">
-            <a:avLst/>
-          </a:prstGeom>
-          <a:ln w="76200">
-            <a:solidFill>
-              <a:schemeClr val="tx1"/>
-            </a:solidFill>
-            <a:tailEnd type="triangle"/>
-          </a:ln>
-        </p:spPr>
-        <p:style>
-          <a:lnRef idx="1">
-            <a:schemeClr val="accent1"/>
-          </a:lnRef>
-          <a:fillRef idx="0">
-            <a:schemeClr val="accent1"/>
-          </a:fillRef>
-          <a:effectRef idx="0">
-            <a:schemeClr val="accent1"/>
-          </a:effectRef>
-          <a:fontRef idx="minor">
-            <a:schemeClr val="tx1"/>
-          </a:fontRef>
-        </p:style>
-      </p:cxnSp>
-      <p:sp>
-        <p:nvSpPr>
-          <p:cNvPr id="17" name="Rectangle: Rounded Corners 16">
-            <a:extLst>
-              <a:ext uri="{FF2B5EF4-FFF2-40B4-BE49-F238E27FC236}">
-                <a16:creationId xmlns:a16="http://schemas.microsoft.com/office/drawing/2014/main" id="{33F08010-38D5-480B-8B61-91A203E9609F}"/>
-              </a:ext>
-            </a:extLst>
-          </p:cNvPr>
-          <p:cNvSpPr/>
-          <p:nvPr/>
-        </p:nvSpPr>
-        <p:spPr>
-          <a:xfrm>
-            <a:off x="10203459" y="4182874"/>
-            <a:ext cx="680939" cy="365125"/>
-          </a:xfrm>
-          <a:prstGeom prst="roundRect">
-            <a:avLst/>
-          </a:prstGeom>
-        </p:spPr>
-        <p:style>
-          <a:lnRef idx="2">
-            <a:schemeClr val="accent1">
-              <a:shade val="50000"/>
-            </a:schemeClr>
-          </a:lnRef>
-          <a:fillRef idx="1">
-            <a:schemeClr val="accent1"/>
-          </a:fillRef>
-          <a:effectRef idx="0">
-            <a:schemeClr val="accent1"/>
-          </a:effectRef>
-          <a:fontRef idx="minor">
-            <a:schemeClr val="lt1"/>
-          </a:fontRef>
-        </p:style>
-        <p:txBody>
-          <a:bodyPr rtlCol="0" anchor="ctr"/>
-          <a:lstStyle/>
-          <a:p>
-            <a:pPr algn="ctr"/>
-            <a:r>
-              <a:rPr lang="en-US" sz="2000" b="1" dirty="0"/>
-              <a:t>Yes</a:t>
-            </a:r>
-          </a:p>
-        </p:txBody>
-      </p:sp>
-      <p:cxnSp>
-        <p:nvCxnSpPr>
-          <p:cNvPr id="24" name="Straight Arrow Connector 23">
-            <a:extLst>
-              <a:ext uri="{FF2B5EF4-FFF2-40B4-BE49-F238E27FC236}">
-                <a16:creationId xmlns:a16="http://schemas.microsoft.com/office/drawing/2014/main" id="{85020E48-EBE3-493D-8292-15F8DB7A0611}"/>
-              </a:ext>
-            </a:extLst>
-          </p:cNvPr>
-          <p:cNvCxnSpPr>
-            <a:cxnSpLocks/>
-          </p:cNvCxnSpPr>
-          <p:nvPr/>
-        </p:nvCxnSpPr>
-        <p:spPr>
-          <a:xfrm>
-            <a:off x="9681326" y="2297868"/>
-            <a:ext cx="0" cy="568440"/>
-          </a:xfrm>
-          <a:prstGeom prst="straightConnector1">
-            <a:avLst/>
-          </a:prstGeom>
-          <a:ln w="76200">
-            <a:solidFill>
-              <a:schemeClr val="tx1"/>
-            </a:solidFill>
-            <a:tailEnd type="triangle"/>
-          </a:ln>
-        </p:spPr>
-        <p:style>
-          <a:lnRef idx="1">
-            <a:schemeClr val="accent1"/>
-          </a:lnRef>
-          <a:fillRef idx="0">
-            <a:schemeClr val="accent1"/>
-          </a:fillRef>
-          <a:effectRef idx="0">
-            <a:schemeClr val="accent1"/>
-          </a:effectRef>
-          <a:fontRef idx="minor">
-            <a:schemeClr val="tx1"/>
-          </a:fontRef>
-        </p:style>
-      </p:cxnSp>
-      <p:sp>
-        <p:nvSpPr>
-          <p:cNvPr id="8" name="Rectangle: Rounded Corners 7">
-            <a:extLst>
-              <a:ext uri="{FF2B5EF4-FFF2-40B4-BE49-F238E27FC236}">
-                <a16:creationId xmlns:a16="http://schemas.microsoft.com/office/drawing/2014/main" id="{16DAB3B5-437D-47C4-9B4B-1E3C64CEA1A7}"/>
-              </a:ext>
-            </a:extLst>
-          </p:cNvPr>
-          <p:cNvSpPr/>
-          <p:nvPr/>
-        </p:nvSpPr>
-        <p:spPr>
-          <a:xfrm>
-            <a:off x="8026938" y="2907222"/>
-            <a:ext cx="3297678" cy="683760"/>
-          </a:xfrm>
-          <a:prstGeom prst="roundRect">
-            <a:avLst/>
-          </a:prstGeom>
-          <a:solidFill>
-            <a:srgbClr val="B5517D"/>
-          </a:solidFill>
-        </p:spPr>
-        <p:style>
-          <a:lnRef idx="2">
-            <a:schemeClr val="accent1">
-              <a:shade val="50000"/>
-            </a:schemeClr>
-          </a:lnRef>
-          <a:fillRef idx="1">
-            <a:schemeClr val="accent1"/>
-          </a:fillRef>
-          <a:effectRef idx="0">
-            <a:schemeClr val="accent1"/>
-          </a:effectRef>
-          <a:fontRef idx="minor">
-            <a:schemeClr val="lt1"/>
-          </a:fontRef>
-        </p:style>
-        <p:txBody>
-          <a:bodyPr rtlCol="0" anchor="ctr"/>
-          <a:lstStyle/>
-          <a:p>
-            <a:pPr algn="ctr"/>
-            <a:r>
-              <a:rPr lang="en-US" sz="2000" b="1" dirty="0"/>
-              <a:t>Do you perform biometrician-level analyses?</a:t>
-            </a:r>
-          </a:p>
-        </p:txBody>
-      </p:sp>
-    </p:spTree>
-    <p:extLst>
-      <p:ext uri="{BB962C8B-B14F-4D97-AF65-F5344CB8AC3E}">
-        <p14:creationId xmlns:p14="http://schemas.microsoft.com/office/powerpoint/2010/main" val="2206302639"/>
       </p:ext>
     </p:extLst>
   </p:cSld>

--- a/presentations/2 - About R and RStudio.pptx
+++ b/presentations/2 - About R and RStudio.pptx
@@ -19231,15 +19231,15 @@
             <a:pPr lvl="1"/>
             <a:r>
               <a:rPr lang="en-US" dirty="0"/>
-              <a:t>What is an RStudio project (.</a:t>
+              <a:t>Advantages </a:t>
             </a:r>
             <a:r>
               <a:rPr lang="en-US" dirty="0" err="1"/>
-              <a:t>Rproj</a:t>
+              <a:t>ofRStudio</a:t>
             </a:r>
             <a:r>
               <a:rPr lang="en-US" dirty="0"/>
-              <a:t>)?</a:t>
+              <a:t> project</a:t>
             </a:r>
           </a:p>
           <a:p>
